--- a/lectures/bootstrap.pptx
+++ b/lectures/bootstrap.pptx
@@ -248,7 +248,7 @@
           <a:p>
             <a:fld id="{08BD4FA9-F3CE-45B3-A980-C331C6F1EF65}" type="datetimeFigureOut">
               <a:rPr lang="en-US" smtClean="0"/>
-              <a:t>3/12/2022</a:t>
+              <a:t>3/15/2022</a:t>
             </a:fld>
             <a:endParaRPr lang="en-US"/>
           </a:p>
@@ -413,7 +413,7 @@
           <a:p>
             <a:fld id="{58E1773B-12E6-4A34-9BA7-1DE9199A146A}" type="datetimeFigureOut">
               <a:rPr lang="en-US" smtClean="0"/>
-              <a:t>3/12/2022</a:t>
+              <a:t>3/15/2022</a:t>
             </a:fld>
             <a:endParaRPr lang="en-US"/>
           </a:p>
@@ -1206,7 +1206,7 @@
           <a:p>
             <a:fld id="{EAAD3657-2200-4D14-82C0-10C39B0F0F06}" type="datetime1">
               <a:rPr lang="en-US" smtClean="0"/>
-              <a:t>3/12/2022</a:t>
+              <a:t>3/15/2022</a:t>
             </a:fld>
             <a:endParaRPr lang="en-US"/>
           </a:p>
@@ -1374,7 +1374,7 @@
           <a:p>
             <a:fld id="{11BBAF55-A85E-4993-914E-FC1E5AA7DF24}" type="datetime1">
               <a:rPr lang="en-US" smtClean="0"/>
-              <a:t>3/12/2022</a:t>
+              <a:t>3/15/2022</a:t>
             </a:fld>
             <a:endParaRPr lang="en-US"/>
           </a:p>
@@ -1552,7 +1552,7 @@
           <a:p>
             <a:fld id="{39816E07-E1DB-44A4-A5E5-9F4B54E8C933}" type="datetime1">
               <a:rPr lang="en-US" smtClean="0"/>
-              <a:t>3/12/2022</a:t>
+              <a:t>3/15/2022</a:t>
             </a:fld>
             <a:endParaRPr lang="en-US"/>
           </a:p>
@@ -1737,7 +1737,7 @@
           <a:p>
             <a:fld id="{C2B1AD17-B813-4477-8AFE-B1860CC59113}" type="datetime1">
               <a:rPr lang="en-US" smtClean="0"/>
-              <a:t>3/12/2022</a:t>
+              <a:t>3/15/2022</a:t>
             </a:fld>
             <a:endParaRPr lang="en-US"/>
           </a:p>
@@ -1982,7 +1982,7 @@
           <a:p>
             <a:fld id="{D0975C0D-5C9E-48CC-8D31-F42D19FA8F7A}" type="datetime1">
               <a:rPr lang="en-US" smtClean="0"/>
-              <a:t>3/12/2022</a:t>
+              <a:t>3/15/2022</a:t>
             </a:fld>
             <a:endParaRPr lang="en-US"/>
           </a:p>
@@ -2267,7 +2267,7 @@
           <a:p>
             <a:fld id="{28657551-0F2B-4F09-86FD-F7994CE83DC5}" type="datetime1">
               <a:rPr lang="en-US" smtClean="0"/>
-              <a:t>3/12/2022</a:t>
+              <a:t>3/15/2022</a:t>
             </a:fld>
             <a:endParaRPr lang="en-US"/>
           </a:p>
@@ -2686,7 +2686,7 @@
           <a:p>
             <a:fld id="{3929D2B2-4200-46B9-96C3-02A55D5FAA00}" type="datetime1">
               <a:rPr lang="en-US" smtClean="0"/>
-              <a:t>3/12/2022</a:t>
+              <a:t>3/15/2022</a:t>
             </a:fld>
             <a:endParaRPr lang="en-US"/>
           </a:p>
@@ -2803,7 +2803,7 @@
           <a:p>
             <a:fld id="{41FF7722-74E8-497F-A072-89677A2C2373}" type="datetime1">
               <a:rPr lang="en-US" smtClean="0"/>
-              <a:t>3/12/2022</a:t>
+              <a:t>3/15/2022</a:t>
             </a:fld>
             <a:endParaRPr lang="en-US"/>
           </a:p>
@@ -2898,7 +2898,7 @@
           <a:p>
             <a:fld id="{BD26212E-B46B-426F-AE59-AA326827D9E0}" type="datetime1">
               <a:rPr lang="en-US" smtClean="0"/>
-              <a:t>3/12/2022</a:t>
+              <a:t>3/15/2022</a:t>
             </a:fld>
             <a:endParaRPr lang="en-US"/>
           </a:p>
@@ -3173,7 +3173,7 @@
           <a:p>
             <a:fld id="{FB9B81E8-09EA-4684-A39F-38DE1E49D20C}" type="datetime1">
               <a:rPr lang="en-US" smtClean="0"/>
-              <a:t>3/12/2022</a:t>
+              <a:t>3/15/2022</a:t>
             </a:fld>
             <a:endParaRPr lang="en-US"/>
           </a:p>
@@ -3425,7 +3425,7 @@
           <a:p>
             <a:fld id="{35C5CC5F-056C-4047-9A5C-9F5B4BED129B}" type="datetime1">
               <a:rPr lang="en-US" smtClean="0"/>
-              <a:t>3/12/2022</a:t>
+              <a:t>3/15/2022</a:t>
             </a:fld>
             <a:endParaRPr lang="en-US"/>
           </a:p>
@@ -3639,7 +3639,7 @@
           <a:p>
             <a:fld id="{E8171053-07BD-4A17-AC24-0A22EAA36098}" type="datetime1">
               <a:rPr lang="en-US" smtClean="0"/>
-              <a:t>3/12/2022</a:t>
+              <a:t>3/15/2022</a:t>
             </a:fld>
             <a:endParaRPr lang="en-US"/>
           </a:p>
@@ -6207,7 +6207,13 @@
           <a:prstGeom prst="rect">
             <a:avLst/>
           </a:prstGeom>
-          <a:noFill/>
+          <a:solidFill>
+            <a:schemeClr val="accent6">
+              <a:lumMod val="20000"/>
+              <a:lumOff val="80000"/>
+              <a:alpha val="60000"/>
+            </a:schemeClr>
+          </a:solidFill>
         </p:spPr>
         <p:txBody>
           <a:bodyPr wrap="square" rtlCol="0">
@@ -7148,15 +7154,19 @@
           <a:p>
             <a:r>
               <a:rPr lang="en-CA" dirty="0"/>
-              <a:t>Rather than fitting a nonparametric smoothed curve, we might want to fit a parametric but nonlinear model, perhaps for </a:t>
-            </a:r>
-            <a:r>
-              <a:rPr lang="en-CA" dirty="0" err="1"/>
-              <a:t>substantative</a:t>
+              <a:t>Rather than fitting a nonparametric smoothed curve, we might want to fit a parametric but </a:t>
+            </a:r>
+            <a:r>
+              <a:rPr lang="en-CA" dirty="0">
+                <a:solidFill>
+                  <a:srgbClr val="FF0000"/>
+                </a:solidFill>
+              </a:rPr>
+              <a:t>nonlinear</a:t>
             </a:r>
             <a:r>
               <a:rPr lang="en-CA" dirty="0"/>
-              <a:t> interpretation </a:t>
+              <a:t> model, perhaps for substantive interpretation </a:t>
             </a:r>
           </a:p>
         </p:txBody>
@@ -7915,7 +7925,7 @@
             <a:graphicData uri="http://schemas.openxmlformats.org/presentationml/2006/ole">
               <mc:AlternateContent xmlns:mc="http://schemas.openxmlformats.org/markup-compatibility/2006">
                 <mc:Choice xmlns:v="urn:schemas-microsoft-com:vml" Requires="v">
-                  <p:oleObj spid="_x0000_s3085" name="Equation" r:id="rId4" imgW="698400" imgH="393480" progId="Equation.DSMT4">
+                  <p:oleObj spid="_x0000_s3091" name="Equation" r:id="rId4" imgW="698400" imgH="393480" progId="Equation.DSMT4">
                     <p:embed/>
                   </p:oleObj>
                 </mc:Choice>
@@ -8035,7 +8045,7 @@
             <a:graphicData uri="http://schemas.openxmlformats.org/presentationml/2006/ole">
               <mc:AlternateContent xmlns:mc="http://schemas.openxmlformats.org/markup-compatibility/2006">
                 <mc:Choice xmlns:v="urn:schemas-microsoft-com:vml" Requires="v">
-                  <p:oleObj spid="_x0000_s3086" name="Equation" r:id="rId7" imgW="761760" imgH="393480" progId="Equation.DSMT4">
+                  <p:oleObj spid="_x0000_s3092" name="Equation" r:id="rId7" imgW="761760" imgH="393480" progId="Equation.DSMT4">
                     <p:embed/>
                   </p:oleObj>
                 </mc:Choice>
@@ -8102,6 +8112,76 @@
             <a:r>
               <a:rPr lang="en-US" dirty="0"/>
               <a:t>What are the parameters in this model?</a:t>
+            </a:r>
+          </a:p>
+        </p:txBody>
+      </p:sp>
+      <p:sp>
+        <p:nvSpPr>
+          <p:cNvPr id="4" name="TextBox 3">
+            <a:extLst>
+              <a:ext uri="{FF2B5EF4-FFF2-40B4-BE49-F238E27FC236}">
+                <a16:creationId xmlns:a16="http://schemas.microsoft.com/office/drawing/2014/main" id="{AB8DD516-90CF-420B-AFBA-CB9E6937393A}"/>
+              </a:ext>
+            </a:extLst>
+          </p:cNvPr>
+          <p:cNvSpPr txBox="1"/>
+          <p:nvPr/>
+        </p:nvSpPr>
+        <p:spPr>
+          <a:xfrm>
+            <a:off x="990600" y="1858044"/>
+            <a:ext cx="1905000" cy="369332"/>
+          </a:xfrm>
+          <a:prstGeom prst="rect">
+            <a:avLst/>
+          </a:prstGeom>
+          <a:noFill/>
+        </p:spPr>
+        <p:txBody>
+          <a:bodyPr wrap="square" rtlCol="0">
+            <a:spAutoFit/>
+          </a:bodyPr>
+          <a:lstStyle/>
+          <a:p>
+            <a:r>
+              <a:rPr lang="en-US" dirty="0"/>
+              <a:t>k: starting value</a:t>
+            </a:r>
+          </a:p>
+        </p:txBody>
+      </p:sp>
+      <p:sp>
+        <p:nvSpPr>
+          <p:cNvPr id="6" name="TextBox 5">
+            <a:extLst>
+              <a:ext uri="{FF2B5EF4-FFF2-40B4-BE49-F238E27FC236}">
+                <a16:creationId xmlns:a16="http://schemas.microsoft.com/office/drawing/2014/main" id="{B1D5B2D3-0848-4B26-A5A1-86D869BFDA3C}"/>
+              </a:ext>
+            </a:extLst>
+          </p:cNvPr>
+          <p:cNvSpPr txBox="1"/>
+          <p:nvPr/>
+        </p:nvSpPr>
+        <p:spPr>
+          <a:xfrm>
+            <a:off x="5257800" y="1856124"/>
+            <a:ext cx="1600200" cy="369332"/>
+          </a:xfrm>
+          <a:prstGeom prst="rect">
+            <a:avLst/>
+          </a:prstGeom>
+          <a:noFill/>
+        </p:spPr>
+        <p:txBody>
+          <a:bodyPr wrap="square" rtlCol="0">
+            <a:spAutoFit/>
+          </a:bodyPr>
+          <a:lstStyle/>
+          <a:p>
+            <a:r>
+              <a:rPr lang="en-US" dirty="0"/>
+              <a:t>b: asymptote</a:t>
             </a:r>
           </a:p>
         </p:txBody>
@@ -11317,6 +11397,289 @@
   <p:clrMapOvr>
     <a:masterClrMapping/>
   </p:clrMapOvr>
+  <p:timing>
+    <p:tnLst>
+      <p:par>
+        <p:cTn id="1" dur="indefinite" restart="never" nodeType="tmRoot">
+          <p:childTnLst>
+            <p:seq concurrent="1" nextAc="seek">
+              <p:cTn id="2" dur="indefinite" nodeType="mainSeq">
+                <p:childTnLst>
+                  <p:par>
+                    <p:cTn id="3" fill="hold">
+                      <p:stCondLst>
+                        <p:cond delay="indefinite"/>
+                      </p:stCondLst>
+                      <p:childTnLst>
+                        <p:par>
+                          <p:cTn id="4" fill="hold">
+                            <p:stCondLst>
+                              <p:cond delay="0"/>
+                            </p:stCondLst>
+                            <p:childTnLst>
+                              <p:par>
+                                <p:cTn id="5" presetID="1" presetClass="entr" presetSubtype="0" fill="hold" nodeType="clickEffect">
+                                  <p:stCondLst>
+                                    <p:cond delay="0"/>
+                                  </p:stCondLst>
+                                  <p:childTnLst>
+                                    <p:set>
+                                      <p:cBhvr>
+                                        <p:cTn id="6" dur="1" fill="hold">
+                                          <p:stCondLst>
+                                            <p:cond delay="0"/>
+                                          </p:stCondLst>
+                                        </p:cTn>
+                                        <p:tgtEl>
+                                          <p:spTgt spid="7">
+                                            <p:txEl>
+                                              <p:pRg st="2" end="2"/>
+                                            </p:txEl>
+                                          </p:spTgt>
+                                        </p:tgtEl>
+                                        <p:attrNameLst>
+                                          <p:attrName>style.visibility</p:attrName>
+                                        </p:attrNameLst>
+                                      </p:cBhvr>
+                                      <p:to>
+                                        <p:strVal val="visible"/>
+                                      </p:to>
+                                    </p:set>
+                                  </p:childTnLst>
+                                </p:cTn>
+                              </p:par>
+                              <p:par>
+                                <p:cTn id="7" presetID="1" presetClass="entr" presetSubtype="0" fill="hold" nodeType="withEffect">
+                                  <p:stCondLst>
+                                    <p:cond delay="0"/>
+                                  </p:stCondLst>
+                                  <p:childTnLst>
+                                    <p:set>
+                                      <p:cBhvr>
+                                        <p:cTn id="8" dur="1" fill="hold">
+                                          <p:stCondLst>
+                                            <p:cond delay="0"/>
+                                          </p:stCondLst>
+                                        </p:cTn>
+                                        <p:tgtEl>
+                                          <p:spTgt spid="7">
+                                            <p:txEl>
+                                              <p:pRg st="3" end="3"/>
+                                            </p:txEl>
+                                          </p:spTgt>
+                                        </p:tgtEl>
+                                        <p:attrNameLst>
+                                          <p:attrName>style.visibility</p:attrName>
+                                        </p:attrNameLst>
+                                      </p:cBhvr>
+                                      <p:to>
+                                        <p:strVal val="visible"/>
+                                      </p:to>
+                                    </p:set>
+                                  </p:childTnLst>
+                                </p:cTn>
+                              </p:par>
+                              <p:par>
+                                <p:cTn id="9" presetID="1" presetClass="entr" presetSubtype="0" fill="hold" nodeType="withEffect">
+                                  <p:stCondLst>
+                                    <p:cond delay="0"/>
+                                  </p:stCondLst>
+                                  <p:childTnLst>
+                                    <p:set>
+                                      <p:cBhvr>
+                                        <p:cTn id="10" dur="1" fill="hold">
+                                          <p:stCondLst>
+                                            <p:cond delay="0"/>
+                                          </p:stCondLst>
+                                        </p:cTn>
+                                        <p:tgtEl>
+                                          <p:spTgt spid="7">
+                                            <p:txEl>
+                                              <p:pRg st="4" end="4"/>
+                                            </p:txEl>
+                                          </p:spTgt>
+                                        </p:tgtEl>
+                                        <p:attrNameLst>
+                                          <p:attrName>style.visibility</p:attrName>
+                                        </p:attrNameLst>
+                                      </p:cBhvr>
+                                      <p:to>
+                                        <p:strVal val="visible"/>
+                                      </p:to>
+                                    </p:set>
+                                  </p:childTnLst>
+                                </p:cTn>
+                              </p:par>
+                            </p:childTnLst>
+                          </p:cTn>
+                        </p:par>
+                      </p:childTnLst>
+                    </p:cTn>
+                  </p:par>
+                  <p:par>
+                    <p:cTn id="11" fill="hold">
+                      <p:stCondLst>
+                        <p:cond delay="indefinite"/>
+                      </p:stCondLst>
+                      <p:childTnLst>
+                        <p:par>
+                          <p:cTn id="12" fill="hold">
+                            <p:stCondLst>
+                              <p:cond delay="0"/>
+                            </p:stCondLst>
+                            <p:childTnLst>
+                              <p:par>
+                                <p:cTn id="13" presetID="1" presetClass="entr" presetSubtype="0" fill="hold" nodeType="clickEffect">
+                                  <p:stCondLst>
+                                    <p:cond delay="0"/>
+                                  </p:stCondLst>
+                                  <p:childTnLst>
+                                    <p:set>
+                                      <p:cBhvr>
+                                        <p:cTn id="14" dur="1" fill="hold">
+                                          <p:stCondLst>
+                                            <p:cond delay="0"/>
+                                          </p:stCondLst>
+                                        </p:cTn>
+                                        <p:tgtEl>
+                                          <p:spTgt spid="7">
+                                            <p:txEl>
+                                              <p:pRg st="6" end="6"/>
+                                            </p:txEl>
+                                          </p:spTgt>
+                                        </p:tgtEl>
+                                        <p:attrNameLst>
+                                          <p:attrName>style.visibility</p:attrName>
+                                        </p:attrNameLst>
+                                      </p:cBhvr>
+                                      <p:to>
+                                        <p:strVal val="visible"/>
+                                      </p:to>
+                                    </p:set>
+                                  </p:childTnLst>
+                                </p:cTn>
+                              </p:par>
+                              <p:par>
+                                <p:cTn id="15" presetID="1" presetClass="entr" presetSubtype="0" fill="hold" nodeType="withEffect">
+                                  <p:stCondLst>
+                                    <p:cond delay="0"/>
+                                  </p:stCondLst>
+                                  <p:childTnLst>
+                                    <p:set>
+                                      <p:cBhvr>
+                                        <p:cTn id="16" dur="1" fill="hold">
+                                          <p:stCondLst>
+                                            <p:cond delay="0"/>
+                                          </p:stCondLst>
+                                        </p:cTn>
+                                        <p:tgtEl>
+                                          <p:spTgt spid="7">
+                                            <p:txEl>
+                                              <p:pRg st="7" end="7"/>
+                                            </p:txEl>
+                                          </p:spTgt>
+                                        </p:tgtEl>
+                                        <p:attrNameLst>
+                                          <p:attrName>style.visibility</p:attrName>
+                                        </p:attrNameLst>
+                                      </p:cBhvr>
+                                      <p:to>
+                                        <p:strVal val="visible"/>
+                                      </p:to>
+                                    </p:set>
+                                  </p:childTnLst>
+                                </p:cTn>
+                              </p:par>
+                              <p:par>
+                                <p:cTn id="17" presetID="1" presetClass="entr" presetSubtype="0" fill="hold" nodeType="withEffect">
+                                  <p:stCondLst>
+                                    <p:cond delay="0"/>
+                                  </p:stCondLst>
+                                  <p:childTnLst>
+                                    <p:set>
+                                      <p:cBhvr>
+                                        <p:cTn id="18" dur="1" fill="hold">
+                                          <p:stCondLst>
+                                            <p:cond delay="0"/>
+                                          </p:stCondLst>
+                                        </p:cTn>
+                                        <p:tgtEl>
+                                          <p:spTgt spid="7">
+                                            <p:txEl>
+                                              <p:pRg st="8" end="8"/>
+                                            </p:txEl>
+                                          </p:spTgt>
+                                        </p:tgtEl>
+                                        <p:attrNameLst>
+                                          <p:attrName>style.visibility</p:attrName>
+                                        </p:attrNameLst>
+                                      </p:cBhvr>
+                                      <p:to>
+                                        <p:strVal val="visible"/>
+                                      </p:to>
+                                    </p:set>
+                                  </p:childTnLst>
+                                </p:cTn>
+                              </p:par>
+                              <p:par>
+                                <p:cTn id="19" presetID="1" presetClass="entr" presetSubtype="0" fill="hold" nodeType="withEffect">
+                                  <p:stCondLst>
+                                    <p:cond delay="0"/>
+                                  </p:stCondLst>
+                                  <p:childTnLst>
+                                    <p:set>
+                                      <p:cBhvr>
+                                        <p:cTn id="20" dur="1" fill="hold">
+                                          <p:stCondLst>
+                                            <p:cond delay="0"/>
+                                          </p:stCondLst>
+                                        </p:cTn>
+                                        <p:tgtEl>
+                                          <p:spTgt spid="7">
+                                            <p:txEl>
+                                              <p:pRg st="9" end="9"/>
+                                            </p:txEl>
+                                          </p:spTgt>
+                                        </p:tgtEl>
+                                        <p:attrNameLst>
+                                          <p:attrName>style.visibility</p:attrName>
+                                        </p:attrNameLst>
+                                      </p:cBhvr>
+                                      <p:to>
+                                        <p:strVal val="visible"/>
+                                      </p:to>
+                                    </p:set>
+                                  </p:childTnLst>
+                                </p:cTn>
+                              </p:par>
+                            </p:childTnLst>
+                          </p:cTn>
+                        </p:par>
+                      </p:childTnLst>
+                    </p:cTn>
+                  </p:par>
+                </p:childTnLst>
+              </p:cTn>
+              <p:prevCondLst>
+                <p:cond evt="onPrev" delay="0">
+                  <p:tgtEl>
+                    <p:sldTgt/>
+                  </p:tgtEl>
+                </p:cond>
+              </p:prevCondLst>
+              <p:nextCondLst>
+                <p:cond evt="onNext" delay="0">
+                  <p:tgtEl>
+                    <p:sldTgt/>
+                  </p:tgtEl>
+                </p:cond>
+              </p:nextCondLst>
+            </p:seq>
+          </p:childTnLst>
+        </p:cTn>
+      </p:par>
+    </p:tnLst>
+  </p:timing>
 </p:sld>
 </file>
 
@@ -12022,6 +12385,48 @@
           </a:p>
         </p:txBody>
       </p:sp>
+      <p:cxnSp>
+        <p:nvCxnSpPr>
+          <p:cNvPr id="6" name="Straight Arrow Connector 5">
+            <a:extLst>
+              <a:ext uri="{FF2B5EF4-FFF2-40B4-BE49-F238E27FC236}">
+                <a16:creationId xmlns:a16="http://schemas.microsoft.com/office/drawing/2014/main" id="{845FCED3-A12E-45F3-8C38-1FAA5043CB70}"/>
+              </a:ext>
+            </a:extLst>
+          </p:cNvPr>
+          <p:cNvCxnSpPr/>
+          <p:nvPr/>
+        </p:nvCxnSpPr>
+        <p:spPr>
+          <a:xfrm flipH="1">
+            <a:off x="4572000" y="3733800"/>
+            <a:ext cx="685800" cy="585252"/>
+          </a:xfrm>
+          <a:prstGeom prst="straightConnector1">
+            <a:avLst/>
+          </a:prstGeom>
+          <a:ln w="31750">
+            <a:solidFill>
+              <a:srgbClr val="FF0000"/>
+            </a:solidFill>
+            <a:tailEnd type="stealth" w="lg" len="med"/>
+          </a:ln>
+        </p:spPr>
+        <p:style>
+          <a:lnRef idx="1">
+            <a:schemeClr val="accent1"/>
+          </a:lnRef>
+          <a:fillRef idx="0">
+            <a:schemeClr val="accent1"/>
+          </a:fillRef>
+          <a:effectRef idx="0">
+            <a:schemeClr val="accent1"/>
+          </a:effectRef>
+          <a:fontRef idx="minor">
+            <a:schemeClr val="tx1"/>
+          </a:fontRef>
+        </p:style>
+      </p:cxnSp>
     </p:spTree>
     <p:extLst>
       <p:ext uri="{BB962C8B-B14F-4D97-AF65-F5344CB8AC3E}">
@@ -12198,14 +12603,41 @@
                                 </p:cTn>
                               </p:par>
                               <p:par>
-                                <p:cTn id="15" presetID="2" presetClass="entr" presetSubtype="2" fill="hold" grpId="0" nodeType="withEffect">
+                                <p:cTn id="15" presetID="1" presetClass="entr" presetSubtype="0" fill="hold" nodeType="withEffect">
+                                  <p:stCondLst>
+                                    <p:cond delay="0"/>
+                                  </p:stCondLst>
+                                  <p:childTnLst>
+                                    <p:set>
+                                      <p:cBhvr>
+                                        <p:cTn id="16" dur="1" fill="hold">
+                                          <p:stCondLst>
+                                            <p:cond delay="0"/>
+                                          </p:stCondLst>
+                                        </p:cTn>
+                                        <p:tgtEl>
+                                          <p:spTgt spid="6"/>
+                                        </p:tgtEl>
+                                        <p:attrNameLst>
+                                          <p:attrName>style.visibility</p:attrName>
+                                        </p:attrNameLst>
+                                      </p:cBhvr>
+                                      <p:to>
+                                        <p:strVal val="visible"/>
+                                      </p:to>
+                                    </p:set>
+                                  </p:childTnLst>
+                                </p:cTn>
+                              </p:par>
+                              <p:par>
+                                <p:cTn id="17" presetID="2" presetClass="entr" presetSubtype="2" fill="hold" grpId="0" nodeType="withEffect">
                                   <p:stCondLst>
                                     <p:cond delay="1500"/>
                                   </p:stCondLst>
                                   <p:childTnLst>
                                     <p:set>
                                       <p:cBhvr>
-                                        <p:cTn id="16" dur="1" fill="hold">
+                                        <p:cTn id="18" dur="1" fill="hold">
                                           <p:stCondLst>
                                             <p:cond delay="0"/>
                                           </p:stCondLst>
@@ -12223,7 +12655,7 @@
                                     </p:set>
                                     <p:anim calcmode="lin" valueType="num">
                                       <p:cBhvr additive="base">
-                                        <p:cTn id="17" dur="500" fill="hold"/>
+                                        <p:cTn id="19" dur="500" fill="hold"/>
                                         <p:tgtEl>
                                           <p:spTgt spid="8"/>
                                         </p:tgtEl>
@@ -12246,7 +12678,7 @@
                                     </p:anim>
                                     <p:anim calcmode="lin" valueType="num">
                                       <p:cBhvr additive="base">
-                                        <p:cTn id="18" dur="500" fill="hold"/>
+                                        <p:cTn id="20" dur="500" fill="hold"/>
                                         <p:tgtEl>
                                           <p:spTgt spid="8"/>
                                         </p:tgtEl>
@@ -13353,7 +13785,19 @@
           <a:p>
             <a:r>
               <a:rPr lang="en-US" dirty="0"/>
-              <a:t>                   map(model, augment)) %&gt;% </a:t>
+              <a:t>                   map(model, </a:t>
+            </a:r>
+            <a:r>
+              <a:rPr lang="en-US" dirty="0">
+                <a:highlight>
+                  <a:srgbClr val="FFFF00"/>
+                </a:highlight>
+              </a:rPr>
+              <a:t>augment</a:t>
+            </a:r>
+            <a:r>
+              <a:rPr lang="en-US" dirty="0"/>
+              <a:t>)) %&gt;% </a:t>
             </a:r>
           </a:p>
           <a:p>

--- a/lectures/bootstrap.pptx
+++ b/lectures/bootstrap.pptx
@@ -248,7 +248,7 @@
           <a:p>
             <a:fld id="{08BD4FA9-F3CE-45B3-A980-C331C6F1EF65}" type="datetimeFigureOut">
               <a:rPr lang="en-US" smtClean="0"/>
-              <a:t>3/15/2022</a:t>
+              <a:t>3/11/2024</a:t>
             </a:fld>
             <a:endParaRPr lang="en-US"/>
           </a:p>
@@ -413,7 +413,7 @@
           <a:p>
             <a:fld id="{58E1773B-12E6-4A34-9BA7-1DE9199A146A}" type="datetimeFigureOut">
               <a:rPr lang="en-US" smtClean="0"/>
-              <a:t>3/15/2022</a:t>
+              <a:t>3/11/2024</a:t>
             </a:fld>
             <a:endParaRPr lang="en-US"/>
           </a:p>
@@ -1206,7 +1206,7 @@
           <a:p>
             <a:fld id="{EAAD3657-2200-4D14-82C0-10C39B0F0F06}" type="datetime1">
               <a:rPr lang="en-US" smtClean="0"/>
-              <a:t>3/15/2022</a:t>
+              <a:t>3/11/2024</a:t>
             </a:fld>
             <a:endParaRPr lang="en-US"/>
           </a:p>
@@ -1374,7 +1374,7 @@
           <a:p>
             <a:fld id="{11BBAF55-A85E-4993-914E-FC1E5AA7DF24}" type="datetime1">
               <a:rPr lang="en-US" smtClean="0"/>
-              <a:t>3/15/2022</a:t>
+              <a:t>3/11/2024</a:t>
             </a:fld>
             <a:endParaRPr lang="en-US"/>
           </a:p>
@@ -1552,7 +1552,7 @@
           <a:p>
             <a:fld id="{39816E07-E1DB-44A4-A5E5-9F4B54E8C933}" type="datetime1">
               <a:rPr lang="en-US" smtClean="0"/>
-              <a:t>3/15/2022</a:t>
+              <a:t>3/11/2024</a:t>
             </a:fld>
             <a:endParaRPr lang="en-US"/>
           </a:p>
@@ -1737,7 +1737,7 @@
           <a:p>
             <a:fld id="{C2B1AD17-B813-4477-8AFE-B1860CC59113}" type="datetime1">
               <a:rPr lang="en-US" smtClean="0"/>
-              <a:t>3/15/2022</a:t>
+              <a:t>3/11/2024</a:t>
             </a:fld>
             <a:endParaRPr lang="en-US"/>
           </a:p>
@@ -1982,7 +1982,7 @@
           <a:p>
             <a:fld id="{D0975C0D-5C9E-48CC-8D31-F42D19FA8F7A}" type="datetime1">
               <a:rPr lang="en-US" smtClean="0"/>
-              <a:t>3/15/2022</a:t>
+              <a:t>3/11/2024</a:t>
             </a:fld>
             <a:endParaRPr lang="en-US"/>
           </a:p>
@@ -2267,7 +2267,7 @@
           <a:p>
             <a:fld id="{28657551-0F2B-4F09-86FD-F7994CE83DC5}" type="datetime1">
               <a:rPr lang="en-US" smtClean="0"/>
-              <a:t>3/15/2022</a:t>
+              <a:t>3/11/2024</a:t>
             </a:fld>
             <a:endParaRPr lang="en-US"/>
           </a:p>
@@ -2686,7 +2686,7 @@
           <a:p>
             <a:fld id="{3929D2B2-4200-46B9-96C3-02A55D5FAA00}" type="datetime1">
               <a:rPr lang="en-US" smtClean="0"/>
-              <a:t>3/15/2022</a:t>
+              <a:t>3/11/2024</a:t>
             </a:fld>
             <a:endParaRPr lang="en-US"/>
           </a:p>
@@ -2803,7 +2803,7 @@
           <a:p>
             <a:fld id="{41FF7722-74E8-497F-A072-89677A2C2373}" type="datetime1">
               <a:rPr lang="en-US" smtClean="0"/>
-              <a:t>3/15/2022</a:t>
+              <a:t>3/11/2024</a:t>
             </a:fld>
             <a:endParaRPr lang="en-US"/>
           </a:p>
@@ -2898,7 +2898,7 @@
           <a:p>
             <a:fld id="{BD26212E-B46B-426F-AE59-AA326827D9E0}" type="datetime1">
               <a:rPr lang="en-US" smtClean="0"/>
-              <a:t>3/15/2022</a:t>
+              <a:t>3/11/2024</a:t>
             </a:fld>
             <a:endParaRPr lang="en-US"/>
           </a:p>
@@ -3173,7 +3173,7 @@
           <a:p>
             <a:fld id="{FB9B81E8-09EA-4684-A39F-38DE1E49D20C}" type="datetime1">
               <a:rPr lang="en-US" smtClean="0"/>
-              <a:t>3/15/2022</a:t>
+              <a:t>3/11/2024</a:t>
             </a:fld>
             <a:endParaRPr lang="en-US"/>
           </a:p>
@@ -3425,7 +3425,7 @@
           <a:p>
             <a:fld id="{35C5CC5F-056C-4047-9A5C-9F5B4BED129B}" type="datetime1">
               <a:rPr lang="en-US" smtClean="0"/>
-              <a:t>3/15/2022</a:t>
+              <a:t>3/11/2024</a:t>
             </a:fld>
             <a:endParaRPr lang="en-US"/>
           </a:p>
@@ -3639,7 +3639,7 @@
           <a:p>
             <a:fld id="{E8171053-07BD-4A17-AC24-0A22EAA36098}" type="datetime1">
               <a:rPr lang="en-US" smtClean="0"/>
-              <a:t>3/15/2022</a:t>
+              <a:t>3/11/2024</a:t>
             </a:fld>
             <a:endParaRPr lang="en-US"/>
           </a:p>
@@ -5809,6 +5809,42 @@
           </a:extLst>
         </p:spPr>
       </p:pic>
+      <p:pic>
+        <p:nvPicPr>
+          <p:cNvPr id="5" name="Picture 4" descr="A hexagon with a head and icons&#10;&#10;Description automatically generated">
+            <a:extLst>
+              <a:ext uri="{FF2B5EF4-FFF2-40B4-BE49-F238E27FC236}">
+                <a16:creationId xmlns:a16="http://schemas.microsoft.com/office/drawing/2014/main" id="{24CF8885-AFC3-AFE9-E606-4AB961F9CF0F}"/>
+              </a:ext>
+            </a:extLst>
+          </p:cNvPr>
+          <p:cNvPicPr>
+            <a:picLocks noChangeAspect="1"/>
+          </p:cNvPicPr>
+          <p:nvPr/>
+        </p:nvPicPr>
+        <p:blipFill>
+          <a:blip r:embed="rId5" cstate="print">
+            <a:extLst>
+              <a:ext uri="{28A0092B-C50C-407E-A947-70E740481C1C}">
+                <a14:useLocalDpi xmlns:a14="http://schemas.microsoft.com/office/drawing/2010/main" val="0"/>
+              </a:ext>
+            </a:extLst>
+          </a:blip>
+          <a:stretch>
+            <a:fillRect/>
+          </a:stretch>
+        </p:blipFill>
+        <p:spPr>
+          <a:xfrm>
+            <a:off x="6835345" y="5139576"/>
+            <a:ext cx="1063537" cy="1224000"/>
+          </a:xfrm>
+          <a:prstGeom prst="rect">
+            <a:avLst/>
+          </a:prstGeom>
+        </p:spPr>
+      </p:pic>
     </p:spTree>
     <p:extLst>
       <p:ext uri="{BB962C8B-B14F-4D97-AF65-F5344CB8AC3E}">
@@ -6202,7 +6238,7 @@
         <p:spPr>
           <a:xfrm>
             <a:off x="430619" y="2438400"/>
-            <a:ext cx="3733800" cy="1754326"/>
+            <a:ext cx="3733800" cy="1477328"/>
           </a:xfrm>
           <a:prstGeom prst="rect">
             <a:avLst/>
@@ -6272,28 +6308,6 @@
             <a:r>
               <a:rPr lang="en-US" dirty="0"/>
               <a:t>(method = "loess") +</a:t>
-            </a:r>
-          </a:p>
-          <a:p>
-            <a:r>
-              <a:rPr lang="en-US" dirty="0"/>
-              <a:t>  </a:t>
-            </a:r>
-            <a:r>
-              <a:rPr lang="en-US" dirty="0" err="1"/>
-              <a:t>theme_bw</a:t>
-            </a:r>
-            <a:r>
-              <a:rPr lang="en-US" dirty="0"/>
-              <a:t>(</a:t>
-            </a:r>
-            <a:r>
-              <a:rPr lang="en-US" dirty="0" err="1"/>
-              <a:t>base_size</a:t>
-            </a:r>
-            <a:r>
-              <a:rPr lang="en-US" dirty="0"/>
-              <a:t> = 16)  +</a:t>
             </a:r>
           </a:p>
           <a:p>
@@ -6509,12 +6523,24 @@
               <a:t>Instead, resampling methods generate outcome draws from a smooth fit using </a:t>
             </a:r>
             <a:r>
-              <a:rPr lang="en-US" dirty="0" err="1"/>
+              <a:rPr lang="en-US" dirty="0" err="1">
+                <a:highlight>
+                  <a:srgbClr val="FFFF00"/>
+                </a:highlight>
+              </a:rPr>
               <a:t>mgcv</a:t>
             </a:r>
             <a:r>
+              <a:rPr lang="en-US" dirty="0">
+                <a:highlight>
+                  <a:srgbClr val="FFFF00"/>
+                </a:highlight>
+              </a:rPr>
+              <a:t>::gam(). </a:t>
+            </a:r>
+            <a:r>
               <a:rPr lang="en-US" dirty="0"/>
-              <a:t>::gam(). The collection of draws provide an empirical confidence envelope</a:t>
+              <a:t>The collection of draws provide an empirical confidence envelope</a:t>
             </a:r>
           </a:p>
         </p:txBody>
@@ -6627,7 +6653,19 @@
             </a:r>
             <a:r>
               <a:rPr lang="en-US" dirty="0"/>
-              <a:t>(group = stat(.draw))) </a:t>
+              <a:t>(group = </a:t>
+            </a:r>
+            <a:r>
+              <a:rPr lang="en-US" dirty="0">
+                <a:highlight>
+                  <a:srgbClr val="FFFF00"/>
+                </a:highlight>
+              </a:rPr>
+              <a:t>stat(.draw) </a:t>
+            </a:r>
+            <a:r>
+              <a:rPr lang="en-US" dirty="0"/>
+              <a:t>)) </a:t>
             </a:r>
           </a:p>
           <a:p>
@@ -6993,42 +7031,6 @@
           <a:chExt cx="0" cy="0"/>
         </a:xfrm>
       </p:grpSpPr>
-      <p:pic>
-        <p:nvPicPr>
-          <p:cNvPr id="7" name="Picture 6" descr="Chart, scatter chart&#10;&#10;Description automatically generated">
-            <a:extLst>
-              <a:ext uri="{FF2B5EF4-FFF2-40B4-BE49-F238E27FC236}">
-                <a16:creationId xmlns:a16="http://schemas.microsoft.com/office/drawing/2014/main" id="{D5C12C9A-593D-49DF-BB03-DF41E5B13C3E}"/>
-              </a:ext>
-            </a:extLst>
-          </p:cNvPr>
-          <p:cNvPicPr>
-            <a:picLocks noChangeAspect="1"/>
-          </p:cNvPicPr>
-          <p:nvPr/>
-        </p:nvPicPr>
-        <p:blipFill>
-          <a:blip r:embed="rId2" cstate="print">
-            <a:extLst>
-              <a:ext uri="{28A0092B-C50C-407E-A947-70E740481C1C}">
-                <a14:useLocalDpi xmlns:a14="http://schemas.microsoft.com/office/drawing/2010/main" val="0"/>
-              </a:ext>
-            </a:extLst>
-          </a:blip>
-          <a:stretch>
-            <a:fillRect/>
-          </a:stretch>
-        </p:blipFill>
-        <p:spPr>
-          <a:xfrm>
-            <a:off x="4699594" y="2645656"/>
-            <a:ext cx="3977648" cy="3977648"/>
-          </a:xfrm>
-          <a:prstGeom prst="rect">
-            <a:avLst/>
-          </a:prstGeom>
-        </p:spPr>
-      </p:pic>
       <p:sp>
         <p:nvSpPr>
           <p:cNvPr id="2" name="Title 1">
@@ -7088,42 +7090,6 @@
           </a:p>
         </p:txBody>
       </p:sp>
-      <p:pic>
-        <p:nvPicPr>
-          <p:cNvPr id="5" name="Picture 4" descr="Chart, scatter chart&#10;&#10;Description automatically generated">
-            <a:extLst>
-              <a:ext uri="{FF2B5EF4-FFF2-40B4-BE49-F238E27FC236}">
-                <a16:creationId xmlns:a16="http://schemas.microsoft.com/office/drawing/2014/main" id="{7F0156AC-7478-4F4F-BFCF-A0DE8BF6E205}"/>
-              </a:ext>
-            </a:extLst>
-          </p:cNvPr>
-          <p:cNvPicPr>
-            <a:picLocks noChangeAspect="1"/>
-          </p:cNvPicPr>
-          <p:nvPr/>
-        </p:nvPicPr>
-        <p:blipFill>
-          <a:blip r:embed="rId3" cstate="print">
-            <a:extLst>
-              <a:ext uri="{28A0092B-C50C-407E-A947-70E740481C1C}">
-                <a14:useLocalDpi xmlns:a14="http://schemas.microsoft.com/office/drawing/2010/main" val="0"/>
-              </a:ext>
-            </a:extLst>
-          </a:blip>
-          <a:stretch>
-            <a:fillRect/>
-          </a:stretch>
-        </p:blipFill>
-        <p:spPr>
-          <a:xfrm>
-            <a:off x="448408" y="2627304"/>
-            <a:ext cx="3996000" cy="3996000"/>
-          </a:xfrm>
-          <a:prstGeom prst="rect">
-            <a:avLst/>
-          </a:prstGeom>
-        </p:spPr>
-      </p:pic>
       <p:sp>
         <p:nvSpPr>
           <p:cNvPr id="8" name="TextBox 7">
@@ -7154,7 +7120,19 @@
           <a:p>
             <a:r>
               <a:rPr lang="en-CA" dirty="0"/>
-              <a:t>Rather than fitting a nonparametric smoothed curve, we might want to fit a parametric but </a:t>
+              <a:t>Rather than fitting a nonparametric smoothed curve, we might want to fit a </a:t>
+            </a:r>
+            <a:r>
+              <a:rPr lang="en-CA" dirty="0">
+                <a:highlight>
+                  <a:srgbClr val="FFFF00"/>
+                </a:highlight>
+              </a:rPr>
+              <a:t>parametric</a:t>
+            </a:r>
+            <a:r>
+              <a:rPr lang="en-CA" dirty="0"/>
+              <a:t> but </a:t>
             </a:r>
             <a:r>
               <a:rPr lang="en-CA" dirty="0">
@@ -7171,14 +7149,227 @@
           </a:p>
         </p:txBody>
       </p:sp>
-      <mc:AlternateContent xmlns:mc="http://schemas.openxmlformats.org/markup-compatibility/2006" xmlns:a14="http://schemas.microsoft.com/office/drawing/2010/main">
-        <mc:Choice Requires="a14">
+      <p:grpSp>
+        <p:nvGrpSpPr>
+          <p:cNvPr id="9" name="Group 8">
+            <a:extLst>
+              <a:ext uri="{FF2B5EF4-FFF2-40B4-BE49-F238E27FC236}">
+                <a16:creationId xmlns:a16="http://schemas.microsoft.com/office/drawing/2014/main" id="{F968E42A-6FD1-FF3D-EE41-6A1E30026BA4}"/>
+              </a:ext>
+            </a:extLst>
+          </p:cNvPr>
+          <p:cNvGrpSpPr/>
+          <p:nvPr/>
+        </p:nvGrpSpPr>
+        <p:grpSpPr>
+          <a:xfrm>
+            <a:off x="4699594" y="1941731"/>
+            <a:ext cx="3977648" cy="4681573"/>
+            <a:chOff x="4699594" y="1941731"/>
+            <a:chExt cx="3977648" cy="4681573"/>
+          </a:xfrm>
+        </p:grpSpPr>
+        <p:pic>
+          <p:nvPicPr>
+            <p:cNvPr id="7" name="Picture 6" descr="Chart, scatter chart&#10;&#10;Description automatically generated">
+              <a:extLst>
+                <a:ext uri="{FF2B5EF4-FFF2-40B4-BE49-F238E27FC236}">
+                  <a16:creationId xmlns:a16="http://schemas.microsoft.com/office/drawing/2014/main" id="{D5C12C9A-593D-49DF-BB03-DF41E5B13C3E}"/>
+                </a:ext>
+              </a:extLst>
+            </p:cNvPr>
+            <p:cNvPicPr>
+              <a:picLocks noChangeAspect="1"/>
+            </p:cNvPicPr>
+            <p:nvPr/>
+          </p:nvPicPr>
+          <p:blipFill>
+            <a:blip r:embed="rId2" cstate="print">
+              <a:extLst>
+                <a:ext uri="{28A0092B-C50C-407E-A947-70E740481C1C}">
+                  <a14:useLocalDpi xmlns:a14="http://schemas.microsoft.com/office/drawing/2010/main" val="0"/>
+                </a:ext>
+              </a:extLst>
+            </a:blip>
+            <a:stretch>
+              <a:fillRect/>
+            </a:stretch>
+          </p:blipFill>
+          <p:spPr>
+            <a:xfrm>
+              <a:off x="4699594" y="2645656"/>
+              <a:ext cx="3977648" cy="3977648"/>
+            </a:xfrm>
+            <a:prstGeom prst="rect">
+              <a:avLst/>
+            </a:prstGeom>
+          </p:spPr>
+        </p:pic>
+        <p:grpSp>
+          <p:nvGrpSpPr>
+            <p:cNvPr id="6" name="Group 5">
+              <a:extLst>
+                <a:ext uri="{FF2B5EF4-FFF2-40B4-BE49-F238E27FC236}">
+                  <a16:creationId xmlns:a16="http://schemas.microsoft.com/office/drawing/2014/main" id="{4D6CBB29-6F0B-D07D-03BB-7634D3A11347}"/>
+                </a:ext>
+              </a:extLst>
+            </p:cNvPr>
+            <p:cNvGrpSpPr/>
+            <p:nvPr/>
+          </p:nvGrpSpPr>
+          <p:grpSpPr>
+            <a:xfrm>
+              <a:off x="4932423" y="1941731"/>
+              <a:ext cx="3601977" cy="584391"/>
+              <a:chOff x="4932423" y="1941731"/>
+              <a:chExt cx="3601977" cy="584391"/>
+            </a:xfrm>
+          </p:grpSpPr>
+          <mc:AlternateContent xmlns:mc="http://schemas.openxmlformats.org/markup-compatibility/2006">
+            <mc:Choice xmlns:a14="http://schemas.microsoft.com/office/drawing/2010/main" Requires="a14">
+              <p:sp>
+                <p:nvSpPr>
+                  <p:cNvPr id="10" name="TextBox 9">
+                    <a:extLst>
+                      <a:ext uri="{FF2B5EF4-FFF2-40B4-BE49-F238E27FC236}">
+                        <a16:creationId xmlns:a16="http://schemas.microsoft.com/office/drawing/2014/main" id="{59EBBDF0-9625-438A-BC05-3C651096A80B}"/>
+                      </a:ext>
+                    </a:extLst>
+                  </p:cNvPr>
+                  <p:cNvSpPr txBox="1"/>
+                  <p:nvPr/>
+                </p:nvSpPr>
+                <p:spPr>
+                  <a:xfrm>
+                    <a:off x="7370823" y="1941731"/>
+                    <a:ext cx="1163577" cy="584391"/>
+                  </a:xfrm>
+                  <a:prstGeom prst="rect">
+                    <a:avLst/>
+                  </a:prstGeom>
+                  <a:noFill/>
+                </p:spPr>
+                <p:txBody>
+                  <a:bodyPr wrap="square" lIns="0" tIns="0" rIns="0" bIns="0" rtlCol="0">
+                    <a:spAutoFit/>
+                  </a:bodyPr>
+                  <a:lstStyle/>
+                  <a:p>
+                    <a:pPr/>
+                    <a14:m>
+                      <m:oMathPara xmlns:m="http://schemas.openxmlformats.org/officeDocument/2006/math">
+                        <m:oMathParaPr>
+                          <m:jc m:val="centerGroup"/>
+                        </m:oMathParaPr>
+                        <m:oMath xmlns:m="http://schemas.openxmlformats.org/officeDocument/2006/math">
+                          <m:r>
+                            <a:rPr lang="en-CA" sz="2000" b="0" i="1" smtClean="0">
+                              <a:latin typeface="Cambria Math" panose="02040503050406030204" pitchFamily="18" charset="0"/>
+                            </a:rPr>
+                            <m:t>𝑦</m:t>
+                          </m:r>
+                          <m:r>
+                            <a:rPr lang="en-CA" sz="2000" b="0" i="1" smtClean="0">
+                              <a:latin typeface="Cambria Math" panose="02040503050406030204" pitchFamily="18" charset="0"/>
+                            </a:rPr>
+                            <m:t>=</m:t>
+                          </m:r>
+                          <m:f>
+                            <m:fPr>
+                              <m:ctrlPr>
+                                <a:rPr lang="en-CA" sz="2000" b="0" i="1" smtClean="0">
+                                  <a:latin typeface="Cambria Math" panose="02040503050406030204" pitchFamily="18" charset="0"/>
+                                </a:rPr>
+                              </m:ctrlPr>
+                            </m:fPr>
+                            <m:num>
+                              <m:r>
+                                <a:rPr lang="en-CA" sz="2000" b="0" i="1" smtClean="0">
+                                  <a:latin typeface="Cambria Math" panose="02040503050406030204" pitchFamily="18" charset="0"/>
+                                </a:rPr>
+                                <m:t>𝑘</m:t>
+                              </m:r>
+                            </m:num>
+                            <m:den>
+                              <m:r>
+                                <a:rPr lang="en-CA" sz="2000" b="0" i="1" smtClean="0">
+                                  <a:latin typeface="Cambria Math" panose="02040503050406030204" pitchFamily="18" charset="0"/>
+                                </a:rPr>
+                                <m:t>𝑥</m:t>
+                              </m:r>
+                            </m:den>
+                          </m:f>
+                          <m:r>
+                            <a:rPr lang="en-CA" sz="2000" b="0" i="1" smtClean="0">
+                              <a:latin typeface="Cambria Math" panose="02040503050406030204" pitchFamily="18" charset="0"/>
+                            </a:rPr>
+                            <m:t>+</m:t>
+                          </m:r>
+                          <m:r>
+                            <a:rPr lang="en-CA" sz="2000" b="0" i="1" smtClean="0">
+                              <a:latin typeface="Cambria Math" panose="02040503050406030204" pitchFamily="18" charset="0"/>
+                            </a:rPr>
+                            <m:t>𝑏</m:t>
+                          </m:r>
+                        </m:oMath>
+                      </m:oMathPara>
+                    </a14:m>
+                    <a:endParaRPr lang="en-CA" sz="2000" dirty="0"/>
+                  </a:p>
+                </p:txBody>
+              </p:sp>
+            </mc:Choice>
+            <mc:Fallback>
+              <p:sp>
+                <p:nvSpPr>
+                  <p:cNvPr id="10" name="TextBox 9">
+                    <a:extLst>
+                      <a:ext uri="{FF2B5EF4-FFF2-40B4-BE49-F238E27FC236}">
+                        <a16:creationId xmlns:a16="http://schemas.microsoft.com/office/drawing/2014/main" id="{59EBBDF0-9625-438A-BC05-3C651096A80B}"/>
+                      </a:ext>
+                    </a:extLst>
+                  </p:cNvPr>
+                  <p:cNvSpPr txBox="1">
+                    <a:spLocks noRot="1" noChangeAspect="1" noMove="1" noResize="1" noEditPoints="1" noAdjustHandles="1" noChangeArrowheads="1" noChangeShapeType="1" noTextEdit="1"/>
+                  </p:cNvSpPr>
+                  <p:nvPr/>
+                </p:nvSpPr>
+                <p:spPr>
+                  <a:xfrm>
+                    <a:off x="7370823" y="1941731"/>
+                    <a:ext cx="1163577" cy="584391"/>
+                  </a:xfrm>
+                  <a:prstGeom prst="rect">
+                    <a:avLst/>
+                  </a:prstGeom>
+                  <a:blipFill>
+                    <a:blip r:embed="rId3"/>
+                    <a:stretch>
+                      <a:fillRect/>
+                    </a:stretch>
+                  </a:blipFill>
+                </p:spPr>
+                <p:txBody>
+                  <a:bodyPr/>
+                  <a:lstStyle/>
+                  <a:p>
+                    <a:r>
+                      <a:rPr lang="en-CA">
+                        <a:noFill/>
+                      </a:rPr>
+                      <a:t> </a:t>
+                    </a:r>
+                  </a:p>
+                </p:txBody>
+              </p:sp>
+            </mc:Fallback>
+          </mc:AlternateContent>
           <p:sp>
             <p:nvSpPr>
-              <p:cNvPr id="10" name="TextBox 9">
+              <p:cNvPr id="11" name="TextBox 10">
                 <a:extLst>
                   <a:ext uri="{FF2B5EF4-FFF2-40B4-BE49-F238E27FC236}">
-                    <a16:creationId xmlns:a16="http://schemas.microsoft.com/office/drawing/2014/main" id="{59EBBDF0-9625-438A-BC05-3C651096A80B}"/>
+                    <a16:creationId xmlns:a16="http://schemas.microsoft.com/office/drawing/2014/main" id="{E4149D2B-F509-4B56-8B5A-4403DFA2B26B}"/>
                   </a:ext>
                 </a:extLst>
               </p:cNvPr>
@@ -7187,8 +7378,8 @@
             </p:nvSpPr>
             <p:spPr>
               <a:xfrm>
-                <a:off x="6248400" y="1941731"/>
-                <a:ext cx="1163577" cy="584391"/>
+                <a:off x="4932423" y="2049260"/>
+                <a:ext cx="2133600" cy="369332"/>
               </a:xfrm>
               <a:prstGeom prst="rect">
                 <a:avLst/>
@@ -7196,155 +7387,112 @@
               <a:noFill/>
             </p:spPr>
             <p:txBody>
-              <a:bodyPr wrap="square" lIns="0" tIns="0" rIns="0" bIns="0" rtlCol="0">
+              <a:bodyPr wrap="square" rtlCol="0">
                 <a:spAutoFit/>
               </a:bodyPr>
               <a:lstStyle/>
               <a:p>
-                <a:pPr/>
-                <a14:m>
-                  <m:oMathPara xmlns:m="http://schemas.openxmlformats.org/officeDocument/2006/math">
-                    <m:oMathParaPr>
-                      <m:jc m:val="centerGroup"/>
-                    </m:oMathParaPr>
-                    <m:oMath xmlns:m="http://schemas.openxmlformats.org/officeDocument/2006/math">
-                      <m:r>
-                        <a:rPr lang="en-CA" sz="2000" b="0" i="1" smtClean="0">
-                          <a:latin typeface="Cambria Math" panose="02040503050406030204" pitchFamily="18" charset="0"/>
-                        </a:rPr>
-                        <m:t>𝑦</m:t>
-                      </m:r>
-                      <m:r>
-                        <a:rPr lang="en-CA" sz="2000" b="0" i="1" smtClean="0">
-                          <a:latin typeface="Cambria Math" panose="02040503050406030204" pitchFamily="18" charset="0"/>
-                        </a:rPr>
-                        <m:t>=</m:t>
-                      </m:r>
-                      <m:f>
-                        <m:fPr>
-                          <m:ctrlPr>
-                            <a:rPr lang="en-CA" sz="2000" b="0" i="1" smtClean="0">
-                              <a:latin typeface="Cambria Math" panose="02040503050406030204" pitchFamily="18" charset="0"/>
-                            </a:rPr>
-                          </m:ctrlPr>
-                        </m:fPr>
-                        <m:num>
-                          <m:r>
-                            <a:rPr lang="en-CA" sz="2000" b="0" i="1" smtClean="0">
-                              <a:latin typeface="Cambria Math" panose="02040503050406030204" pitchFamily="18" charset="0"/>
-                            </a:rPr>
-                            <m:t>𝑘</m:t>
-                          </m:r>
-                        </m:num>
-                        <m:den>
-                          <m:r>
-                            <a:rPr lang="en-CA" sz="2000" b="0" i="1" smtClean="0">
-                              <a:latin typeface="Cambria Math" panose="02040503050406030204" pitchFamily="18" charset="0"/>
-                            </a:rPr>
-                            <m:t>𝑥</m:t>
-                          </m:r>
-                        </m:den>
-                      </m:f>
-                      <m:r>
-                        <a:rPr lang="en-CA" sz="2000" b="0" i="1" smtClean="0">
-                          <a:latin typeface="Cambria Math" panose="02040503050406030204" pitchFamily="18" charset="0"/>
-                        </a:rPr>
-                        <m:t>+</m:t>
-                      </m:r>
-                      <m:r>
-                        <a:rPr lang="en-CA" sz="2000" b="0" i="1" smtClean="0">
-                          <a:latin typeface="Cambria Math" panose="02040503050406030204" pitchFamily="18" charset="0"/>
-                        </a:rPr>
-                        <m:t>𝑏</m:t>
-                      </m:r>
-                    </m:oMath>
-                  </m:oMathPara>
-                </a14:m>
-                <a:endParaRPr lang="en-CA" sz="2000" dirty="0"/>
-              </a:p>
-            </p:txBody>
-          </p:sp>
-        </mc:Choice>
-        <mc:Fallback xmlns="">
-          <p:sp>
-            <p:nvSpPr>
-              <p:cNvPr id="10" name="TextBox 9">
-                <a:extLst>
-                  <a:ext uri="{FF2B5EF4-FFF2-40B4-BE49-F238E27FC236}">
-                    <a16:creationId xmlns:a16="http://schemas.microsoft.com/office/drawing/2014/main" id="{59EBBDF0-9625-438A-BC05-3C651096A80B}"/>
-                  </a:ext>
-                </a:extLst>
-              </p:cNvPr>
-              <p:cNvSpPr txBox="1">
-                <a:spLocks noRot="1" noChangeAspect="1" noMove="1" noResize="1" noEditPoints="1" noAdjustHandles="1" noChangeArrowheads="1" noChangeShapeType="1" noTextEdit="1"/>
-              </p:cNvSpPr>
-              <p:nvPr/>
-            </p:nvSpPr>
-            <p:spPr>
-              <a:xfrm>
-                <a:off x="6248400" y="1941731"/>
-                <a:ext cx="1163577" cy="584391"/>
-              </a:xfrm>
-              <a:prstGeom prst="rect">
-                <a:avLst/>
-              </a:prstGeom>
-              <a:blipFill>
-                <a:blip r:embed="rId4"/>
-                <a:stretch>
-                  <a:fillRect/>
-                </a:stretch>
-              </a:blipFill>
-            </p:spPr>
-            <p:txBody>
-              <a:bodyPr/>
-              <a:lstStyle/>
-              <a:p>
                 <a:r>
-                  <a:rPr lang="en-CA">
-                    <a:noFill/>
-                  </a:rPr>
-                  <a:t> </a:t>
+                  <a:rPr lang="en-CA" dirty="0"/>
+                  <a:t>An inverse relation:</a:t>
                 </a:r>
               </a:p>
             </p:txBody>
           </p:sp>
-        </mc:Fallback>
-      </mc:AlternateContent>
-      <p:sp>
-        <p:nvSpPr>
-          <p:cNvPr id="11" name="TextBox 10">
+        </p:grpSp>
+      </p:grpSp>
+      <p:grpSp>
+        <p:nvGrpSpPr>
+          <p:cNvPr id="12" name="Group 11">
             <a:extLst>
               <a:ext uri="{FF2B5EF4-FFF2-40B4-BE49-F238E27FC236}">
-                <a16:creationId xmlns:a16="http://schemas.microsoft.com/office/drawing/2014/main" id="{E4149D2B-F509-4B56-8B5A-4403DFA2B26B}"/>
+                <a16:creationId xmlns:a16="http://schemas.microsoft.com/office/drawing/2014/main" id="{49573034-4405-46F1-BB25-44DEC1A4D2F4}"/>
               </a:ext>
             </a:extLst>
           </p:cNvPr>
-          <p:cNvSpPr txBox="1"/>
+          <p:cNvGrpSpPr/>
           <p:nvPr/>
-        </p:nvSpPr>
-        <p:spPr>
+        </p:nvGrpSpPr>
+        <p:grpSpPr>
           <a:xfrm>
-            <a:off x="3810000" y="2049260"/>
-            <a:ext cx="2133600" cy="369332"/>
+            <a:off x="448408" y="2049260"/>
+            <a:ext cx="3996000" cy="4574044"/>
+            <a:chOff x="448408" y="2049260"/>
+            <a:chExt cx="3996000" cy="4574044"/>
           </a:xfrm>
-          <a:prstGeom prst="rect">
-            <a:avLst/>
-          </a:prstGeom>
-          <a:noFill/>
-        </p:spPr>
-        <p:txBody>
-          <a:bodyPr wrap="square" rtlCol="0">
-            <a:spAutoFit/>
-          </a:bodyPr>
-          <a:lstStyle/>
-          <a:p>
-            <a:r>
-              <a:rPr lang="en-CA" dirty="0"/>
-              <a:t>An inverse relation:</a:t>
-            </a:r>
-          </a:p>
-        </p:txBody>
-      </p:sp>
+        </p:grpSpPr>
+        <p:pic>
+          <p:nvPicPr>
+            <p:cNvPr id="5" name="Picture 4" descr="Chart, scatter chart&#10;&#10;Description automatically generated">
+              <a:extLst>
+                <a:ext uri="{FF2B5EF4-FFF2-40B4-BE49-F238E27FC236}">
+                  <a16:creationId xmlns:a16="http://schemas.microsoft.com/office/drawing/2014/main" id="{7F0156AC-7478-4F4F-BFCF-A0DE8BF6E205}"/>
+                </a:ext>
+              </a:extLst>
+            </p:cNvPr>
+            <p:cNvPicPr>
+              <a:picLocks noChangeAspect="1"/>
+            </p:cNvPicPr>
+            <p:nvPr/>
+          </p:nvPicPr>
+          <p:blipFill>
+            <a:blip r:embed="rId4" cstate="print">
+              <a:extLst>
+                <a:ext uri="{28A0092B-C50C-407E-A947-70E740481C1C}">
+                  <a14:useLocalDpi xmlns:a14="http://schemas.microsoft.com/office/drawing/2010/main" val="0"/>
+                </a:ext>
+              </a:extLst>
+            </a:blip>
+            <a:stretch>
+              <a:fillRect/>
+            </a:stretch>
+          </p:blipFill>
+          <p:spPr>
+            <a:xfrm>
+              <a:off x="448408" y="2627304"/>
+              <a:ext cx="3996000" cy="3996000"/>
+            </a:xfrm>
+            <a:prstGeom prst="rect">
+              <a:avLst/>
+            </a:prstGeom>
+          </p:spPr>
+        </p:pic>
+        <p:sp>
+          <p:nvSpPr>
+            <p:cNvPr id="4" name="TextBox 3">
+              <a:extLst>
+                <a:ext uri="{FF2B5EF4-FFF2-40B4-BE49-F238E27FC236}">
+                  <a16:creationId xmlns:a16="http://schemas.microsoft.com/office/drawing/2014/main" id="{C0F97A46-F060-08E1-33D0-4D233C265DA3}"/>
+                </a:ext>
+              </a:extLst>
+            </p:cNvPr>
+            <p:cNvSpPr txBox="1"/>
+            <p:nvPr/>
+          </p:nvSpPr>
+          <p:spPr>
+            <a:xfrm>
+              <a:off x="685800" y="2049260"/>
+              <a:ext cx="3048000" cy="369332"/>
+            </a:xfrm>
+            <a:prstGeom prst="rect">
+              <a:avLst/>
+            </a:prstGeom>
+            <a:noFill/>
+          </p:spPr>
+          <p:txBody>
+            <a:bodyPr wrap="square" rtlCol="0">
+              <a:spAutoFit/>
+            </a:bodyPr>
+            <a:lstStyle/>
+            <a:p>
+              <a:r>
+                <a:rPr lang="en-CA" dirty="0"/>
+                <a:t>loess: nonparametric</a:t>
+              </a:r>
+            </a:p>
+          </p:txBody>
+        </p:sp>
+      </p:grpSp>
     </p:spTree>
     <p:extLst>
       <p:ext uri="{BB962C8B-B14F-4D97-AF65-F5344CB8AC3E}">
@@ -7355,6 +7503,81 @@
   <p:clrMapOvr>
     <a:masterClrMapping/>
   </p:clrMapOvr>
+  <p:timing>
+    <p:tnLst>
+      <p:par>
+        <p:cTn id="1" dur="indefinite" restart="never" nodeType="tmRoot">
+          <p:childTnLst>
+            <p:seq concurrent="1" nextAc="seek">
+              <p:cTn id="2" dur="indefinite" nodeType="mainSeq">
+                <p:childTnLst>
+                  <p:par>
+                    <p:cTn id="3" fill="hold">
+                      <p:stCondLst>
+                        <p:cond delay="indefinite"/>
+                      </p:stCondLst>
+                      <p:childTnLst>
+                        <p:par>
+                          <p:cTn id="4" fill="hold">
+                            <p:stCondLst>
+                              <p:cond delay="0"/>
+                            </p:stCondLst>
+                            <p:childTnLst>
+                              <p:par>
+                                <p:cTn id="5" presetID="1" presetClass="entr" presetSubtype="0" fill="hold" nodeType="clickEffect">
+                                  <p:stCondLst>
+                                    <p:cond delay="0"/>
+                                  </p:stCondLst>
+                                  <p:childTnLst>
+                                    <p:set>
+                                      <p:cBhvr>
+                                        <p:cTn id="6" dur="1" fill="hold">
+                                          <p:stCondLst>
+                                            <p:cond delay="0"/>
+                                          </p:stCondLst>
+                                        </p:cTn>
+                                        <p:tgtEl>
+                                          <p:spTgt spid="9"/>
+                                        </p:tgtEl>
+                                        <p:attrNameLst>
+                                          <p:attrName>style.visibility</p:attrName>
+                                        </p:attrNameLst>
+                                      </p:cBhvr>
+                                      <p:to>
+                                        <p:strVal val="visible"/>
+                                      </p:to>
+                                    </p:set>
+                                  </p:childTnLst>
+                                </p:cTn>
+                              </p:par>
+                            </p:childTnLst>
+                          </p:cTn>
+                        </p:par>
+                      </p:childTnLst>
+                    </p:cTn>
+                  </p:par>
+                </p:childTnLst>
+              </p:cTn>
+              <p:prevCondLst>
+                <p:cond evt="onPrev" delay="0">
+                  <p:tgtEl>
+                    <p:sldTgt/>
+                  </p:tgtEl>
+                </p:cond>
+              </p:prevCondLst>
+              <p:nextCondLst>
+                <p:cond evt="onNext" delay="0">
+                  <p:tgtEl>
+                    <p:sldTgt/>
+                  </p:tgtEl>
+                </p:cond>
+              </p:nextCondLst>
+            </p:seq>
+          </p:childTnLst>
+        </p:cTn>
+      </p:par>
+    </p:tnLst>
+  </p:timing>
 </p:sld>
 </file>
 
@@ -7876,7 +8099,7 @@
             <p:nvPr/>
           </p:nvPicPr>
           <p:blipFill>
-            <a:blip r:embed="rId3" cstate="print">
+            <a:blip r:embed="rId2" cstate="print">
               <a:extLst>
                 <a:ext uri="{28A0092B-C50C-407E-A947-70E740481C1C}">
                   <a14:useLocalDpi xmlns:a14="http://schemas.microsoft.com/office/drawing/2010/main" val="0"/>
@@ -7925,12 +8148,12 @@
             <a:graphicData uri="http://schemas.openxmlformats.org/presentationml/2006/ole">
               <mc:AlternateContent xmlns:mc="http://schemas.openxmlformats.org/markup-compatibility/2006">
                 <mc:Choice xmlns:v="urn:schemas-microsoft-com:vml" Requires="v">
-                  <p:oleObj spid="_x0000_s3091" name="Equation" r:id="rId4" imgW="698400" imgH="393480" progId="Equation.DSMT4">
+                  <p:oleObj name="Equation" r:id="rId3" imgW="698400" imgH="393480" progId="Equation.DSMT4">
                     <p:embed/>
                   </p:oleObj>
                 </mc:Choice>
                 <mc:Fallback>
-                  <p:oleObj name="Equation" r:id="rId4" imgW="698400" imgH="393480" progId="Equation.DSMT4">
+                  <p:oleObj name="Equation" r:id="rId3" imgW="698400" imgH="393480" progId="Equation.DSMT4">
                     <p:embed/>
                     <p:pic>
                       <p:nvPicPr>
@@ -7939,7 +8162,7 @@
                         <p:nvPr/>
                       </p:nvPicPr>
                       <p:blipFill>
-                        <a:blip r:embed="rId5"/>
+                        <a:blip r:embed="rId4"/>
                         <a:stretch>
                           <a:fillRect/>
                         </a:stretch>
@@ -7996,7 +8219,7 @@
             <p:nvPr/>
           </p:nvPicPr>
           <p:blipFill>
-            <a:blip r:embed="rId6" cstate="print">
+            <a:blip r:embed="rId5" cstate="print">
               <a:extLst>
                 <a:ext uri="{28A0092B-C50C-407E-A947-70E740481C1C}">
                   <a14:useLocalDpi xmlns:a14="http://schemas.microsoft.com/office/drawing/2010/main" val="0"/>
@@ -8045,12 +8268,12 @@
             <a:graphicData uri="http://schemas.openxmlformats.org/presentationml/2006/ole">
               <mc:AlternateContent xmlns:mc="http://schemas.openxmlformats.org/markup-compatibility/2006">
                 <mc:Choice xmlns:v="urn:schemas-microsoft-com:vml" Requires="v">
-                  <p:oleObj spid="_x0000_s3092" name="Equation" r:id="rId7" imgW="761760" imgH="393480" progId="Equation.DSMT4">
+                  <p:oleObj name="Equation" r:id="rId6" imgW="761760" imgH="393480" progId="Equation.DSMT4">
                     <p:embed/>
                   </p:oleObj>
                 </mc:Choice>
                 <mc:Fallback>
-                  <p:oleObj name="Equation" r:id="rId7" imgW="761760" imgH="393480" progId="Equation.DSMT4">
+                  <p:oleObj name="Equation" r:id="rId6" imgW="761760" imgH="393480" progId="Equation.DSMT4">
                     <p:embed/>
                     <p:pic>
                       <p:nvPicPr>
@@ -8059,7 +8282,7 @@
                         <p:nvPr/>
                       </p:nvPicPr>
                       <p:blipFill>
-                        <a:blip r:embed="rId8"/>
+                        <a:blip r:embed="rId7"/>
                         <a:stretch>
                           <a:fillRect/>
                         </a:stretch>
@@ -8755,396 +8978,459 @@
           </a:p>
         </p:txBody>
       </p:sp>
-      <p:sp>
-        <p:nvSpPr>
-          <p:cNvPr id="4" name="TextBox 3">
+      <p:grpSp>
+        <p:nvGrpSpPr>
+          <p:cNvPr id="10" name="Group 9">
             <a:extLst>
               <a:ext uri="{FF2B5EF4-FFF2-40B4-BE49-F238E27FC236}">
-                <a16:creationId xmlns:a16="http://schemas.microsoft.com/office/drawing/2014/main" id="{A0AAF754-8C7B-4B2B-BB91-3BEE3E686B49}"/>
+                <a16:creationId xmlns:a16="http://schemas.microsoft.com/office/drawing/2014/main" id="{00CCB91C-2455-1FC0-BD07-B9278D4C751D}"/>
               </a:ext>
             </a:extLst>
           </p:cNvPr>
-          <p:cNvSpPr txBox="1"/>
+          <p:cNvGrpSpPr/>
           <p:nvPr/>
-        </p:nvSpPr>
-        <p:spPr>
+        </p:nvGrpSpPr>
+        <p:grpSpPr>
           <a:xfrm>
             <a:off x="457200" y="1371600"/>
-            <a:ext cx="3886200" cy="1477328"/>
+            <a:ext cx="8227142" cy="1477328"/>
+            <a:chOff x="457200" y="1371600"/>
+            <a:chExt cx="8227142" cy="1477328"/>
           </a:xfrm>
-          <a:prstGeom prst="rect">
-            <a:avLst/>
-          </a:prstGeom>
-          <a:solidFill>
-            <a:schemeClr val="accent6">
-              <a:lumMod val="20000"/>
-              <a:lumOff val="80000"/>
-              <a:alpha val="60000"/>
-            </a:schemeClr>
-          </a:solidFill>
-        </p:spPr>
-        <p:txBody>
-          <a:bodyPr wrap="square" rtlCol="0">
-            <a:spAutoFit/>
-          </a:bodyPr>
-          <a:lstStyle/>
-          <a:p>
-            <a:r>
-              <a:rPr lang="en-US" dirty="0" err="1"/>
-              <a:t>fit_nls</a:t>
-            </a:r>
-            <a:r>
-              <a:rPr lang="en-US" dirty="0"/>
-              <a:t>&lt;- function(split) {</a:t>
-            </a:r>
-          </a:p>
-          <a:p>
-            <a:r>
-              <a:rPr lang="en-US" dirty="0"/>
-              <a:t>    </a:t>
-            </a:r>
-            <a:r>
-              <a:rPr lang="en-US" dirty="0" err="1"/>
-              <a:t>nls</a:t>
-            </a:r>
-            <a:r>
-              <a:rPr lang="en-US" dirty="0"/>
-              <a:t>(mpg ~ k / </a:t>
-            </a:r>
-            <a:r>
-              <a:rPr lang="en-US" dirty="0" err="1"/>
-              <a:t>wt</a:t>
-            </a:r>
-            <a:r>
-              <a:rPr lang="en-US" dirty="0"/>
-              <a:t> + b, </a:t>
-            </a:r>
-          </a:p>
-          <a:p>
-            <a:r>
-              <a:rPr lang="en-US" dirty="0"/>
-              <a:t>           data= </a:t>
-            </a:r>
-            <a:r>
-              <a:rPr lang="en-US" dirty="0">
-                <a:highlight>
-                  <a:srgbClr val="FFFF00"/>
-                </a:highlight>
-              </a:rPr>
-              <a:t>analysis</a:t>
-            </a:r>
-            <a:r>
-              <a:rPr lang="en-US" dirty="0"/>
-              <a:t>(split), </a:t>
-            </a:r>
-          </a:p>
-          <a:p>
-            <a:r>
-              <a:rPr lang="en-US" dirty="0"/>
-              <a:t>           start = list(k = 1, b = 0))</a:t>
-            </a:r>
-          </a:p>
-          <a:p>
-            <a:r>
-              <a:rPr lang="en-US" dirty="0"/>
-              <a:t>}</a:t>
-            </a:r>
-          </a:p>
-        </p:txBody>
-      </p:sp>
-      <p:sp>
-        <p:nvSpPr>
-          <p:cNvPr id="5" name="TextBox 4">
+        </p:grpSpPr>
+        <p:sp>
+          <p:nvSpPr>
+            <p:cNvPr id="4" name="TextBox 3">
+              <a:extLst>
+                <a:ext uri="{FF2B5EF4-FFF2-40B4-BE49-F238E27FC236}">
+                  <a16:creationId xmlns:a16="http://schemas.microsoft.com/office/drawing/2014/main" id="{A0AAF754-8C7B-4B2B-BB91-3BEE3E686B49}"/>
+                </a:ext>
+              </a:extLst>
+            </p:cNvPr>
+            <p:cNvSpPr txBox="1"/>
+            <p:nvPr/>
+          </p:nvSpPr>
+          <p:spPr>
+            <a:xfrm>
+              <a:off x="457200" y="1371600"/>
+              <a:ext cx="3886200" cy="1477328"/>
+            </a:xfrm>
+            <a:prstGeom prst="rect">
+              <a:avLst/>
+            </a:prstGeom>
+            <a:solidFill>
+              <a:schemeClr val="accent6">
+                <a:lumMod val="20000"/>
+                <a:lumOff val="80000"/>
+                <a:alpha val="60000"/>
+              </a:schemeClr>
+            </a:solidFill>
+          </p:spPr>
+          <p:txBody>
+            <a:bodyPr wrap="square" rtlCol="0">
+              <a:spAutoFit/>
+            </a:bodyPr>
+            <a:lstStyle/>
+            <a:p>
+              <a:r>
+                <a:rPr lang="en-US" dirty="0" err="1"/>
+                <a:t>fit_nls</a:t>
+              </a:r>
+              <a:r>
+                <a:rPr lang="en-US" dirty="0"/>
+                <a:t>&lt;- function(split) {</a:t>
+              </a:r>
+            </a:p>
+            <a:p>
+              <a:r>
+                <a:rPr lang="en-US" dirty="0"/>
+                <a:t>    </a:t>
+              </a:r>
+              <a:r>
+                <a:rPr lang="en-US" dirty="0" err="1"/>
+                <a:t>nls</a:t>
+              </a:r>
+              <a:r>
+                <a:rPr lang="en-US" dirty="0"/>
+                <a:t>(mpg ~ k / </a:t>
+              </a:r>
+              <a:r>
+                <a:rPr lang="en-US" dirty="0" err="1"/>
+                <a:t>wt</a:t>
+              </a:r>
+              <a:r>
+                <a:rPr lang="en-US" dirty="0"/>
+                <a:t> + b, </a:t>
+              </a:r>
+            </a:p>
+            <a:p>
+              <a:r>
+                <a:rPr lang="en-US" dirty="0"/>
+                <a:t>           data= </a:t>
+              </a:r>
+              <a:r>
+                <a:rPr lang="en-US" dirty="0">
+                  <a:highlight>
+                    <a:srgbClr val="FFFF00"/>
+                  </a:highlight>
+                </a:rPr>
+                <a:t>analysis</a:t>
+              </a:r>
+              <a:r>
+                <a:rPr lang="en-US" dirty="0"/>
+                <a:t>(split), </a:t>
+              </a:r>
+            </a:p>
+            <a:p>
+              <a:r>
+                <a:rPr lang="en-US" dirty="0"/>
+                <a:t>           start = list(k = 1, b = 0))</a:t>
+              </a:r>
+            </a:p>
+            <a:p>
+              <a:r>
+                <a:rPr lang="en-US" dirty="0"/>
+                <a:t>}</a:t>
+              </a:r>
+            </a:p>
+          </p:txBody>
+        </p:sp>
+        <p:sp>
+          <p:nvSpPr>
+            <p:cNvPr id="7" name="TextBox 6">
+              <a:extLst>
+                <a:ext uri="{FF2B5EF4-FFF2-40B4-BE49-F238E27FC236}">
+                  <a16:creationId xmlns:a16="http://schemas.microsoft.com/office/drawing/2014/main" id="{DDC5D13D-13E1-4388-8AE0-5841DED87785}"/>
+                </a:ext>
+              </a:extLst>
+            </p:cNvPr>
+            <p:cNvSpPr txBox="1"/>
+            <p:nvPr/>
+          </p:nvSpPr>
+          <p:spPr>
+            <a:xfrm>
+              <a:off x="4569542" y="1648599"/>
+              <a:ext cx="4114800" cy="923330"/>
+            </a:xfrm>
+            <a:prstGeom prst="rect">
+              <a:avLst/>
+            </a:prstGeom>
+            <a:noFill/>
+          </p:spPr>
+          <p:txBody>
+            <a:bodyPr wrap="square" rtlCol="0">
+              <a:spAutoFit/>
+            </a:bodyPr>
+            <a:lstStyle/>
+            <a:p>
+              <a:r>
+                <a:rPr lang="en-US" dirty="0"/>
+                <a:t>Create a helper function to fit an </a:t>
+              </a:r>
+              <a:r>
+                <a:rPr lang="en-US" dirty="0" err="1"/>
+                <a:t>nls</a:t>
+              </a:r>
+              <a:r>
+                <a:rPr lang="en-US" dirty="0"/>
+                <a:t>() model on each bootstrap sample.</a:t>
+              </a:r>
+            </a:p>
+            <a:p>
+              <a:r>
+                <a:rPr lang="en-US" dirty="0" err="1"/>
+                <a:t>rsample</a:t>
+              </a:r>
+              <a:r>
+                <a:rPr lang="en-US" dirty="0"/>
+                <a:t>::analysis() extracts that sample.</a:t>
+              </a:r>
+            </a:p>
+          </p:txBody>
+        </p:sp>
+      </p:grpSp>
+      <p:grpSp>
+        <p:nvGrpSpPr>
+          <p:cNvPr id="11" name="Group 10">
             <a:extLst>
               <a:ext uri="{FF2B5EF4-FFF2-40B4-BE49-F238E27FC236}">
-                <a16:creationId xmlns:a16="http://schemas.microsoft.com/office/drawing/2014/main" id="{01286BA8-EEB3-4FE9-9A2F-F86B3A7CC28D}"/>
+                <a16:creationId xmlns:a16="http://schemas.microsoft.com/office/drawing/2014/main" id="{2D311919-FCF4-28C8-8D66-7441DD9C2C07}"/>
               </a:ext>
             </a:extLst>
           </p:cNvPr>
-          <p:cNvSpPr txBox="1"/>
+          <p:cNvGrpSpPr/>
           <p:nvPr/>
-        </p:nvSpPr>
-        <p:spPr>
+        </p:nvGrpSpPr>
+        <p:grpSpPr>
           <a:xfrm>
-            <a:off x="457200" y="3200400"/>
-            <a:ext cx="3886200" cy="1200329"/>
+            <a:off x="457200" y="2977112"/>
+            <a:ext cx="7924800" cy="1477328"/>
+            <a:chOff x="457200" y="2977112"/>
+            <a:chExt cx="7924800" cy="1477328"/>
           </a:xfrm>
-          <a:prstGeom prst="rect">
-            <a:avLst/>
-          </a:prstGeom>
-          <a:solidFill>
-            <a:schemeClr val="accent6">
-              <a:lumMod val="20000"/>
-              <a:lumOff val="80000"/>
-              <a:alpha val="60000"/>
-            </a:schemeClr>
-          </a:solidFill>
-        </p:spPr>
-        <p:txBody>
-          <a:bodyPr wrap="square" rtlCol="0">
-            <a:spAutoFit/>
-          </a:bodyPr>
-          <a:lstStyle/>
-          <a:p>
-            <a:r>
-              <a:rPr lang="en-US" dirty="0" err="1"/>
-              <a:t>boot_models</a:t>
-            </a:r>
-            <a:r>
-              <a:rPr lang="en-US" dirty="0"/>
-              <a:t> &lt;-</a:t>
-            </a:r>
-          </a:p>
-          <a:p>
-            <a:r>
-              <a:rPr lang="en-US" dirty="0"/>
-              <a:t>  boots %&gt;% </a:t>
-            </a:r>
-          </a:p>
-          <a:p>
-            <a:r>
-              <a:rPr lang="en-US" dirty="0"/>
-              <a:t>  mutate(model = </a:t>
-            </a:r>
-            <a:r>
-              <a:rPr lang="en-US" dirty="0">
-                <a:highlight>
-                  <a:srgbClr val="FFFF00"/>
-                </a:highlight>
-              </a:rPr>
-              <a:t>map</a:t>
-            </a:r>
-            <a:r>
-              <a:rPr lang="en-US" dirty="0"/>
-              <a:t>(splits, </a:t>
-            </a:r>
-            <a:r>
-              <a:rPr lang="en-US" dirty="0" err="1"/>
-              <a:t>fit_nls</a:t>
-            </a:r>
-            <a:r>
-              <a:rPr lang="en-US" dirty="0"/>
-              <a:t>),</a:t>
-            </a:r>
-          </a:p>
-          <a:p>
-            <a:r>
-              <a:rPr lang="en-US" dirty="0"/>
-              <a:t>                </a:t>
-            </a:r>
-            <a:r>
-              <a:rPr lang="en-US" dirty="0" err="1"/>
-              <a:t>coef_info</a:t>
-            </a:r>
-            <a:r>
-              <a:rPr lang="en-US" dirty="0"/>
-              <a:t> = </a:t>
-            </a:r>
-            <a:r>
-              <a:rPr lang="en-US" dirty="0">
-                <a:highlight>
-                  <a:srgbClr val="FFFF00"/>
-                </a:highlight>
-              </a:rPr>
-              <a:t>map</a:t>
-            </a:r>
-            <a:r>
-              <a:rPr lang="en-US" dirty="0"/>
-              <a:t>(model, tidy))</a:t>
-            </a:r>
-          </a:p>
-        </p:txBody>
-      </p:sp>
-      <p:sp>
-        <p:nvSpPr>
-          <p:cNvPr id="6" name="TextBox 5">
+        </p:grpSpPr>
+        <p:sp>
+          <p:nvSpPr>
+            <p:cNvPr id="5" name="TextBox 4">
+              <a:extLst>
+                <a:ext uri="{FF2B5EF4-FFF2-40B4-BE49-F238E27FC236}">
+                  <a16:creationId xmlns:a16="http://schemas.microsoft.com/office/drawing/2014/main" id="{01286BA8-EEB3-4FE9-9A2F-F86B3A7CC28D}"/>
+                </a:ext>
+              </a:extLst>
+            </p:cNvPr>
+            <p:cNvSpPr txBox="1"/>
+            <p:nvPr/>
+          </p:nvSpPr>
+          <p:spPr>
+            <a:xfrm>
+              <a:off x="457200" y="3115612"/>
+              <a:ext cx="3886200" cy="1200329"/>
+            </a:xfrm>
+            <a:prstGeom prst="rect">
+              <a:avLst/>
+            </a:prstGeom>
+            <a:solidFill>
+              <a:schemeClr val="accent6">
+                <a:lumMod val="20000"/>
+                <a:lumOff val="80000"/>
+                <a:alpha val="60000"/>
+              </a:schemeClr>
+            </a:solidFill>
+          </p:spPr>
+          <p:txBody>
+            <a:bodyPr wrap="square" rtlCol="0">
+              <a:spAutoFit/>
+            </a:bodyPr>
+            <a:lstStyle/>
+            <a:p>
+              <a:r>
+                <a:rPr lang="en-US" dirty="0" err="1"/>
+                <a:t>boot_models</a:t>
+              </a:r>
+              <a:r>
+                <a:rPr lang="en-US" dirty="0"/>
+                <a:t> &lt;-</a:t>
+              </a:r>
+            </a:p>
+            <a:p>
+              <a:r>
+                <a:rPr lang="en-US" dirty="0"/>
+                <a:t>  boots %&gt;% </a:t>
+              </a:r>
+            </a:p>
+            <a:p>
+              <a:r>
+                <a:rPr lang="en-US" dirty="0"/>
+                <a:t>  mutate(model = </a:t>
+              </a:r>
+              <a:r>
+                <a:rPr lang="en-US" dirty="0">
+                  <a:highlight>
+                    <a:srgbClr val="FFFF00"/>
+                  </a:highlight>
+                </a:rPr>
+                <a:t>map</a:t>
+              </a:r>
+              <a:r>
+                <a:rPr lang="en-US" dirty="0"/>
+                <a:t>(splits, </a:t>
+              </a:r>
+              <a:r>
+                <a:rPr lang="en-US" dirty="0" err="1"/>
+                <a:t>fit_nls</a:t>
+              </a:r>
+              <a:r>
+                <a:rPr lang="en-US" dirty="0"/>
+                <a:t>),</a:t>
+              </a:r>
+            </a:p>
+            <a:p>
+              <a:r>
+                <a:rPr lang="en-US" dirty="0"/>
+                <a:t>                </a:t>
+              </a:r>
+              <a:r>
+                <a:rPr lang="en-US" dirty="0" err="1"/>
+                <a:t>coef_info</a:t>
+              </a:r>
+              <a:r>
+                <a:rPr lang="en-US" dirty="0"/>
+                <a:t> = </a:t>
+              </a:r>
+              <a:r>
+                <a:rPr lang="en-US" dirty="0">
+                  <a:highlight>
+                    <a:srgbClr val="FFFF00"/>
+                  </a:highlight>
+                </a:rPr>
+                <a:t>map</a:t>
+              </a:r>
+              <a:r>
+                <a:rPr lang="en-US" dirty="0"/>
+                <a:t>(model, tidy))</a:t>
+              </a:r>
+            </a:p>
+          </p:txBody>
+        </p:sp>
+        <p:sp>
+          <p:nvSpPr>
+            <p:cNvPr id="8" name="TextBox 7">
+              <a:extLst>
+                <a:ext uri="{FF2B5EF4-FFF2-40B4-BE49-F238E27FC236}">
+                  <a16:creationId xmlns:a16="http://schemas.microsoft.com/office/drawing/2014/main" id="{818D0D8D-DA7E-4A62-8D41-D876BC3B498B}"/>
+                </a:ext>
+              </a:extLst>
+            </p:cNvPr>
+            <p:cNvSpPr txBox="1"/>
+            <p:nvPr/>
+          </p:nvSpPr>
+          <p:spPr>
+            <a:xfrm>
+              <a:off x="4648200" y="2977112"/>
+              <a:ext cx="3733800" cy="1477328"/>
+            </a:xfrm>
+            <a:prstGeom prst="rect">
+              <a:avLst/>
+            </a:prstGeom>
+            <a:noFill/>
+          </p:spPr>
+          <p:txBody>
+            <a:bodyPr wrap="square" rtlCol="0">
+              <a:spAutoFit/>
+            </a:bodyPr>
+            <a:lstStyle/>
+            <a:p>
+              <a:r>
+                <a:rPr lang="en-US" dirty="0"/>
+                <a:t>Use </a:t>
+              </a:r>
+              <a:r>
+                <a:rPr lang="en-US" dirty="0" err="1"/>
+                <a:t>purrr</a:t>
+              </a:r>
+              <a:r>
+                <a:rPr lang="en-US" dirty="0"/>
+                <a:t>::map() to apply this function to all the bootstrap samples at once.</a:t>
+              </a:r>
+            </a:p>
+            <a:p>
+              <a:r>
+                <a:rPr lang="en-US" dirty="0"/>
+                <a:t>Similarly, create a column of tidy coefficients</a:t>
+              </a:r>
+            </a:p>
+          </p:txBody>
+        </p:sp>
+      </p:grpSp>
+      <p:grpSp>
+        <p:nvGrpSpPr>
+          <p:cNvPr id="12" name="Group 11">
             <a:extLst>
               <a:ext uri="{FF2B5EF4-FFF2-40B4-BE49-F238E27FC236}">
-                <a16:creationId xmlns:a16="http://schemas.microsoft.com/office/drawing/2014/main" id="{3586C61B-8659-42B2-A122-E59E885D536B}"/>
+                <a16:creationId xmlns:a16="http://schemas.microsoft.com/office/drawing/2014/main" id="{9FEE2E1F-E82C-5652-183C-0A7F5D862388}"/>
               </a:ext>
             </a:extLst>
           </p:cNvPr>
-          <p:cNvSpPr txBox="1"/>
+          <p:cNvGrpSpPr/>
           <p:nvPr/>
-        </p:nvSpPr>
-        <p:spPr>
+        </p:nvGrpSpPr>
+        <p:grpSpPr>
           <a:xfrm>
             <a:off x="457200" y="4953000"/>
-            <a:ext cx="3886200" cy="923330"/>
+            <a:ext cx="7924800" cy="923330"/>
+            <a:chOff x="457200" y="4953000"/>
+            <a:chExt cx="7924800" cy="923330"/>
           </a:xfrm>
-          <a:prstGeom prst="rect">
-            <a:avLst/>
-          </a:prstGeom>
-          <a:solidFill>
-            <a:schemeClr val="accent6">
-              <a:lumMod val="20000"/>
-              <a:lumOff val="80000"/>
-              <a:alpha val="60000"/>
-            </a:schemeClr>
-          </a:solidFill>
-        </p:spPr>
-        <p:txBody>
-          <a:bodyPr wrap="square" rtlCol="0">
-            <a:spAutoFit/>
-          </a:bodyPr>
-          <a:lstStyle/>
-          <a:p>
-            <a:r>
-              <a:rPr lang="nl-NL" dirty="0"/>
-              <a:t>boot_coefs &lt;- </a:t>
-            </a:r>
-          </a:p>
-          <a:p>
-            <a:r>
-              <a:rPr lang="nl-NL" dirty="0"/>
-              <a:t>  boot_models %&gt;% </a:t>
-            </a:r>
-          </a:p>
-          <a:p>
-            <a:r>
-              <a:rPr lang="nl-NL" dirty="0"/>
-              <a:t>  unnest(coef_info)</a:t>
-            </a:r>
-          </a:p>
-        </p:txBody>
-      </p:sp>
-      <p:sp>
-        <p:nvSpPr>
-          <p:cNvPr id="7" name="TextBox 6">
-            <a:extLst>
-              <a:ext uri="{FF2B5EF4-FFF2-40B4-BE49-F238E27FC236}">
-                <a16:creationId xmlns:a16="http://schemas.microsoft.com/office/drawing/2014/main" id="{DDC5D13D-13E1-4388-8AE0-5841DED87785}"/>
-              </a:ext>
-            </a:extLst>
-          </p:cNvPr>
-          <p:cNvSpPr txBox="1"/>
-          <p:nvPr/>
-        </p:nvSpPr>
-        <p:spPr>
-          <a:xfrm>
-            <a:off x="4569542" y="1463933"/>
-            <a:ext cx="4114800" cy="923330"/>
-          </a:xfrm>
-          <a:prstGeom prst="rect">
-            <a:avLst/>
-          </a:prstGeom>
-          <a:noFill/>
-        </p:spPr>
-        <p:txBody>
-          <a:bodyPr wrap="square" rtlCol="0">
-            <a:spAutoFit/>
-          </a:bodyPr>
-          <a:lstStyle/>
-          <a:p>
-            <a:r>
-              <a:rPr lang="en-US" dirty="0"/>
-              <a:t>Create a helper function to fit an </a:t>
-            </a:r>
-            <a:r>
-              <a:rPr lang="en-US" dirty="0" err="1"/>
-              <a:t>nls</a:t>
-            </a:r>
-            <a:r>
-              <a:rPr lang="en-US" dirty="0"/>
-              <a:t>() model on each bootstrap sample.</a:t>
-            </a:r>
-          </a:p>
-          <a:p>
-            <a:r>
-              <a:rPr lang="en-US" dirty="0" err="1"/>
-              <a:t>rsample</a:t>
-            </a:r>
-            <a:r>
-              <a:rPr lang="en-US" dirty="0"/>
-              <a:t>::analysis() extracts that sample.</a:t>
-            </a:r>
-          </a:p>
-        </p:txBody>
-      </p:sp>
-      <p:sp>
-        <p:nvSpPr>
-          <p:cNvPr id="8" name="TextBox 7">
-            <a:extLst>
-              <a:ext uri="{FF2B5EF4-FFF2-40B4-BE49-F238E27FC236}">
-                <a16:creationId xmlns:a16="http://schemas.microsoft.com/office/drawing/2014/main" id="{818D0D8D-DA7E-4A62-8D41-D876BC3B498B}"/>
-              </a:ext>
-            </a:extLst>
-          </p:cNvPr>
-          <p:cNvSpPr txBox="1"/>
-          <p:nvPr/>
-        </p:nvSpPr>
-        <p:spPr>
-          <a:xfrm>
-            <a:off x="4648200" y="2977112"/>
-            <a:ext cx="3733800" cy="1477328"/>
-          </a:xfrm>
-          <a:prstGeom prst="rect">
-            <a:avLst/>
-          </a:prstGeom>
-          <a:noFill/>
-        </p:spPr>
-        <p:txBody>
-          <a:bodyPr wrap="square" rtlCol="0">
-            <a:spAutoFit/>
-          </a:bodyPr>
-          <a:lstStyle/>
-          <a:p>
-            <a:r>
-              <a:rPr lang="en-US" dirty="0"/>
-              <a:t>Use </a:t>
-            </a:r>
-            <a:r>
-              <a:rPr lang="en-US" dirty="0" err="1"/>
-              <a:t>purrr</a:t>
-            </a:r>
-            <a:r>
-              <a:rPr lang="en-US" dirty="0"/>
-              <a:t>::map() to apply this function to all the bootstrap samples at once.</a:t>
-            </a:r>
-          </a:p>
-          <a:p>
-            <a:r>
-              <a:rPr lang="en-US" dirty="0"/>
-              <a:t>Similarly, create a column of tidy coefficients</a:t>
-            </a:r>
-          </a:p>
-        </p:txBody>
-      </p:sp>
-      <p:sp>
-        <p:nvSpPr>
-          <p:cNvPr id="9" name="TextBox 8">
-            <a:extLst>
-              <a:ext uri="{FF2B5EF4-FFF2-40B4-BE49-F238E27FC236}">
-                <a16:creationId xmlns:a16="http://schemas.microsoft.com/office/drawing/2014/main" id="{C876C3F2-512B-4E77-BBF9-F08FBC48039F}"/>
-              </a:ext>
-            </a:extLst>
-          </p:cNvPr>
-          <p:cNvSpPr txBox="1"/>
-          <p:nvPr/>
-        </p:nvSpPr>
-        <p:spPr>
-          <a:xfrm>
-            <a:off x="4648200" y="5044289"/>
-            <a:ext cx="3733800" cy="369332"/>
-          </a:xfrm>
-          <a:prstGeom prst="rect">
-            <a:avLst/>
-          </a:prstGeom>
-          <a:noFill/>
-        </p:spPr>
-        <p:txBody>
-          <a:bodyPr wrap="square" rtlCol="0">
-            <a:spAutoFit/>
-          </a:bodyPr>
-          <a:lstStyle/>
-          <a:p>
-            <a:r>
-              <a:rPr lang="en-US" dirty="0"/>
-              <a:t>Extract the coefficients for all models</a:t>
-            </a:r>
-          </a:p>
-        </p:txBody>
-      </p:sp>
+        </p:grpSpPr>
+        <p:sp>
+          <p:nvSpPr>
+            <p:cNvPr id="6" name="TextBox 5">
+              <a:extLst>
+                <a:ext uri="{FF2B5EF4-FFF2-40B4-BE49-F238E27FC236}">
+                  <a16:creationId xmlns:a16="http://schemas.microsoft.com/office/drawing/2014/main" id="{3586C61B-8659-42B2-A122-E59E885D536B}"/>
+                </a:ext>
+              </a:extLst>
+            </p:cNvPr>
+            <p:cNvSpPr txBox="1"/>
+            <p:nvPr/>
+          </p:nvSpPr>
+          <p:spPr>
+            <a:xfrm>
+              <a:off x="457200" y="4953000"/>
+              <a:ext cx="3886200" cy="923330"/>
+            </a:xfrm>
+            <a:prstGeom prst="rect">
+              <a:avLst/>
+            </a:prstGeom>
+            <a:solidFill>
+              <a:schemeClr val="accent6">
+                <a:lumMod val="20000"/>
+                <a:lumOff val="80000"/>
+                <a:alpha val="60000"/>
+              </a:schemeClr>
+            </a:solidFill>
+          </p:spPr>
+          <p:txBody>
+            <a:bodyPr wrap="square" rtlCol="0">
+              <a:spAutoFit/>
+            </a:bodyPr>
+            <a:lstStyle/>
+            <a:p>
+              <a:r>
+                <a:rPr lang="nl-NL" dirty="0"/>
+                <a:t>boot_coefs &lt;- </a:t>
+              </a:r>
+            </a:p>
+            <a:p>
+              <a:r>
+                <a:rPr lang="nl-NL" dirty="0"/>
+                <a:t>  boot_models %&gt;% </a:t>
+              </a:r>
+            </a:p>
+            <a:p>
+              <a:r>
+                <a:rPr lang="nl-NL" dirty="0"/>
+                <a:t>  unnest(coef_info)</a:t>
+              </a:r>
+            </a:p>
+          </p:txBody>
+        </p:sp>
+        <p:sp>
+          <p:nvSpPr>
+            <p:cNvPr id="9" name="TextBox 8">
+              <a:extLst>
+                <a:ext uri="{FF2B5EF4-FFF2-40B4-BE49-F238E27FC236}">
+                  <a16:creationId xmlns:a16="http://schemas.microsoft.com/office/drawing/2014/main" id="{C876C3F2-512B-4E77-BBF9-F08FBC48039F}"/>
+                </a:ext>
+              </a:extLst>
+            </p:cNvPr>
+            <p:cNvSpPr txBox="1"/>
+            <p:nvPr/>
+          </p:nvSpPr>
+          <p:spPr>
+            <a:xfrm>
+              <a:off x="4648200" y="5229999"/>
+              <a:ext cx="3733800" cy="369332"/>
+            </a:xfrm>
+            <a:prstGeom prst="rect">
+              <a:avLst/>
+            </a:prstGeom>
+            <a:noFill/>
+          </p:spPr>
+          <p:txBody>
+            <a:bodyPr wrap="square" rtlCol="0">
+              <a:spAutoFit/>
+            </a:bodyPr>
+            <a:lstStyle/>
+            <a:p>
+              <a:r>
+                <a:rPr lang="en-US" dirty="0"/>
+                <a:t>Extract the coefficients for all models</a:t>
+              </a:r>
+            </a:p>
+          </p:txBody>
+        </p:sp>
+      </p:grpSp>
     </p:spTree>
     <p:extLst>
       <p:ext uri="{BB962C8B-B14F-4D97-AF65-F5344CB8AC3E}">
@@ -9155,6 +9441,126 @@
   <p:clrMapOvr>
     <a:masterClrMapping/>
   </p:clrMapOvr>
+  <p:timing>
+    <p:tnLst>
+      <p:par>
+        <p:cTn id="1" dur="indefinite" restart="never" nodeType="tmRoot">
+          <p:childTnLst>
+            <p:seq concurrent="1" nextAc="seek">
+              <p:cTn id="2" dur="indefinite" nodeType="mainSeq">
+                <p:childTnLst>
+                  <p:par>
+                    <p:cTn id="3" fill="hold">
+                      <p:stCondLst>
+                        <p:cond delay="indefinite"/>
+                      </p:stCondLst>
+                      <p:childTnLst>
+                        <p:par>
+                          <p:cTn id="4" fill="hold">
+                            <p:stCondLst>
+                              <p:cond delay="0"/>
+                            </p:stCondLst>
+                            <p:childTnLst>
+                              <p:par>
+                                <p:cTn id="5" presetID="1" presetClass="entr" presetSubtype="0" fill="hold" nodeType="clickEffect">
+                                  <p:stCondLst>
+                                    <p:cond delay="0"/>
+                                  </p:stCondLst>
+                                  <p:childTnLst>
+                                    <p:set>
+                                      <p:cBhvr>
+                                        <p:cTn id="6" dur="1" fill="hold">
+                                          <p:stCondLst>
+                                            <p:cond delay="0"/>
+                                          </p:stCondLst>
+                                        </p:cTn>
+                                        <p:tgtEl>
+                                          <p:spTgt spid="11"/>
+                                        </p:tgtEl>
+                                        <p:attrNameLst>
+                                          <p:attrName>style.visibility</p:attrName>
+                                        </p:attrNameLst>
+                                      </p:cBhvr>
+                                      <p:to>
+                                        <p:strVal val="visible"/>
+                                      </p:to>
+                                    </p:set>
+                                  </p:childTnLst>
+                                </p:cTn>
+                              </p:par>
+                            </p:childTnLst>
+                          </p:cTn>
+                        </p:par>
+                      </p:childTnLst>
+                    </p:cTn>
+                  </p:par>
+                  <p:par>
+                    <p:cTn id="7" fill="hold">
+                      <p:stCondLst>
+                        <p:cond delay="indefinite"/>
+                      </p:stCondLst>
+                      <p:childTnLst>
+                        <p:par>
+                          <p:cTn id="8" fill="hold">
+                            <p:stCondLst>
+                              <p:cond delay="0"/>
+                            </p:stCondLst>
+                            <p:childTnLst>
+                              <p:par>
+                                <p:cTn id="9" presetID="1" presetClass="entr" presetSubtype="0" fill="hold" nodeType="clickEffect">
+                                  <p:stCondLst>
+                                    <p:cond delay="0"/>
+                                  </p:stCondLst>
+                                  <p:childTnLst>
+                                    <p:set>
+                                      <p:cBhvr>
+                                        <p:cTn id="10" dur="1" fill="hold">
+                                          <p:stCondLst>
+                                            <p:cond delay="0"/>
+                                          </p:stCondLst>
+                                        </p:cTn>
+                                        <p:tgtEl>
+                                          <p:spTgt spid="12"/>
+                                        </p:tgtEl>
+                                        <p:attrNameLst>
+                                          <p:attrName>style.visibility</p:attrName>
+                                        </p:attrNameLst>
+                                      </p:cBhvr>
+                                      <p:to>
+                                        <p:strVal val="visible"/>
+                                      </p:to>
+                                    </p:set>
+                                  </p:childTnLst>
+                                </p:cTn>
+                              </p:par>
+                            </p:childTnLst>
+                          </p:cTn>
+                        </p:par>
+                      </p:childTnLst>
+                    </p:cTn>
+                  </p:par>
+                </p:childTnLst>
+              </p:cTn>
+              <p:prevCondLst>
+                <p:cond evt="onPrev" delay="0">
+                  <p:tgtEl>
+                    <p:sldTgt/>
+                  </p:tgtEl>
+                </p:cond>
+              </p:prevCondLst>
+              <p:nextCondLst>
+                <p:cond evt="onNext" delay="0">
+                  <p:tgtEl>
+                    <p:sldTgt/>
+                  </p:tgtEl>
+                </p:cond>
+              </p:nextCondLst>
+            </p:seq>
+          </p:childTnLst>
+        </p:cTn>
+      </p:par>
+    </p:tnLst>
+  </p:timing>
 </p:sld>
 </file>
 
@@ -11054,7 +11460,7 @@
               <a:rPr lang="en-US" dirty="0">
                 <a:cs typeface="Consolas" panose="020B0609020204030204" pitchFamily="49" charset="0"/>
               </a:rPr>
-              <a:t>( ~ term, scales = "free") +</a:t>
+              <a:t>( ~ term, scales = "free") + …</a:t>
             </a:r>
           </a:p>
         </p:txBody>
@@ -15572,7 +15978,19 @@
           <a:p>
             <a:r>
               <a:rPr lang="en-CA" dirty="0"/>
-              <a:t>(draws &lt;- bs(</a:t>
+              <a:t>(</a:t>
+            </a:r>
+            <a:r>
+              <a:rPr lang="en-CA" dirty="0">
+                <a:highlight>
+                  <a:srgbClr val="FFFF00"/>
+                </a:highlight>
+              </a:rPr>
+              <a:t>draws</a:t>
+            </a:r>
+            <a:r>
+              <a:rPr lang="en-CA" dirty="0"/>
+              <a:t> &lt;- bs(</a:t>
             </a:r>
             <a:r>
               <a:rPr lang="en-CA" dirty="0" err="1"/>
@@ -15580,7 +15998,19 @@
             </a:r>
             <a:r>
               <a:rPr lang="en-CA" dirty="0"/>
-              <a:t>(letter = LETTERS[1:4])))</a:t>
+              <a:t>(</a:t>
+            </a:r>
+            <a:r>
+              <a:rPr lang="en-CA" dirty="0">
+                <a:highlight>
+                  <a:srgbClr val="FFFF00"/>
+                </a:highlight>
+              </a:rPr>
+              <a:t>letter</a:t>
+            </a:r>
+            <a:r>
+              <a:rPr lang="en-CA" dirty="0"/>
+              <a:t> = LETTERS[1:4])))</a:t>
             </a:r>
           </a:p>
         </p:txBody>
@@ -16939,7 +17369,19 @@
           <a:p>
             <a:r>
               <a:rPr lang="en-US" dirty="0"/>
-              <a:t>Animated plot, by .draw:</a:t>
+              <a:t>Animated plot, by </a:t>
+            </a:r>
+            <a:r>
+              <a:rPr lang="en-US" dirty="0">
+                <a:highlight>
+                  <a:srgbClr val="FFFF00"/>
+                </a:highlight>
+              </a:rPr>
+              <a:t>.draw</a:t>
+            </a:r>
+            <a:r>
+              <a:rPr lang="en-US" dirty="0"/>
+              <a:t>:</a:t>
             </a:r>
           </a:p>
         </p:txBody>

--- a/lectures/bootstrap.pptx
+++ b/lectures/bootstrap.pptx
@@ -248,7 +248,7 @@
           <a:p>
             <a:fld id="{08BD4FA9-F3CE-45B3-A980-C331C6F1EF65}" type="datetimeFigureOut">
               <a:rPr lang="en-US" smtClean="0"/>
-              <a:t>3/11/2024</a:t>
+              <a:t>3/4/2025</a:t>
             </a:fld>
             <a:endParaRPr lang="en-US"/>
           </a:p>
@@ -413,7 +413,7 @@
           <a:p>
             <a:fld id="{58E1773B-12E6-4A34-9BA7-1DE9199A146A}" type="datetimeFigureOut">
               <a:rPr lang="en-US" smtClean="0"/>
-              <a:t>3/11/2024</a:t>
+              <a:t>3/4/2025</a:t>
             </a:fld>
             <a:endParaRPr lang="en-US"/>
           </a:p>
@@ -1206,7 +1206,7 @@
           <a:p>
             <a:fld id="{EAAD3657-2200-4D14-82C0-10C39B0F0F06}" type="datetime1">
               <a:rPr lang="en-US" smtClean="0"/>
-              <a:t>3/11/2024</a:t>
+              <a:t>3/4/2025</a:t>
             </a:fld>
             <a:endParaRPr lang="en-US"/>
           </a:p>
@@ -1374,7 +1374,7 @@
           <a:p>
             <a:fld id="{11BBAF55-A85E-4993-914E-FC1E5AA7DF24}" type="datetime1">
               <a:rPr lang="en-US" smtClean="0"/>
-              <a:t>3/11/2024</a:t>
+              <a:t>3/4/2025</a:t>
             </a:fld>
             <a:endParaRPr lang="en-US"/>
           </a:p>
@@ -1552,7 +1552,7 @@
           <a:p>
             <a:fld id="{39816E07-E1DB-44A4-A5E5-9F4B54E8C933}" type="datetime1">
               <a:rPr lang="en-US" smtClean="0"/>
-              <a:t>3/11/2024</a:t>
+              <a:t>3/4/2025</a:t>
             </a:fld>
             <a:endParaRPr lang="en-US"/>
           </a:p>
@@ -1737,7 +1737,7 @@
           <a:p>
             <a:fld id="{C2B1AD17-B813-4477-8AFE-B1860CC59113}" type="datetime1">
               <a:rPr lang="en-US" smtClean="0"/>
-              <a:t>3/11/2024</a:t>
+              <a:t>3/4/2025</a:t>
             </a:fld>
             <a:endParaRPr lang="en-US"/>
           </a:p>
@@ -1982,7 +1982,7 @@
           <a:p>
             <a:fld id="{D0975C0D-5C9E-48CC-8D31-F42D19FA8F7A}" type="datetime1">
               <a:rPr lang="en-US" smtClean="0"/>
-              <a:t>3/11/2024</a:t>
+              <a:t>3/4/2025</a:t>
             </a:fld>
             <a:endParaRPr lang="en-US"/>
           </a:p>
@@ -2267,7 +2267,7 @@
           <a:p>
             <a:fld id="{28657551-0F2B-4F09-86FD-F7994CE83DC5}" type="datetime1">
               <a:rPr lang="en-US" smtClean="0"/>
-              <a:t>3/11/2024</a:t>
+              <a:t>3/4/2025</a:t>
             </a:fld>
             <a:endParaRPr lang="en-US"/>
           </a:p>
@@ -2686,7 +2686,7 @@
           <a:p>
             <a:fld id="{3929D2B2-4200-46B9-96C3-02A55D5FAA00}" type="datetime1">
               <a:rPr lang="en-US" smtClean="0"/>
-              <a:t>3/11/2024</a:t>
+              <a:t>3/4/2025</a:t>
             </a:fld>
             <a:endParaRPr lang="en-US"/>
           </a:p>
@@ -2803,7 +2803,7 @@
           <a:p>
             <a:fld id="{41FF7722-74E8-497F-A072-89677A2C2373}" type="datetime1">
               <a:rPr lang="en-US" smtClean="0"/>
-              <a:t>3/11/2024</a:t>
+              <a:t>3/4/2025</a:t>
             </a:fld>
             <a:endParaRPr lang="en-US"/>
           </a:p>
@@ -2898,7 +2898,7 @@
           <a:p>
             <a:fld id="{BD26212E-B46B-426F-AE59-AA326827D9E0}" type="datetime1">
               <a:rPr lang="en-US" smtClean="0"/>
-              <a:t>3/11/2024</a:t>
+              <a:t>3/4/2025</a:t>
             </a:fld>
             <a:endParaRPr lang="en-US"/>
           </a:p>
@@ -3173,7 +3173,7 @@
           <a:p>
             <a:fld id="{FB9B81E8-09EA-4684-A39F-38DE1E49D20C}" type="datetime1">
               <a:rPr lang="en-US" smtClean="0"/>
-              <a:t>3/11/2024</a:t>
+              <a:t>3/4/2025</a:t>
             </a:fld>
             <a:endParaRPr lang="en-US"/>
           </a:p>
@@ -3425,7 +3425,7 @@
           <a:p>
             <a:fld id="{35C5CC5F-056C-4047-9A5C-9F5B4BED129B}" type="datetime1">
               <a:rPr lang="en-US" smtClean="0"/>
-              <a:t>3/11/2024</a:t>
+              <a:t>3/4/2025</a:t>
             </a:fld>
             <a:endParaRPr lang="en-US"/>
           </a:p>
@@ -3639,7 +3639,7 @@
           <a:p>
             <a:fld id="{E8171053-07BD-4A17-AC24-0A22EAA36098}" type="datetime1">
               <a:rPr lang="en-US" smtClean="0"/>
-              <a:t>3/11/2024</a:t>
+              <a:t>3/4/2025</a:t>
             </a:fld>
             <a:endParaRPr lang="en-US"/>
           </a:p>
@@ -7225,8 +7225,8 @@
               <a:chExt cx="3601977" cy="584391"/>
             </a:xfrm>
           </p:grpSpPr>
-          <mc:AlternateContent xmlns:mc="http://schemas.openxmlformats.org/markup-compatibility/2006">
-            <mc:Choice xmlns:a14="http://schemas.microsoft.com/office/drawing/2010/main" Requires="a14">
+          <mc:AlternateContent xmlns:mc="http://schemas.openxmlformats.org/markup-compatibility/2006" xmlns:a14="http://schemas.microsoft.com/office/drawing/2010/main">
+            <mc:Choice Requires="a14">
               <p:sp>
                 <p:nvSpPr>
                   <p:cNvPr id="10" name="TextBox 9">
@@ -7319,7 +7319,7 @@
                 </p:txBody>
               </p:sp>
             </mc:Choice>
-            <mc:Fallback>
+            <mc:Fallback xmlns="">
               <p:sp>
                 <p:nvSpPr>
                   <p:cNvPr id="10" name="TextBox 9">
@@ -8872,7 +8872,19 @@
           <a:p>
             <a:r>
               <a:rPr lang="en-US" dirty="0"/>
-              <a:t>For bootstrapping, each split[n/m] contains:</a:t>
+              <a:t>For bootstrapping, each split[</a:t>
+            </a:r>
+            <a:r>
+              <a:rPr lang="en-US" dirty="0">
+                <a:highlight>
+                  <a:srgbClr val="FFFF00"/>
+                </a:highlight>
+              </a:rPr>
+              <a:t>n/m</a:t>
+            </a:r>
+            <a:r>
+              <a:rPr lang="en-US" dirty="0"/>
+              <a:t>] contains:</a:t>
             </a:r>
           </a:p>
           <a:p>
@@ -10546,7 +10558,7 @@
             <a:pPr lvl="1"/>
             <a:r>
               <a:rPr lang="en-US" altLang="en-US" sz="2000" dirty="0"/>
-              <a:t>Asymptotic results, e.g., F</a:t>
+              <a:t>Asymptotic results, e.g., in SEM: F</a:t>
             </a:r>
             <a:r>
               <a:rPr lang="en-US" altLang="en-US" sz="2000" baseline="-25000" dirty="0"/>
@@ -12816,6 +12828,92 @@
               <a:srgbClr val="FF0000"/>
             </a:solidFill>
             <a:tailEnd type="stealth" w="lg" len="med"/>
+          </a:ln>
+        </p:spPr>
+        <p:style>
+          <a:lnRef idx="1">
+            <a:schemeClr val="accent1"/>
+          </a:lnRef>
+          <a:fillRef idx="0">
+            <a:schemeClr val="accent1"/>
+          </a:fillRef>
+          <a:effectRef idx="0">
+            <a:schemeClr val="accent1"/>
+          </a:effectRef>
+          <a:fontRef idx="minor">
+            <a:schemeClr val="tx1"/>
+          </a:fontRef>
+        </p:style>
+      </p:cxnSp>
+      <p:cxnSp>
+        <p:nvCxnSpPr>
+          <p:cNvPr id="9" name="Straight Arrow Connector 8">
+            <a:extLst>
+              <a:ext uri="{FF2B5EF4-FFF2-40B4-BE49-F238E27FC236}">
+                <a16:creationId xmlns:a16="http://schemas.microsoft.com/office/drawing/2014/main" id="{F6FA2740-5FFC-B0B3-467D-E27A6CB6D3C0}"/>
+              </a:ext>
+            </a:extLst>
+          </p:cNvPr>
+          <p:cNvCxnSpPr/>
+          <p:nvPr/>
+        </p:nvCxnSpPr>
+        <p:spPr>
+          <a:xfrm>
+            <a:off x="4572000" y="1447800"/>
+            <a:ext cx="836432" cy="457200"/>
+          </a:xfrm>
+          <a:prstGeom prst="straightConnector1">
+            <a:avLst/>
+          </a:prstGeom>
+          <a:ln w="25400">
+            <a:solidFill>
+              <a:srgbClr val="FF0000"/>
+            </a:solidFill>
+            <a:tailEnd type="triangle"/>
+          </a:ln>
+        </p:spPr>
+        <p:style>
+          <a:lnRef idx="1">
+            <a:schemeClr val="accent1"/>
+          </a:lnRef>
+          <a:fillRef idx="0">
+            <a:schemeClr val="accent1"/>
+          </a:fillRef>
+          <a:effectRef idx="0">
+            <a:schemeClr val="accent1"/>
+          </a:effectRef>
+          <a:fontRef idx="minor">
+            <a:schemeClr val="tx1"/>
+          </a:fontRef>
+        </p:style>
+      </p:cxnSp>
+      <p:cxnSp>
+        <p:nvCxnSpPr>
+          <p:cNvPr id="11" name="Straight Arrow Connector 10">
+            <a:extLst>
+              <a:ext uri="{FF2B5EF4-FFF2-40B4-BE49-F238E27FC236}">
+                <a16:creationId xmlns:a16="http://schemas.microsoft.com/office/drawing/2014/main" id="{42307351-F8AD-0B96-67C0-EC23458DD4A8}"/>
+              </a:ext>
+            </a:extLst>
+          </p:cNvPr>
+          <p:cNvCxnSpPr>
+            <a:endCxn id="8" idx="1"/>
+          </p:cNvCxnSpPr>
+          <p:nvPr/>
+        </p:nvCxnSpPr>
+        <p:spPr>
+          <a:xfrm>
+            <a:off x="4648200" y="4876800"/>
+            <a:ext cx="760232" cy="216932"/>
+          </a:xfrm>
+          <a:prstGeom prst="straightConnector1">
+            <a:avLst/>
+          </a:prstGeom>
+          <a:ln w="25400">
+            <a:solidFill>
+              <a:srgbClr val="FF0000"/>
+            </a:solidFill>
+            <a:tailEnd type="triangle"/>
           </a:ln>
         </p:spPr>
         <p:style>
@@ -13711,6 +13809,41 @@
           </a:p>
         </p:txBody>
       </p:sp>
+      <p:sp>
+        <p:nvSpPr>
+          <p:cNvPr id="3" name="TextBox 2">
+            <a:extLst>
+              <a:ext uri="{FF2B5EF4-FFF2-40B4-BE49-F238E27FC236}">
+                <a16:creationId xmlns:a16="http://schemas.microsoft.com/office/drawing/2014/main" id="{5B04990C-85DE-E7A8-9FAD-4BB40B4A83F6}"/>
+              </a:ext>
+            </a:extLst>
+          </p:cNvPr>
+          <p:cNvSpPr txBox="1"/>
+          <p:nvPr/>
+        </p:nvSpPr>
+        <p:spPr>
+          <a:xfrm>
+            <a:off x="457200" y="2438400"/>
+            <a:ext cx="2819400" cy="369332"/>
+          </a:xfrm>
+          <a:prstGeom prst="rect">
+            <a:avLst/>
+          </a:prstGeom>
+          <a:noFill/>
+        </p:spPr>
+        <p:txBody>
+          <a:bodyPr wrap="square" rtlCol="0">
+            <a:spAutoFit/>
+          </a:bodyPr>
+          <a:lstStyle/>
+          <a:p>
+            <a:r>
+              <a:rPr lang="en-CA" dirty="0"/>
+              <a:t>Error bars</a:t>
+            </a:r>
+          </a:p>
+        </p:txBody>
+      </p:sp>
     </p:spTree>
     <p:extLst>
       <p:ext uri="{BB962C8B-B14F-4D97-AF65-F5344CB8AC3E}">
@@ -14174,7 +14307,11 @@
               <a:t>  </a:t>
             </a:r>
             <a:r>
-              <a:rPr lang="en-US" dirty="0" err="1"/>
+              <a:rPr lang="en-US" dirty="0" err="1">
+                <a:highlight>
+                  <a:srgbClr val="FFFF00"/>
+                </a:highlight>
+              </a:rPr>
               <a:t>sample_n</a:t>
             </a:r>
             <a:r>
@@ -14651,7 +14788,7 @@
             <a:pPr lvl="1"/>
             <a:r>
               <a:rPr lang="en-US" altLang="en-US" sz="2400" dirty="0"/>
-              <a:t>Joe Jackson: how did he hit in clutch situations?</a:t>
+              <a:t>Shoeless Joe Jackson: how did he hit in clutch situations?</a:t>
             </a:r>
           </a:p>
           <a:p>
@@ -15068,6 +15205,36 @@
           </a:p>
         </p:txBody>
       </p:sp>
+      <p:pic>
+        <p:nvPicPr>
+          <p:cNvPr id="3" name="Picture 2">
+            <a:extLst>
+              <a:ext uri="{FF2B5EF4-FFF2-40B4-BE49-F238E27FC236}">
+                <a16:creationId xmlns:a16="http://schemas.microsoft.com/office/drawing/2014/main" id="{1E507AE9-9739-AE70-0862-A4362AB10FEB}"/>
+              </a:ext>
+            </a:extLst>
+          </p:cNvPr>
+          <p:cNvPicPr>
+            <a:picLocks noChangeAspect="1"/>
+          </p:cNvPicPr>
+          <p:nvPr/>
+        </p:nvPicPr>
+        <p:blipFill>
+          <a:blip r:embed="rId4"/>
+          <a:stretch>
+            <a:fillRect/>
+          </a:stretch>
+        </p:blipFill>
+        <p:spPr>
+          <a:xfrm>
+            <a:off x="6924446" y="1708150"/>
+            <a:ext cx="1552649" cy="501625"/>
+          </a:xfrm>
+          <a:prstGeom prst="rect">
+            <a:avLst/>
+          </a:prstGeom>
+        </p:spPr>
+      </p:pic>
     </p:spTree>
   </p:cSld>
   <p:clrMapOvr>
@@ -15764,6 +15931,36 @@
           </a:p>
         </p:txBody>
       </p:sp>
+      <p:pic>
+        <p:nvPicPr>
+          <p:cNvPr id="3" name="Picture 2">
+            <a:extLst>
+              <a:ext uri="{FF2B5EF4-FFF2-40B4-BE49-F238E27FC236}">
+                <a16:creationId xmlns:a16="http://schemas.microsoft.com/office/drawing/2014/main" id="{9FCC0A66-CF0D-89EF-B3A0-4EB7DF8FEA6D}"/>
+              </a:ext>
+            </a:extLst>
+          </p:cNvPr>
+          <p:cNvPicPr>
+            <a:picLocks noChangeAspect="1"/>
+          </p:cNvPicPr>
+          <p:nvPr/>
+        </p:nvPicPr>
+        <p:blipFill>
+          <a:blip r:embed="rId4"/>
+          <a:stretch>
+            <a:fillRect/>
+          </a:stretch>
+        </p:blipFill>
+        <p:spPr>
+          <a:xfrm>
+            <a:off x="7010400" y="1457351"/>
+            <a:ext cx="1438095" cy="428571"/>
+          </a:xfrm>
+          <a:prstGeom prst="rect">
+            <a:avLst/>
+          </a:prstGeom>
+        </p:spPr>
+      </p:pic>
     </p:spTree>
   </p:cSld>
   <p:clrMapOvr>
@@ -17679,7 +17876,34 @@
       </a:bgFillStyleLst>
     </a:fmtScheme>
   </a:themeElements>
-  <a:objectDefaults/>
+  <a:objectDefaults>
+    <a:lnDef>
+      <a:spPr>
+        <a:ln w="25400">
+          <a:solidFill>
+            <a:srgbClr val="FF0000"/>
+          </a:solidFill>
+          <a:tailEnd type="triangle"/>
+        </a:ln>
+      </a:spPr>
+      <a:bodyPr/>
+      <a:lstStyle/>
+      <a:style>
+        <a:lnRef idx="1">
+          <a:schemeClr val="accent1"/>
+        </a:lnRef>
+        <a:fillRef idx="0">
+          <a:schemeClr val="accent1"/>
+        </a:fillRef>
+        <a:effectRef idx="0">
+          <a:schemeClr val="accent1"/>
+        </a:effectRef>
+        <a:fontRef idx="minor">
+          <a:schemeClr val="tx1"/>
+        </a:fontRef>
+      </a:style>
+    </a:lnDef>
+  </a:objectDefaults>
   <a:extraClrSchemeLst/>
 </a:theme>
 </file>

--- a/lectures/bootstrap.pptx
+++ b/lectures/bootstrap.pptx
@@ -5,10 +5,10 @@
     <p:sldMasterId id="2147483660" r:id="rId1"/>
   </p:sldMasterIdLst>
   <p:notesMasterIdLst>
-    <p:notesMasterId r:id="rId26"/>
+    <p:notesMasterId r:id="rId28"/>
   </p:notesMasterIdLst>
   <p:handoutMasterIdLst>
-    <p:handoutMasterId r:id="rId27"/>
+    <p:handoutMasterId r:id="rId29"/>
   </p:handoutMasterIdLst>
   <p:sldIdLst>
     <p:sldId id="256" r:id="rId2"/>
@@ -17,24 +17,26 @@
     <p:sldId id="300" r:id="rId5"/>
     <p:sldId id="281" r:id="rId6"/>
     <p:sldId id="282" r:id="rId7"/>
-    <p:sldId id="301" r:id="rId8"/>
-    <p:sldId id="302" r:id="rId9"/>
-    <p:sldId id="304" r:id="rId10"/>
-    <p:sldId id="305" r:id="rId11"/>
-    <p:sldId id="306" r:id="rId12"/>
-    <p:sldId id="307" r:id="rId13"/>
-    <p:sldId id="308" r:id="rId14"/>
-    <p:sldId id="309" r:id="rId15"/>
-    <p:sldId id="310" r:id="rId16"/>
-    <p:sldId id="316" r:id="rId17"/>
-    <p:sldId id="311" r:id="rId18"/>
-    <p:sldId id="312" r:id="rId19"/>
-    <p:sldId id="313" r:id="rId20"/>
-    <p:sldId id="314" r:id="rId21"/>
-    <p:sldId id="315" r:id="rId22"/>
-    <p:sldId id="317" r:id="rId23"/>
-    <p:sldId id="318" r:id="rId24"/>
-    <p:sldId id="319" r:id="rId25"/>
+    <p:sldId id="321" r:id="rId8"/>
+    <p:sldId id="301" r:id="rId9"/>
+    <p:sldId id="302" r:id="rId10"/>
+    <p:sldId id="304" r:id="rId11"/>
+    <p:sldId id="305" r:id="rId12"/>
+    <p:sldId id="306" r:id="rId13"/>
+    <p:sldId id="307" r:id="rId14"/>
+    <p:sldId id="308" r:id="rId15"/>
+    <p:sldId id="309" r:id="rId16"/>
+    <p:sldId id="310" r:id="rId17"/>
+    <p:sldId id="316" r:id="rId18"/>
+    <p:sldId id="320" r:id="rId19"/>
+    <p:sldId id="311" r:id="rId20"/>
+    <p:sldId id="312" r:id="rId21"/>
+    <p:sldId id="313" r:id="rId22"/>
+    <p:sldId id="314" r:id="rId23"/>
+    <p:sldId id="315" r:id="rId24"/>
+    <p:sldId id="317" r:id="rId25"/>
+    <p:sldId id="318" r:id="rId26"/>
+    <p:sldId id="319" r:id="rId27"/>
   </p:sldIdLst>
   <p:sldSz cx="9144000" cy="6858000" type="screen4x3"/>
   <p:notesSz cx="6858000" cy="9144000"/>
@@ -248,7 +250,7 @@
           <a:p>
             <a:fld id="{08BD4FA9-F3CE-45B3-A980-C331C6F1EF65}" type="datetimeFigureOut">
               <a:rPr lang="en-US" smtClean="0"/>
-              <a:t>3/4/2025</a:t>
+              <a:t>3/7/2025</a:t>
             </a:fld>
             <a:endParaRPr lang="en-US"/>
           </a:p>
@@ -413,7 +415,7 @@
           <a:p>
             <a:fld id="{58E1773B-12E6-4A34-9BA7-1DE9199A146A}" type="datetimeFigureOut">
               <a:rPr lang="en-US" smtClean="0"/>
-              <a:t>3/4/2025</a:t>
+              <a:t>3/7/2025</a:t>
             </a:fld>
             <a:endParaRPr lang="en-US"/>
           </a:p>
@@ -1206,7 +1208,7 @@
           <a:p>
             <a:fld id="{EAAD3657-2200-4D14-82C0-10C39B0F0F06}" type="datetime1">
               <a:rPr lang="en-US" smtClean="0"/>
-              <a:t>3/4/2025</a:t>
+              <a:t>3/7/2025</a:t>
             </a:fld>
             <a:endParaRPr lang="en-US"/>
           </a:p>
@@ -1374,7 +1376,7 @@
           <a:p>
             <a:fld id="{11BBAF55-A85E-4993-914E-FC1E5AA7DF24}" type="datetime1">
               <a:rPr lang="en-US" smtClean="0"/>
-              <a:t>3/4/2025</a:t>
+              <a:t>3/7/2025</a:t>
             </a:fld>
             <a:endParaRPr lang="en-US"/>
           </a:p>
@@ -1552,7 +1554,7 @@
           <a:p>
             <a:fld id="{39816E07-E1DB-44A4-A5E5-9F4B54E8C933}" type="datetime1">
               <a:rPr lang="en-US" smtClean="0"/>
-              <a:t>3/4/2025</a:t>
+              <a:t>3/7/2025</a:t>
             </a:fld>
             <a:endParaRPr lang="en-US"/>
           </a:p>
@@ -1737,7 +1739,7 @@
           <a:p>
             <a:fld id="{C2B1AD17-B813-4477-8AFE-B1860CC59113}" type="datetime1">
               <a:rPr lang="en-US" smtClean="0"/>
-              <a:t>3/4/2025</a:t>
+              <a:t>3/7/2025</a:t>
             </a:fld>
             <a:endParaRPr lang="en-US"/>
           </a:p>
@@ -1982,7 +1984,7 @@
           <a:p>
             <a:fld id="{D0975C0D-5C9E-48CC-8D31-F42D19FA8F7A}" type="datetime1">
               <a:rPr lang="en-US" smtClean="0"/>
-              <a:t>3/4/2025</a:t>
+              <a:t>3/7/2025</a:t>
             </a:fld>
             <a:endParaRPr lang="en-US"/>
           </a:p>
@@ -2267,7 +2269,7 @@
           <a:p>
             <a:fld id="{28657551-0F2B-4F09-86FD-F7994CE83DC5}" type="datetime1">
               <a:rPr lang="en-US" smtClean="0"/>
-              <a:t>3/4/2025</a:t>
+              <a:t>3/7/2025</a:t>
             </a:fld>
             <a:endParaRPr lang="en-US"/>
           </a:p>
@@ -2686,7 +2688,7 @@
           <a:p>
             <a:fld id="{3929D2B2-4200-46B9-96C3-02A55D5FAA00}" type="datetime1">
               <a:rPr lang="en-US" smtClean="0"/>
-              <a:t>3/4/2025</a:t>
+              <a:t>3/7/2025</a:t>
             </a:fld>
             <a:endParaRPr lang="en-US"/>
           </a:p>
@@ -2803,7 +2805,7 @@
           <a:p>
             <a:fld id="{41FF7722-74E8-497F-A072-89677A2C2373}" type="datetime1">
               <a:rPr lang="en-US" smtClean="0"/>
-              <a:t>3/4/2025</a:t>
+              <a:t>3/7/2025</a:t>
             </a:fld>
             <a:endParaRPr lang="en-US"/>
           </a:p>
@@ -2898,7 +2900,7 @@
           <a:p>
             <a:fld id="{BD26212E-B46B-426F-AE59-AA326827D9E0}" type="datetime1">
               <a:rPr lang="en-US" smtClean="0"/>
-              <a:t>3/4/2025</a:t>
+              <a:t>3/7/2025</a:t>
             </a:fld>
             <a:endParaRPr lang="en-US"/>
           </a:p>
@@ -3173,7 +3175,7 @@
           <a:p>
             <a:fld id="{FB9B81E8-09EA-4684-A39F-38DE1E49D20C}" type="datetime1">
               <a:rPr lang="en-US" smtClean="0"/>
-              <a:t>3/4/2025</a:t>
+              <a:t>3/7/2025</a:t>
             </a:fld>
             <a:endParaRPr lang="en-US"/>
           </a:p>
@@ -3425,7 +3427,7 @@
           <a:p>
             <a:fld id="{35C5CC5F-056C-4047-9A5C-9F5B4BED129B}" type="datetime1">
               <a:rPr lang="en-US" smtClean="0"/>
-              <a:t>3/4/2025</a:t>
+              <a:t>3/7/2025</a:t>
             </a:fld>
             <a:endParaRPr lang="en-US"/>
           </a:p>
@@ -3639,7 +3641,7 @@
           <a:p>
             <a:fld id="{E8171053-07BD-4A17-AC24-0A22EAA36098}" type="datetime1">
               <a:rPr lang="en-US" smtClean="0"/>
-              <a:t>3/4/2025</a:t>
+              <a:t>3/7/2025</a:t>
             </a:fld>
             <a:endParaRPr lang="en-US"/>
           </a:p>
@@ -5955,6 +5957,499 @@
           <p:cNvPr id="2" name="Title 1">
             <a:extLst>
               <a:ext uri="{FF2B5EF4-FFF2-40B4-BE49-F238E27FC236}">
+                <a16:creationId xmlns:a16="http://schemas.microsoft.com/office/drawing/2014/main" id="{EB0509C2-399D-4413-9175-C633662CA722}"/>
+              </a:ext>
+            </a:extLst>
+          </p:cNvPr>
+          <p:cNvSpPr>
+            <a:spLocks noGrp="1"/>
+          </p:cNvSpPr>
+          <p:nvPr>
+            <p:ph type="title"/>
+          </p:nvPr>
+        </p:nvSpPr>
+        <p:spPr/>
+        <p:txBody>
+          <a:bodyPr>
+            <a:normAutofit fontScale="90000"/>
+          </a:bodyPr>
+          <a:lstStyle/>
+          <a:p>
+            <a:r>
+              <a:rPr lang="en-US" dirty="0"/>
+              <a:t>Regression illustration</a:t>
+            </a:r>
+          </a:p>
+        </p:txBody>
+      </p:sp>
+      <p:sp>
+        <p:nvSpPr>
+          <p:cNvPr id="3" name="Slide Number Placeholder 2">
+            <a:extLst>
+              <a:ext uri="{FF2B5EF4-FFF2-40B4-BE49-F238E27FC236}">
+                <a16:creationId xmlns:a16="http://schemas.microsoft.com/office/drawing/2014/main" id="{C3EAEC86-62F4-4D34-9D30-2DBB508335EB}"/>
+              </a:ext>
+            </a:extLst>
+          </p:cNvPr>
+          <p:cNvSpPr>
+            <a:spLocks noGrp="1"/>
+          </p:cNvSpPr>
+          <p:nvPr>
+            <p:ph type="sldNum" sz="quarter" idx="12"/>
+          </p:nvPr>
+        </p:nvSpPr>
+        <p:spPr/>
+        <p:txBody>
+          <a:bodyPr/>
+          <a:lstStyle/>
+          <a:p>
+            <a:fld id="{621225AB-15B9-4C79-A121-04D1DC7E2307}" type="slidenum">
+              <a:rPr lang="en-US" smtClean="0"/>
+              <a:t>10</a:t>
+            </a:fld>
+            <a:endParaRPr lang="en-US"/>
+          </a:p>
+        </p:txBody>
+      </p:sp>
+      <p:pic>
+        <p:nvPicPr>
+          <p:cNvPr id="5" name="Picture 4" descr="Chart, scatter chart&#10;&#10;Description automatically generated">
+            <a:extLst>
+              <a:ext uri="{FF2B5EF4-FFF2-40B4-BE49-F238E27FC236}">
+                <a16:creationId xmlns:a16="http://schemas.microsoft.com/office/drawing/2014/main" id="{F9A54C61-C10C-4BD1-9AD7-8FAB973DB79A}"/>
+              </a:ext>
+            </a:extLst>
+          </p:cNvPr>
+          <p:cNvPicPr>
+            <a:picLocks noChangeAspect="1"/>
+          </p:cNvPicPr>
+          <p:nvPr/>
+        </p:nvPicPr>
+        <p:blipFill>
+          <a:blip r:embed="rId2">
+            <a:extLst>
+              <a:ext uri="{28A0092B-C50C-407E-A947-70E740481C1C}">
+                <a14:useLocalDpi xmlns:a14="http://schemas.microsoft.com/office/drawing/2010/main" val="0"/>
+              </a:ext>
+            </a:extLst>
+          </a:blip>
+          <a:stretch>
+            <a:fillRect/>
+          </a:stretch>
+        </p:blipFill>
+        <p:spPr>
+          <a:xfrm>
+            <a:off x="4627264" y="1752600"/>
+            <a:ext cx="4125759" cy="4125759"/>
+          </a:xfrm>
+          <a:prstGeom prst="rect">
+            <a:avLst/>
+          </a:prstGeom>
+        </p:spPr>
+      </p:pic>
+      <p:sp>
+        <p:nvSpPr>
+          <p:cNvPr id="6" name="TextBox 5">
+            <a:extLst>
+              <a:ext uri="{FF2B5EF4-FFF2-40B4-BE49-F238E27FC236}">
+                <a16:creationId xmlns:a16="http://schemas.microsoft.com/office/drawing/2014/main" id="{F2D5496C-E6E2-45E5-A2FF-4C1D508B7F88}"/>
+              </a:ext>
+            </a:extLst>
+          </p:cNvPr>
+          <p:cNvSpPr txBox="1"/>
+          <p:nvPr/>
+        </p:nvSpPr>
+        <p:spPr>
+          <a:xfrm>
+            <a:off x="459658" y="1463070"/>
+            <a:ext cx="3962400" cy="1815882"/>
+          </a:xfrm>
+          <a:prstGeom prst="rect">
+            <a:avLst/>
+          </a:prstGeom>
+          <a:solidFill>
+            <a:schemeClr val="accent6">
+              <a:lumMod val="20000"/>
+              <a:lumOff val="80000"/>
+              <a:alpha val="60000"/>
+            </a:schemeClr>
+          </a:solidFill>
+        </p:spPr>
+        <p:txBody>
+          <a:bodyPr wrap="square" rtlCol="0">
+            <a:spAutoFit/>
+          </a:bodyPr>
+          <a:lstStyle/>
+          <a:p>
+            <a:r>
+              <a:rPr lang="en-US" sz="1600" dirty="0">
+                <a:solidFill>
+                  <a:srgbClr val="00B050"/>
+                </a:solidFill>
+              </a:rPr>
+              <a:t># randomly generate dataset</a:t>
+            </a:r>
+          </a:p>
+          <a:p>
+            <a:r>
+              <a:rPr lang="en-US" sz="1600" dirty="0" err="1"/>
+              <a:t>set.seed</a:t>
+            </a:r>
+            <a:r>
+              <a:rPr lang="en-US" sz="1600" dirty="0"/>
+              <a:t>(12345)</a:t>
+            </a:r>
+          </a:p>
+          <a:p>
+            <a:r>
+              <a:rPr lang="en-US" sz="1600" dirty="0"/>
+              <a:t>x &lt;- </a:t>
+            </a:r>
+            <a:r>
+              <a:rPr lang="en-US" sz="1600" dirty="0" err="1"/>
+              <a:t>rnorm</a:t>
+            </a:r>
+            <a:r>
+              <a:rPr lang="en-US" sz="1600" dirty="0"/>
+              <a:t>(15)</a:t>
+            </a:r>
+          </a:p>
+          <a:p>
+            <a:r>
+              <a:rPr lang="en-US" sz="1600" dirty="0"/>
+              <a:t>df &lt;- </a:t>
+            </a:r>
+            <a:r>
+              <a:rPr lang="en-US" sz="1600" dirty="0" err="1"/>
+              <a:t>data.frame</a:t>
+            </a:r>
+            <a:r>
+              <a:rPr lang="en-US" sz="1600" dirty="0"/>
+              <a:t>(x, </a:t>
+            </a:r>
+          </a:p>
+          <a:p>
+            <a:r>
+              <a:rPr lang="en-US" sz="1600" dirty="0"/>
+              <a:t>                              y = x + 0.5*</a:t>
+            </a:r>
+            <a:r>
+              <a:rPr lang="en-US" sz="1600" dirty="0" err="1"/>
+              <a:t>rnorm</a:t>
+            </a:r>
+            <a:r>
+              <a:rPr lang="en-US" sz="1600" dirty="0"/>
+              <a:t>(15))</a:t>
+            </a:r>
+          </a:p>
+          <a:p>
+            <a:r>
+              <a:rPr lang="en-US" sz="1600" dirty="0">
+                <a:solidFill>
+                  <a:srgbClr val="00B050"/>
+                </a:solidFill>
+              </a:rPr>
+              <a:t># bootstrapper object</a:t>
+            </a:r>
+          </a:p>
+          <a:p>
+            <a:r>
+              <a:rPr lang="en-US" sz="1600" dirty="0" err="1"/>
+              <a:t>bsr</a:t>
+            </a:r>
+            <a:r>
+              <a:rPr lang="en-US" sz="1600" dirty="0"/>
+              <a:t> &lt;- bootstrapper(10)</a:t>
+            </a:r>
+          </a:p>
+        </p:txBody>
+      </p:sp>
+      <p:sp>
+        <p:nvSpPr>
+          <p:cNvPr id="7" name="TextBox 6">
+            <a:extLst>
+              <a:ext uri="{FF2B5EF4-FFF2-40B4-BE49-F238E27FC236}">
+                <a16:creationId xmlns:a16="http://schemas.microsoft.com/office/drawing/2014/main" id="{8BDB3AFD-CA42-4293-B358-5042A0A8F79A}"/>
+              </a:ext>
+            </a:extLst>
+          </p:cNvPr>
+          <p:cNvSpPr txBox="1"/>
+          <p:nvPr/>
+        </p:nvSpPr>
+        <p:spPr>
+          <a:xfrm>
+            <a:off x="418016" y="4043515"/>
+            <a:ext cx="4125759" cy="2062103"/>
+          </a:xfrm>
+          <a:prstGeom prst="rect">
+            <a:avLst/>
+          </a:prstGeom>
+          <a:solidFill>
+            <a:schemeClr val="accent6">
+              <a:lumMod val="20000"/>
+              <a:lumOff val="80000"/>
+              <a:alpha val="60000"/>
+            </a:schemeClr>
+          </a:solidFill>
+        </p:spPr>
+        <p:txBody>
+          <a:bodyPr wrap="square" rtlCol="0">
+            <a:spAutoFit/>
+          </a:bodyPr>
+          <a:lstStyle/>
+          <a:p>
+            <a:r>
+              <a:rPr lang="en-US" sz="1600" dirty="0" err="1"/>
+              <a:t>ggplot</a:t>
+            </a:r>
+            <a:r>
+              <a:rPr lang="en-US" sz="1600" dirty="0"/>
+              <a:t>(df, </a:t>
+            </a:r>
+            <a:r>
+              <a:rPr lang="en-US" sz="1600" dirty="0" err="1"/>
+              <a:t>aes</a:t>
+            </a:r>
+            <a:r>
+              <a:rPr lang="en-US" sz="1600" dirty="0"/>
+              <a:t>(</a:t>
+            </a:r>
+            <a:r>
+              <a:rPr lang="en-US" sz="1600" dirty="0" err="1"/>
+              <a:t>x,y</a:t>
+            </a:r>
+            <a:r>
+              <a:rPr lang="en-US" sz="1600" dirty="0"/>
+              <a:t>) +</a:t>
+            </a:r>
+          </a:p>
+          <a:p>
+            <a:r>
+              <a:rPr lang="en-US" sz="1600" dirty="0"/>
+              <a:t>  </a:t>
+            </a:r>
+            <a:r>
+              <a:rPr lang="en-US" sz="1600" dirty="0" err="1"/>
+              <a:t>geom_point</a:t>
+            </a:r>
+            <a:r>
+              <a:rPr lang="en-US" sz="1600" dirty="0"/>
+              <a:t>(data=</a:t>
+            </a:r>
+            <a:r>
+              <a:rPr lang="en-US" sz="1600" dirty="0" err="1"/>
+              <a:t>bsr</a:t>
+            </a:r>
+            <a:r>
+              <a:rPr lang="en-US" sz="1600" dirty="0"/>
+              <a:t>, </a:t>
+            </a:r>
+            <a:r>
+              <a:rPr lang="en-US" sz="1600" dirty="0" err="1"/>
+              <a:t>aes</a:t>
+            </a:r>
+            <a:r>
+              <a:rPr lang="en-US" sz="1600" dirty="0"/>
+              <a:t>(group= .row) +</a:t>
+            </a:r>
+          </a:p>
+          <a:p>
+            <a:r>
+              <a:rPr lang="en-US" sz="1600" dirty="0"/>
+              <a:t>  </a:t>
+            </a:r>
+            <a:r>
+              <a:rPr lang="en-US" sz="1600" dirty="0" err="1"/>
+              <a:t>geom_text</a:t>
+            </a:r>
+            <a:r>
+              <a:rPr lang="en-US" sz="1600" dirty="0"/>
+              <a:t>(data = </a:t>
+            </a:r>
+            <a:r>
+              <a:rPr lang="en-US" sz="1600" dirty="0" err="1"/>
+              <a:t>bsr</a:t>
+            </a:r>
+            <a:r>
+              <a:rPr lang="en-US" sz="1600" dirty="0"/>
+              <a:t>, </a:t>
+            </a:r>
+            <a:r>
+              <a:rPr lang="en-US" sz="1600" dirty="0" err="1"/>
+              <a:t>aes</a:t>
+            </a:r>
+            <a:r>
+              <a:rPr lang="en-US" sz="1600" dirty="0"/>
+              <a:t>(label = .copies) +</a:t>
+            </a:r>
+          </a:p>
+          <a:p>
+            <a:r>
+              <a:rPr lang="en-US" sz="1600" dirty="0"/>
+              <a:t>  </a:t>
+            </a:r>
+            <a:r>
+              <a:rPr lang="en-US" sz="1600" dirty="0" err="1"/>
+              <a:t>geom_smooth</a:t>
+            </a:r>
+            <a:r>
+              <a:rPr lang="en-US" sz="1600" dirty="0"/>
+              <a:t>(data = </a:t>
+            </a:r>
+            <a:r>
+              <a:rPr lang="en-US" sz="1600" dirty="0" err="1"/>
+              <a:t>bsr</a:t>
+            </a:r>
+            <a:r>
+              <a:rPr lang="en-US" sz="1600" dirty="0"/>
+              <a:t>, </a:t>
+            </a:r>
+            <a:r>
+              <a:rPr lang="en-US" sz="1600" dirty="0" err="1"/>
+              <a:t>aes</a:t>
+            </a:r>
+            <a:r>
+              <a:rPr lang="en-US" sz="1600" dirty="0"/>
+              <a:t>(group = .draw),</a:t>
+            </a:r>
+          </a:p>
+          <a:p>
+            <a:r>
+              <a:rPr lang="en-US" sz="1600" dirty="0"/>
+              <a:t>                             method = "</a:t>
+            </a:r>
+            <a:r>
+              <a:rPr lang="en-US" sz="1600" dirty="0" err="1"/>
+              <a:t>lm</a:t>
+            </a:r>
+            <a:r>
+              <a:rPr lang="en-US" sz="1600" dirty="0"/>
+              <a:t>“) +</a:t>
+            </a:r>
+          </a:p>
+          <a:p>
+            <a:r>
+              <a:rPr lang="en-US" sz="1600" dirty="0"/>
+              <a:t>  </a:t>
+            </a:r>
+            <a:r>
+              <a:rPr lang="en-US" sz="1600" dirty="0">
+                <a:solidFill>
+                  <a:srgbClr val="00B050"/>
+                </a:solidFill>
+              </a:rPr>
+              <a:t># animation</a:t>
+            </a:r>
+          </a:p>
+          <a:p>
+            <a:r>
+              <a:rPr lang="sv-SE" sz="1600" dirty="0"/>
+              <a:t>  transition_states(</a:t>
+            </a:r>
+            <a:r>
+              <a:rPr lang="sv-SE" sz="1600" dirty="0">
+                <a:highlight>
+                  <a:srgbClr val="FFFF00"/>
+                </a:highlight>
+              </a:rPr>
+              <a:t>.draw</a:t>
+            </a:r>
+            <a:r>
+              <a:rPr lang="sv-SE" sz="1600" dirty="0"/>
+              <a:t>, 1, 2) +</a:t>
+            </a:r>
+          </a:p>
+          <a:p>
+            <a:r>
+              <a:rPr lang="sv-SE" sz="1600" dirty="0"/>
+              <a:t>  enter_fade() + exit_fade()</a:t>
+            </a:r>
+            <a:endParaRPr lang="en-US" sz="1600" dirty="0"/>
+          </a:p>
+        </p:txBody>
+      </p:sp>
+      <p:sp>
+        <p:nvSpPr>
+          <p:cNvPr id="4" name="TextBox 3">
+            <a:extLst>
+              <a:ext uri="{FF2B5EF4-FFF2-40B4-BE49-F238E27FC236}">
+                <a16:creationId xmlns:a16="http://schemas.microsoft.com/office/drawing/2014/main" id="{BFA73E54-D3DC-4F66-977F-79A9712E666D}"/>
+              </a:ext>
+            </a:extLst>
+          </p:cNvPr>
+          <p:cNvSpPr txBox="1"/>
+          <p:nvPr/>
+        </p:nvSpPr>
+        <p:spPr>
+          <a:xfrm>
+            <a:off x="418016" y="3490138"/>
+            <a:ext cx="3363759" cy="369332"/>
+          </a:xfrm>
+          <a:prstGeom prst="rect">
+            <a:avLst/>
+          </a:prstGeom>
+          <a:noFill/>
+        </p:spPr>
+        <p:txBody>
+          <a:bodyPr wrap="square" rtlCol="0">
+            <a:spAutoFit/>
+          </a:bodyPr>
+          <a:lstStyle/>
+          <a:p>
+            <a:r>
+              <a:rPr lang="en-US" dirty="0"/>
+              <a:t>Animated plot, by </a:t>
+            </a:r>
+            <a:r>
+              <a:rPr lang="en-US" dirty="0">
+                <a:highlight>
+                  <a:srgbClr val="FFFF00"/>
+                </a:highlight>
+              </a:rPr>
+              <a:t>.draw</a:t>
+            </a:r>
+            <a:r>
+              <a:rPr lang="en-US" dirty="0"/>
+              <a:t>:</a:t>
+            </a:r>
+          </a:p>
+        </p:txBody>
+      </p:sp>
+    </p:spTree>
+    <p:extLst>
+      <p:ext uri="{BB962C8B-B14F-4D97-AF65-F5344CB8AC3E}">
+        <p14:creationId xmlns:p14="http://schemas.microsoft.com/office/powerpoint/2010/main" val="2421676678"/>
+      </p:ext>
+    </p:extLst>
+  </p:cSld>
+  <p:clrMapOvr>
+    <a:masterClrMapping/>
+  </p:clrMapOvr>
+</p:sld>
+</file>
+
+<file path=ppt/slides/slide11.xml><?xml version="1.0" encoding="utf-8"?>
+<p:sld xmlns:a="http://schemas.openxmlformats.org/drawingml/2006/main" xmlns:r="http://schemas.openxmlformats.org/officeDocument/2006/relationships" xmlns:p="http://schemas.openxmlformats.org/presentationml/2006/main">
+  <p:cSld>
+    <p:spTree>
+      <p:nvGrpSpPr>
+        <p:cNvPr id="1" name=""/>
+        <p:cNvGrpSpPr/>
+        <p:nvPr/>
+      </p:nvGrpSpPr>
+      <p:grpSpPr>
+        <a:xfrm>
+          <a:off x="0" y="0"/>
+          <a:ext cx="0" cy="0"/>
+          <a:chOff x="0" y="0"/>
+          <a:chExt cx="0" cy="0"/>
+        </a:xfrm>
+      </p:grpSpPr>
+      <p:sp>
+        <p:nvSpPr>
+          <p:cNvPr id="2" name="Title 1">
+            <a:extLst>
+              <a:ext uri="{FF2B5EF4-FFF2-40B4-BE49-F238E27FC236}">
                 <a16:creationId xmlns:a16="http://schemas.microsoft.com/office/drawing/2014/main" id="{E1D2D4F5-E0CC-4000-B58C-87D9C7AC4A2F}"/>
               </a:ext>
             </a:extLst>
@@ -6003,7 +6498,7 @@
           <a:p>
             <a:fld id="{621225AB-15B9-4C79-A121-04D1DC7E2307}" type="slidenum">
               <a:rPr lang="en-US" smtClean="0"/>
-              <a:t>10</a:t>
+              <a:t>11</a:t>
             </a:fld>
             <a:endParaRPr lang="en-US"/>
           </a:p>
@@ -6111,7 +6606,7 @@
 </p:sld>
 </file>
 
-<file path=ppt/slides/slide11.xml><?xml version="1.0" encoding="utf-8"?>
+<file path=ppt/slides/slide12.xml><?xml version="1.0" encoding="utf-8"?>
 <p:sld xmlns:a="http://schemas.openxmlformats.org/drawingml/2006/main" xmlns:r="http://schemas.openxmlformats.org/officeDocument/2006/relationships" xmlns:p="http://schemas.openxmlformats.org/presentationml/2006/main">
   <p:cSld>
     <p:spTree>
@@ -6181,7 +6676,7 @@
           <a:p>
             <a:fld id="{621225AB-15B9-4C79-A121-04D1DC7E2307}" type="slidenum">
               <a:rPr lang="en-US" smtClean="0"/>
-              <a:t>11</a:t>
+              <a:t>12</a:t>
             </a:fld>
             <a:endParaRPr lang="en-US"/>
           </a:p>
@@ -6378,7 +6873,7 @@
 </p:sld>
 </file>
 
-<file path=ppt/slides/slide12.xml><?xml version="1.0" encoding="utf-8"?>
+<file path=ppt/slides/slide13.xml><?xml version="1.0" encoding="utf-8"?>
 <p:sld xmlns:a="http://schemas.openxmlformats.org/drawingml/2006/main" xmlns:r="http://schemas.openxmlformats.org/officeDocument/2006/relationships" xmlns:p="http://schemas.openxmlformats.org/presentationml/2006/main">
   <p:cSld>
     <p:spTree>
@@ -6448,7 +6943,7 @@
           <a:p>
             <a:fld id="{621225AB-15B9-4C79-A121-04D1DC7E2307}" type="slidenum">
               <a:rPr lang="en-US" smtClean="0"/>
-              <a:t>12</a:t>
+              <a:t>13</a:t>
             </a:fld>
             <a:endParaRPr lang="en-US"/>
           </a:p>
@@ -6634,7 +7129,11 @@
               <a:t>  </a:t>
             </a:r>
             <a:r>
-              <a:rPr lang="en-US" dirty="0" err="1"/>
+              <a:rPr lang="en-US" dirty="0" err="1">
+                <a:highlight>
+                  <a:srgbClr val="FFFF00"/>
+                </a:highlight>
+              </a:rPr>
               <a:t>stat_smooth_draws</a:t>
             </a:r>
             <a:r>
@@ -6693,7 +7192,7 @@
 </p:sld>
 </file>
 
-<file path=ppt/slides/slide13.xml><?xml version="1.0" encoding="utf-8"?>
+<file path=ppt/slides/slide14.xml><?xml version="1.0" encoding="utf-8"?>
 <p:sld xmlns:a="http://schemas.openxmlformats.org/drawingml/2006/main" xmlns:r="http://schemas.openxmlformats.org/officeDocument/2006/relationships" xmlns:p="http://schemas.openxmlformats.org/presentationml/2006/main">
   <p:cSld>
     <p:spTree>
@@ -6763,7 +7262,7 @@
           <a:p>
             <a:fld id="{621225AB-15B9-4C79-A121-04D1DC7E2307}" type="slidenum">
               <a:rPr lang="en-US" smtClean="0"/>
-              <a:t>13</a:t>
+              <a:t>14</a:t>
             </a:fld>
             <a:endParaRPr lang="en-US"/>
           </a:p>
@@ -7014,7 +7513,7 @@
 </p:sld>
 </file>
 
-<file path=ppt/slides/slide14.xml><?xml version="1.0" encoding="utf-8"?>
+<file path=ppt/slides/slide15.xml><?xml version="1.0" encoding="utf-8"?>
 <p:sld xmlns:a="http://schemas.openxmlformats.org/drawingml/2006/main" xmlns:r="http://schemas.openxmlformats.org/officeDocument/2006/relationships" xmlns:p="http://schemas.openxmlformats.org/presentationml/2006/main">
   <p:cSld>
     <p:spTree>
@@ -7084,7 +7583,7 @@
           <a:p>
             <a:fld id="{621225AB-15B9-4C79-A121-04D1DC7E2307}" type="slidenum">
               <a:rPr lang="en-US" smtClean="0"/>
-              <a:t>14</a:t>
+              <a:t>15</a:t>
             </a:fld>
             <a:endParaRPr lang="en-US"/>
           </a:p>
@@ -7581,7 +8080,7 @@
 </p:sld>
 </file>
 
-<file path=ppt/slides/slide15.xml><?xml version="1.0" encoding="utf-8"?>
+<file path=ppt/slides/slide16.xml><?xml version="1.0" encoding="utf-8"?>
 <p:sld xmlns:a="http://schemas.openxmlformats.org/drawingml/2006/main" xmlns:r="http://schemas.openxmlformats.org/officeDocument/2006/relationships" xmlns:p="http://schemas.openxmlformats.org/presentationml/2006/main">
   <p:cSld>
     <p:spTree>
@@ -7659,7 +8158,7 @@
           <a:p>
             <a:fld id="{621225AB-15B9-4C79-A121-04D1DC7E2307}" type="slidenum">
               <a:rPr lang="en-US" smtClean="0"/>
-              <a:t>15</a:t>
+              <a:t>16</a:t>
             </a:fld>
             <a:endParaRPr lang="en-US"/>
           </a:p>
@@ -7988,7 +8487,7 @@
 </p:sld>
 </file>
 
-<file path=ppt/slides/slide16.xml><?xml version="1.0" encoding="utf-8"?>
+<file path=ppt/slides/slide17.xml><?xml version="1.0" encoding="utf-8"?>
 <p:sld xmlns:a="http://schemas.openxmlformats.org/drawingml/2006/main" xmlns:r="http://schemas.openxmlformats.org/officeDocument/2006/relationships" xmlns:p="http://schemas.openxmlformats.org/presentationml/2006/main">
   <p:cSld>
     <p:spTree>
@@ -8058,7 +8557,7 @@
           <a:p>
             <a:fld id="{621225AB-15B9-4C79-A121-04D1DC7E2307}" type="slidenum">
               <a:rPr lang="en-US" smtClean="0"/>
-              <a:t>16</a:t>
+              <a:t>17</a:t>
             </a:fld>
             <a:endParaRPr lang="en-US"/>
           </a:p>
@@ -8184,126 +8683,6 @@
           </a:graphic>
         </p:graphicFrame>
       </p:grpSp>
-      <p:grpSp>
-        <p:nvGrpSpPr>
-          <p:cNvPr id="12" name="Group 11">
-            <a:extLst>
-              <a:ext uri="{FF2B5EF4-FFF2-40B4-BE49-F238E27FC236}">
-                <a16:creationId xmlns:a16="http://schemas.microsoft.com/office/drawing/2014/main" id="{C41C8D32-4FE3-424B-A1B5-35B41AF4BBF0}"/>
-              </a:ext>
-            </a:extLst>
-          </p:cNvPr>
-          <p:cNvGrpSpPr/>
-          <p:nvPr/>
-        </p:nvGrpSpPr>
-        <p:grpSpPr>
-          <a:xfrm>
-            <a:off x="4724400" y="2239928"/>
-            <a:ext cx="4023360" cy="4023360"/>
-            <a:chOff x="4724400" y="2358654"/>
-            <a:chExt cx="4023360" cy="4023360"/>
-          </a:xfrm>
-        </p:grpSpPr>
-        <p:pic>
-          <p:nvPicPr>
-            <p:cNvPr id="7" name="Picture 6" descr="Chart, histogram&#10;&#10;Description automatically generated">
-              <a:extLst>
-                <a:ext uri="{FF2B5EF4-FFF2-40B4-BE49-F238E27FC236}">
-                  <a16:creationId xmlns:a16="http://schemas.microsoft.com/office/drawing/2014/main" id="{2E312AA7-9C92-45BD-BEC5-90E7EEB25BB9}"/>
-                </a:ext>
-              </a:extLst>
-            </p:cNvPr>
-            <p:cNvPicPr>
-              <a:picLocks noChangeAspect="1"/>
-            </p:cNvPicPr>
-            <p:nvPr/>
-          </p:nvPicPr>
-          <p:blipFill>
-            <a:blip r:embed="rId5" cstate="print">
-              <a:extLst>
-                <a:ext uri="{28A0092B-C50C-407E-A947-70E740481C1C}">
-                  <a14:useLocalDpi xmlns:a14="http://schemas.microsoft.com/office/drawing/2010/main" val="0"/>
-                </a:ext>
-              </a:extLst>
-            </a:blip>
-            <a:stretch>
-              <a:fillRect/>
-            </a:stretch>
-          </p:blipFill>
-          <p:spPr>
-            <a:xfrm>
-              <a:off x="4724400" y="2358654"/>
-              <a:ext cx="4023360" cy="4023360"/>
-            </a:xfrm>
-            <a:prstGeom prst="rect">
-              <a:avLst/>
-            </a:prstGeom>
-          </p:spPr>
-        </p:pic>
-        <p:graphicFrame>
-          <p:nvGraphicFramePr>
-            <p:cNvPr id="9" name="Object 8">
-              <a:extLst>
-                <a:ext uri="{FF2B5EF4-FFF2-40B4-BE49-F238E27FC236}">
-                  <a16:creationId xmlns:a16="http://schemas.microsoft.com/office/drawing/2014/main" id="{E35FAA43-2E6C-41B3-9BF2-C213EF858861}"/>
-                </a:ext>
-              </a:extLst>
-            </p:cNvPr>
-            <p:cNvGraphicFramePr>
-              <a:graphicFrameLocks noChangeAspect="1"/>
-            </p:cNvGraphicFramePr>
-            <p:nvPr>
-              <p:extLst>
-                <p:ext uri="{D42A27DB-BD31-4B8C-83A1-F6EECF244321}">
-                  <p14:modId xmlns:p14="http://schemas.microsoft.com/office/powerpoint/2010/main" val="1041486524"/>
-                </p:ext>
-              </p:extLst>
-            </p:nvPr>
-          </p:nvGraphicFramePr>
-          <p:xfrm>
-            <a:off x="6638610" y="2546491"/>
-            <a:ext cx="1769807" cy="914400"/>
-          </p:xfrm>
-          <a:graphic>
-            <a:graphicData uri="http://schemas.openxmlformats.org/presentationml/2006/ole">
-              <mc:AlternateContent xmlns:mc="http://schemas.openxmlformats.org/markup-compatibility/2006">
-                <mc:Choice xmlns:v="urn:schemas-microsoft-com:vml" Requires="v">
-                  <p:oleObj name="Equation" r:id="rId6" imgW="761760" imgH="393480" progId="Equation.DSMT4">
-                    <p:embed/>
-                  </p:oleObj>
-                </mc:Choice>
-                <mc:Fallback>
-                  <p:oleObj name="Equation" r:id="rId6" imgW="761760" imgH="393480" progId="Equation.DSMT4">
-                    <p:embed/>
-                    <p:pic>
-                      <p:nvPicPr>
-                        <p:cNvPr id="0" name=""/>
-                        <p:cNvPicPr/>
-                        <p:nvPr/>
-                      </p:nvPicPr>
-                      <p:blipFill>
-                        <a:blip r:embed="rId7"/>
-                        <a:stretch>
-                          <a:fillRect/>
-                        </a:stretch>
-                      </p:blipFill>
-                      <p:spPr>
-                        <a:xfrm>
-                          <a:off x="6638610" y="2546491"/>
-                          <a:ext cx="1769807" cy="914400"/>
-                        </a:xfrm>
-                        <a:prstGeom prst="rect">
-                          <a:avLst/>
-                        </a:prstGeom>
-                      </p:spPr>
-                    </p:pic>
-                  </p:oleObj>
-                </mc:Fallback>
-              </mc:AlternateContent>
-            </a:graphicData>
-          </a:graphic>
-        </p:graphicFrame>
-      </p:grpSp>
       <p:sp>
         <p:nvSpPr>
           <p:cNvPr id="10" name="TextBox 9">
@@ -8374,628 +8753,12 @@
           </a:p>
         </p:txBody>
       </p:sp>
-      <p:sp>
-        <p:nvSpPr>
-          <p:cNvPr id="6" name="TextBox 5">
+      <p:grpSp>
+        <p:nvGrpSpPr>
+          <p:cNvPr id="13" name="Group 12">
             <a:extLst>
               <a:ext uri="{FF2B5EF4-FFF2-40B4-BE49-F238E27FC236}">
-                <a16:creationId xmlns:a16="http://schemas.microsoft.com/office/drawing/2014/main" id="{B1D5B2D3-0848-4B26-A5A1-86D869BFDA3C}"/>
-              </a:ext>
-            </a:extLst>
-          </p:cNvPr>
-          <p:cNvSpPr txBox="1"/>
-          <p:nvPr/>
-        </p:nvSpPr>
-        <p:spPr>
-          <a:xfrm>
-            <a:off x="5257800" y="1856124"/>
-            <a:ext cx="1600200" cy="369332"/>
-          </a:xfrm>
-          <a:prstGeom prst="rect">
-            <a:avLst/>
-          </a:prstGeom>
-          <a:noFill/>
-        </p:spPr>
-        <p:txBody>
-          <a:bodyPr wrap="square" rtlCol="0">
-            <a:spAutoFit/>
-          </a:bodyPr>
-          <a:lstStyle/>
-          <a:p>
-            <a:r>
-              <a:rPr lang="en-US" dirty="0"/>
-              <a:t>b: asymptote</a:t>
-            </a:r>
-          </a:p>
-        </p:txBody>
-      </p:sp>
-    </p:spTree>
-    <p:extLst>
-      <p:ext uri="{BB962C8B-B14F-4D97-AF65-F5344CB8AC3E}">
-        <p14:creationId xmlns:p14="http://schemas.microsoft.com/office/powerpoint/2010/main" val="3450936481"/>
-      </p:ext>
-    </p:extLst>
-  </p:cSld>
-  <p:clrMapOvr>
-    <a:masterClrMapping/>
-  </p:clrMapOvr>
-</p:sld>
-</file>
-
-<file path=ppt/slides/slide17.xml><?xml version="1.0" encoding="utf-8"?>
-<p:sld xmlns:a="http://schemas.openxmlformats.org/drawingml/2006/main" xmlns:r="http://schemas.openxmlformats.org/officeDocument/2006/relationships" xmlns:p="http://schemas.openxmlformats.org/presentationml/2006/main">
-  <p:cSld>
-    <p:spTree>
-      <p:nvGrpSpPr>
-        <p:cNvPr id="1" name=""/>
-        <p:cNvGrpSpPr/>
-        <p:nvPr/>
-      </p:nvGrpSpPr>
-      <p:grpSpPr>
-        <a:xfrm>
-          <a:off x="0" y="0"/>
-          <a:ext cx="0" cy="0"/>
-          <a:chOff x="0" y="0"/>
-          <a:chExt cx="0" cy="0"/>
-        </a:xfrm>
-      </p:grpSpPr>
-      <p:sp>
-        <p:nvSpPr>
-          <p:cNvPr id="2" name="Title 1">
-            <a:extLst>
-              <a:ext uri="{FF2B5EF4-FFF2-40B4-BE49-F238E27FC236}">
-                <a16:creationId xmlns:a16="http://schemas.microsoft.com/office/drawing/2014/main" id="{F7D16014-AA3B-427E-ABE4-62FA60F01805}"/>
-              </a:ext>
-            </a:extLst>
-          </p:cNvPr>
-          <p:cNvSpPr>
-            <a:spLocks noGrp="1"/>
-          </p:cNvSpPr>
-          <p:nvPr>
-            <p:ph type="title"/>
-          </p:nvPr>
-        </p:nvSpPr>
-        <p:spPr/>
-        <p:txBody>
-          <a:bodyPr>
-            <a:normAutofit fontScale="90000"/>
-          </a:bodyPr>
-          <a:lstStyle/>
-          <a:p>
-            <a:r>
-              <a:rPr lang="en-US" dirty="0" err="1"/>
-              <a:t>rsample</a:t>
-            </a:r>
-            <a:r>
-              <a:rPr lang="en-US" dirty="0"/>
-              <a:t> package</a:t>
-            </a:r>
-          </a:p>
-        </p:txBody>
-      </p:sp>
-      <p:sp>
-        <p:nvSpPr>
-          <p:cNvPr id="3" name="Slide Number Placeholder 2">
-            <a:extLst>
-              <a:ext uri="{FF2B5EF4-FFF2-40B4-BE49-F238E27FC236}">
-                <a16:creationId xmlns:a16="http://schemas.microsoft.com/office/drawing/2014/main" id="{7EECA8C4-2B87-475C-8685-8B2BF66955F7}"/>
-              </a:ext>
-            </a:extLst>
-          </p:cNvPr>
-          <p:cNvSpPr>
-            <a:spLocks noGrp="1"/>
-          </p:cNvSpPr>
-          <p:nvPr>
-            <p:ph type="sldNum" sz="quarter" idx="12"/>
-          </p:nvPr>
-        </p:nvSpPr>
-        <p:spPr/>
-        <p:txBody>
-          <a:bodyPr/>
-          <a:lstStyle/>
-          <a:p>
-            <a:fld id="{621225AB-15B9-4C79-A121-04D1DC7E2307}" type="slidenum">
-              <a:rPr lang="en-US" smtClean="0"/>
-              <a:t>17</a:t>
-            </a:fld>
-            <a:endParaRPr lang="en-US"/>
-          </a:p>
-        </p:txBody>
-      </p:sp>
-      <p:sp>
-        <p:nvSpPr>
-          <p:cNvPr id="4" name="TextBox 3">
-            <a:extLst>
-              <a:ext uri="{FF2B5EF4-FFF2-40B4-BE49-F238E27FC236}">
-                <a16:creationId xmlns:a16="http://schemas.microsoft.com/office/drawing/2014/main" id="{55A7E95C-934F-445C-A37B-667CEDACC60D}"/>
-              </a:ext>
-            </a:extLst>
-          </p:cNvPr>
-          <p:cNvSpPr txBox="1"/>
-          <p:nvPr/>
-        </p:nvSpPr>
-        <p:spPr>
-          <a:xfrm>
-            <a:off x="457200" y="1524000"/>
-            <a:ext cx="4694903" cy="4770537"/>
-          </a:xfrm>
-          <a:prstGeom prst="rect">
-            <a:avLst/>
-          </a:prstGeom>
-          <a:solidFill>
-            <a:schemeClr val="accent6">
-              <a:lumMod val="20000"/>
-              <a:lumOff val="80000"/>
-              <a:alpha val="60000"/>
-            </a:schemeClr>
-          </a:solidFill>
-        </p:spPr>
-        <p:txBody>
-          <a:bodyPr wrap="square" rtlCol="0">
-            <a:spAutoFit/>
-          </a:bodyPr>
-          <a:lstStyle/>
-          <a:p>
-            <a:r>
-              <a:rPr lang="en-US" sz="1600" dirty="0" err="1">
-                <a:latin typeface="Consolas" panose="020B0609020204030204" pitchFamily="49" charset="0"/>
-                <a:cs typeface="Consolas" panose="020B0609020204030204" pitchFamily="49" charset="0"/>
-              </a:rPr>
-              <a:t>set.seed</a:t>
-            </a:r>
-            <a:r>
-              <a:rPr lang="en-US" sz="1600" dirty="0">
-                <a:latin typeface="Consolas" panose="020B0609020204030204" pitchFamily="49" charset="0"/>
-                <a:cs typeface="Consolas" panose="020B0609020204030204" pitchFamily="49" charset="0"/>
-              </a:rPr>
-              <a:t>(27)</a:t>
-            </a:r>
-          </a:p>
-          <a:p>
-            <a:r>
-              <a:rPr lang="en-US" sz="1600" dirty="0">
-                <a:latin typeface="Consolas" panose="020B0609020204030204" pitchFamily="49" charset="0"/>
-                <a:cs typeface="Consolas" panose="020B0609020204030204" pitchFamily="49" charset="0"/>
-              </a:rPr>
-              <a:t>boots &lt;- bootstraps(</a:t>
-            </a:r>
-            <a:r>
-              <a:rPr lang="en-US" sz="1600" dirty="0" err="1">
-                <a:latin typeface="Consolas" panose="020B0609020204030204" pitchFamily="49" charset="0"/>
-                <a:cs typeface="Consolas" panose="020B0609020204030204" pitchFamily="49" charset="0"/>
-              </a:rPr>
-              <a:t>mtcars</a:t>
-            </a:r>
-            <a:r>
-              <a:rPr lang="en-US" sz="1600" dirty="0">
-                <a:latin typeface="Consolas" panose="020B0609020204030204" pitchFamily="49" charset="0"/>
-                <a:cs typeface="Consolas" panose="020B0609020204030204" pitchFamily="49" charset="0"/>
-              </a:rPr>
-              <a:t>, times = 500)</a:t>
-            </a:r>
-          </a:p>
-          <a:p>
-            <a:endParaRPr lang="en-US" sz="1600" dirty="0">
-              <a:latin typeface="Consolas" panose="020B0609020204030204" pitchFamily="49" charset="0"/>
-              <a:cs typeface="Consolas" panose="020B0609020204030204" pitchFamily="49" charset="0"/>
-            </a:endParaRPr>
-          </a:p>
-          <a:p>
-            <a:r>
-              <a:rPr lang="en-US" sz="1600" dirty="0">
-                <a:latin typeface="Consolas" panose="020B0609020204030204" pitchFamily="49" charset="0"/>
-                <a:cs typeface="Consolas" panose="020B0609020204030204" pitchFamily="49" charset="0"/>
-              </a:rPr>
-              <a:t>boots</a:t>
-            </a:r>
-          </a:p>
-          <a:p>
-            <a:r>
-              <a:rPr lang="en-US" sz="1600" dirty="0">
-                <a:latin typeface="Consolas" panose="020B0609020204030204" pitchFamily="49" charset="0"/>
-                <a:cs typeface="Consolas" panose="020B0609020204030204" pitchFamily="49" charset="0"/>
-              </a:rPr>
-              <a:t># Bootstrap sampling </a:t>
-            </a:r>
-          </a:p>
-          <a:p>
-            <a:r>
-              <a:rPr lang="en-US" sz="1600" dirty="0">
-                <a:latin typeface="Consolas" panose="020B0609020204030204" pitchFamily="49" charset="0"/>
-                <a:cs typeface="Consolas" panose="020B0609020204030204" pitchFamily="49" charset="0"/>
-              </a:rPr>
-              <a:t># A </a:t>
-            </a:r>
-            <a:r>
-              <a:rPr lang="en-US" sz="1600" dirty="0" err="1">
-                <a:latin typeface="Consolas" panose="020B0609020204030204" pitchFamily="49" charset="0"/>
-                <a:cs typeface="Consolas" panose="020B0609020204030204" pitchFamily="49" charset="0"/>
-              </a:rPr>
-              <a:t>tibble</a:t>
-            </a:r>
-            <a:r>
-              <a:rPr lang="en-US" sz="1600" dirty="0">
-                <a:latin typeface="Consolas" panose="020B0609020204030204" pitchFamily="49" charset="0"/>
-                <a:cs typeface="Consolas" panose="020B0609020204030204" pitchFamily="49" charset="0"/>
-              </a:rPr>
-              <a:t>: 500 x 2</a:t>
-            </a:r>
-          </a:p>
-          <a:p>
-            <a:r>
-              <a:rPr lang="en-US" sz="1600" dirty="0">
-                <a:latin typeface="Consolas" panose="020B0609020204030204" pitchFamily="49" charset="0"/>
-                <a:cs typeface="Consolas" panose="020B0609020204030204" pitchFamily="49" charset="0"/>
-              </a:rPr>
-              <a:t>   splits          id          </a:t>
-            </a:r>
-          </a:p>
-          <a:p>
-            <a:r>
-              <a:rPr lang="en-US" sz="1600" dirty="0">
-                <a:latin typeface="Consolas" panose="020B0609020204030204" pitchFamily="49" charset="0"/>
-                <a:cs typeface="Consolas" panose="020B0609020204030204" pitchFamily="49" charset="0"/>
-              </a:rPr>
-              <a:t>   &lt;list&gt;          &lt;</a:t>
-            </a:r>
-            <a:r>
-              <a:rPr lang="en-US" sz="1600" dirty="0" err="1">
-                <a:latin typeface="Consolas" panose="020B0609020204030204" pitchFamily="49" charset="0"/>
-                <a:cs typeface="Consolas" panose="020B0609020204030204" pitchFamily="49" charset="0"/>
-              </a:rPr>
-              <a:t>chr</a:t>
-            </a:r>
-            <a:r>
-              <a:rPr lang="en-US" sz="1600" dirty="0">
-                <a:latin typeface="Consolas" panose="020B0609020204030204" pitchFamily="49" charset="0"/>
-                <a:cs typeface="Consolas" panose="020B0609020204030204" pitchFamily="49" charset="0"/>
-              </a:rPr>
-              <a:t>&gt;       </a:t>
-            </a:r>
-          </a:p>
-          <a:p>
-            <a:r>
-              <a:rPr lang="en-US" sz="1600" dirty="0">
-                <a:latin typeface="Consolas" panose="020B0609020204030204" pitchFamily="49" charset="0"/>
-                <a:cs typeface="Consolas" panose="020B0609020204030204" pitchFamily="49" charset="0"/>
-              </a:rPr>
-              <a:t> 1 &lt;split [32/10]&gt; Bootstrap001</a:t>
-            </a:r>
-          </a:p>
-          <a:p>
-            <a:r>
-              <a:rPr lang="en-US" sz="1600" dirty="0">
-                <a:latin typeface="Consolas" panose="020B0609020204030204" pitchFamily="49" charset="0"/>
-                <a:cs typeface="Consolas" panose="020B0609020204030204" pitchFamily="49" charset="0"/>
-              </a:rPr>
-              <a:t> 2 &lt;split [32/12]&gt; Bootstrap002</a:t>
-            </a:r>
-          </a:p>
-          <a:p>
-            <a:r>
-              <a:rPr lang="en-US" sz="1600" dirty="0">
-                <a:latin typeface="Consolas" panose="020B0609020204030204" pitchFamily="49" charset="0"/>
-                <a:cs typeface="Consolas" panose="020B0609020204030204" pitchFamily="49" charset="0"/>
-              </a:rPr>
-              <a:t> 3 &lt;split [32/10]&gt; Bootstrap003</a:t>
-            </a:r>
-          </a:p>
-          <a:p>
-            <a:r>
-              <a:rPr lang="en-US" sz="1600" dirty="0">
-                <a:latin typeface="Consolas" panose="020B0609020204030204" pitchFamily="49" charset="0"/>
-                <a:cs typeface="Consolas" panose="020B0609020204030204" pitchFamily="49" charset="0"/>
-              </a:rPr>
-              <a:t> 4 &lt;split [32/10]&gt; Bootstrap004</a:t>
-            </a:r>
-          </a:p>
-          <a:p>
-            <a:r>
-              <a:rPr lang="en-US" sz="1600" dirty="0">
-                <a:latin typeface="Consolas" panose="020B0609020204030204" pitchFamily="49" charset="0"/>
-                <a:cs typeface="Consolas" panose="020B0609020204030204" pitchFamily="49" charset="0"/>
-              </a:rPr>
-              <a:t> 5 &lt;split [32/11]&gt; Bootstrap005</a:t>
-            </a:r>
-          </a:p>
-          <a:p>
-            <a:r>
-              <a:rPr lang="en-US" sz="1600" dirty="0">
-                <a:latin typeface="Consolas" panose="020B0609020204030204" pitchFamily="49" charset="0"/>
-                <a:cs typeface="Consolas" panose="020B0609020204030204" pitchFamily="49" charset="0"/>
-              </a:rPr>
-              <a:t> 6 &lt;split [32/14]&gt; Bootstrap006</a:t>
-            </a:r>
-          </a:p>
-          <a:p>
-            <a:r>
-              <a:rPr lang="en-US" sz="1600" dirty="0">
-                <a:latin typeface="Consolas" panose="020B0609020204030204" pitchFamily="49" charset="0"/>
-                <a:cs typeface="Consolas" panose="020B0609020204030204" pitchFamily="49" charset="0"/>
-              </a:rPr>
-              <a:t> 7 &lt;split [32/11]&gt; Bootstrap007</a:t>
-            </a:r>
-          </a:p>
-          <a:p>
-            <a:r>
-              <a:rPr lang="en-US" sz="1600" dirty="0">
-                <a:latin typeface="Consolas" panose="020B0609020204030204" pitchFamily="49" charset="0"/>
-                <a:cs typeface="Consolas" panose="020B0609020204030204" pitchFamily="49" charset="0"/>
-              </a:rPr>
-              <a:t> 8 &lt;split [32/8]&gt;  Bootstrap008</a:t>
-            </a:r>
-          </a:p>
-          <a:p>
-            <a:r>
-              <a:rPr lang="en-US" sz="1600" dirty="0">
-                <a:latin typeface="Consolas" panose="020B0609020204030204" pitchFamily="49" charset="0"/>
-                <a:cs typeface="Consolas" panose="020B0609020204030204" pitchFamily="49" charset="0"/>
-              </a:rPr>
-              <a:t> 9 &lt;split [32/11]&gt; Bootstrap009</a:t>
-            </a:r>
-          </a:p>
-          <a:p>
-            <a:r>
-              <a:rPr lang="en-US" sz="1600" dirty="0">
-                <a:latin typeface="Consolas" panose="020B0609020204030204" pitchFamily="49" charset="0"/>
-                <a:cs typeface="Consolas" panose="020B0609020204030204" pitchFamily="49" charset="0"/>
-              </a:rPr>
-              <a:t>10 &lt;split [32/13]&gt; Bootstrap010</a:t>
-            </a:r>
-          </a:p>
-          <a:p>
-            <a:r>
-              <a:rPr lang="en-US" sz="1600" dirty="0">
-                <a:latin typeface="Consolas" panose="020B0609020204030204" pitchFamily="49" charset="0"/>
-                <a:cs typeface="Consolas" panose="020B0609020204030204" pitchFamily="49" charset="0"/>
-              </a:rPr>
-              <a:t># ... with 490 more rows</a:t>
-            </a:r>
-          </a:p>
-        </p:txBody>
-      </p:sp>
-      <p:pic>
-        <p:nvPicPr>
-          <p:cNvPr id="7" name="Picture 6">
-            <a:extLst>
-              <a:ext uri="{FF2B5EF4-FFF2-40B4-BE49-F238E27FC236}">
-                <a16:creationId xmlns:a16="http://schemas.microsoft.com/office/drawing/2014/main" id="{9E5386EE-82F0-4343-B6F6-FAFE9BD69FB5}"/>
-              </a:ext>
-            </a:extLst>
-          </p:cNvPr>
-          <p:cNvPicPr>
-            <a:picLocks noChangeAspect="1"/>
-          </p:cNvPicPr>
-          <p:nvPr/>
-        </p:nvPicPr>
-        <p:blipFill>
-          <a:blip r:embed="rId2" cstate="print">
-            <a:extLst>
-              <a:ext uri="{28A0092B-C50C-407E-A947-70E740481C1C}">
-                <a14:useLocalDpi xmlns:a14="http://schemas.microsoft.com/office/drawing/2010/main" val="0"/>
-              </a:ext>
-            </a:extLst>
-          </a:blip>
-          <a:stretch>
-            <a:fillRect/>
-          </a:stretch>
-        </p:blipFill>
-        <p:spPr>
-          <a:xfrm>
-            <a:off x="8068469" y="304783"/>
-            <a:ext cx="618331" cy="715963"/>
-          </a:xfrm>
-          <a:prstGeom prst="rect">
-            <a:avLst/>
-          </a:prstGeom>
-        </p:spPr>
-      </p:pic>
-      <p:sp>
-        <p:nvSpPr>
-          <p:cNvPr id="8" name="TextBox 7">
-            <a:extLst>
-              <a:ext uri="{FF2B5EF4-FFF2-40B4-BE49-F238E27FC236}">
-                <a16:creationId xmlns:a16="http://schemas.microsoft.com/office/drawing/2014/main" id="{84982E3B-504B-4765-A4E6-F7BA75882F0E}"/>
-              </a:ext>
-            </a:extLst>
-          </p:cNvPr>
-          <p:cNvSpPr txBox="1"/>
-          <p:nvPr/>
-        </p:nvSpPr>
-        <p:spPr>
-          <a:xfrm>
-            <a:off x="5638800" y="1563879"/>
-            <a:ext cx="3048000" cy="646331"/>
-          </a:xfrm>
-          <a:prstGeom prst="rect">
-            <a:avLst/>
-          </a:prstGeom>
-          <a:noFill/>
-        </p:spPr>
-        <p:txBody>
-          <a:bodyPr wrap="square" rtlCol="0">
-            <a:spAutoFit/>
-          </a:bodyPr>
-          <a:lstStyle/>
-          <a:p>
-            <a:r>
-              <a:rPr lang="en-US" dirty="0"/>
-              <a:t>Generate ‘times’ bootstrapped samples</a:t>
-            </a:r>
-          </a:p>
-        </p:txBody>
-      </p:sp>
-      <p:sp>
-        <p:nvSpPr>
-          <p:cNvPr id="9" name="TextBox 8">
-            <a:extLst>
-              <a:ext uri="{FF2B5EF4-FFF2-40B4-BE49-F238E27FC236}">
-                <a16:creationId xmlns:a16="http://schemas.microsoft.com/office/drawing/2014/main" id="{A05BBF84-4EF3-4301-BB0F-BE0F35E65FA4}"/>
-              </a:ext>
-            </a:extLst>
-          </p:cNvPr>
-          <p:cNvSpPr txBox="1"/>
-          <p:nvPr/>
-        </p:nvSpPr>
-        <p:spPr>
-          <a:xfrm>
-            <a:off x="5486400" y="3181727"/>
-            <a:ext cx="3505200" cy="2308324"/>
-          </a:xfrm>
-          <a:prstGeom prst="rect">
-            <a:avLst/>
-          </a:prstGeom>
-          <a:noFill/>
-        </p:spPr>
-        <p:txBody>
-          <a:bodyPr wrap="square" rtlCol="0">
-            <a:spAutoFit/>
-          </a:bodyPr>
-          <a:lstStyle/>
-          <a:p>
-            <a:r>
-              <a:rPr lang="en-US" dirty="0"/>
-              <a:t>{</a:t>
-            </a:r>
-            <a:r>
-              <a:rPr lang="en-US" dirty="0" err="1"/>
-              <a:t>rsample</a:t>
-            </a:r>
-            <a:r>
-              <a:rPr lang="en-US" dirty="0"/>
-              <a:t>} provides a more general approach, allowing cross-validation</a:t>
-            </a:r>
-          </a:p>
-          <a:p>
-            <a:endParaRPr lang="en-US" dirty="0"/>
-          </a:p>
-          <a:p>
-            <a:r>
-              <a:rPr lang="en-US" dirty="0"/>
-              <a:t>For bootstrapping, each split[</a:t>
-            </a:r>
-            <a:r>
-              <a:rPr lang="en-US" dirty="0">
-                <a:highlight>
-                  <a:srgbClr val="FFFF00"/>
-                </a:highlight>
-              </a:rPr>
-              <a:t>n/m</a:t>
-            </a:r>
-            <a:r>
-              <a:rPr lang="en-US" dirty="0"/>
-              <a:t>] contains:</a:t>
-            </a:r>
-          </a:p>
-          <a:p>
-            <a:r>
-              <a:rPr lang="en-US" dirty="0"/>
-              <a:t>[n] sample with replacement</a:t>
-            </a:r>
-          </a:p>
-          <a:p>
-            <a:r>
-              <a:rPr lang="en-US" dirty="0"/>
-              <a:t>[/m] items not selected in that sample</a:t>
-            </a:r>
-          </a:p>
-        </p:txBody>
-      </p:sp>
-    </p:spTree>
-    <p:extLst>
-      <p:ext uri="{BB962C8B-B14F-4D97-AF65-F5344CB8AC3E}">
-        <p14:creationId xmlns:p14="http://schemas.microsoft.com/office/powerpoint/2010/main" val="3715147104"/>
-      </p:ext>
-    </p:extLst>
-  </p:cSld>
-  <p:clrMapOvr>
-    <a:masterClrMapping/>
-  </p:clrMapOvr>
-</p:sld>
-</file>
-
-<file path=ppt/slides/slide18.xml><?xml version="1.0" encoding="utf-8"?>
-<p:sld xmlns:a="http://schemas.openxmlformats.org/drawingml/2006/main" xmlns:r="http://schemas.openxmlformats.org/officeDocument/2006/relationships" xmlns:p="http://schemas.openxmlformats.org/presentationml/2006/main">
-  <p:cSld>
-    <p:spTree>
-      <p:nvGrpSpPr>
-        <p:cNvPr id="1" name=""/>
-        <p:cNvGrpSpPr/>
-        <p:nvPr/>
-      </p:nvGrpSpPr>
-      <p:grpSpPr>
-        <a:xfrm>
-          <a:off x="0" y="0"/>
-          <a:ext cx="0" cy="0"/>
-          <a:chOff x="0" y="0"/>
-          <a:chExt cx="0" cy="0"/>
-        </a:xfrm>
-      </p:grpSpPr>
-      <p:sp>
-        <p:nvSpPr>
-          <p:cNvPr id="2" name="Title 1">
-            <a:extLst>
-              <a:ext uri="{FF2B5EF4-FFF2-40B4-BE49-F238E27FC236}">
-                <a16:creationId xmlns:a16="http://schemas.microsoft.com/office/drawing/2014/main" id="{9C2C0F14-C6D0-47EF-A848-B08003FE6CDE}"/>
-              </a:ext>
-            </a:extLst>
-          </p:cNvPr>
-          <p:cNvSpPr>
-            <a:spLocks noGrp="1"/>
-          </p:cNvSpPr>
-          <p:nvPr>
-            <p:ph type="title"/>
-          </p:nvPr>
-        </p:nvSpPr>
-        <p:spPr/>
-        <p:txBody>
-          <a:bodyPr>
-            <a:normAutofit fontScale="90000"/>
-          </a:bodyPr>
-          <a:lstStyle/>
-          <a:p>
-            <a:r>
-              <a:rPr lang="en-US" dirty="0"/>
-              <a:t>Running the bootstrap</a:t>
-            </a:r>
-          </a:p>
-        </p:txBody>
-      </p:sp>
-      <p:sp>
-        <p:nvSpPr>
-          <p:cNvPr id="3" name="Slide Number Placeholder 2">
-            <a:extLst>
-              <a:ext uri="{FF2B5EF4-FFF2-40B4-BE49-F238E27FC236}">
-                <a16:creationId xmlns:a16="http://schemas.microsoft.com/office/drawing/2014/main" id="{B312A204-8708-48A8-A042-0C5B7DFC3F64}"/>
-              </a:ext>
-            </a:extLst>
-          </p:cNvPr>
-          <p:cNvSpPr>
-            <a:spLocks noGrp="1"/>
-          </p:cNvSpPr>
-          <p:nvPr>
-            <p:ph type="sldNum" sz="quarter" idx="12"/>
-          </p:nvPr>
-        </p:nvSpPr>
-        <p:spPr/>
-        <p:txBody>
-          <a:bodyPr/>
-          <a:lstStyle/>
-          <a:p>
-            <a:fld id="{621225AB-15B9-4C79-A121-04D1DC7E2307}" type="slidenum">
-              <a:rPr lang="en-US" smtClean="0"/>
-              <a:t>18</a:t>
-            </a:fld>
-            <a:endParaRPr lang="en-US"/>
-          </a:p>
-        </p:txBody>
-      </p:sp>
-      <p:grpSp>
-        <p:nvGrpSpPr>
-          <p:cNvPr id="10" name="Group 9">
-            <a:extLst>
-              <a:ext uri="{FF2B5EF4-FFF2-40B4-BE49-F238E27FC236}">
-                <a16:creationId xmlns:a16="http://schemas.microsoft.com/office/drawing/2014/main" id="{00CCB91C-2455-1FC0-BD07-B9278D4C751D}"/>
+                <a16:creationId xmlns:a16="http://schemas.microsoft.com/office/drawing/2014/main" id="{EA093259-F982-7926-D730-748D62ACDD18}"/>
               </a:ext>
             </a:extLst>
           </p:cNvPr>
@@ -9004,18 +8767,138 @@
         </p:nvGrpSpPr>
         <p:grpSpPr>
           <a:xfrm>
-            <a:off x="457200" y="1371600"/>
-            <a:ext cx="8227142" cy="1477328"/>
-            <a:chOff x="457200" y="1371600"/>
-            <a:chExt cx="8227142" cy="1477328"/>
+            <a:off x="4724400" y="1856124"/>
+            <a:ext cx="4023360" cy="4407164"/>
+            <a:chOff x="4724400" y="1856124"/>
+            <a:chExt cx="4023360" cy="4407164"/>
           </a:xfrm>
         </p:grpSpPr>
+        <p:grpSp>
+          <p:nvGrpSpPr>
+            <p:cNvPr id="12" name="Group 11">
+              <a:extLst>
+                <a:ext uri="{FF2B5EF4-FFF2-40B4-BE49-F238E27FC236}">
+                  <a16:creationId xmlns:a16="http://schemas.microsoft.com/office/drawing/2014/main" id="{C41C8D32-4FE3-424B-A1B5-35B41AF4BBF0}"/>
+                </a:ext>
+              </a:extLst>
+            </p:cNvPr>
+            <p:cNvGrpSpPr/>
+            <p:nvPr/>
+          </p:nvGrpSpPr>
+          <p:grpSpPr>
+            <a:xfrm>
+              <a:off x="4724400" y="2239928"/>
+              <a:ext cx="4023360" cy="4023360"/>
+              <a:chOff x="4724400" y="2358654"/>
+              <a:chExt cx="4023360" cy="4023360"/>
+            </a:xfrm>
+          </p:grpSpPr>
+          <p:pic>
+            <p:nvPicPr>
+              <p:cNvPr id="7" name="Picture 6" descr="Chart, histogram&#10;&#10;Description automatically generated">
+                <a:extLst>
+                  <a:ext uri="{FF2B5EF4-FFF2-40B4-BE49-F238E27FC236}">
+                    <a16:creationId xmlns:a16="http://schemas.microsoft.com/office/drawing/2014/main" id="{2E312AA7-9C92-45BD-BEC5-90E7EEB25BB9}"/>
+                  </a:ext>
+                </a:extLst>
+              </p:cNvPr>
+              <p:cNvPicPr>
+                <a:picLocks noChangeAspect="1"/>
+              </p:cNvPicPr>
+              <p:nvPr/>
+            </p:nvPicPr>
+            <p:blipFill>
+              <a:blip r:embed="rId5" cstate="print">
+                <a:extLst>
+                  <a:ext uri="{28A0092B-C50C-407E-A947-70E740481C1C}">
+                    <a14:useLocalDpi xmlns:a14="http://schemas.microsoft.com/office/drawing/2010/main" val="0"/>
+                  </a:ext>
+                </a:extLst>
+              </a:blip>
+              <a:stretch>
+                <a:fillRect/>
+              </a:stretch>
+            </p:blipFill>
+            <p:spPr>
+              <a:xfrm>
+                <a:off x="4724400" y="2358654"/>
+                <a:ext cx="4023360" cy="4023360"/>
+              </a:xfrm>
+              <a:prstGeom prst="rect">
+                <a:avLst/>
+              </a:prstGeom>
+            </p:spPr>
+          </p:pic>
+          <p:graphicFrame>
+            <p:nvGraphicFramePr>
+              <p:cNvPr id="9" name="Object 8">
+                <a:extLst>
+                  <a:ext uri="{FF2B5EF4-FFF2-40B4-BE49-F238E27FC236}">
+                    <a16:creationId xmlns:a16="http://schemas.microsoft.com/office/drawing/2014/main" id="{E35FAA43-2E6C-41B3-9BF2-C213EF858861}"/>
+                  </a:ext>
+                </a:extLst>
+              </p:cNvPr>
+              <p:cNvGraphicFramePr>
+                <a:graphicFrameLocks noChangeAspect="1"/>
+              </p:cNvGraphicFramePr>
+              <p:nvPr>
+                <p:extLst>
+                  <p:ext uri="{D42A27DB-BD31-4B8C-83A1-F6EECF244321}">
+                    <p14:modId xmlns:p14="http://schemas.microsoft.com/office/powerpoint/2010/main" val="1041486524"/>
+                  </p:ext>
+                </p:extLst>
+              </p:nvPr>
+            </p:nvGraphicFramePr>
+            <p:xfrm>
+              <a:off x="6638610" y="2546491"/>
+              <a:ext cx="1769807" cy="914400"/>
+            </p:xfrm>
+            <a:graphic>
+              <a:graphicData uri="http://schemas.openxmlformats.org/presentationml/2006/ole">
+                <mc:AlternateContent xmlns:mc="http://schemas.openxmlformats.org/markup-compatibility/2006">
+                  <mc:Choice xmlns:v="urn:schemas-microsoft-com:vml" Requires="v">
+                    <p:oleObj name="Equation" r:id="rId6" imgW="761760" imgH="393480" progId="Equation.DSMT4">
+                      <p:embed/>
+                    </p:oleObj>
+                  </mc:Choice>
+                  <mc:Fallback>
+                    <p:oleObj name="Equation" r:id="rId6" imgW="761760" imgH="393480" progId="Equation.DSMT4">
+                      <p:embed/>
+                      <p:pic>
+                        <p:nvPicPr>
+                          <p:cNvPr id="0" name=""/>
+                          <p:cNvPicPr/>
+                          <p:nvPr/>
+                        </p:nvPicPr>
+                        <p:blipFill>
+                          <a:blip r:embed="rId7"/>
+                          <a:stretch>
+                            <a:fillRect/>
+                          </a:stretch>
+                        </p:blipFill>
+                        <p:spPr>
+                          <a:xfrm>
+                            <a:off x="6638610" y="2546491"/>
+                            <a:ext cx="1769807" cy="914400"/>
+                          </a:xfrm>
+                          <a:prstGeom prst="rect">
+                            <a:avLst/>
+                          </a:prstGeom>
+                        </p:spPr>
+                      </p:pic>
+                    </p:oleObj>
+                  </mc:Fallback>
+                </mc:AlternateContent>
+              </a:graphicData>
+            </a:graphic>
+          </p:graphicFrame>
+        </p:grpSp>
         <p:sp>
           <p:nvSpPr>
-            <p:cNvPr id="4" name="TextBox 3">
+            <p:cNvPr id="6" name="TextBox 5">
               <a:extLst>
                 <a:ext uri="{FF2B5EF4-FFF2-40B4-BE49-F238E27FC236}">
-                  <a16:creationId xmlns:a16="http://schemas.microsoft.com/office/drawing/2014/main" id="{A0AAF754-8C7B-4B2B-BB91-3BEE3E686B49}"/>
+                  <a16:creationId xmlns:a16="http://schemas.microsoft.com/office/drawing/2014/main" id="{B1D5B2D3-0848-4B26-A5A1-86D869BFDA3C}"/>
                 </a:ext>
               </a:extLst>
             </p:cNvPr>
@@ -9024,105 +8907,8 @@
           </p:nvSpPr>
           <p:spPr>
             <a:xfrm>
-              <a:off x="457200" y="1371600"/>
-              <a:ext cx="3886200" cy="1477328"/>
-            </a:xfrm>
-            <a:prstGeom prst="rect">
-              <a:avLst/>
-            </a:prstGeom>
-            <a:solidFill>
-              <a:schemeClr val="accent6">
-                <a:lumMod val="20000"/>
-                <a:lumOff val="80000"/>
-                <a:alpha val="60000"/>
-              </a:schemeClr>
-            </a:solidFill>
-          </p:spPr>
-          <p:txBody>
-            <a:bodyPr wrap="square" rtlCol="0">
-              <a:spAutoFit/>
-            </a:bodyPr>
-            <a:lstStyle/>
-            <a:p>
-              <a:r>
-                <a:rPr lang="en-US" dirty="0" err="1"/>
-                <a:t>fit_nls</a:t>
-              </a:r>
-              <a:r>
-                <a:rPr lang="en-US" dirty="0"/>
-                <a:t>&lt;- function(split) {</a:t>
-              </a:r>
-            </a:p>
-            <a:p>
-              <a:r>
-                <a:rPr lang="en-US" dirty="0"/>
-                <a:t>    </a:t>
-              </a:r>
-              <a:r>
-                <a:rPr lang="en-US" dirty="0" err="1"/>
-                <a:t>nls</a:t>
-              </a:r>
-              <a:r>
-                <a:rPr lang="en-US" dirty="0"/>
-                <a:t>(mpg ~ k / </a:t>
-              </a:r>
-              <a:r>
-                <a:rPr lang="en-US" dirty="0" err="1"/>
-                <a:t>wt</a:t>
-              </a:r>
-              <a:r>
-                <a:rPr lang="en-US" dirty="0"/>
-                <a:t> + b, </a:t>
-              </a:r>
-            </a:p>
-            <a:p>
-              <a:r>
-                <a:rPr lang="en-US" dirty="0"/>
-                <a:t>           data= </a:t>
-              </a:r>
-              <a:r>
-                <a:rPr lang="en-US" dirty="0">
-                  <a:highlight>
-                    <a:srgbClr val="FFFF00"/>
-                  </a:highlight>
-                </a:rPr>
-                <a:t>analysis</a:t>
-              </a:r>
-              <a:r>
-                <a:rPr lang="en-US" dirty="0"/>
-                <a:t>(split), </a:t>
-              </a:r>
-            </a:p>
-            <a:p>
-              <a:r>
-                <a:rPr lang="en-US" dirty="0"/>
-                <a:t>           start = list(k = 1, b = 0))</a:t>
-              </a:r>
-            </a:p>
-            <a:p>
-              <a:r>
-                <a:rPr lang="en-US" dirty="0"/>
-                <a:t>}</a:t>
-              </a:r>
-            </a:p>
-          </p:txBody>
-        </p:sp>
-        <p:sp>
-          <p:nvSpPr>
-            <p:cNvPr id="7" name="TextBox 6">
-              <a:extLst>
-                <a:ext uri="{FF2B5EF4-FFF2-40B4-BE49-F238E27FC236}">
-                  <a16:creationId xmlns:a16="http://schemas.microsoft.com/office/drawing/2014/main" id="{DDC5D13D-13E1-4388-8AE0-5841DED87785}"/>
-                </a:ext>
-              </a:extLst>
-            </p:cNvPr>
-            <p:cNvSpPr txBox="1"/>
-            <p:nvPr/>
-          </p:nvSpPr>
-          <p:spPr>
-            <a:xfrm>
-              <a:off x="4569542" y="1648599"/>
-              <a:ext cx="4114800" cy="923330"/>
+              <a:off x="5257800" y="1856124"/>
+              <a:ext cx="1600200" cy="369332"/>
             </a:xfrm>
             <a:prstGeom prst="rect">
               <a:avLst/>
@@ -9137,307 +8923,7 @@
             <a:p>
               <a:r>
                 <a:rPr lang="en-US" dirty="0"/>
-                <a:t>Create a helper function to fit an </a:t>
-              </a:r>
-              <a:r>
-                <a:rPr lang="en-US" dirty="0" err="1"/>
-                <a:t>nls</a:t>
-              </a:r>
-              <a:r>
-                <a:rPr lang="en-US" dirty="0"/>
-                <a:t>() model on each bootstrap sample.</a:t>
-              </a:r>
-            </a:p>
-            <a:p>
-              <a:r>
-                <a:rPr lang="en-US" dirty="0" err="1"/>
-                <a:t>rsample</a:t>
-              </a:r>
-              <a:r>
-                <a:rPr lang="en-US" dirty="0"/>
-                <a:t>::analysis() extracts that sample.</a:t>
-              </a:r>
-            </a:p>
-          </p:txBody>
-        </p:sp>
-      </p:grpSp>
-      <p:grpSp>
-        <p:nvGrpSpPr>
-          <p:cNvPr id="11" name="Group 10">
-            <a:extLst>
-              <a:ext uri="{FF2B5EF4-FFF2-40B4-BE49-F238E27FC236}">
-                <a16:creationId xmlns:a16="http://schemas.microsoft.com/office/drawing/2014/main" id="{2D311919-FCF4-28C8-8D66-7441DD9C2C07}"/>
-              </a:ext>
-            </a:extLst>
-          </p:cNvPr>
-          <p:cNvGrpSpPr/>
-          <p:nvPr/>
-        </p:nvGrpSpPr>
-        <p:grpSpPr>
-          <a:xfrm>
-            <a:off x="457200" y="2977112"/>
-            <a:ext cx="7924800" cy="1477328"/>
-            <a:chOff x="457200" y="2977112"/>
-            <a:chExt cx="7924800" cy="1477328"/>
-          </a:xfrm>
-        </p:grpSpPr>
-        <p:sp>
-          <p:nvSpPr>
-            <p:cNvPr id="5" name="TextBox 4">
-              <a:extLst>
-                <a:ext uri="{FF2B5EF4-FFF2-40B4-BE49-F238E27FC236}">
-                  <a16:creationId xmlns:a16="http://schemas.microsoft.com/office/drawing/2014/main" id="{01286BA8-EEB3-4FE9-9A2F-F86B3A7CC28D}"/>
-                </a:ext>
-              </a:extLst>
-            </p:cNvPr>
-            <p:cNvSpPr txBox="1"/>
-            <p:nvPr/>
-          </p:nvSpPr>
-          <p:spPr>
-            <a:xfrm>
-              <a:off x="457200" y="3115612"/>
-              <a:ext cx="3886200" cy="1200329"/>
-            </a:xfrm>
-            <a:prstGeom prst="rect">
-              <a:avLst/>
-            </a:prstGeom>
-            <a:solidFill>
-              <a:schemeClr val="accent6">
-                <a:lumMod val="20000"/>
-                <a:lumOff val="80000"/>
-                <a:alpha val="60000"/>
-              </a:schemeClr>
-            </a:solidFill>
-          </p:spPr>
-          <p:txBody>
-            <a:bodyPr wrap="square" rtlCol="0">
-              <a:spAutoFit/>
-            </a:bodyPr>
-            <a:lstStyle/>
-            <a:p>
-              <a:r>
-                <a:rPr lang="en-US" dirty="0" err="1"/>
-                <a:t>boot_models</a:t>
-              </a:r>
-              <a:r>
-                <a:rPr lang="en-US" dirty="0"/>
-                <a:t> &lt;-</a:t>
-              </a:r>
-            </a:p>
-            <a:p>
-              <a:r>
-                <a:rPr lang="en-US" dirty="0"/>
-                <a:t>  boots %&gt;% </a:t>
-              </a:r>
-            </a:p>
-            <a:p>
-              <a:r>
-                <a:rPr lang="en-US" dirty="0"/>
-                <a:t>  mutate(model = </a:t>
-              </a:r>
-              <a:r>
-                <a:rPr lang="en-US" dirty="0">
-                  <a:highlight>
-                    <a:srgbClr val="FFFF00"/>
-                  </a:highlight>
-                </a:rPr>
-                <a:t>map</a:t>
-              </a:r>
-              <a:r>
-                <a:rPr lang="en-US" dirty="0"/>
-                <a:t>(splits, </a:t>
-              </a:r>
-              <a:r>
-                <a:rPr lang="en-US" dirty="0" err="1"/>
-                <a:t>fit_nls</a:t>
-              </a:r>
-              <a:r>
-                <a:rPr lang="en-US" dirty="0"/>
-                <a:t>),</a:t>
-              </a:r>
-            </a:p>
-            <a:p>
-              <a:r>
-                <a:rPr lang="en-US" dirty="0"/>
-                <a:t>                </a:t>
-              </a:r>
-              <a:r>
-                <a:rPr lang="en-US" dirty="0" err="1"/>
-                <a:t>coef_info</a:t>
-              </a:r>
-              <a:r>
-                <a:rPr lang="en-US" dirty="0"/>
-                <a:t> = </a:t>
-              </a:r>
-              <a:r>
-                <a:rPr lang="en-US" dirty="0">
-                  <a:highlight>
-                    <a:srgbClr val="FFFF00"/>
-                  </a:highlight>
-                </a:rPr>
-                <a:t>map</a:t>
-              </a:r>
-              <a:r>
-                <a:rPr lang="en-US" dirty="0"/>
-                <a:t>(model, tidy))</a:t>
-              </a:r>
-            </a:p>
-          </p:txBody>
-        </p:sp>
-        <p:sp>
-          <p:nvSpPr>
-            <p:cNvPr id="8" name="TextBox 7">
-              <a:extLst>
-                <a:ext uri="{FF2B5EF4-FFF2-40B4-BE49-F238E27FC236}">
-                  <a16:creationId xmlns:a16="http://schemas.microsoft.com/office/drawing/2014/main" id="{818D0D8D-DA7E-4A62-8D41-D876BC3B498B}"/>
-                </a:ext>
-              </a:extLst>
-            </p:cNvPr>
-            <p:cNvSpPr txBox="1"/>
-            <p:nvPr/>
-          </p:nvSpPr>
-          <p:spPr>
-            <a:xfrm>
-              <a:off x="4648200" y="2977112"/>
-              <a:ext cx="3733800" cy="1477328"/>
-            </a:xfrm>
-            <a:prstGeom prst="rect">
-              <a:avLst/>
-            </a:prstGeom>
-            <a:noFill/>
-          </p:spPr>
-          <p:txBody>
-            <a:bodyPr wrap="square" rtlCol="0">
-              <a:spAutoFit/>
-            </a:bodyPr>
-            <a:lstStyle/>
-            <a:p>
-              <a:r>
-                <a:rPr lang="en-US" dirty="0"/>
-                <a:t>Use </a:t>
-              </a:r>
-              <a:r>
-                <a:rPr lang="en-US" dirty="0" err="1"/>
-                <a:t>purrr</a:t>
-              </a:r>
-              <a:r>
-                <a:rPr lang="en-US" dirty="0"/>
-                <a:t>::map() to apply this function to all the bootstrap samples at once.</a:t>
-              </a:r>
-            </a:p>
-            <a:p>
-              <a:r>
-                <a:rPr lang="en-US" dirty="0"/>
-                <a:t>Similarly, create a column of tidy coefficients</a:t>
-              </a:r>
-            </a:p>
-          </p:txBody>
-        </p:sp>
-      </p:grpSp>
-      <p:grpSp>
-        <p:nvGrpSpPr>
-          <p:cNvPr id="12" name="Group 11">
-            <a:extLst>
-              <a:ext uri="{FF2B5EF4-FFF2-40B4-BE49-F238E27FC236}">
-                <a16:creationId xmlns:a16="http://schemas.microsoft.com/office/drawing/2014/main" id="{9FEE2E1F-E82C-5652-183C-0A7F5D862388}"/>
-              </a:ext>
-            </a:extLst>
-          </p:cNvPr>
-          <p:cNvGrpSpPr/>
-          <p:nvPr/>
-        </p:nvGrpSpPr>
-        <p:grpSpPr>
-          <a:xfrm>
-            <a:off x="457200" y="4953000"/>
-            <a:ext cx="7924800" cy="923330"/>
-            <a:chOff x="457200" y="4953000"/>
-            <a:chExt cx="7924800" cy="923330"/>
-          </a:xfrm>
-        </p:grpSpPr>
-        <p:sp>
-          <p:nvSpPr>
-            <p:cNvPr id="6" name="TextBox 5">
-              <a:extLst>
-                <a:ext uri="{FF2B5EF4-FFF2-40B4-BE49-F238E27FC236}">
-                  <a16:creationId xmlns:a16="http://schemas.microsoft.com/office/drawing/2014/main" id="{3586C61B-8659-42B2-A122-E59E885D536B}"/>
-                </a:ext>
-              </a:extLst>
-            </p:cNvPr>
-            <p:cNvSpPr txBox="1"/>
-            <p:nvPr/>
-          </p:nvSpPr>
-          <p:spPr>
-            <a:xfrm>
-              <a:off x="457200" y="4953000"/>
-              <a:ext cx="3886200" cy="923330"/>
-            </a:xfrm>
-            <a:prstGeom prst="rect">
-              <a:avLst/>
-            </a:prstGeom>
-            <a:solidFill>
-              <a:schemeClr val="accent6">
-                <a:lumMod val="20000"/>
-                <a:lumOff val="80000"/>
-                <a:alpha val="60000"/>
-              </a:schemeClr>
-            </a:solidFill>
-          </p:spPr>
-          <p:txBody>
-            <a:bodyPr wrap="square" rtlCol="0">
-              <a:spAutoFit/>
-            </a:bodyPr>
-            <a:lstStyle/>
-            <a:p>
-              <a:r>
-                <a:rPr lang="nl-NL" dirty="0"/>
-                <a:t>boot_coefs &lt;- </a:t>
-              </a:r>
-            </a:p>
-            <a:p>
-              <a:r>
-                <a:rPr lang="nl-NL" dirty="0"/>
-                <a:t>  boot_models %&gt;% </a:t>
-              </a:r>
-            </a:p>
-            <a:p>
-              <a:r>
-                <a:rPr lang="nl-NL" dirty="0"/>
-                <a:t>  unnest(coef_info)</a:t>
-              </a:r>
-            </a:p>
-          </p:txBody>
-        </p:sp>
-        <p:sp>
-          <p:nvSpPr>
-            <p:cNvPr id="9" name="TextBox 8">
-              <a:extLst>
-                <a:ext uri="{FF2B5EF4-FFF2-40B4-BE49-F238E27FC236}">
-                  <a16:creationId xmlns:a16="http://schemas.microsoft.com/office/drawing/2014/main" id="{C876C3F2-512B-4E77-BBF9-F08FBC48039F}"/>
-                </a:ext>
-              </a:extLst>
-            </p:cNvPr>
-            <p:cNvSpPr txBox="1"/>
-            <p:nvPr/>
-          </p:nvSpPr>
-          <p:spPr>
-            <a:xfrm>
-              <a:off x="4648200" y="5229999"/>
-              <a:ext cx="3733800" cy="369332"/>
-            </a:xfrm>
-            <a:prstGeom prst="rect">
-              <a:avLst/>
-            </a:prstGeom>
-            <a:noFill/>
-          </p:spPr>
-          <p:txBody>
-            <a:bodyPr wrap="square" rtlCol="0">
-              <a:spAutoFit/>
-            </a:bodyPr>
-            <a:lstStyle/>
-            <a:p>
-              <a:r>
-                <a:rPr lang="en-US" dirty="0"/>
-                <a:t>Extract the coefficients for all models</a:t>
+                <a:t>b: asymptote</a:t>
               </a:r>
             </a:p>
           </p:txBody>
@@ -9446,7 +8932,7 @@
     </p:spTree>
     <p:extLst>
       <p:ext uri="{BB962C8B-B14F-4D97-AF65-F5344CB8AC3E}">
-        <p14:creationId xmlns:p14="http://schemas.microsoft.com/office/powerpoint/2010/main" val="2532436893"/>
+        <p14:creationId xmlns:p14="http://schemas.microsoft.com/office/powerpoint/2010/main" val="3450936481"/>
       </p:ext>
     </p:extLst>
   </p:cSld>
@@ -9487,7 +8973,7 @@
                                           </p:stCondLst>
                                         </p:cTn>
                                         <p:tgtEl>
-                                          <p:spTgt spid="11"/>
+                                          <p:spTgt spid="13"/>
                                         </p:tgtEl>
                                         <p:attrNameLst>
                                           <p:attrName>style.visibility</p:attrName>
@@ -9506,20 +8992,996 @@
                       </p:childTnLst>
                     </p:cTn>
                   </p:par>
+                </p:childTnLst>
+              </p:cTn>
+              <p:prevCondLst>
+                <p:cond evt="onPrev" delay="0">
+                  <p:tgtEl>
+                    <p:sldTgt/>
+                  </p:tgtEl>
+                </p:cond>
+              </p:prevCondLst>
+              <p:nextCondLst>
+                <p:cond evt="onNext" delay="0">
+                  <p:tgtEl>
+                    <p:sldTgt/>
+                  </p:tgtEl>
+                </p:cond>
+              </p:nextCondLst>
+            </p:seq>
+          </p:childTnLst>
+        </p:cTn>
+      </p:par>
+    </p:tnLst>
+  </p:timing>
+</p:sld>
+</file>
+
+<file path=ppt/slides/slide18.xml><?xml version="1.0" encoding="utf-8"?>
+<p:sld xmlns:a="http://schemas.openxmlformats.org/drawingml/2006/main" xmlns:r="http://schemas.openxmlformats.org/officeDocument/2006/relationships" xmlns:p="http://schemas.openxmlformats.org/presentationml/2006/main">
+  <p:cSld>
+    <p:spTree>
+      <p:nvGrpSpPr>
+        <p:cNvPr id="1" name="">
+          <a:extLst>
+            <a:ext uri="{FF2B5EF4-FFF2-40B4-BE49-F238E27FC236}">
+              <a16:creationId xmlns:a16="http://schemas.microsoft.com/office/drawing/2014/main" id="{4522C750-0E11-E44C-051F-04115BB1DEBF}"/>
+            </a:ext>
+          </a:extLst>
+        </p:cNvPr>
+        <p:cNvGrpSpPr/>
+        <p:nvPr/>
+      </p:nvGrpSpPr>
+      <p:grpSpPr>
+        <a:xfrm>
+          <a:off x="0" y="0"/>
+          <a:ext cx="0" cy="0"/>
+          <a:chOff x="0" y="0"/>
+          <a:chExt cx="0" cy="0"/>
+        </a:xfrm>
+      </p:grpSpPr>
+      <p:sp>
+        <p:nvSpPr>
+          <p:cNvPr id="2" name="Title 1">
+            <a:extLst>
+              <a:ext uri="{FF2B5EF4-FFF2-40B4-BE49-F238E27FC236}">
+                <a16:creationId xmlns:a16="http://schemas.microsoft.com/office/drawing/2014/main" id="{FF6E7214-2D90-1101-96EC-1380B5D45E91}"/>
+              </a:ext>
+            </a:extLst>
+          </p:cNvPr>
+          <p:cNvSpPr>
+            <a:spLocks noGrp="1"/>
+          </p:cNvSpPr>
+          <p:nvPr>
+            <p:ph type="title"/>
+          </p:nvPr>
+        </p:nvSpPr>
+        <p:spPr/>
+        <p:txBody>
+          <a:bodyPr>
+            <a:normAutofit fontScale="90000"/>
+          </a:bodyPr>
+          <a:lstStyle/>
+          <a:p>
+            <a:r>
+              <a:rPr lang="en-US" dirty="0" err="1">
+                <a:latin typeface="Consolas" panose="020B0609020204030204" pitchFamily="49" charset="0"/>
+              </a:rPr>
+              <a:t>rsample</a:t>
+            </a:r>
+            <a:r>
+              <a:rPr lang="en-US" dirty="0"/>
+              <a:t> package</a:t>
+            </a:r>
+          </a:p>
+        </p:txBody>
+      </p:sp>
+      <p:sp>
+        <p:nvSpPr>
+          <p:cNvPr id="3" name="Slide Number Placeholder 2">
+            <a:extLst>
+              <a:ext uri="{FF2B5EF4-FFF2-40B4-BE49-F238E27FC236}">
+                <a16:creationId xmlns:a16="http://schemas.microsoft.com/office/drawing/2014/main" id="{AA2B164C-F5F5-F815-72DF-4112E57E196C}"/>
+              </a:ext>
+            </a:extLst>
+          </p:cNvPr>
+          <p:cNvSpPr>
+            <a:spLocks noGrp="1"/>
+          </p:cNvSpPr>
+          <p:nvPr>
+            <p:ph type="sldNum" sz="quarter" idx="12"/>
+          </p:nvPr>
+        </p:nvSpPr>
+        <p:spPr/>
+        <p:txBody>
+          <a:bodyPr/>
+          <a:lstStyle/>
+          <a:p>
+            <a:fld id="{621225AB-15B9-4C79-A121-04D1DC7E2307}" type="slidenum">
+              <a:rPr lang="en-US" smtClean="0"/>
+              <a:t>18</a:t>
+            </a:fld>
+            <a:endParaRPr lang="en-US"/>
+          </a:p>
+        </p:txBody>
+      </p:sp>
+      <p:sp>
+        <p:nvSpPr>
+          <p:cNvPr id="4" name="TextBox 3">
+            <a:extLst>
+              <a:ext uri="{FF2B5EF4-FFF2-40B4-BE49-F238E27FC236}">
+                <a16:creationId xmlns:a16="http://schemas.microsoft.com/office/drawing/2014/main" id="{8F00B3EC-562B-877B-B4BD-CD8423FF618E}"/>
+              </a:ext>
+            </a:extLst>
+          </p:cNvPr>
+          <p:cNvSpPr txBox="1"/>
+          <p:nvPr/>
+        </p:nvSpPr>
+        <p:spPr>
+          <a:xfrm>
+            <a:off x="457200" y="1524000"/>
+            <a:ext cx="4694903" cy="5016758"/>
+          </a:xfrm>
+          <a:prstGeom prst="rect">
+            <a:avLst/>
+          </a:prstGeom>
+          <a:solidFill>
+            <a:schemeClr val="accent6">
+              <a:lumMod val="20000"/>
+              <a:lumOff val="80000"/>
+              <a:alpha val="60000"/>
+            </a:schemeClr>
+          </a:solidFill>
+        </p:spPr>
+        <p:txBody>
+          <a:bodyPr wrap="square" rtlCol="0">
+            <a:spAutoFit/>
+          </a:bodyPr>
+          <a:lstStyle/>
+          <a:p>
+            <a:r>
+              <a:rPr lang="en-US" sz="1600" dirty="0" err="1">
+                <a:latin typeface="Consolas" panose="020B0609020204030204" pitchFamily="49" charset="0"/>
+                <a:cs typeface="Consolas" panose="020B0609020204030204" pitchFamily="49" charset="0"/>
+              </a:rPr>
+              <a:t>set.seed</a:t>
+            </a:r>
+            <a:r>
+              <a:rPr lang="en-US" sz="1600" dirty="0">
+                <a:latin typeface="Consolas" panose="020B0609020204030204" pitchFamily="49" charset="0"/>
+                <a:cs typeface="Consolas" panose="020B0609020204030204" pitchFamily="49" charset="0"/>
+              </a:rPr>
+              <a:t>(42)</a:t>
+            </a:r>
+          </a:p>
+          <a:p>
+            <a:r>
+              <a:rPr lang="en-US" sz="1600" dirty="0">
+                <a:latin typeface="Consolas" panose="020B0609020204030204" pitchFamily="49" charset="0"/>
+                <a:cs typeface="Consolas" panose="020B0609020204030204" pitchFamily="49" charset="0"/>
+              </a:rPr>
+              <a:t>boots &lt;- bootstraps(data, times = 2000)</a:t>
+            </a:r>
+          </a:p>
+          <a:p>
+            <a:endParaRPr lang="en-US" sz="1600" dirty="0">
+              <a:latin typeface="Consolas" panose="020B0609020204030204" pitchFamily="49" charset="0"/>
+              <a:cs typeface="Consolas" panose="020B0609020204030204" pitchFamily="49" charset="0"/>
+            </a:endParaRPr>
+          </a:p>
+          <a:p>
+            <a:r>
+              <a:rPr lang="en-US" sz="1600" dirty="0">
+                <a:solidFill>
+                  <a:srgbClr val="00B050"/>
+                </a:solidFill>
+                <a:latin typeface="Consolas" panose="020B0609020204030204" pitchFamily="49" charset="0"/>
+                <a:cs typeface="Consolas" panose="020B0609020204030204" pitchFamily="49" charset="0"/>
+              </a:rPr>
+              <a:t># specify the model</a:t>
+            </a:r>
+          </a:p>
+          <a:p>
+            <a:r>
+              <a:rPr lang="en-US" sz="1600" dirty="0">
+                <a:latin typeface="Consolas" panose="020B0609020204030204" pitchFamily="49" charset="0"/>
+                <a:cs typeface="Consolas" panose="020B0609020204030204" pitchFamily="49" charset="0"/>
+              </a:rPr>
+              <a:t>mod &lt;- </a:t>
+            </a:r>
+            <a:r>
+              <a:rPr lang="en-US" sz="1600" dirty="0" err="1">
+                <a:latin typeface="Consolas" panose="020B0609020204030204" pitchFamily="49" charset="0"/>
+                <a:cs typeface="Consolas" panose="020B0609020204030204" pitchFamily="49" charset="0"/>
+              </a:rPr>
+              <a:t>as.formula</a:t>
+            </a:r>
+            <a:r>
+              <a:rPr lang="en-US" sz="1600" dirty="0">
+                <a:latin typeface="Consolas" panose="020B0609020204030204" pitchFamily="49" charset="0"/>
+                <a:cs typeface="Consolas" panose="020B0609020204030204" pitchFamily="49" charset="0"/>
+              </a:rPr>
+              <a:t>(y ~ x1 + x2 + x3)</a:t>
+            </a:r>
+          </a:p>
+          <a:p>
+            <a:endParaRPr lang="en-US" sz="1600" dirty="0">
+              <a:latin typeface="Consolas" panose="020B0609020204030204" pitchFamily="49" charset="0"/>
+              <a:cs typeface="Consolas" panose="020B0609020204030204" pitchFamily="49" charset="0"/>
+            </a:endParaRPr>
+          </a:p>
+          <a:p>
+            <a:r>
+              <a:rPr lang="en-US" sz="1600" dirty="0">
+                <a:solidFill>
+                  <a:srgbClr val="00B050"/>
+                </a:solidFill>
+                <a:latin typeface="Consolas" panose="020B0609020204030204" pitchFamily="49" charset="0"/>
+                <a:cs typeface="Consolas" panose="020B0609020204030204" pitchFamily="49" charset="0"/>
+              </a:rPr>
+              <a:t># function to fit for one &lt;split&gt;</a:t>
+            </a:r>
+          </a:p>
+          <a:p>
+            <a:r>
+              <a:rPr lang="en-US" sz="1600" dirty="0">
+                <a:latin typeface="Consolas" panose="020B0609020204030204" pitchFamily="49" charset="0"/>
+                <a:cs typeface="Consolas" panose="020B0609020204030204" pitchFamily="49" charset="0"/>
+              </a:rPr>
+              <a:t>fit &lt;- function(split, …) {</a:t>
+            </a:r>
+          </a:p>
+          <a:p>
+            <a:r>
+              <a:rPr lang="en-US" sz="1600" dirty="0">
+                <a:latin typeface="Consolas" panose="020B0609020204030204" pitchFamily="49" charset="0"/>
+                <a:cs typeface="Consolas" panose="020B0609020204030204" pitchFamily="49" charset="0"/>
+              </a:rPr>
+              <a:t> </a:t>
+            </a:r>
+            <a:r>
+              <a:rPr lang="en-US" sz="1600" dirty="0" err="1">
+                <a:latin typeface="Consolas" panose="020B0609020204030204" pitchFamily="49" charset="0"/>
+                <a:cs typeface="Consolas" panose="020B0609020204030204" pitchFamily="49" charset="0"/>
+              </a:rPr>
+              <a:t>glm</a:t>
+            </a:r>
+            <a:r>
+              <a:rPr lang="en-US" sz="1600" dirty="0">
+                <a:latin typeface="Consolas" panose="020B0609020204030204" pitchFamily="49" charset="0"/>
+                <a:cs typeface="Consolas" panose="020B0609020204030204" pitchFamily="49" charset="0"/>
+              </a:rPr>
+              <a:t>(mod, data = </a:t>
+            </a:r>
+            <a:r>
+              <a:rPr lang="en-US" sz="1600" dirty="0">
+                <a:highlight>
+                  <a:srgbClr val="FFFF00"/>
+                </a:highlight>
+                <a:latin typeface="Consolas" panose="020B0609020204030204" pitchFamily="49" charset="0"/>
+                <a:cs typeface="Consolas" panose="020B0609020204030204" pitchFamily="49" charset="0"/>
+              </a:rPr>
+              <a:t>analysis</a:t>
+            </a:r>
+            <a:r>
+              <a:rPr lang="en-US" sz="1600" dirty="0">
+                <a:latin typeface="Consolas" panose="020B0609020204030204" pitchFamily="49" charset="0"/>
+                <a:cs typeface="Consolas" panose="020B0609020204030204" pitchFamily="49" charset="0"/>
+              </a:rPr>
+              <a:t>(split))</a:t>
+            </a:r>
+          </a:p>
+          <a:p>
+            <a:r>
+              <a:rPr lang="en-US" sz="1600" dirty="0">
+                <a:latin typeface="Consolas" panose="020B0609020204030204" pitchFamily="49" charset="0"/>
+                <a:cs typeface="Consolas" panose="020B0609020204030204" pitchFamily="49" charset="0"/>
+              </a:rPr>
+              <a:t>}</a:t>
+            </a:r>
+          </a:p>
+          <a:p>
+            <a:endParaRPr lang="en-US" sz="1600" dirty="0">
+              <a:latin typeface="Consolas" panose="020B0609020204030204" pitchFamily="49" charset="0"/>
+              <a:cs typeface="Consolas" panose="020B0609020204030204" pitchFamily="49" charset="0"/>
+            </a:endParaRPr>
+          </a:p>
+          <a:p>
+            <a:r>
+              <a:rPr lang="en-US" sz="1600" dirty="0">
+                <a:solidFill>
+                  <a:srgbClr val="00B050"/>
+                </a:solidFill>
+                <a:latin typeface="Consolas" panose="020B0609020204030204" pitchFamily="49" charset="0"/>
+                <a:cs typeface="Consolas" panose="020B0609020204030204" pitchFamily="49" charset="0"/>
+              </a:rPr>
+              <a:t># run the bootstrap</a:t>
+            </a:r>
+          </a:p>
+          <a:p>
+            <a:r>
+              <a:rPr lang="en-US" sz="1600" dirty="0" err="1">
+                <a:latin typeface="Consolas" panose="020B0609020204030204" pitchFamily="49" charset="0"/>
+                <a:cs typeface="Consolas" panose="020B0609020204030204" pitchFamily="49" charset="0"/>
+              </a:rPr>
+              <a:t>boot_models</a:t>
+            </a:r>
+            <a:r>
+              <a:rPr lang="en-US" sz="1600" dirty="0">
+                <a:latin typeface="Consolas" panose="020B0609020204030204" pitchFamily="49" charset="0"/>
+                <a:cs typeface="Consolas" panose="020B0609020204030204" pitchFamily="49" charset="0"/>
+              </a:rPr>
+              <a:t> &lt;- boots |&gt;   </a:t>
+            </a:r>
+          </a:p>
+          <a:p>
+            <a:r>
+              <a:rPr lang="en-US" sz="1600" dirty="0">
+                <a:latin typeface="Consolas" panose="020B0609020204030204" pitchFamily="49" charset="0"/>
+                <a:cs typeface="Consolas" panose="020B0609020204030204" pitchFamily="49" charset="0"/>
+              </a:rPr>
+              <a:t>mutate(model = map(splits, fit),           </a:t>
+            </a:r>
+          </a:p>
+          <a:p>
+            <a:r>
+              <a:rPr lang="en-US" sz="1600" dirty="0">
+                <a:latin typeface="Consolas" panose="020B0609020204030204" pitchFamily="49" charset="0"/>
+                <a:cs typeface="Consolas" panose="020B0609020204030204" pitchFamily="49" charset="0"/>
+              </a:rPr>
+              <a:t>       </a:t>
+            </a:r>
+            <a:r>
+              <a:rPr lang="en-US" sz="1600" dirty="0" err="1">
+                <a:latin typeface="Consolas" panose="020B0609020204030204" pitchFamily="49" charset="0"/>
+                <a:cs typeface="Consolas" panose="020B0609020204030204" pitchFamily="49" charset="0"/>
+              </a:rPr>
+              <a:t>coefs</a:t>
+            </a:r>
+            <a:r>
+              <a:rPr lang="en-US" sz="1600" dirty="0">
+                <a:latin typeface="Consolas" panose="020B0609020204030204" pitchFamily="49" charset="0"/>
+                <a:cs typeface="Consolas" panose="020B0609020204030204" pitchFamily="49" charset="0"/>
+              </a:rPr>
+              <a:t> = map(model, tidy))</a:t>
+            </a:r>
+          </a:p>
+          <a:p>
+            <a:endParaRPr lang="en-US" sz="1600" dirty="0">
+              <a:latin typeface="Consolas" panose="020B0609020204030204" pitchFamily="49" charset="0"/>
+              <a:cs typeface="Consolas" panose="020B0609020204030204" pitchFamily="49" charset="0"/>
+            </a:endParaRPr>
+          </a:p>
+          <a:p>
+            <a:r>
+              <a:rPr lang="nl-NL" sz="1600" dirty="0">
+                <a:solidFill>
+                  <a:srgbClr val="00B050"/>
+                </a:solidFill>
+                <a:latin typeface="Consolas" panose="020B0609020204030204" pitchFamily="49" charset="0"/>
+                <a:cs typeface="Consolas" panose="020B0609020204030204" pitchFamily="49" charset="0"/>
+              </a:rPr>
+              <a:t># </a:t>
+            </a:r>
+            <a:r>
+              <a:rPr lang="nl-NL" sz="1600" dirty="0" err="1">
+                <a:solidFill>
+                  <a:srgbClr val="00B050"/>
+                </a:solidFill>
+                <a:latin typeface="Consolas" panose="020B0609020204030204" pitchFamily="49" charset="0"/>
+                <a:cs typeface="Consolas" panose="020B0609020204030204" pitchFamily="49" charset="0"/>
+              </a:rPr>
+              <a:t>Confidence</a:t>
+            </a:r>
+            <a:r>
+              <a:rPr lang="nl-NL" sz="1600" dirty="0">
+                <a:solidFill>
+                  <a:srgbClr val="00B050"/>
+                </a:solidFill>
+                <a:latin typeface="Consolas" panose="020B0609020204030204" pitchFamily="49" charset="0"/>
+                <a:cs typeface="Consolas" panose="020B0609020204030204" pitchFamily="49" charset="0"/>
+              </a:rPr>
+              <a:t> </a:t>
+            </a:r>
+            <a:r>
+              <a:rPr lang="nl-NL" sz="1600" dirty="0" err="1">
+                <a:solidFill>
+                  <a:srgbClr val="00B050"/>
+                </a:solidFill>
+                <a:latin typeface="Consolas" panose="020B0609020204030204" pitchFamily="49" charset="0"/>
+                <a:cs typeface="Consolas" panose="020B0609020204030204" pitchFamily="49" charset="0"/>
+              </a:rPr>
+              <a:t>intervals</a:t>
+            </a:r>
+            <a:endParaRPr lang="nl-NL" sz="1600" dirty="0">
+              <a:solidFill>
+                <a:srgbClr val="00B050"/>
+              </a:solidFill>
+              <a:latin typeface="Consolas" panose="020B0609020204030204" pitchFamily="49" charset="0"/>
+              <a:cs typeface="Consolas" panose="020B0609020204030204" pitchFamily="49" charset="0"/>
+            </a:endParaRPr>
+          </a:p>
+          <a:p>
+            <a:r>
+              <a:rPr lang="nl-NL" sz="1600" dirty="0" err="1">
+                <a:latin typeface="Consolas" panose="020B0609020204030204" pitchFamily="49" charset="0"/>
+                <a:cs typeface="Consolas" panose="020B0609020204030204" pitchFamily="49" charset="0"/>
+              </a:rPr>
+              <a:t>int_pctl</a:t>
+            </a:r>
+            <a:r>
+              <a:rPr lang="nl-NL" sz="1600" dirty="0">
+                <a:latin typeface="Consolas" panose="020B0609020204030204" pitchFamily="49" charset="0"/>
+                <a:cs typeface="Consolas" panose="020B0609020204030204" pitchFamily="49" charset="0"/>
+              </a:rPr>
+              <a:t>(</a:t>
+            </a:r>
+            <a:r>
+              <a:rPr lang="nl-NL" sz="1600" dirty="0" err="1">
+                <a:latin typeface="Consolas" panose="020B0609020204030204" pitchFamily="49" charset="0"/>
+                <a:cs typeface="Consolas" panose="020B0609020204030204" pitchFamily="49" charset="0"/>
+              </a:rPr>
+              <a:t>boot_models</a:t>
+            </a:r>
+            <a:r>
+              <a:rPr lang="nl-NL" sz="1600" dirty="0">
+                <a:latin typeface="Consolas" panose="020B0609020204030204" pitchFamily="49" charset="0"/>
+                <a:cs typeface="Consolas" panose="020B0609020204030204" pitchFamily="49" charset="0"/>
+              </a:rPr>
+              <a:t>, </a:t>
+            </a:r>
+            <a:r>
+              <a:rPr lang="nl-NL" sz="1600" dirty="0" err="1">
+                <a:latin typeface="Consolas" panose="020B0609020204030204" pitchFamily="49" charset="0"/>
+                <a:cs typeface="Consolas" panose="020B0609020204030204" pitchFamily="49" charset="0"/>
+              </a:rPr>
+              <a:t>coefs</a:t>
+            </a:r>
+            <a:r>
+              <a:rPr lang="nl-NL" sz="1600" dirty="0">
+                <a:latin typeface="Consolas" panose="020B0609020204030204" pitchFamily="49" charset="0"/>
+                <a:cs typeface="Consolas" panose="020B0609020204030204" pitchFamily="49" charset="0"/>
+              </a:rPr>
+              <a:t>)</a:t>
+            </a:r>
+          </a:p>
+          <a:p>
+            <a:r>
+              <a:rPr lang="nl-NL" sz="1600" dirty="0" err="1">
+                <a:latin typeface="Consolas" panose="020B0609020204030204" pitchFamily="49" charset="0"/>
+                <a:cs typeface="Consolas" panose="020B0609020204030204" pitchFamily="49" charset="0"/>
+              </a:rPr>
+              <a:t>int_bca</a:t>
+            </a:r>
+            <a:r>
+              <a:rPr lang="nl-NL" sz="1600" dirty="0">
+                <a:latin typeface="Consolas" panose="020B0609020204030204" pitchFamily="49" charset="0"/>
+                <a:cs typeface="Consolas" panose="020B0609020204030204" pitchFamily="49" charset="0"/>
+              </a:rPr>
+              <a:t>(</a:t>
+            </a:r>
+            <a:r>
+              <a:rPr lang="nl-NL" sz="1600" dirty="0" err="1">
+                <a:latin typeface="Consolas" panose="020B0609020204030204" pitchFamily="49" charset="0"/>
+                <a:cs typeface="Consolas" panose="020B0609020204030204" pitchFamily="49" charset="0"/>
+              </a:rPr>
+              <a:t>boot_models</a:t>
+            </a:r>
+            <a:r>
+              <a:rPr lang="nl-NL" sz="1600" dirty="0">
+                <a:latin typeface="Consolas" panose="020B0609020204030204" pitchFamily="49" charset="0"/>
+                <a:cs typeface="Consolas" panose="020B0609020204030204" pitchFamily="49" charset="0"/>
+              </a:rPr>
+              <a:t>, </a:t>
+            </a:r>
+            <a:r>
+              <a:rPr lang="nl-NL" sz="1600" dirty="0" err="1">
+                <a:latin typeface="Consolas" panose="020B0609020204030204" pitchFamily="49" charset="0"/>
+                <a:cs typeface="Consolas" panose="020B0609020204030204" pitchFamily="49" charset="0"/>
+              </a:rPr>
+              <a:t>coefs</a:t>
+            </a:r>
+            <a:r>
+              <a:rPr lang="nl-NL" sz="1600" dirty="0">
+                <a:latin typeface="Consolas" panose="020B0609020204030204" pitchFamily="49" charset="0"/>
+                <a:cs typeface="Consolas" panose="020B0609020204030204" pitchFamily="49" charset="0"/>
+              </a:rPr>
+              <a:t>)</a:t>
+            </a:r>
+            <a:endParaRPr lang="en-US" sz="1600" dirty="0">
+              <a:latin typeface="Consolas" panose="020B0609020204030204" pitchFamily="49" charset="0"/>
+              <a:cs typeface="Consolas" panose="020B0609020204030204" pitchFamily="49" charset="0"/>
+            </a:endParaRPr>
+          </a:p>
+          <a:p>
+            <a:r>
+              <a:rPr lang="nl-NL" sz="1600" dirty="0" err="1">
+                <a:latin typeface="Consolas" panose="020B0609020204030204" pitchFamily="49" charset="0"/>
+                <a:cs typeface="Consolas" panose="020B0609020204030204" pitchFamily="49" charset="0"/>
+              </a:rPr>
+              <a:t>int_t</a:t>
+            </a:r>
+            <a:r>
+              <a:rPr lang="nl-NL" sz="1600" dirty="0">
+                <a:latin typeface="Consolas" panose="020B0609020204030204" pitchFamily="49" charset="0"/>
+                <a:cs typeface="Consolas" panose="020B0609020204030204" pitchFamily="49" charset="0"/>
+              </a:rPr>
+              <a:t>(</a:t>
+            </a:r>
+            <a:r>
+              <a:rPr lang="nl-NL" sz="1600" dirty="0" err="1">
+                <a:latin typeface="Consolas" panose="020B0609020204030204" pitchFamily="49" charset="0"/>
+                <a:cs typeface="Consolas" panose="020B0609020204030204" pitchFamily="49" charset="0"/>
+              </a:rPr>
+              <a:t>boot_models</a:t>
+            </a:r>
+            <a:r>
+              <a:rPr lang="nl-NL" sz="1600" dirty="0">
+                <a:latin typeface="Consolas" panose="020B0609020204030204" pitchFamily="49" charset="0"/>
+                <a:cs typeface="Consolas" panose="020B0609020204030204" pitchFamily="49" charset="0"/>
+              </a:rPr>
+              <a:t>, </a:t>
+            </a:r>
+            <a:r>
+              <a:rPr lang="nl-NL" sz="1600" dirty="0" err="1">
+                <a:latin typeface="Consolas" panose="020B0609020204030204" pitchFamily="49" charset="0"/>
+                <a:cs typeface="Consolas" panose="020B0609020204030204" pitchFamily="49" charset="0"/>
+              </a:rPr>
+              <a:t>coefs</a:t>
+            </a:r>
+            <a:r>
+              <a:rPr lang="nl-NL" sz="1600" dirty="0">
+                <a:latin typeface="Consolas" panose="020B0609020204030204" pitchFamily="49" charset="0"/>
+                <a:cs typeface="Consolas" panose="020B0609020204030204" pitchFamily="49" charset="0"/>
+              </a:rPr>
+              <a:t>)</a:t>
+            </a:r>
+            <a:endParaRPr lang="en-US" sz="1600" dirty="0">
+              <a:latin typeface="Consolas" panose="020B0609020204030204" pitchFamily="49" charset="0"/>
+              <a:cs typeface="Consolas" panose="020B0609020204030204" pitchFamily="49" charset="0"/>
+            </a:endParaRPr>
+          </a:p>
+        </p:txBody>
+      </p:sp>
+      <p:pic>
+        <p:nvPicPr>
+          <p:cNvPr id="7" name="Picture 6">
+            <a:extLst>
+              <a:ext uri="{FF2B5EF4-FFF2-40B4-BE49-F238E27FC236}">
+                <a16:creationId xmlns:a16="http://schemas.microsoft.com/office/drawing/2014/main" id="{D6770A0E-D3D3-6A74-01C9-CBE2FC24528E}"/>
+              </a:ext>
+            </a:extLst>
+          </p:cNvPr>
+          <p:cNvPicPr>
+            <a:picLocks noChangeAspect="1"/>
+          </p:cNvPicPr>
+          <p:nvPr/>
+        </p:nvPicPr>
+        <p:blipFill>
+          <a:blip r:embed="rId2" cstate="print">
+            <a:extLst>
+              <a:ext uri="{28A0092B-C50C-407E-A947-70E740481C1C}">
+                <a14:useLocalDpi xmlns:a14="http://schemas.microsoft.com/office/drawing/2010/main" val="0"/>
+              </a:ext>
+            </a:extLst>
+          </a:blip>
+          <a:stretch>
+            <a:fillRect/>
+          </a:stretch>
+        </p:blipFill>
+        <p:spPr>
+          <a:xfrm>
+            <a:off x="8068469" y="304783"/>
+            <a:ext cx="618331" cy="715963"/>
+          </a:xfrm>
+          <a:prstGeom prst="rect">
+            <a:avLst/>
+          </a:prstGeom>
+        </p:spPr>
+      </p:pic>
+      <p:sp>
+        <p:nvSpPr>
+          <p:cNvPr id="8" name="TextBox 7">
+            <a:extLst>
+              <a:ext uri="{FF2B5EF4-FFF2-40B4-BE49-F238E27FC236}">
+                <a16:creationId xmlns:a16="http://schemas.microsoft.com/office/drawing/2014/main" id="{EC26DBDB-4407-0820-FE24-57C0E435FC64}"/>
+              </a:ext>
+            </a:extLst>
+          </p:cNvPr>
+          <p:cNvSpPr txBox="1"/>
+          <p:nvPr/>
+        </p:nvSpPr>
+        <p:spPr>
+          <a:xfrm>
+            <a:off x="5638800" y="1563879"/>
+            <a:ext cx="3048000" cy="646331"/>
+          </a:xfrm>
+          <a:prstGeom prst="rect">
+            <a:avLst/>
+          </a:prstGeom>
+          <a:noFill/>
+        </p:spPr>
+        <p:txBody>
+          <a:bodyPr wrap="square" rtlCol="0">
+            <a:spAutoFit/>
+          </a:bodyPr>
+          <a:lstStyle/>
+          <a:p>
+            <a:r>
+              <a:rPr lang="en-US" dirty="0"/>
+              <a:t>Generate ‘times’ bootstrapped samples, indexed </a:t>
+            </a:r>
+            <a:r>
+              <a:rPr lang="en-US"/>
+              <a:t>by </a:t>
+            </a:r>
+            <a:r>
+              <a:rPr lang="en-US">
+                <a:latin typeface="Consolas" panose="020B0609020204030204" pitchFamily="49" charset="0"/>
+              </a:rPr>
+              <a:t>splits</a:t>
+            </a:r>
+            <a:endParaRPr lang="en-US" dirty="0"/>
+          </a:p>
+        </p:txBody>
+      </p:sp>
+      <p:sp>
+        <p:nvSpPr>
+          <p:cNvPr id="9" name="TextBox 8">
+            <a:extLst>
+              <a:ext uri="{FF2B5EF4-FFF2-40B4-BE49-F238E27FC236}">
+                <a16:creationId xmlns:a16="http://schemas.microsoft.com/office/drawing/2014/main" id="{29E9D8E8-8673-17F2-756D-417D5BC6D91F}"/>
+              </a:ext>
+            </a:extLst>
+          </p:cNvPr>
+          <p:cNvSpPr txBox="1"/>
+          <p:nvPr/>
+        </p:nvSpPr>
+        <p:spPr>
+          <a:xfrm>
+            <a:off x="5486400" y="3181727"/>
+            <a:ext cx="3505200" cy="369332"/>
+          </a:xfrm>
+          <a:prstGeom prst="rect">
+            <a:avLst/>
+          </a:prstGeom>
+          <a:noFill/>
+        </p:spPr>
+        <p:txBody>
+          <a:bodyPr wrap="square" rtlCol="0">
+            <a:spAutoFit/>
+          </a:bodyPr>
+          <a:lstStyle/>
+          <a:p>
+            <a:endParaRPr lang="en-US" dirty="0"/>
+          </a:p>
+        </p:txBody>
+      </p:sp>
+      <p:sp>
+        <p:nvSpPr>
+          <p:cNvPr id="5" name="Right Brace 4">
+            <a:extLst>
+              <a:ext uri="{FF2B5EF4-FFF2-40B4-BE49-F238E27FC236}">
+                <a16:creationId xmlns:a16="http://schemas.microsoft.com/office/drawing/2014/main" id="{25EA71D7-1391-B008-B803-62E0590B2395}"/>
+              </a:ext>
+            </a:extLst>
+          </p:cNvPr>
+          <p:cNvSpPr/>
+          <p:nvPr/>
+        </p:nvSpPr>
+        <p:spPr>
+          <a:xfrm>
+            <a:off x="4572000" y="2438400"/>
+            <a:ext cx="381000" cy="1524000"/>
+          </a:xfrm>
+          <a:prstGeom prst="rightBrace">
+            <a:avLst>
+              <a:gd name="adj1" fmla="val 8333"/>
+              <a:gd name="adj2" fmla="val 49265"/>
+            </a:avLst>
+          </a:prstGeom>
+          <a:ln w="25400">
+            <a:solidFill>
+              <a:srgbClr val="FF0000"/>
+            </a:solidFill>
+            <a:tailEnd type="none"/>
+          </a:ln>
+        </p:spPr>
+        <p:style>
+          <a:lnRef idx="1">
+            <a:schemeClr val="accent1"/>
+          </a:lnRef>
+          <a:fillRef idx="0">
+            <a:schemeClr val="accent1"/>
+          </a:fillRef>
+          <a:effectRef idx="0">
+            <a:schemeClr val="accent1"/>
+          </a:effectRef>
+          <a:fontRef idx="minor">
+            <a:schemeClr val="tx1"/>
+          </a:fontRef>
+        </p:style>
+        <p:txBody>
+          <a:bodyPr rtlCol="0" anchor="ctr"/>
+          <a:lstStyle/>
+          <a:p>
+            <a:pPr algn="ctr"/>
+            <a:endParaRPr lang="en-CA"/>
+          </a:p>
+        </p:txBody>
+      </p:sp>
+      <p:sp>
+        <p:nvSpPr>
+          <p:cNvPr id="6" name="TextBox 5">
+            <a:extLst>
+              <a:ext uri="{FF2B5EF4-FFF2-40B4-BE49-F238E27FC236}">
+                <a16:creationId xmlns:a16="http://schemas.microsoft.com/office/drawing/2014/main" id="{68ABC851-3782-33AC-5D44-36608262CE70}"/>
+              </a:ext>
+            </a:extLst>
+          </p:cNvPr>
+          <p:cNvSpPr txBox="1"/>
+          <p:nvPr/>
+        </p:nvSpPr>
+        <p:spPr>
+          <a:xfrm>
+            <a:off x="5638800" y="2514600"/>
+            <a:ext cx="3048000" cy="1200329"/>
+          </a:xfrm>
+          <a:prstGeom prst="rect">
+            <a:avLst/>
+          </a:prstGeom>
+          <a:noFill/>
+        </p:spPr>
+        <p:txBody>
+          <a:bodyPr wrap="square" rtlCol="0">
+            <a:spAutoFit/>
+          </a:bodyPr>
+          <a:lstStyle/>
+          <a:p>
+            <a:r>
+              <a:rPr lang="en-CA" dirty="0"/>
+              <a:t>Scheme to fit the model for one bootstrap sample.</a:t>
+            </a:r>
+          </a:p>
+          <a:p>
+            <a:r>
+              <a:rPr lang="en-CA" dirty="0">
+                <a:latin typeface="Consolas" panose="020B0609020204030204" pitchFamily="49" charset="0"/>
+              </a:rPr>
+              <a:t>analysis() </a:t>
+            </a:r>
+            <a:r>
+              <a:rPr lang="en-CA" dirty="0"/>
+              <a:t>extracts the data.</a:t>
+            </a:r>
+          </a:p>
+        </p:txBody>
+      </p:sp>
+      <p:sp>
+        <p:nvSpPr>
+          <p:cNvPr id="10" name="TextBox 9">
+            <a:extLst>
+              <a:ext uri="{FF2B5EF4-FFF2-40B4-BE49-F238E27FC236}">
+                <a16:creationId xmlns:a16="http://schemas.microsoft.com/office/drawing/2014/main" id="{3DAD9A00-4CCE-B46A-FA9F-CE9373F5F8E4}"/>
+              </a:ext>
+            </a:extLst>
+          </p:cNvPr>
+          <p:cNvSpPr txBox="1"/>
+          <p:nvPr/>
+        </p:nvSpPr>
+        <p:spPr>
+          <a:xfrm>
+            <a:off x="5638800" y="4191000"/>
+            <a:ext cx="3048000" cy="923330"/>
+          </a:xfrm>
+          <a:prstGeom prst="rect">
+            <a:avLst/>
+          </a:prstGeom>
+          <a:noFill/>
+        </p:spPr>
+        <p:txBody>
+          <a:bodyPr wrap="square" rtlCol="0">
+            <a:spAutoFit/>
+          </a:bodyPr>
+          <a:lstStyle/>
+          <a:p>
+            <a:r>
+              <a:rPr lang="en-CA" dirty="0"/>
+              <a:t>Generates a </a:t>
+            </a:r>
+            <a:r>
+              <a:rPr lang="en-CA" b="1" dirty="0"/>
+              <a:t>nested</a:t>
+            </a:r>
+            <a:r>
+              <a:rPr lang="en-CA" dirty="0"/>
+              <a:t> data structure containing &lt;model&gt;, &lt;</a:t>
+            </a:r>
+            <a:r>
+              <a:rPr lang="en-CA" dirty="0" err="1"/>
+              <a:t>coefs</a:t>
+            </a:r>
+            <a:r>
+              <a:rPr lang="en-CA" dirty="0"/>
+              <a:t>&gt; for each split</a:t>
+            </a:r>
+          </a:p>
+        </p:txBody>
+      </p:sp>
+      <p:sp>
+        <p:nvSpPr>
+          <p:cNvPr id="11" name="TextBox 10">
+            <a:extLst>
+              <a:ext uri="{FF2B5EF4-FFF2-40B4-BE49-F238E27FC236}">
+                <a16:creationId xmlns:a16="http://schemas.microsoft.com/office/drawing/2014/main" id="{65198F93-DE8E-F7AA-DE1B-4B3789983FA6}"/>
+              </a:ext>
+            </a:extLst>
+          </p:cNvPr>
+          <p:cNvSpPr txBox="1"/>
+          <p:nvPr/>
+        </p:nvSpPr>
+        <p:spPr>
+          <a:xfrm>
+            <a:off x="5715000" y="5486400"/>
+            <a:ext cx="2971800" cy="923330"/>
+          </a:xfrm>
+          <a:prstGeom prst="rect">
+            <a:avLst/>
+          </a:prstGeom>
+          <a:noFill/>
+        </p:spPr>
+        <p:txBody>
+          <a:bodyPr wrap="square" rtlCol="0">
+            <a:spAutoFit/>
+          </a:bodyPr>
+          <a:lstStyle/>
+          <a:p>
+            <a:r>
+              <a:rPr lang="en-CA" dirty="0"/>
+              <a:t>Functions to calculate confidence intervals from the bootstrapped models</a:t>
+            </a:r>
+          </a:p>
+        </p:txBody>
+      </p:sp>
+      <p:sp>
+        <p:nvSpPr>
+          <p:cNvPr id="12" name="TextBox 11">
+            <a:extLst>
+              <a:ext uri="{FF2B5EF4-FFF2-40B4-BE49-F238E27FC236}">
+                <a16:creationId xmlns:a16="http://schemas.microsoft.com/office/drawing/2014/main" id="{6703C37E-2673-585C-BBD1-BF10B5B4D047}"/>
+              </a:ext>
+            </a:extLst>
+          </p:cNvPr>
+          <p:cNvSpPr txBox="1"/>
+          <p:nvPr/>
+        </p:nvSpPr>
+        <p:spPr>
+          <a:xfrm>
+            <a:off x="457200" y="1050891"/>
+            <a:ext cx="6705600" cy="369332"/>
+          </a:xfrm>
+          <a:prstGeom prst="rect">
+            <a:avLst/>
+          </a:prstGeom>
+          <a:noFill/>
+        </p:spPr>
+        <p:txBody>
+          <a:bodyPr wrap="square" rtlCol="0">
+            <a:spAutoFit/>
+          </a:bodyPr>
+          <a:lstStyle/>
+          <a:p>
+            <a:r>
+              <a:rPr lang="en-CA" dirty="0"/>
+              <a:t>Schema for bootstrapping using the </a:t>
+            </a:r>
+            <a:r>
+              <a:rPr lang="en-CA" dirty="0" err="1">
+                <a:latin typeface="Consolas" panose="020B0609020204030204" pitchFamily="49" charset="0"/>
+              </a:rPr>
+              <a:t>rsample</a:t>
+            </a:r>
+            <a:r>
+              <a:rPr lang="en-CA" dirty="0"/>
+              <a:t> package</a:t>
+            </a:r>
+          </a:p>
+        </p:txBody>
+      </p:sp>
+    </p:spTree>
+    <p:extLst>
+      <p:ext uri="{BB962C8B-B14F-4D97-AF65-F5344CB8AC3E}">
+        <p14:creationId xmlns:p14="http://schemas.microsoft.com/office/powerpoint/2010/main" val="3172268408"/>
+      </p:ext>
+    </p:extLst>
+  </p:cSld>
+  <p:clrMapOvr>
+    <a:masterClrMapping/>
+  </p:clrMapOvr>
+  <p:timing>
+    <p:tnLst>
+      <p:par>
+        <p:cTn id="1" dur="indefinite" restart="never" nodeType="tmRoot">
+          <p:childTnLst>
+            <p:seq concurrent="1" nextAc="seek">
+              <p:cTn id="2" dur="indefinite" nodeType="mainSeq">
+                <p:childTnLst>
                   <p:par>
-                    <p:cTn id="7" fill="hold">
+                    <p:cTn id="3" fill="hold">
                       <p:stCondLst>
                         <p:cond delay="indefinite"/>
                       </p:stCondLst>
                       <p:childTnLst>
                         <p:par>
-                          <p:cTn id="8" fill="hold">
+                          <p:cTn id="4" fill="hold">
                             <p:stCondLst>
                               <p:cond delay="0"/>
                             </p:stCondLst>
                             <p:childTnLst>
                               <p:par>
-                                <p:cTn id="9" presetID="1" presetClass="entr" presetSubtype="0" fill="hold" nodeType="clickEffect">
+                                <p:cTn id="5" presetID="1" presetClass="entr" presetSubtype="0" fill="hold" nodeType="clickEffect">
+                                  <p:stCondLst>
+                                    <p:cond delay="0"/>
+                                  </p:stCondLst>
+                                  <p:childTnLst>
+                                    <p:set>
+                                      <p:cBhvr>
+                                        <p:cTn id="6" dur="1" fill="hold">
+                                          <p:stCondLst>
+                                            <p:cond delay="0"/>
+                                          </p:stCondLst>
+                                        </p:cTn>
+                                        <p:tgtEl>
+                                          <p:spTgt spid="4">
+                                            <p:txEl>
+                                              <p:pRg st="11" end="11"/>
+                                            </p:txEl>
+                                          </p:spTgt>
+                                        </p:tgtEl>
+                                        <p:attrNameLst>
+                                          <p:attrName>style.visibility</p:attrName>
+                                        </p:attrNameLst>
+                                      </p:cBhvr>
+                                      <p:to>
+                                        <p:strVal val="visible"/>
+                                      </p:to>
+                                    </p:set>
+                                  </p:childTnLst>
+                                </p:cTn>
+                              </p:par>
+                              <p:par>
+                                <p:cTn id="7" presetID="1" presetClass="entr" presetSubtype="0" fill="hold" nodeType="withEffect">
+                                  <p:stCondLst>
+                                    <p:cond delay="0"/>
+                                  </p:stCondLst>
+                                  <p:childTnLst>
+                                    <p:set>
+                                      <p:cBhvr>
+                                        <p:cTn id="8" dur="1" fill="hold">
+                                          <p:stCondLst>
+                                            <p:cond delay="0"/>
+                                          </p:stCondLst>
+                                        </p:cTn>
+                                        <p:tgtEl>
+                                          <p:spTgt spid="4">
+                                            <p:txEl>
+                                              <p:pRg st="12" end="12"/>
+                                            </p:txEl>
+                                          </p:spTgt>
+                                        </p:tgtEl>
+                                        <p:attrNameLst>
+                                          <p:attrName>style.visibility</p:attrName>
+                                        </p:attrNameLst>
+                                      </p:cBhvr>
+                                      <p:to>
+                                        <p:strVal val="visible"/>
+                                      </p:to>
+                                    </p:set>
+                                  </p:childTnLst>
+                                </p:cTn>
+                              </p:par>
+                              <p:par>
+                                <p:cTn id="9" presetID="1" presetClass="entr" presetSubtype="0" fill="hold" nodeType="withEffect">
                                   <p:stCondLst>
                                     <p:cond delay="0"/>
                                   </p:stCondLst>
@@ -9532,7 +9994,228 @@
                                           </p:stCondLst>
                                         </p:cTn>
                                         <p:tgtEl>
-                                          <p:spTgt spid="12"/>
+                                          <p:spTgt spid="4">
+                                            <p:txEl>
+                                              <p:pRg st="13" end="13"/>
+                                            </p:txEl>
+                                          </p:spTgt>
+                                        </p:tgtEl>
+                                        <p:attrNameLst>
+                                          <p:attrName>style.visibility</p:attrName>
+                                        </p:attrNameLst>
+                                      </p:cBhvr>
+                                      <p:to>
+                                        <p:strVal val="visible"/>
+                                      </p:to>
+                                    </p:set>
+                                  </p:childTnLst>
+                                </p:cTn>
+                              </p:par>
+                              <p:par>
+                                <p:cTn id="11" presetID="1" presetClass="entr" presetSubtype="0" fill="hold" nodeType="withEffect">
+                                  <p:stCondLst>
+                                    <p:cond delay="0"/>
+                                  </p:stCondLst>
+                                  <p:childTnLst>
+                                    <p:set>
+                                      <p:cBhvr>
+                                        <p:cTn id="12" dur="1" fill="hold">
+                                          <p:stCondLst>
+                                            <p:cond delay="0"/>
+                                          </p:stCondLst>
+                                        </p:cTn>
+                                        <p:tgtEl>
+                                          <p:spTgt spid="4">
+                                            <p:txEl>
+                                              <p:pRg st="14" end="14"/>
+                                            </p:txEl>
+                                          </p:spTgt>
+                                        </p:tgtEl>
+                                        <p:attrNameLst>
+                                          <p:attrName>style.visibility</p:attrName>
+                                        </p:attrNameLst>
+                                      </p:cBhvr>
+                                      <p:to>
+                                        <p:strVal val="visible"/>
+                                      </p:to>
+                                    </p:set>
+                                  </p:childTnLst>
+                                </p:cTn>
+                              </p:par>
+                              <p:par>
+                                <p:cTn id="13" presetID="1" presetClass="entr" presetSubtype="0" fill="hold" nodeType="withEffect">
+                                  <p:stCondLst>
+                                    <p:cond delay="0"/>
+                                  </p:stCondLst>
+                                  <p:childTnLst>
+                                    <p:set>
+                                      <p:cBhvr>
+                                        <p:cTn id="14" dur="1" fill="hold">
+                                          <p:stCondLst>
+                                            <p:cond delay="0"/>
+                                          </p:stCondLst>
+                                        </p:cTn>
+                                        <p:tgtEl>
+                                          <p:spTgt spid="4">
+                                            <p:txEl>
+                                              <p:pRg st="16" end="16"/>
+                                            </p:txEl>
+                                          </p:spTgt>
+                                        </p:tgtEl>
+                                        <p:attrNameLst>
+                                          <p:attrName>style.visibility</p:attrName>
+                                        </p:attrNameLst>
+                                      </p:cBhvr>
+                                      <p:to>
+                                        <p:strVal val="visible"/>
+                                      </p:to>
+                                    </p:set>
+                                  </p:childTnLst>
+                                </p:cTn>
+                              </p:par>
+                              <p:par>
+                                <p:cTn id="15" presetID="1" presetClass="entr" presetSubtype="0" fill="hold" nodeType="withEffect">
+                                  <p:stCondLst>
+                                    <p:cond delay="0"/>
+                                  </p:stCondLst>
+                                  <p:childTnLst>
+                                    <p:set>
+                                      <p:cBhvr>
+                                        <p:cTn id="16" dur="1" fill="hold">
+                                          <p:stCondLst>
+                                            <p:cond delay="0"/>
+                                          </p:stCondLst>
+                                        </p:cTn>
+                                        <p:tgtEl>
+                                          <p:spTgt spid="4">
+                                            <p:txEl>
+                                              <p:pRg st="17" end="17"/>
+                                            </p:txEl>
+                                          </p:spTgt>
+                                        </p:tgtEl>
+                                        <p:attrNameLst>
+                                          <p:attrName>style.visibility</p:attrName>
+                                        </p:attrNameLst>
+                                      </p:cBhvr>
+                                      <p:to>
+                                        <p:strVal val="visible"/>
+                                      </p:to>
+                                    </p:set>
+                                  </p:childTnLst>
+                                </p:cTn>
+                              </p:par>
+                              <p:par>
+                                <p:cTn id="17" presetID="1" presetClass="entr" presetSubtype="0" fill="hold" nodeType="withEffect">
+                                  <p:stCondLst>
+                                    <p:cond delay="0"/>
+                                  </p:stCondLst>
+                                  <p:childTnLst>
+                                    <p:set>
+                                      <p:cBhvr>
+                                        <p:cTn id="18" dur="1" fill="hold">
+                                          <p:stCondLst>
+                                            <p:cond delay="0"/>
+                                          </p:stCondLst>
+                                        </p:cTn>
+                                        <p:tgtEl>
+                                          <p:spTgt spid="4">
+                                            <p:txEl>
+                                              <p:pRg st="18" end="18"/>
+                                            </p:txEl>
+                                          </p:spTgt>
+                                        </p:tgtEl>
+                                        <p:attrNameLst>
+                                          <p:attrName>style.visibility</p:attrName>
+                                        </p:attrNameLst>
+                                      </p:cBhvr>
+                                      <p:to>
+                                        <p:strVal val="visible"/>
+                                      </p:to>
+                                    </p:set>
+                                  </p:childTnLst>
+                                </p:cTn>
+                              </p:par>
+                              <p:par>
+                                <p:cTn id="19" presetID="1" presetClass="entr" presetSubtype="0" fill="hold" nodeType="withEffect">
+                                  <p:stCondLst>
+                                    <p:cond delay="0"/>
+                                  </p:stCondLst>
+                                  <p:childTnLst>
+                                    <p:set>
+                                      <p:cBhvr>
+                                        <p:cTn id="20" dur="1" fill="hold">
+                                          <p:stCondLst>
+                                            <p:cond delay="0"/>
+                                          </p:stCondLst>
+                                        </p:cTn>
+                                        <p:tgtEl>
+                                          <p:spTgt spid="4">
+                                            <p:txEl>
+                                              <p:pRg st="19" end="19"/>
+                                            </p:txEl>
+                                          </p:spTgt>
+                                        </p:tgtEl>
+                                        <p:attrNameLst>
+                                          <p:attrName>style.visibility</p:attrName>
+                                        </p:attrNameLst>
+                                      </p:cBhvr>
+                                      <p:to>
+                                        <p:strVal val="visible"/>
+                                      </p:to>
+                                    </p:set>
+                                  </p:childTnLst>
+                                </p:cTn>
+                              </p:par>
+                              <p:par>
+                                <p:cTn id="21" presetID="1" presetClass="entr" presetSubtype="0" fill="hold" nodeType="withEffect">
+                                  <p:stCondLst>
+                                    <p:cond delay="0"/>
+                                  </p:stCondLst>
+                                  <p:childTnLst>
+                                    <p:set>
+                                      <p:cBhvr>
+                                        <p:cTn id="22" dur="1" fill="hold">
+                                          <p:stCondLst>
+                                            <p:cond delay="0"/>
+                                          </p:stCondLst>
+                                        </p:cTn>
+                                        <p:tgtEl>
+                                          <p:spTgt spid="10">
+                                            <p:txEl>
+                                              <p:pRg st="0" end="0"/>
+                                            </p:txEl>
+                                          </p:spTgt>
+                                        </p:tgtEl>
+                                        <p:attrNameLst>
+                                          <p:attrName>style.visibility</p:attrName>
+                                        </p:attrNameLst>
+                                      </p:cBhvr>
+                                      <p:to>
+                                        <p:strVal val="visible"/>
+                                      </p:to>
+                                    </p:set>
+                                  </p:childTnLst>
+                                </p:cTn>
+                              </p:par>
+                              <p:par>
+                                <p:cTn id="23" presetID="1" presetClass="entr" presetSubtype="0" fill="hold" nodeType="withEffect">
+                                  <p:stCondLst>
+                                    <p:cond delay="0"/>
+                                  </p:stCondLst>
+                                  <p:childTnLst>
+                                    <p:set>
+                                      <p:cBhvr>
+                                        <p:cTn id="24" dur="1" fill="hold">
+                                          <p:stCondLst>
+                                            <p:cond delay="0"/>
+                                          </p:stCondLst>
+                                        </p:cTn>
+                                        <p:tgtEl>
+                                          <p:spTgt spid="11">
+                                            <p:txEl>
+                                              <p:pRg st="0" end="0"/>
+                                            </p:txEl>
+                                          </p:spTgt>
                                         </p:tgtEl>
                                         <p:attrNameLst>
                                           <p:attrName>style.visibility</p:attrName>
@@ -9598,7 +10281,7 @@
           <p:cNvPr id="2" name="Title 1">
             <a:extLst>
               <a:ext uri="{FF2B5EF4-FFF2-40B4-BE49-F238E27FC236}">
-                <a16:creationId xmlns:a16="http://schemas.microsoft.com/office/drawing/2014/main" id="{44E792FA-7A2F-4CD7-B9D6-C08F6FDE616B}"/>
+                <a16:creationId xmlns:a16="http://schemas.microsoft.com/office/drawing/2014/main" id="{F7D16014-AA3B-427E-ABE4-62FA60F01805}"/>
               </a:ext>
             </a:extLst>
           </p:cNvPr>
@@ -9617,8 +10300,14 @@
           <a:lstStyle/>
           <a:p>
             <a:r>
+              <a:rPr lang="en-US" dirty="0" err="1">
+                <a:latin typeface="Consolas" panose="020B0609020204030204" pitchFamily="49" charset="0"/>
+              </a:rPr>
+              <a:t>rsample</a:t>
+            </a:r>
+            <a:r>
               <a:rPr lang="en-US" dirty="0"/>
-              <a:t>Bootstrapped coefficients</a:t>
+              <a:t> package</a:t>
             </a:r>
           </a:p>
         </p:txBody>
@@ -9628,7 +10317,7 @@
           <p:cNvPr id="3" name="Slide Number Placeholder 2">
             <a:extLst>
               <a:ext uri="{FF2B5EF4-FFF2-40B4-BE49-F238E27FC236}">
-                <a16:creationId xmlns:a16="http://schemas.microsoft.com/office/drawing/2014/main" id="{E2AC2775-F45D-4D56-962E-27367CB63994}"/>
+                <a16:creationId xmlns:a16="http://schemas.microsoft.com/office/drawing/2014/main" id="{7EECA8C4-2B87-475C-8685-8B2BF66955F7}"/>
               </a:ext>
             </a:extLst>
           </p:cNvPr>
@@ -9657,7 +10346,7 @@
           <p:cNvPr id="4" name="TextBox 3">
             <a:extLst>
               <a:ext uri="{FF2B5EF4-FFF2-40B4-BE49-F238E27FC236}">
-                <a16:creationId xmlns:a16="http://schemas.microsoft.com/office/drawing/2014/main" id="{A67D50C1-A8B4-41F1-9B72-3B9D6FB575A0}"/>
+                <a16:creationId xmlns:a16="http://schemas.microsoft.com/office/drawing/2014/main" id="{55A7E95C-934F-445C-A37B-667CEDACC60D}"/>
               </a:ext>
             </a:extLst>
           </p:cNvPr>
@@ -9666,8 +10355,8 @@
         </p:nvSpPr>
         <p:spPr>
           <a:xfrm>
-            <a:off x="457200" y="1733108"/>
-            <a:ext cx="8229600" cy="2862322"/>
+            <a:off x="457200" y="1524000"/>
+            <a:ext cx="4694903" cy="4770537"/>
           </a:xfrm>
           <a:prstGeom prst="rect">
             <a:avLst/>
@@ -9676,7 +10365,7 @@
             <a:schemeClr val="accent6">
               <a:lumMod val="20000"/>
               <a:lumOff val="80000"/>
-              <a:alpha val="50000"/>
+              <a:alpha val="60000"/>
             </a:schemeClr>
           </a:solidFill>
         </p:spPr>
@@ -9687,421 +10376,265 @@
           <a:lstStyle/>
           <a:p>
             <a:r>
-              <a:rPr lang="en-US" sz="1200" dirty="0">
-                <a:latin typeface="Consolas" panose="020B0609020204030204" pitchFamily="49" charset="0"/>
-                <a:cs typeface="Consolas" panose="020B0609020204030204" pitchFamily="49" charset="0"/>
-              </a:rPr>
-              <a:t>&gt; </a:t>
-            </a:r>
-            <a:r>
-              <a:rPr lang="en-US" sz="1200" dirty="0" err="1">
-                <a:latin typeface="Consolas" panose="020B0609020204030204" pitchFamily="49" charset="0"/>
-                <a:cs typeface="Consolas" panose="020B0609020204030204" pitchFamily="49" charset="0"/>
-              </a:rPr>
-              <a:t>boot_coefs</a:t>
-            </a:r>
-            <a:endParaRPr lang="en-US" sz="1200" dirty="0">
+              <a:rPr lang="en-US" sz="1600" dirty="0" err="1">
+                <a:latin typeface="Consolas" panose="020B0609020204030204" pitchFamily="49" charset="0"/>
+                <a:cs typeface="Consolas" panose="020B0609020204030204" pitchFamily="49" charset="0"/>
+              </a:rPr>
+              <a:t>set.seed</a:t>
+            </a:r>
+            <a:r>
+              <a:rPr lang="en-US" sz="1600" dirty="0">
+                <a:latin typeface="Consolas" panose="020B0609020204030204" pitchFamily="49" charset="0"/>
+                <a:cs typeface="Consolas" panose="020B0609020204030204" pitchFamily="49" charset="0"/>
+              </a:rPr>
+              <a:t>(27)</a:t>
+            </a:r>
+          </a:p>
+          <a:p>
+            <a:r>
+              <a:rPr lang="en-US" sz="1600" dirty="0">
+                <a:latin typeface="Consolas" panose="020B0609020204030204" pitchFamily="49" charset="0"/>
+                <a:cs typeface="Consolas" panose="020B0609020204030204" pitchFamily="49" charset="0"/>
+              </a:rPr>
+              <a:t>boots &lt;- bootstraps(</a:t>
+            </a:r>
+            <a:r>
+              <a:rPr lang="en-US" sz="1600" dirty="0" err="1">
+                <a:latin typeface="Consolas" panose="020B0609020204030204" pitchFamily="49" charset="0"/>
+                <a:cs typeface="Consolas" panose="020B0609020204030204" pitchFamily="49" charset="0"/>
+              </a:rPr>
+              <a:t>mtcars</a:t>
+            </a:r>
+            <a:r>
+              <a:rPr lang="en-US" sz="1600" dirty="0">
+                <a:latin typeface="Consolas" panose="020B0609020204030204" pitchFamily="49" charset="0"/>
+                <a:cs typeface="Consolas" panose="020B0609020204030204" pitchFamily="49" charset="0"/>
+              </a:rPr>
+              <a:t>, times = 500)</a:t>
+            </a:r>
+          </a:p>
+          <a:p>
+            <a:endParaRPr lang="en-US" sz="1600" dirty="0">
               <a:latin typeface="Consolas" panose="020B0609020204030204" pitchFamily="49" charset="0"/>
               <a:cs typeface="Consolas" panose="020B0609020204030204" pitchFamily="49" charset="0"/>
             </a:endParaRPr>
           </a:p>
           <a:p>
             <a:r>
-              <a:rPr lang="en-US" sz="1200" dirty="0">
+              <a:rPr lang="en-US" sz="1600" dirty="0">
+                <a:latin typeface="Consolas" panose="020B0609020204030204" pitchFamily="49" charset="0"/>
+                <a:cs typeface="Consolas" panose="020B0609020204030204" pitchFamily="49" charset="0"/>
+              </a:rPr>
+              <a:t>boots</a:t>
+            </a:r>
+          </a:p>
+          <a:p>
+            <a:r>
+              <a:rPr lang="en-US" sz="1600" dirty="0">
+                <a:latin typeface="Consolas" panose="020B0609020204030204" pitchFamily="49" charset="0"/>
+                <a:cs typeface="Consolas" panose="020B0609020204030204" pitchFamily="49" charset="0"/>
+              </a:rPr>
+              <a:t># Bootstrap sampling </a:t>
+            </a:r>
+          </a:p>
+          <a:p>
+            <a:r>
+              <a:rPr lang="en-US" sz="1600" dirty="0">
                 <a:latin typeface="Consolas" panose="020B0609020204030204" pitchFamily="49" charset="0"/>
                 <a:cs typeface="Consolas" panose="020B0609020204030204" pitchFamily="49" charset="0"/>
               </a:rPr>
               <a:t># A </a:t>
             </a:r>
             <a:r>
-              <a:rPr lang="en-US" sz="1200" dirty="0" err="1">
+              <a:rPr lang="en-US" sz="1600" dirty="0" err="1">
                 <a:latin typeface="Consolas" panose="020B0609020204030204" pitchFamily="49" charset="0"/>
                 <a:cs typeface="Consolas" panose="020B0609020204030204" pitchFamily="49" charset="0"/>
               </a:rPr>
               <a:t>tibble</a:t>
             </a:r>
             <a:r>
-              <a:rPr lang="en-US" sz="1200" dirty="0">
-                <a:latin typeface="Consolas" panose="020B0609020204030204" pitchFamily="49" charset="0"/>
-                <a:cs typeface="Consolas" panose="020B0609020204030204" pitchFamily="49" charset="0"/>
-              </a:rPr>
-              <a:t>: 1,000 x 8</a:t>
-            </a:r>
-          </a:p>
-          <a:p>
-            <a:r>
-              <a:rPr lang="en-US" sz="1200" dirty="0">
-                <a:latin typeface="Consolas" panose="020B0609020204030204" pitchFamily="49" charset="0"/>
-                <a:cs typeface="Consolas" panose="020B0609020204030204" pitchFamily="49" charset="0"/>
-              </a:rPr>
-              <a:t>   splits          id           model  term  estimate </a:t>
-            </a:r>
-            <a:r>
-              <a:rPr lang="en-US" sz="1200" dirty="0" err="1">
-                <a:latin typeface="Consolas" panose="020B0609020204030204" pitchFamily="49" charset="0"/>
-                <a:cs typeface="Consolas" panose="020B0609020204030204" pitchFamily="49" charset="0"/>
-              </a:rPr>
-              <a:t>std.error</a:t>
-            </a:r>
-            <a:r>
-              <a:rPr lang="en-US" sz="1200" dirty="0">
-                <a:latin typeface="Consolas" panose="020B0609020204030204" pitchFamily="49" charset="0"/>
-                <a:cs typeface="Consolas" panose="020B0609020204030204" pitchFamily="49" charset="0"/>
-              </a:rPr>
-              <a:t> statistic  </a:t>
-            </a:r>
-            <a:r>
-              <a:rPr lang="en-US" sz="1200" dirty="0" err="1">
-                <a:latin typeface="Consolas" panose="020B0609020204030204" pitchFamily="49" charset="0"/>
-                <a:cs typeface="Consolas" panose="020B0609020204030204" pitchFamily="49" charset="0"/>
-              </a:rPr>
-              <a:t>p.value</a:t>
-            </a:r>
-            <a:endParaRPr lang="en-US" sz="1200" dirty="0">
-              <a:latin typeface="Consolas" panose="020B0609020204030204" pitchFamily="49" charset="0"/>
-              <a:cs typeface="Consolas" panose="020B0609020204030204" pitchFamily="49" charset="0"/>
-            </a:endParaRPr>
-          </a:p>
-          <a:p>
-            <a:r>
-              <a:rPr lang="en-US" sz="1200" dirty="0">
+              <a:rPr lang="en-US" sz="1600" dirty="0">
+                <a:latin typeface="Consolas" panose="020B0609020204030204" pitchFamily="49" charset="0"/>
+                <a:cs typeface="Consolas" panose="020B0609020204030204" pitchFamily="49" charset="0"/>
+              </a:rPr>
+              <a:t>: 500 x 2</a:t>
+            </a:r>
+          </a:p>
+          <a:p>
+            <a:r>
+              <a:rPr lang="en-US" sz="1600" dirty="0">
+                <a:latin typeface="Consolas" panose="020B0609020204030204" pitchFamily="49" charset="0"/>
+                <a:cs typeface="Consolas" panose="020B0609020204030204" pitchFamily="49" charset="0"/>
+              </a:rPr>
+              <a:t>   splits          id          </a:t>
+            </a:r>
+          </a:p>
+          <a:p>
+            <a:r>
+              <a:rPr lang="en-US" sz="1600" dirty="0">
                 <a:latin typeface="Consolas" panose="020B0609020204030204" pitchFamily="49" charset="0"/>
                 <a:cs typeface="Consolas" panose="020B0609020204030204" pitchFamily="49" charset="0"/>
               </a:rPr>
               <a:t>   &lt;list&gt;          &lt;</a:t>
             </a:r>
             <a:r>
-              <a:rPr lang="en-US" sz="1200" dirty="0" err="1">
+              <a:rPr lang="en-US" sz="1600" dirty="0" err="1">
                 <a:latin typeface="Consolas" panose="020B0609020204030204" pitchFamily="49" charset="0"/>
                 <a:cs typeface="Consolas" panose="020B0609020204030204" pitchFamily="49" charset="0"/>
               </a:rPr>
               <a:t>chr</a:t>
             </a:r>
             <a:r>
-              <a:rPr lang="en-US" sz="1200" dirty="0">
-                <a:latin typeface="Consolas" panose="020B0609020204030204" pitchFamily="49" charset="0"/>
-                <a:cs typeface="Consolas" panose="020B0609020204030204" pitchFamily="49" charset="0"/>
-              </a:rPr>
-              <a:t>&gt;        &lt;list&gt; &lt;</a:t>
-            </a:r>
-            <a:r>
-              <a:rPr lang="en-US" sz="1200" dirty="0" err="1">
-                <a:latin typeface="Consolas" panose="020B0609020204030204" pitchFamily="49" charset="0"/>
-                <a:cs typeface="Consolas" panose="020B0609020204030204" pitchFamily="49" charset="0"/>
-              </a:rPr>
-              <a:t>chr</a:t>
-            </a:r>
-            <a:r>
-              <a:rPr lang="en-US" sz="1200" dirty="0">
-                <a:latin typeface="Consolas" panose="020B0609020204030204" pitchFamily="49" charset="0"/>
-                <a:cs typeface="Consolas" panose="020B0609020204030204" pitchFamily="49" charset="0"/>
-              </a:rPr>
-              <a:t>&gt;    &lt;</a:t>
-            </a:r>
-            <a:r>
-              <a:rPr lang="en-US" sz="1200" dirty="0" err="1">
-                <a:latin typeface="Consolas" panose="020B0609020204030204" pitchFamily="49" charset="0"/>
-                <a:cs typeface="Consolas" panose="020B0609020204030204" pitchFamily="49" charset="0"/>
-              </a:rPr>
-              <a:t>dbl</a:t>
-            </a:r>
-            <a:r>
-              <a:rPr lang="en-US" sz="1200" dirty="0">
-                <a:latin typeface="Consolas" panose="020B0609020204030204" pitchFamily="49" charset="0"/>
-                <a:cs typeface="Consolas" panose="020B0609020204030204" pitchFamily="49" charset="0"/>
-              </a:rPr>
-              <a:t>&gt;     &lt;</a:t>
-            </a:r>
-            <a:r>
-              <a:rPr lang="en-US" sz="1200" dirty="0" err="1">
-                <a:latin typeface="Consolas" panose="020B0609020204030204" pitchFamily="49" charset="0"/>
-                <a:cs typeface="Consolas" panose="020B0609020204030204" pitchFamily="49" charset="0"/>
-              </a:rPr>
-              <a:t>dbl</a:t>
-            </a:r>
-            <a:r>
-              <a:rPr lang="en-US" sz="1200" dirty="0">
-                <a:latin typeface="Consolas" panose="020B0609020204030204" pitchFamily="49" charset="0"/>
-                <a:cs typeface="Consolas" panose="020B0609020204030204" pitchFamily="49" charset="0"/>
-              </a:rPr>
-              <a:t>&gt;     &lt;</a:t>
-            </a:r>
-            <a:r>
-              <a:rPr lang="en-US" sz="1200" dirty="0" err="1">
-                <a:latin typeface="Consolas" panose="020B0609020204030204" pitchFamily="49" charset="0"/>
-                <a:cs typeface="Consolas" panose="020B0609020204030204" pitchFamily="49" charset="0"/>
-              </a:rPr>
-              <a:t>dbl</a:t>
-            </a:r>
-            <a:r>
-              <a:rPr lang="en-US" sz="1200" dirty="0">
-                <a:latin typeface="Consolas" panose="020B0609020204030204" pitchFamily="49" charset="0"/>
-                <a:cs typeface="Consolas" panose="020B0609020204030204" pitchFamily="49" charset="0"/>
-              </a:rPr>
-              <a:t>&gt;    &lt;</a:t>
-            </a:r>
-            <a:r>
-              <a:rPr lang="en-US" sz="1200" dirty="0" err="1">
-                <a:latin typeface="Consolas" panose="020B0609020204030204" pitchFamily="49" charset="0"/>
-                <a:cs typeface="Consolas" panose="020B0609020204030204" pitchFamily="49" charset="0"/>
-              </a:rPr>
-              <a:t>dbl</a:t>
-            </a:r>
-            <a:r>
-              <a:rPr lang="en-US" sz="1200" dirty="0">
-                <a:latin typeface="Consolas" panose="020B0609020204030204" pitchFamily="49" charset="0"/>
-                <a:cs typeface="Consolas" panose="020B0609020204030204" pitchFamily="49" charset="0"/>
-              </a:rPr>
-              <a:t>&gt;</a:t>
-            </a:r>
-          </a:p>
-          <a:p>
-            <a:r>
-              <a:rPr lang="en-US" sz="1200" dirty="0">
-                <a:latin typeface="Consolas" panose="020B0609020204030204" pitchFamily="49" charset="0"/>
-                <a:cs typeface="Consolas" panose="020B0609020204030204" pitchFamily="49" charset="0"/>
-              </a:rPr>
-              <a:t> 1 &lt;split [32/10]&gt; Bootstrap001 &lt;</a:t>
-            </a:r>
-            <a:r>
-              <a:rPr lang="en-US" sz="1200" dirty="0" err="1">
-                <a:latin typeface="Consolas" panose="020B0609020204030204" pitchFamily="49" charset="0"/>
-                <a:cs typeface="Consolas" panose="020B0609020204030204" pitchFamily="49" charset="0"/>
-              </a:rPr>
-              <a:t>nls</a:t>
-            </a:r>
-            <a:r>
-              <a:rPr lang="en-US" sz="1200" dirty="0">
-                <a:latin typeface="Consolas" panose="020B0609020204030204" pitchFamily="49" charset="0"/>
-                <a:cs typeface="Consolas" panose="020B0609020204030204" pitchFamily="49" charset="0"/>
-              </a:rPr>
-              <a:t>&gt;  k        47.1       3.49    13.5   2.74e-14</a:t>
-            </a:r>
-          </a:p>
-          <a:p>
-            <a:r>
-              <a:rPr lang="en-US" sz="1200" dirty="0">
-                <a:latin typeface="Consolas" panose="020B0609020204030204" pitchFamily="49" charset="0"/>
-                <a:cs typeface="Consolas" panose="020B0609020204030204" pitchFamily="49" charset="0"/>
-              </a:rPr>
-              <a:t> 2 &lt;split [32/10]&gt; Bootstrap001 &lt;</a:t>
-            </a:r>
-            <a:r>
-              <a:rPr lang="en-US" sz="1200" dirty="0" err="1">
-                <a:latin typeface="Consolas" panose="020B0609020204030204" pitchFamily="49" charset="0"/>
-                <a:cs typeface="Consolas" panose="020B0609020204030204" pitchFamily="49" charset="0"/>
-              </a:rPr>
-              <a:t>nls</a:t>
-            </a:r>
-            <a:r>
-              <a:rPr lang="en-US" sz="1200" dirty="0">
-                <a:latin typeface="Consolas" panose="020B0609020204030204" pitchFamily="49" charset="0"/>
-                <a:cs typeface="Consolas" panose="020B0609020204030204" pitchFamily="49" charset="0"/>
-              </a:rPr>
-              <a:t>&gt;  b         3.60      1.23     2.92  6.62e- 3</a:t>
-            </a:r>
-          </a:p>
-          <a:p>
-            <a:r>
-              <a:rPr lang="en-US" sz="1200" dirty="0">
-                <a:latin typeface="Consolas" panose="020B0609020204030204" pitchFamily="49" charset="0"/>
-                <a:cs typeface="Consolas" panose="020B0609020204030204" pitchFamily="49" charset="0"/>
-              </a:rPr>
-              <a:t> 3 &lt;split [32/12]&gt; Bootstrap002 &lt;</a:t>
-            </a:r>
-            <a:r>
-              <a:rPr lang="en-US" sz="1200" dirty="0" err="1">
-                <a:latin typeface="Consolas" panose="020B0609020204030204" pitchFamily="49" charset="0"/>
-                <a:cs typeface="Consolas" panose="020B0609020204030204" pitchFamily="49" charset="0"/>
-              </a:rPr>
-              <a:t>nls</a:t>
-            </a:r>
-            <a:r>
-              <a:rPr lang="en-US" sz="1200" dirty="0">
-                <a:latin typeface="Consolas" panose="020B0609020204030204" pitchFamily="49" charset="0"/>
-                <a:cs typeface="Consolas" panose="020B0609020204030204" pitchFamily="49" charset="0"/>
-              </a:rPr>
-              <a:t>&gt;  k        50.0       5.64     8.87  6.95e-10</a:t>
-            </a:r>
-          </a:p>
-          <a:p>
-            <a:r>
-              <a:rPr lang="en-US" sz="1200" dirty="0">
-                <a:latin typeface="Consolas" panose="020B0609020204030204" pitchFamily="49" charset="0"/>
-                <a:cs typeface="Consolas" panose="020B0609020204030204" pitchFamily="49" charset="0"/>
-              </a:rPr>
-              <a:t> 4 &lt;split [32/12]&gt; Bootstrap002 &lt;</a:t>
-            </a:r>
-            <a:r>
-              <a:rPr lang="en-US" sz="1200" dirty="0" err="1">
-                <a:latin typeface="Consolas" panose="020B0609020204030204" pitchFamily="49" charset="0"/>
-                <a:cs typeface="Consolas" panose="020B0609020204030204" pitchFamily="49" charset="0"/>
-              </a:rPr>
-              <a:t>nls</a:t>
-            </a:r>
-            <a:r>
-              <a:rPr lang="en-US" sz="1200" dirty="0">
-                <a:latin typeface="Consolas" panose="020B0609020204030204" pitchFamily="49" charset="0"/>
-                <a:cs typeface="Consolas" panose="020B0609020204030204" pitchFamily="49" charset="0"/>
-              </a:rPr>
-              <a:t>&gt;  b         3.29      2.09     1.57  1.26e- 1</a:t>
-            </a:r>
-          </a:p>
-          <a:p>
-            <a:r>
-              <a:rPr lang="en-US" sz="1200" dirty="0">
-                <a:latin typeface="Consolas" panose="020B0609020204030204" pitchFamily="49" charset="0"/>
-                <a:cs typeface="Consolas" panose="020B0609020204030204" pitchFamily="49" charset="0"/>
-              </a:rPr>
-              <a:t> 5 &lt;split [32/10]&gt; Bootstrap003 &lt;</a:t>
-            </a:r>
-            <a:r>
-              <a:rPr lang="en-US" sz="1200" dirty="0" err="1">
-                <a:latin typeface="Consolas" panose="020B0609020204030204" pitchFamily="49" charset="0"/>
-                <a:cs typeface="Consolas" panose="020B0609020204030204" pitchFamily="49" charset="0"/>
-              </a:rPr>
-              <a:t>nls</a:t>
-            </a:r>
-            <a:r>
-              <a:rPr lang="en-US" sz="1200" dirty="0">
-                <a:latin typeface="Consolas" panose="020B0609020204030204" pitchFamily="49" charset="0"/>
-                <a:cs typeface="Consolas" panose="020B0609020204030204" pitchFamily="49" charset="0"/>
-              </a:rPr>
-              <a:t>&gt;  k        42.0       4.38     9.59  1.20e-10</a:t>
-            </a:r>
-          </a:p>
-          <a:p>
-            <a:r>
-              <a:rPr lang="en-US" sz="1200" dirty="0">
-                <a:latin typeface="Consolas" panose="020B0609020204030204" pitchFamily="49" charset="0"/>
-                <a:cs typeface="Consolas" panose="020B0609020204030204" pitchFamily="49" charset="0"/>
-              </a:rPr>
-              <a:t> 6 &lt;split [32/10]&gt; Bootstrap003 &lt;</a:t>
-            </a:r>
-            <a:r>
-              <a:rPr lang="en-US" sz="1200" dirty="0" err="1">
-                <a:latin typeface="Consolas" panose="020B0609020204030204" pitchFamily="49" charset="0"/>
-                <a:cs typeface="Consolas" panose="020B0609020204030204" pitchFamily="49" charset="0"/>
-              </a:rPr>
-              <a:t>nls</a:t>
-            </a:r>
-            <a:r>
-              <a:rPr lang="en-US" sz="1200" dirty="0">
-                <a:latin typeface="Consolas" panose="020B0609020204030204" pitchFamily="49" charset="0"/>
-                <a:cs typeface="Consolas" panose="020B0609020204030204" pitchFamily="49" charset="0"/>
-              </a:rPr>
-              <a:t>&gt;  b         5.89      1.51     3.89  5.20e- 4</a:t>
-            </a:r>
-          </a:p>
-          <a:p>
-            <a:r>
-              <a:rPr lang="en-US" sz="1200" dirty="0">
-                <a:latin typeface="Consolas" panose="020B0609020204030204" pitchFamily="49" charset="0"/>
-                <a:cs typeface="Consolas" panose="020B0609020204030204" pitchFamily="49" charset="0"/>
-              </a:rPr>
-              <a:t> 7 &lt;split [32/10]&gt; Bootstrap004 &lt;</a:t>
-            </a:r>
-            <a:r>
-              <a:rPr lang="en-US" sz="1200" dirty="0" err="1">
-                <a:latin typeface="Consolas" panose="020B0609020204030204" pitchFamily="49" charset="0"/>
-                <a:cs typeface="Consolas" panose="020B0609020204030204" pitchFamily="49" charset="0"/>
-              </a:rPr>
-              <a:t>nls</a:t>
-            </a:r>
-            <a:r>
-              <a:rPr lang="en-US" sz="1200" dirty="0">
-                <a:latin typeface="Consolas" panose="020B0609020204030204" pitchFamily="49" charset="0"/>
-                <a:cs typeface="Consolas" panose="020B0609020204030204" pitchFamily="49" charset="0"/>
-              </a:rPr>
-              <a:t>&gt;  k        56.7       5.01    11.3   2.36e-12</a:t>
-            </a:r>
-          </a:p>
-          <a:p>
-            <a:r>
-              <a:rPr lang="en-US" sz="1200" dirty="0">
-                <a:latin typeface="Consolas" panose="020B0609020204030204" pitchFamily="49" charset="0"/>
-                <a:cs typeface="Consolas" panose="020B0609020204030204" pitchFamily="49" charset="0"/>
-              </a:rPr>
-              <a:t> 8 &lt;split [32/10]&gt; Bootstrap004 &lt;</a:t>
-            </a:r>
-            <a:r>
-              <a:rPr lang="en-US" sz="1200" dirty="0" err="1">
-                <a:latin typeface="Consolas" panose="020B0609020204030204" pitchFamily="49" charset="0"/>
-                <a:cs typeface="Consolas" panose="020B0609020204030204" pitchFamily="49" charset="0"/>
-              </a:rPr>
-              <a:t>nls</a:t>
-            </a:r>
-            <a:r>
-              <a:rPr lang="en-US" sz="1200" dirty="0">
-                <a:latin typeface="Consolas" panose="020B0609020204030204" pitchFamily="49" charset="0"/>
-                <a:cs typeface="Consolas" panose="020B0609020204030204" pitchFamily="49" charset="0"/>
-              </a:rPr>
-              <a:t>&gt;  b         1.49      1.75     0.852 4.01e- 1</a:t>
-            </a:r>
-          </a:p>
-          <a:p>
-            <a:r>
-              <a:rPr lang="en-US" sz="1200" dirty="0">
-                <a:latin typeface="Consolas" panose="020B0609020204030204" pitchFamily="49" charset="0"/>
-                <a:cs typeface="Consolas" panose="020B0609020204030204" pitchFamily="49" charset="0"/>
-              </a:rPr>
-              <a:t> 9 &lt;split [32/11]&gt; Bootstrap005 &lt;</a:t>
-            </a:r>
-            <a:r>
-              <a:rPr lang="en-US" sz="1200" dirty="0" err="1">
-                <a:latin typeface="Consolas" panose="020B0609020204030204" pitchFamily="49" charset="0"/>
-                <a:cs typeface="Consolas" panose="020B0609020204030204" pitchFamily="49" charset="0"/>
-              </a:rPr>
-              <a:t>nls</a:t>
-            </a:r>
-            <a:r>
-              <a:rPr lang="en-US" sz="1200" dirty="0">
-                <a:latin typeface="Consolas" panose="020B0609020204030204" pitchFamily="49" charset="0"/>
-                <a:cs typeface="Consolas" panose="020B0609020204030204" pitchFamily="49" charset="0"/>
-              </a:rPr>
-              <a:t>&gt;  k        48.6       3.22    15.1   1.48e-15</a:t>
-            </a:r>
-          </a:p>
-          <a:p>
-            <a:r>
-              <a:rPr lang="en-US" sz="1200" dirty="0">
-                <a:latin typeface="Consolas" panose="020B0609020204030204" pitchFamily="49" charset="0"/>
-                <a:cs typeface="Consolas" panose="020B0609020204030204" pitchFamily="49" charset="0"/>
-              </a:rPr>
-              <a:t>10 &lt;split [32/11]&gt; Bootstrap005 &lt;</a:t>
-            </a:r>
-            <a:r>
-              <a:rPr lang="en-US" sz="1200" dirty="0" err="1">
-                <a:latin typeface="Consolas" panose="020B0609020204030204" pitchFamily="49" charset="0"/>
-                <a:cs typeface="Consolas" panose="020B0609020204030204" pitchFamily="49" charset="0"/>
-              </a:rPr>
-              <a:t>nls</a:t>
-            </a:r>
-            <a:r>
-              <a:rPr lang="en-US" sz="1200" dirty="0">
-                <a:latin typeface="Consolas" panose="020B0609020204030204" pitchFamily="49" charset="0"/>
-                <a:cs typeface="Consolas" panose="020B0609020204030204" pitchFamily="49" charset="0"/>
-              </a:rPr>
-              <a:t>&gt;  b         3.01      1.22     2.46  1.98e- 2</a:t>
-            </a:r>
-          </a:p>
-          <a:p>
-            <a:r>
-              <a:rPr lang="en-US" sz="1200" dirty="0">
-                <a:latin typeface="Consolas" panose="020B0609020204030204" pitchFamily="49" charset="0"/>
-                <a:cs typeface="Consolas" panose="020B0609020204030204" pitchFamily="49" charset="0"/>
-              </a:rPr>
-              <a:t># ... with 990 more rows</a:t>
-            </a:r>
-          </a:p>
-        </p:txBody>
-      </p:sp>
-      <p:sp>
-        <p:nvSpPr>
-          <p:cNvPr id="5" name="TextBox 4">
+              <a:rPr lang="en-US" sz="1600" dirty="0">
+                <a:latin typeface="Consolas" panose="020B0609020204030204" pitchFamily="49" charset="0"/>
+                <a:cs typeface="Consolas" panose="020B0609020204030204" pitchFamily="49" charset="0"/>
+              </a:rPr>
+              <a:t>&gt;       </a:t>
+            </a:r>
+          </a:p>
+          <a:p>
+            <a:r>
+              <a:rPr lang="en-US" sz="1600" dirty="0">
+                <a:latin typeface="Consolas" panose="020B0609020204030204" pitchFamily="49" charset="0"/>
+                <a:cs typeface="Consolas" panose="020B0609020204030204" pitchFamily="49" charset="0"/>
+              </a:rPr>
+              <a:t> 1 &lt;split [32/10]&gt; Bootstrap001</a:t>
+            </a:r>
+          </a:p>
+          <a:p>
+            <a:r>
+              <a:rPr lang="en-US" sz="1600" dirty="0">
+                <a:latin typeface="Consolas" panose="020B0609020204030204" pitchFamily="49" charset="0"/>
+                <a:cs typeface="Consolas" panose="020B0609020204030204" pitchFamily="49" charset="0"/>
+              </a:rPr>
+              <a:t> 2 &lt;split [32/12]&gt; Bootstrap002</a:t>
+            </a:r>
+          </a:p>
+          <a:p>
+            <a:r>
+              <a:rPr lang="en-US" sz="1600" dirty="0">
+                <a:latin typeface="Consolas" panose="020B0609020204030204" pitchFamily="49" charset="0"/>
+                <a:cs typeface="Consolas" panose="020B0609020204030204" pitchFamily="49" charset="0"/>
+              </a:rPr>
+              <a:t> 3 &lt;split [32/10]&gt; Bootstrap003</a:t>
+            </a:r>
+          </a:p>
+          <a:p>
+            <a:r>
+              <a:rPr lang="en-US" sz="1600" dirty="0">
+                <a:latin typeface="Consolas" panose="020B0609020204030204" pitchFamily="49" charset="0"/>
+                <a:cs typeface="Consolas" panose="020B0609020204030204" pitchFamily="49" charset="0"/>
+              </a:rPr>
+              <a:t> 4 &lt;split [32/10]&gt; Bootstrap004</a:t>
+            </a:r>
+          </a:p>
+          <a:p>
+            <a:r>
+              <a:rPr lang="en-US" sz="1600" dirty="0">
+                <a:latin typeface="Consolas" panose="020B0609020204030204" pitchFamily="49" charset="0"/>
+                <a:cs typeface="Consolas" panose="020B0609020204030204" pitchFamily="49" charset="0"/>
+              </a:rPr>
+              <a:t> 5 &lt;split [32/11]&gt; Bootstrap005</a:t>
+            </a:r>
+          </a:p>
+          <a:p>
+            <a:r>
+              <a:rPr lang="en-US" sz="1600" dirty="0">
+                <a:latin typeface="Consolas" panose="020B0609020204030204" pitchFamily="49" charset="0"/>
+                <a:cs typeface="Consolas" panose="020B0609020204030204" pitchFamily="49" charset="0"/>
+              </a:rPr>
+              <a:t> 6 &lt;split [32/14]&gt; Bootstrap006</a:t>
+            </a:r>
+          </a:p>
+          <a:p>
+            <a:r>
+              <a:rPr lang="en-US" sz="1600" dirty="0">
+                <a:latin typeface="Consolas" panose="020B0609020204030204" pitchFamily="49" charset="0"/>
+                <a:cs typeface="Consolas" panose="020B0609020204030204" pitchFamily="49" charset="0"/>
+              </a:rPr>
+              <a:t> 7 &lt;split [32/11]&gt; Bootstrap007</a:t>
+            </a:r>
+          </a:p>
+          <a:p>
+            <a:r>
+              <a:rPr lang="en-US" sz="1600" dirty="0">
+                <a:latin typeface="Consolas" panose="020B0609020204030204" pitchFamily="49" charset="0"/>
+                <a:cs typeface="Consolas" panose="020B0609020204030204" pitchFamily="49" charset="0"/>
+              </a:rPr>
+              <a:t> 8 &lt;split [32/8]&gt;  Bootstrap008</a:t>
+            </a:r>
+          </a:p>
+          <a:p>
+            <a:r>
+              <a:rPr lang="en-US" sz="1600" dirty="0">
+                <a:latin typeface="Consolas" panose="020B0609020204030204" pitchFamily="49" charset="0"/>
+                <a:cs typeface="Consolas" panose="020B0609020204030204" pitchFamily="49" charset="0"/>
+              </a:rPr>
+              <a:t> 9 &lt;split [32/11]&gt; Bootstrap009</a:t>
+            </a:r>
+          </a:p>
+          <a:p>
+            <a:r>
+              <a:rPr lang="en-US" sz="1600" dirty="0">
+                <a:latin typeface="Consolas" panose="020B0609020204030204" pitchFamily="49" charset="0"/>
+                <a:cs typeface="Consolas" panose="020B0609020204030204" pitchFamily="49" charset="0"/>
+              </a:rPr>
+              <a:t>10 &lt;split [32/13]&gt; Bootstrap010</a:t>
+            </a:r>
+          </a:p>
+          <a:p>
+            <a:r>
+              <a:rPr lang="en-US" sz="1600" dirty="0">
+                <a:latin typeface="Consolas" panose="020B0609020204030204" pitchFamily="49" charset="0"/>
+                <a:cs typeface="Consolas" panose="020B0609020204030204" pitchFamily="49" charset="0"/>
+              </a:rPr>
+              <a:t># ... with 490 more rows</a:t>
+            </a:r>
+          </a:p>
+        </p:txBody>
+      </p:sp>
+      <p:pic>
+        <p:nvPicPr>
+          <p:cNvPr id="7" name="Picture 6">
             <a:extLst>
               <a:ext uri="{FF2B5EF4-FFF2-40B4-BE49-F238E27FC236}">
-                <a16:creationId xmlns:a16="http://schemas.microsoft.com/office/drawing/2014/main" id="{A1A545FD-AD7E-4EB4-A359-996EDD1B9BFB}"/>
+                <a16:creationId xmlns:a16="http://schemas.microsoft.com/office/drawing/2014/main" id="{9E5386EE-82F0-4343-B6F6-FAFE9BD69FB5}"/>
+              </a:ext>
+            </a:extLst>
+          </p:cNvPr>
+          <p:cNvPicPr>
+            <a:picLocks noChangeAspect="1"/>
+          </p:cNvPicPr>
+          <p:nvPr/>
+        </p:nvPicPr>
+        <p:blipFill>
+          <a:blip r:embed="rId2" cstate="print">
+            <a:extLst>
+              <a:ext uri="{28A0092B-C50C-407E-A947-70E740481C1C}">
+                <a14:useLocalDpi xmlns:a14="http://schemas.microsoft.com/office/drawing/2010/main" val="0"/>
+              </a:ext>
+            </a:extLst>
+          </a:blip>
+          <a:stretch>
+            <a:fillRect/>
+          </a:stretch>
+        </p:blipFill>
+        <p:spPr>
+          <a:xfrm>
+            <a:off x="8068469" y="304783"/>
+            <a:ext cx="618331" cy="715963"/>
+          </a:xfrm>
+          <a:prstGeom prst="rect">
+            <a:avLst/>
+          </a:prstGeom>
+        </p:spPr>
+      </p:pic>
+      <p:sp>
+        <p:nvSpPr>
+          <p:cNvPr id="8" name="TextBox 7">
+            <a:extLst>
+              <a:ext uri="{FF2B5EF4-FFF2-40B4-BE49-F238E27FC236}">
+                <a16:creationId xmlns:a16="http://schemas.microsoft.com/office/drawing/2014/main" id="{84982E3B-504B-4765-A4E6-F7BA75882F0E}"/>
               </a:ext>
             </a:extLst>
           </p:cNvPr>
@@ -10110,8 +10643,8 @@
         </p:nvSpPr>
         <p:spPr>
           <a:xfrm>
-            <a:off x="457200" y="1219200"/>
-            <a:ext cx="8229600" cy="381000"/>
+            <a:off x="5638800" y="1563879"/>
+            <a:ext cx="3048000" cy="646331"/>
           </a:xfrm>
           <a:prstGeom prst="rect">
             <a:avLst/>
@@ -10126,17 +10659,17 @@
           <a:p>
             <a:r>
               <a:rPr lang="en-US" dirty="0"/>
-              <a:t>The result is a data frame of coefficient statistics for each bootstrap sample</a:t>
-            </a:r>
-          </a:p>
-        </p:txBody>
-      </p:sp>
-      <p:sp>
-        <p:nvSpPr>
-          <p:cNvPr id="6" name="TextBox 5">
+              <a:t>Generate ‘times’ bootstrapped samples</a:t>
+            </a:r>
+          </a:p>
+        </p:txBody>
+      </p:sp>
+      <p:sp>
+        <p:nvSpPr>
+          <p:cNvPr id="9" name="TextBox 8">
             <a:extLst>
               <a:ext uri="{FF2B5EF4-FFF2-40B4-BE49-F238E27FC236}">
-                <a16:creationId xmlns:a16="http://schemas.microsoft.com/office/drawing/2014/main" id="{F93CD022-60CA-4ACC-B170-FCE3CD096B4E}"/>
+                <a16:creationId xmlns:a16="http://schemas.microsoft.com/office/drawing/2014/main" id="{A05BBF84-4EF3-4301-BB0F-BE0F35E65FA4}"/>
               </a:ext>
             </a:extLst>
           </p:cNvPr>
@@ -10145,8 +10678,8 @@
         </p:nvSpPr>
         <p:spPr>
           <a:xfrm>
-            <a:off x="457200" y="4744997"/>
-            <a:ext cx="8001000" cy="369332"/>
+            <a:off x="5486400" y="3181727"/>
+            <a:ext cx="3505200" cy="2308324"/>
           </a:xfrm>
           <a:prstGeom prst="rect">
             <a:avLst/>
@@ -10161,271 +10694,56 @@
           <a:p>
             <a:r>
               <a:rPr lang="en-US" dirty="0"/>
-              <a:t>From this we can find confidence intervals (&amp; test hypotheses)</a:t>
-            </a:r>
-          </a:p>
-        </p:txBody>
-      </p:sp>
-      <p:sp>
-        <p:nvSpPr>
-          <p:cNvPr id="7" name="TextBox 6">
-            <a:extLst>
-              <a:ext uri="{FF2B5EF4-FFF2-40B4-BE49-F238E27FC236}">
-                <a16:creationId xmlns:a16="http://schemas.microsoft.com/office/drawing/2014/main" id="{DF94145A-3A3C-4335-B86D-5BB8EDBF3270}"/>
-              </a:ext>
-            </a:extLst>
-          </p:cNvPr>
-          <p:cNvSpPr txBox="1"/>
-          <p:nvPr/>
-        </p:nvSpPr>
-        <p:spPr>
-          <a:xfrm>
-            <a:off x="533400" y="5252477"/>
-            <a:ext cx="5029200" cy="1384995"/>
-          </a:xfrm>
-          <a:prstGeom prst="rect">
-            <a:avLst/>
-          </a:prstGeom>
-          <a:solidFill>
-            <a:schemeClr val="accent6">
-              <a:lumMod val="20000"/>
-              <a:lumOff val="80000"/>
-              <a:alpha val="50000"/>
-            </a:schemeClr>
-          </a:solidFill>
-        </p:spPr>
-        <p:txBody>
-          <a:bodyPr wrap="square" rtlCol="0">
-            <a:spAutoFit/>
-          </a:bodyPr>
-          <a:lstStyle/>
-          <a:p>
-            <a:r>
-              <a:rPr lang="en-US" sz="1400" dirty="0">
-                <a:latin typeface="Consolas" panose="020B0609020204030204" pitchFamily="49" charset="0"/>
-                <a:cs typeface="Consolas" panose="020B0609020204030204" pitchFamily="49" charset="0"/>
-              </a:rPr>
-              <a:t>&gt; </a:t>
-            </a:r>
-            <a:r>
-              <a:rPr lang="en-US" sz="1400" dirty="0" err="1">
-                <a:latin typeface="Consolas" panose="020B0609020204030204" pitchFamily="49" charset="0"/>
-                <a:cs typeface="Consolas" panose="020B0609020204030204" pitchFamily="49" charset="0"/>
-              </a:rPr>
-              <a:t>int_pctl</a:t>
-            </a:r>
-            <a:r>
-              <a:rPr lang="en-US" sz="1400" dirty="0">
-                <a:latin typeface="Consolas" panose="020B0609020204030204" pitchFamily="49" charset="0"/>
-                <a:cs typeface="Consolas" panose="020B0609020204030204" pitchFamily="49" charset="0"/>
-              </a:rPr>
-              <a:t>(</a:t>
-            </a:r>
-            <a:r>
-              <a:rPr lang="en-US" sz="1400" dirty="0" err="1">
-                <a:latin typeface="Consolas" panose="020B0609020204030204" pitchFamily="49" charset="0"/>
-                <a:cs typeface="Consolas" panose="020B0609020204030204" pitchFamily="49" charset="0"/>
-              </a:rPr>
-              <a:t>boot_models</a:t>
-            </a:r>
-            <a:r>
-              <a:rPr lang="en-US" sz="1400" dirty="0">
-                <a:latin typeface="Consolas" panose="020B0609020204030204" pitchFamily="49" charset="0"/>
-                <a:cs typeface="Consolas" panose="020B0609020204030204" pitchFamily="49" charset="0"/>
-              </a:rPr>
-              <a:t>, </a:t>
-            </a:r>
-            <a:r>
-              <a:rPr lang="en-US" sz="1400" dirty="0" err="1">
-                <a:latin typeface="Consolas" panose="020B0609020204030204" pitchFamily="49" charset="0"/>
-                <a:cs typeface="Consolas" panose="020B0609020204030204" pitchFamily="49" charset="0"/>
-              </a:rPr>
-              <a:t>coef_info</a:t>
-            </a:r>
-            <a:r>
-              <a:rPr lang="en-US" sz="1400" dirty="0">
-                <a:latin typeface="Consolas" panose="020B0609020204030204" pitchFamily="49" charset="0"/>
-                <a:cs typeface="Consolas" panose="020B0609020204030204" pitchFamily="49" charset="0"/>
-              </a:rPr>
-              <a:t>)</a:t>
-            </a:r>
-          </a:p>
-          <a:p>
-            <a:r>
-              <a:rPr lang="en-US" sz="1400" dirty="0">
-                <a:latin typeface="Consolas" panose="020B0609020204030204" pitchFamily="49" charset="0"/>
-                <a:cs typeface="Consolas" panose="020B0609020204030204" pitchFamily="49" charset="0"/>
-              </a:rPr>
-              <a:t># A </a:t>
-            </a:r>
-            <a:r>
-              <a:rPr lang="en-US" sz="1400" dirty="0" err="1">
-                <a:latin typeface="Consolas" panose="020B0609020204030204" pitchFamily="49" charset="0"/>
-                <a:cs typeface="Consolas" panose="020B0609020204030204" pitchFamily="49" charset="0"/>
-              </a:rPr>
-              <a:t>tibble</a:t>
-            </a:r>
-            <a:r>
-              <a:rPr lang="en-US" sz="1400" dirty="0">
-                <a:latin typeface="Consolas" panose="020B0609020204030204" pitchFamily="49" charset="0"/>
-                <a:cs typeface="Consolas" panose="020B0609020204030204" pitchFamily="49" charset="0"/>
-              </a:rPr>
-              <a:t>: 2 x 6</a:t>
-            </a:r>
-          </a:p>
-          <a:p>
-            <a:r>
-              <a:rPr lang="en-US" sz="1400" dirty="0">
-                <a:latin typeface="Consolas" panose="020B0609020204030204" pitchFamily="49" charset="0"/>
-                <a:cs typeface="Consolas" panose="020B0609020204030204" pitchFamily="49" charset="0"/>
-              </a:rPr>
-              <a:t>  term  .lower .estimate .upper .alpha .method   </a:t>
-            </a:r>
-          </a:p>
-          <a:p>
-            <a:r>
-              <a:rPr lang="en-US" sz="1400" dirty="0">
-                <a:latin typeface="Consolas" panose="020B0609020204030204" pitchFamily="49" charset="0"/>
-                <a:cs typeface="Consolas" panose="020B0609020204030204" pitchFamily="49" charset="0"/>
-              </a:rPr>
-              <a:t>  &lt;</a:t>
-            </a:r>
-            <a:r>
-              <a:rPr lang="en-US" sz="1400" dirty="0" err="1">
-                <a:latin typeface="Consolas" panose="020B0609020204030204" pitchFamily="49" charset="0"/>
-                <a:cs typeface="Consolas" panose="020B0609020204030204" pitchFamily="49" charset="0"/>
-              </a:rPr>
-              <a:t>chr</a:t>
-            </a:r>
-            <a:r>
-              <a:rPr lang="en-US" sz="1400" dirty="0">
-                <a:latin typeface="Consolas" panose="020B0609020204030204" pitchFamily="49" charset="0"/>
-                <a:cs typeface="Consolas" panose="020B0609020204030204" pitchFamily="49" charset="0"/>
-              </a:rPr>
-              <a:t>&gt;  &lt;</a:t>
-            </a:r>
-            <a:r>
-              <a:rPr lang="en-US" sz="1400" dirty="0" err="1">
-                <a:latin typeface="Consolas" panose="020B0609020204030204" pitchFamily="49" charset="0"/>
-                <a:cs typeface="Consolas" panose="020B0609020204030204" pitchFamily="49" charset="0"/>
-              </a:rPr>
-              <a:t>dbl</a:t>
-            </a:r>
-            <a:r>
-              <a:rPr lang="en-US" sz="1400" dirty="0">
-                <a:latin typeface="Consolas" panose="020B0609020204030204" pitchFamily="49" charset="0"/>
-                <a:cs typeface="Consolas" panose="020B0609020204030204" pitchFamily="49" charset="0"/>
-              </a:rPr>
-              <a:t>&gt;     &lt;</a:t>
-            </a:r>
-            <a:r>
-              <a:rPr lang="en-US" sz="1400" dirty="0" err="1">
-                <a:latin typeface="Consolas" panose="020B0609020204030204" pitchFamily="49" charset="0"/>
-                <a:cs typeface="Consolas" panose="020B0609020204030204" pitchFamily="49" charset="0"/>
-              </a:rPr>
-              <a:t>dbl</a:t>
-            </a:r>
-            <a:r>
-              <a:rPr lang="en-US" sz="1400" dirty="0">
-                <a:latin typeface="Consolas" panose="020B0609020204030204" pitchFamily="49" charset="0"/>
-                <a:cs typeface="Consolas" panose="020B0609020204030204" pitchFamily="49" charset="0"/>
-              </a:rPr>
-              <a:t>&gt;  &lt;</a:t>
-            </a:r>
-            <a:r>
-              <a:rPr lang="en-US" sz="1400" dirty="0" err="1">
-                <a:latin typeface="Consolas" panose="020B0609020204030204" pitchFamily="49" charset="0"/>
-                <a:cs typeface="Consolas" panose="020B0609020204030204" pitchFamily="49" charset="0"/>
-              </a:rPr>
-              <a:t>dbl</a:t>
-            </a:r>
-            <a:r>
-              <a:rPr lang="en-US" sz="1400" dirty="0">
-                <a:latin typeface="Consolas" panose="020B0609020204030204" pitchFamily="49" charset="0"/>
-                <a:cs typeface="Consolas" panose="020B0609020204030204" pitchFamily="49" charset="0"/>
-              </a:rPr>
-              <a:t>&gt;  &lt;</a:t>
-            </a:r>
-            <a:r>
-              <a:rPr lang="en-US" sz="1400" dirty="0" err="1">
-                <a:latin typeface="Consolas" panose="020B0609020204030204" pitchFamily="49" charset="0"/>
-                <a:cs typeface="Consolas" panose="020B0609020204030204" pitchFamily="49" charset="0"/>
-              </a:rPr>
-              <a:t>dbl</a:t>
-            </a:r>
-            <a:r>
-              <a:rPr lang="en-US" sz="1400" dirty="0">
-                <a:latin typeface="Consolas" panose="020B0609020204030204" pitchFamily="49" charset="0"/>
-                <a:cs typeface="Consolas" panose="020B0609020204030204" pitchFamily="49" charset="0"/>
-              </a:rPr>
-              <a:t>&gt; &lt;</a:t>
-            </a:r>
-            <a:r>
-              <a:rPr lang="en-US" sz="1400" dirty="0" err="1">
-                <a:latin typeface="Consolas" panose="020B0609020204030204" pitchFamily="49" charset="0"/>
-                <a:cs typeface="Consolas" panose="020B0609020204030204" pitchFamily="49" charset="0"/>
-              </a:rPr>
-              <a:t>chr</a:t>
-            </a:r>
-            <a:r>
-              <a:rPr lang="en-US" sz="1400" dirty="0">
-                <a:latin typeface="Consolas" panose="020B0609020204030204" pitchFamily="49" charset="0"/>
-                <a:cs typeface="Consolas" panose="020B0609020204030204" pitchFamily="49" charset="0"/>
-              </a:rPr>
-              <a:t>&gt;     </a:t>
-            </a:r>
-          </a:p>
-          <a:p>
-            <a:r>
-              <a:rPr lang="en-US" sz="1400" dirty="0">
-                <a:latin typeface="Consolas" panose="020B0609020204030204" pitchFamily="49" charset="0"/>
-                <a:cs typeface="Consolas" panose="020B0609020204030204" pitchFamily="49" charset="0"/>
-              </a:rPr>
-              <a:t>1 b      0.312      4.20   7.04   0.05 percentile</a:t>
-            </a:r>
-          </a:p>
-          <a:p>
-            <a:r>
-              <a:rPr lang="en-US" sz="1400" dirty="0">
-                <a:latin typeface="Consolas" panose="020B0609020204030204" pitchFamily="49" charset="0"/>
-                <a:cs typeface="Consolas" panose="020B0609020204030204" pitchFamily="49" charset="0"/>
-              </a:rPr>
-              <a:t>2 k     38.0       46.4   59.0    0.05 percentile</a:t>
-            </a:r>
-          </a:p>
-        </p:txBody>
-      </p:sp>
-      <p:sp>
-        <p:nvSpPr>
-          <p:cNvPr id="9" name="TextBox 8">
-            <a:extLst>
-              <a:ext uri="{FF2B5EF4-FFF2-40B4-BE49-F238E27FC236}">
-                <a16:creationId xmlns:a16="http://schemas.microsoft.com/office/drawing/2014/main" id="{54B97AB6-9B05-432B-A732-1112519C6501}"/>
-              </a:ext>
-            </a:extLst>
-          </p:cNvPr>
-          <p:cNvSpPr txBox="1"/>
-          <p:nvPr/>
-        </p:nvSpPr>
-        <p:spPr>
-          <a:xfrm>
-            <a:off x="5943600" y="5257800"/>
-            <a:ext cx="2732567" cy="923330"/>
-          </a:xfrm>
-          <a:prstGeom prst="rect">
-            <a:avLst/>
-          </a:prstGeom>
-          <a:noFill/>
-        </p:spPr>
-        <p:txBody>
-          <a:bodyPr wrap="square" rtlCol="0">
-            <a:spAutoFit/>
-          </a:bodyPr>
-          <a:lstStyle/>
-          <a:p>
+              <a:t>{</a:t>
+            </a:r>
+            <a:r>
+              <a:rPr lang="en-US" dirty="0" err="1"/>
+              <a:t>rsample</a:t>
+            </a:r>
             <a:r>
               <a:rPr lang="en-US" dirty="0"/>
-              <a:t>Percentile intervals use the (.025, .975) quantiles, but require &gt;1000 samples</a:t>
+              <a:t>} provides a more general approach, allowing cross-validation</a:t>
+            </a:r>
+          </a:p>
+          <a:p>
+            <a:endParaRPr lang="en-US" dirty="0"/>
+          </a:p>
+          <a:p>
+            <a:r>
+              <a:rPr lang="en-US" dirty="0"/>
+              <a:t>For bootstrapping, each split[</a:t>
+            </a:r>
+            <a:r>
+              <a:rPr lang="en-US" dirty="0">
+                <a:highlight>
+                  <a:srgbClr val="FFFF00"/>
+                </a:highlight>
+              </a:rPr>
+              <a:t>n/m</a:t>
+            </a:r>
+            <a:r>
+              <a:rPr lang="en-US" dirty="0"/>
+              <a:t>] contains:</a:t>
+            </a:r>
+          </a:p>
+          <a:p>
+            <a:r>
+              <a:rPr lang="en-US" dirty="0"/>
+              <a:t>[n] sample with replacement</a:t>
+            </a:r>
+          </a:p>
+          <a:p>
+            <a:r>
+              <a:rPr lang="en-US" dirty="0"/>
+              <a:t>[/m] items </a:t>
+            </a:r>
+            <a:r>
+              <a:rPr lang="en-US" b="1" dirty="0"/>
+              <a:t>not</a:t>
+            </a:r>
+            <a:r>
+              <a:rPr lang="en-US" dirty="0"/>
+              <a:t> selected in that sample</a:t>
             </a:r>
           </a:p>
         </p:txBody>
@@ -10433,7 +10751,7 @@
     </p:spTree>
     <p:extLst>
       <p:ext uri="{BB962C8B-B14F-4D97-AF65-F5344CB8AC3E}">
-        <p14:creationId xmlns:p14="http://schemas.microsoft.com/office/powerpoint/2010/main" val="1278373525"/>
+        <p14:creationId xmlns:p14="http://schemas.microsoft.com/office/powerpoint/2010/main" val="3715147104"/>
       </p:ext>
     </p:extLst>
   </p:cSld>
@@ -10721,8 +11039,12 @@
               </a:spcBef>
             </a:pPr>
             <a:r>
-              <a:rPr lang="en-US" altLang="en-US" sz="1400"/>
-              <a:t>Decorative bootstraps: we don’t need these</a:t>
+              <a:rPr lang="en-US" altLang="en-US" sz="1400" b="1" dirty="0"/>
+              <a:t>Decorative</a:t>
+            </a:r>
+            <a:r>
+              <a:rPr lang="en-US" altLang="en-US" sz="1400" dirty="0"/>
+              <a:t> bootstraps: we don’t need these</a:t>
             </a:r>
           </a:p>
         </p:txBody>
@@ -10789,8 +11111,12 @@
               </a:spcBef>
             </a:pPr>
             <a:r>
+              <a:rPr lang="en-US" altLang="en-US" sz="1400" b="1" dirty="0"/>
+              <a:t>Functional</a:t>
+            </a:r>
+            <a:r>
               <a:rPr lang="en-US" altLang="en-US" sz="1400" dirty="0"/>
-              <a:t>Functional bootstraps: help to pull you up from where you are (data), to where you want to be (reasonable conclusions)</a:t>
+              <a:t> bootstraps: help to pull you up from where you are (data), to where you want to be (reasonable conclusions)</a:t>
             </a:r>
           </a:p>
         </p:txBody>
@@ -10913,39 +11239,16 @@
           <a:prstGeom prst="rect">
             <a:avLst/>
           </a:prstGeom>
-          <a:noFill/>
+          <a:solidFill>
+            <a:schemeClr val="accent2">
+              <a:lumMod val="20000"/>
+              <a:lumOff val="80000"/>
+            </a:schemeClr>
+          </a:solidFill>
           <a:ln>
             <a:noFill/>
           </a:ln>
           <a:effectLst/>
-          <a:extLst>
-            <a:ext uri="{909E8E84-426E-40DD-AFC4-6F175D3DCCD1}">
-              <a14:hiddenFill xmlns:a14="http://schemas.microsoft.com/office/drawing/2010/main">
-                <a:solidFill>
-                  <a:schemeClr val="accent1"/>
-                </a:solidFill>
-              </a14:hiddenFill>
-            </a:ext>
-            <a:ext uri="{91240B29-F687-4F45-9708-019B960494DF}">
-              <a14:hiddenLine xmlns:a14="http://schemas.microsoft.com/office/drawing/2010/main" w="9525">
-                <a:solidFill>
-                  <a:schemeClr val="tx1"/>
-                </a:solidFill>
-                <a:miter lim="800000"/>
-                <a:headEnd/>
-                <a:tailEnd/>
-              </a14:hiddenLine>
-            </a:ext>
-            <a:ext uri="{AF507438-7753-43E0-B8FC-AC1667EBCBE1}">
-              <a14:hiddenEffects xmlns:a14="http://schemas.microsoft.com/office/drawing/2010/main">
-                <a:effectLst>
-                  <a:outerShdw dist="35921" dir="2700000" algn="ctr" rotWithShape="0">
-                    <a:schemeClr val="bg2"/>
-                  </a:outerShdw>
-                </a:effectLst>
-              </a14:hiddenEffects>
-            </a:ext>
-          </a:extLst>
         </p:spPr>
         <p:txBody>
           <a:bodyPr>
@@ -11206,7 +11509,7 @@
       <p:bldP spid="53255" grpId="0"/>
       <p:bldP spid="53256" grpId="0" animBg="1"/>
       <p:bldP spid="53257" grpId="0" animBg="1"/>
-      <p:bldP spid="53258" grpId="0"/>
+      <p:bldP spid="53258" grpId="0" animBg="1"/>
     </p:bldLst>
   </p:timing>
 </p:sld>
@@ -11234,6 +11537,1569 @@
           <p:cNvPr id="2" name="Title 1">
             <a:extLst>
               <a:ext uri="{FF2B5EF4-FFF2-40B4-BE49-F238E27FC236}">
+                <a16:creationId xmlns:a16="http://schemas.microsoft.com/office/drawing/2014/main" id="{9C2C0F14-C6D0-47EF-A848-B08003FE6CDE}"/>
+              </a:ext>
+            </a:extLst>
+          </p:cNvPr>
+          <p:cNvSpPr>
+            <a:spLocks noGrp="1"/>
+          </p:cNvSpPr>
+          <p:nvPr>
+            <p:ph type="title"/>
+          </p:nvPr>
+        </p:nvSpPr>
+        <p:spPr/>
+        <p:txBody>
+          <a:bodyPr>
+            <a:normAutofit fontScale="90000"/>
+          </a:bodyPr>
+          <a:lstStyle/>
+          <a:p>
+            <a:r>
+              <a:rPr lang="en-US" dirty="0"/>
+              <a:t>Running the bootstrap</a:t>
+            </a:r>
+          </a:p>
+        </p:txBody>
+      </p:sp>
+      <p:sp>
+        <p:nvSpPr>
+          <p:cNvPr id="3" name="Slide Number Placeholder 2">
+            <a:extLst>
+              <a:ext uri="{FF2B5EF4-FFF2-40B4-BE49-F238E27FC236}">
+                <a16:creationId xmlns:a16="http://schemas.microsoft.com/office/drawing/2014/main" id="{B312A204-8708-48A8-A042-0C5B7DFC3F64}"/>
+              </a:ext>
+            </a:extLst>
+          </p:cNvPr>
+          <p:cNvSpPr>
+            <a:spLocks noGrp="1"/>
+          </p:cNvSpPr>
+          <p:nvPr>
+            <p:ph type="sldNum" sz="quarter" idx="12"/>
+          </p:nvPr>
+        </p:nvSpPr>
+        <p:spPr/>
+        <p:txBody>
+          <a:bodyPr/>
+          <a:lstStyle/>
+          <a:p>
+            <a:fld id="{621225AB-15B9-4C79-A121-04D1DC7E2307}" type="slidenum">
+              <a:rPr lang="en-US" smtClean="0"/>
+              <a:t>20</a:t>
+            </a:fld>
+            <a:endParaRPr lang="en-US"/>
+          </a:p>
+        </p:txBody>
+      </p:sp>
+      <p:grpSp>
+        <p:nvGrpSpPr>
+          <p:cNvPr id="10" name="Group 9">
+            <a:extLst>
+              <a:ext uri="{FF2B5EF4-FFF2-40B4-BE49-F238E27FC236}">
+                <a16:creationId xmlns:a16="http://schemas.microsoft.com/office/drawing/2014/main" id="{00CCB91C-2455-1FC0-BD07-B9278D4C751D}"/>
+              </a:ext>
+            </a:extLst>
+          </p:cNvPr>
+          <p:cNvGrpSpPr/>
+          <p:nvPr/>
+        </p:nvGrpSpPr>
+        <p:grpSpPr>
+          <a:xfrm>
+            <a:off x="457200" y="1371600"/>
+            <a:ext cx="8227142" cy="1477328"/>
+            <a:chOff x="457200" y="1371600"/>
+            <a:chExt cx="8227142" cy="1477328"/>
+          </a:xfrm>
+        </p:grpSpPr>
+        <p:sp>
+          <p:nvSpPr>
+            <p:cNvPr id="4" name="TextBox 3">
+              <a:extLst>
+                <a:ext uri="{FF2B5EF4-FFF2-40B4-BE49-F238E27FC236}">
+                  <a16:creationId xmlns:a16="http://schemas.microsoft.com/office/drawing/2014/main" id="{A0AAF754-8C7B-4B2B-BB91-3BEE3E686B49}"/>
+                </a:ext>
+              </a:extLst>
+            </p:cNvPr>
+            <p:cNvSpPr txBox="1"/>
+            <p:nvPr/>
+          </p:nvSpPr>
+          <p:spPr>
+            <a:xfrm>
+              <a:off x="457200" y="1371600"/>
+              <a:ext cx="3886200" cy="1477328"/>
+            </a:xfrm>
+            <a:prstGeom prst="rect">
+              <a:avLst/>
+            </a:prstGeom>
+            <a:solidFill>
+              <a:schemeClr val="accent6">
+                <a:lumMod val="20000"/>
+                <a:lumOff val="80000"/>
+                <a:alpha val="60000"/>
+              </a:schemeClr>
+            </a:solidFill>
+          </p:spPr>
+          <p:txBody>
+            <a:bodyPr wrap="square" rtlCol="0">
+              <a:spAutoFit/>
+            </a:bodyPr>
+            <a:lstStyle/>
+            <a:p>
+              <a:r>
+                <a:rPr lang="en-US" dirty="0" err="1"/>
+                <a:t>fit_nls</a:t>
+              </a:r>
+              <a:r>
+                <a:rPr lang="en-US" dirty="0"/>
+                <a:t>&lt;- function(split) {</a:t>
+              </a:r>
+            </a:p>
+            <a:p>
+              <a:r>
+                <a:rPr lang="en-US" dirty="0"/>
+                <a:t>    </a:t>
+              </a:r>
+              <a:r>
+                <a:rPr lang="en-US" dirty="0" err="1"/>
+                <a:t>nls</a:t>
+              </a:r>
+              <a:r>
+                <a:rPr lang="en-US" dirty="0"/>
+                <a:t>(mpg ~ k / </a:t>
+              </a:r>
+              <a:r>
+                <a:rPr lang="en-US" dirty="0" err="1"/>
+                <a:t>wt</a:t>
+              </a:r>
+              <a:r>
+                <a:rPr lang="en-US" dirty="0"/>
+                <a:t> + b, </a:t>
+              </a:r>
+            </a:p>
+            <a:p>
+              <a:r>
+                <a:rPr lang="en-US" dirty="0"/>
+                <a:t>           data= </a:t>
+              </a:r>
+              <a:r>
+                <a:rPr lang="en-US" dirty="0">
+                  <a:highlight>
+                    <a:srgbClr val="FFFF00"/>
+                  </a:highlight>
+                </a:rPr>
+                <a:t>analysis</a:t>
+              </a:r>
+              <a:r>
+                <a:rPr lang="en-US" dirty="0"/>
+                <a:t>(split), </a:t>
+              </a:r>
+            </a:p>
+            <a:p>
+              <a:r>
+                <a:rPr lang="en-US" dirty="0"/>
+                <a:t>           start = list(k = 1, b = 0))</a:t>
+              </a:r>
+            </a:p>
+            <a:p>
+              <a:r>
+                <a:rPr lang="en-US" dirty="0"/>
+                <a:t>}</a:t>
+              </a:r>
+            </a:p>
+          </p:txBody>
+        </p:sp>
+        <p:sp>
+          <p:nvSpPr>
+            <p:cNvPr id="7" name="TextBox 6">
+              <a:extLst>
+                <a:ext uri="{FF2B5EF4-FFF2-40B4-BE49-F238E27FC236}">
+                  <a16:creationId xmlns:a16="http://schemas.microsoft.com/office/drawing/2014/main" id="{DDC5D13D-13E1-4388-8AE0-5841DED87785}"/>
+                </a:ext>
+              </a:extLst>
+            </p:cNvPr>
+            <p:cNvSpPr txBox="1"/>
+            <p:nvPr/>
+          </p:nvSpPr>
+          <p:spPr>
+            <a:xfrm>
+              <a:off x="4569542" y="1648599"/>
+              <a:ext cx="4114800" cy="923330"/>
+            </a:xfrm>
+            <a:prstGeom prst="rect">
+              <a:avLst/>
+            </a:prstGeom>
+            <a:noFill/>
+          </p:spPr>
+          <p:txBody>
+            <a:bodyPr wrap="square" rtlCol="0">
+              <a:spAutoFit/>
+            </a:bodyPr>
+            <a:lstStyle/>
+            <a:p>
+              <a:r>
+                <a:rPr lang="en-US" dirty="0"/>
+                <a:t>Create a helper function to fit an </a:t>
+              </a:r>
+              <a:r>
+                <a:rPr lang="en-US" dirty="0" err="1"/>
+                <a:t>nls</a:t>
+              </a:r>
+              <a:r>
+                <a:rPr lang="en-US" dirty="0"/>
+                <a:t>() model on each bootstrap sample.</a:t>
+              </a:r>
+            </a:p>
+            <a:p>
+              <a:r>
+                <a:rPr lang="en-US" dirty="0" err="1">
+                  <a:highlight>
+                    <a:srgbClr val="FFFF00"/>
+                  </a:highlight>
+                </a:rPr>
+                <a:t>rsample</a:t>
+              </a:r>
+              <a:r>
+                <a:rPr lang="en-US" dirty="0">
+                  <a:highlight>
+                    <a:srgbClr val="FFFF00"/>
+                  </a:highlight>
+                </a:rPr>
+                <a:t>::analysis() </a:t>
+              </a:r>
+              <a:r>
+                <a:rPr lang="en-US" dirty="0"/>
+                <a:t>extracts that sample.</a:t>
+              </a:r>
+            </a:p>
+          </p:txBody>
+        </p:sp>
+      </p:grpSp>
+      <p:grpSp>
+        <p:nvGrpSpPr>
+          <p:cNvPr id="11" name="Group 10">
+            <a:extLst>
+              <a:ext uri="{FF2B5EF4-FFF2-40B4-BE49-F238E27FC236}">
+                <a16:creationId xmlns:a16="http://schemas.microsoft.com/office/drawing/2014/main" id="{2D311919-FCF4-28C8-8D66-7441DD9C2C07}"/>
+              </a:ext>
+            </a:extLst>
+          </p:cNvPr>
+          <p:cNvGrpSpPr/>
+          <p:nvPr/>
+        </p:nvGrpSpPr>
+        <p:grpSpPr>
+          <a:xfrm>
+            <a:off x="457200" y="2977112"/>
+            <a:ext cx="7924800" cy="1477328"/>
+            <a:chOff x="457200" y="2977112"/>
+            <a:chExt cx="7924800" cy="1477328"/>
+          </a:xfrm>
+        </p:grpSpPr>
+        <p:sp>
+          <p:nvSpPr>
+            <p:cNvPr id="5" name="TextBox 4">
+              <a:extLst>
+                <a:ext uri="{FF2B5EF4-FFF2-40B4-BE49-F238E27FC236}">
+                  <a16:creationId xmlns:a16="http://schemas.microsoft.com/office/drawing/2014/main" id="{01286BA8-EEB3-4FE9-9A2F-F86B3A7CC28D}"/>
+                </a:ext>
+              </a:extLst>
+            </p:cNvPr>
+            <p:cNvSpPr txBox="1"/>
+            <p:nvPr/>
+          </p:nvSpPr>
+          <p:spPr>
+            <a:xfrm>
+              <a:off x="457200" y="3115612"/>
+              <a:ext cx="3886200" cy="923330"/>
+            </a:xfrm>
+            <a:prstGeom prst="rect">
+              <a:avLst/>
+            </a:prstGeom>
+            <a:solidFill>
+              <a:schemeClr val="accent6">
+                <a:lumMod val="20000"/>
+                <a:lumOff val="80000"/>
+                <a:alpha val="60000"/>
+              </a:schemeClr>
+            </a:solidFill>
+          </p:spPr>
+          <p:txBody>
+            <a:bodyPr wrap="square" rtlCol="0">
+              <a:spAutoFit/>
+            </a:bodyPr>
+            <a:lstStyle/>
+            <a:p>
+              <a:r>
+                <a:rPr lang="en-US" dirty="0" err="1"/>
+                <a:t>boot_models</a:t>
+              </a:r>
+              <a:r>
+                <a:rPr lang="en-US" dirty="0"/>
+                <a:t> &lt;- boots |&gt;</a:t>
+              </a:r>
+            </a:p>
+            <a:p>
+              <a:r>
+                <a:rPr lang="en-US" dirty="0"/>
+                <a:t>  mutate(model = </a:t>
+              </a:r>
+              <a:r>
+                <a:rPr lang="en-US" dirty="0">
+                  <a:highlight>
+                    <a:srgbClr val="FFFF00"/>
+                  </a:highlight>
+                </a:rPr>
+                <a:t>map</a:t>
+              </a:r>
+              <a:r>
+                <a:rPr lang="en-US" dirty="0"/>
+                <a:t>(splits, </a:t>
+              </a:r>
+              <a:r>
+                <a:rPr lang="en-US" dirty="0" err="1"/>
+                <a:t>fit_nls</a:t>
+              </a:r>
+              <a:r>
+                <a:rPr lang="en-US" dirty="0"/>
+                <a:t>),</a:t>
+              </a:r>
+            </a:p>
+            <a:p>
+              <a:r>
+                <a:rPr lang="en-US" dirty="0"/>
+                <a:t>                </a:t>
+              </a:r>
+              <a:r>
+                <a:rPr lang="en-US" dirty="0" err="1"/>
+                <a:t>coef_info</a:t>
+              </a:r>
+              <a:r>
+                <a:rPr lang="en-US" dirty="0"/>
+                <a:t> = </a:t>
+              </a:r>
+              <a:r>
+                <a:rPr lang="en-US" dirty="0">
+                  <a:highlight>
+                    <a:srgbClr val="FFFF00"/>
+                  </a:highlight>
+                </a:rPr>
+                <a:t>map</a:t>
+              </a:r>
+              <a:r>
+                <a:rPr lang="en-US" dirty="0"/>
+                <a:t>(model, tidy))</a:t>
+              </a:r>
+            </a:p>
+          </p:txBody>
+        </p:sp>
+        <p:sp>
+          <p:nvSpPr>
+            <p:cNvPr id="8" name="TextBox 7">
+              <a:extLst>
+                <a:ext uri="{FF2B5EF4-FFF2-40B4-BE49-F238E27FC236}">
+                  <a16:creationId xmlns:a16="http://schemas.microsoft.com/office/drawing/2014/main" id="{818D0D8D-DA7E-4A62-8D41-D876BC3B498B}"/>
+                </a:ext>
+              </a:extLst>
+            </p:cNvPr>
+            <p:cNvSpPr txBox="1"/>
+            <p:nvPr/>
+          </p:nvSpPr>
+          <p:spPr>
+            <a:xfrm>
+              <a:off x="4648200" y="2977112"/>
+              <a:ext cx="3733800" cy="1477328"/>
+            </a:xfrm>
+            <a:prstGeom prst="rect">
+              <a:avLst/>
+            </a:prstGeom>
+            <a:noFill/>
+          </p:spPr>
+          <p:txBody>
+            <a:bodyPr wrap="square" rtlCol="0">
+              <a:spAutoFit/>
+            </a:bodyPr>
+            <a:lstStyle/>
+            <a:p>
+              <a:r>
+                <a:rPr lang="en-US" dirty="0"/>
+                <a:t>Use </a:t>
+              </a:r>
+              <a:r>
+                <a:rPr lang="en-US" dirty="0" err="1">
+                  <a:highlight>
+                    <a:srgbClr val="FFFF00"/>
+                  </a:highlight>
+                </a:rPr>
+                <a:t>purrr</a:t>
+              </a:r>
+              <a:r>
+                <a:rPr lang="en-US" dirty="0">
+                  <a:highlight>
+                    <a:srgbClr val="FFFF00"/>
+                  </a:highlight>
+                </a:rPr>
+                <a:t>::map() </a:t>
+              </a:r>
+              <a:r>
+                <a:rPr lang="en-US" dirty="0"/>
+                <a:t>to apply this function to all the bootstrap samples at once.</a:t>
+              </a:r>
+            </a:p>
+            <a:p>
+              <a:r>
+                <a:rPr lang="en-US" dirty="0"/>
+                <a:t>Similarly, create a column of tidy coefficients</a:t>
+              </a:r>
+            </a:p>
+          </p:txBody>
+        </p:sp>
+      </p:grpSp>
+      <p:grpSp>
+        <p:nvGrpSpPr>
+          <p:cNvPr id="12" name="Group 11">
+            <a:extLst>
+              <a:ext uri="{FF2B5EF4-FFF2-40B4-BE49-F238E27FC236}">
+                <a16:creationId xmlns:a16="http://schemas.microsoft.com/office/drawing/2014/main" id="{9FEE2E1F-E82C-5652-183C-0A7F5D862388}"/>
+              </a:ext>
+            </a:extLst>
+          </p:cNvPr>
+          <p:cNvGrpSpPr/>
+          <p:nvPr/>
+        </p:nvGrpSpPr>
+        <p:grpSpPr>
+          <a:xfrm>
+            <a:off x="457200" y="4953000"/>
+            <a:ext cx="7924800" cy="923330"/>
+            <a:chOff x="457200" y="4953000"/>
+            <a:chExt cx="7924800" cy="923330"/>
+          </a:xfrm>
+        </p:grpSpPr>
+        <p:sp>
+          <p:nvSpPr>
+            <p:cNvPr id="6" name="TextBox 5">
+              <a:extLst>
+                <a:ext uri="{FF2B5EF4-FFF2-40B4-BE49-F238E27FC236}">
+                  <a16:creationId xmlns:a16="http://schemas.microsoft.com/office/drawing/2014/main" id="{3586C61B-8659-42B2-A122-E59E885D536B}"/>
+                </a:ext>
+              </a:extLst>
+            </p:cNvPr>
+            <p:cNvSpPr txBox="1"/>
+            <p:nvPr/>
+          </p:nvSpPr>
+          <p:spPr>
+            <a:xfrm>
+              <a:off x="457200" y="4953000"/>
+              <a:ext cx="3886200" cy="923330"/>
+            </a:xfrm>
+            <a:prstGeom prst="rect">
+              <a:avLst/>
+            </a:prstGeom>
+            <a:solidFill>
+              <a:schemeClr val="accent6">
+                <a:lumMod val="20000"/>
+                <a:lumOff val="80000"/>
+                <a:alpha val="60000"/>
+              </a:schemeClr>
+            </a:solidFill>
+          </p:spPr>
+          <p:txBody>
+            <a:bodyPr wrap="square" rtlCol="0">
+              <a:spAutoFit/>
+            </a:bodyPr>
+            <a:lstStyle/>
+            <a:p>
+              <a:r>
+                <a:rPr lang="nl-NL" dirty="0"/>
+                <a:t>boot_coefs &lt;- </a:t>
+              </a:r>
+            </a:p>
+            <a:p>
+              <a:r>
+                <a:rPr lang="nl-NL" dirty="0"/>
+                <a:t>   </a:t>
+              </a:r>
+              <a:r>
+                <a:rPr lang="nl-NL" dirty="0" err="1"/>
+                <a:t>boot_models</a:t>
+              </a:r>
+              <a:r>
+                <a:rPr lang="nl-NL" dirty="0"/>
+                <a:t> |&gt; </a:t>
+              </a:r>
+            </a:p>
+            <a:p>
+              <a:r>
+                <a:rPr lang="nl-NL" dirty="0"/>
+                <a:t>   </a:t>
+              </a:r>
+              <a:r>
+                <a:rPr lang="nl-NL" dirty="0" err="1"/>
+                <a:t>unnest</a:t>
+              </a:r>
+              <a:r>
+                <a:rPr lang="nl-NL" dirty="0"/>
+                <a:t>(coef_info)</a:t>
+              </a:r>
+            </a:p>
+          </p:txBody>
+        </p:sp>
+        <p:sp>
+          <p:nvSpPr>
+            <p:cNvPr id="9" name="TextBox 8">
+              <a:extLst>
+                <a:ext uri="{FF2B5EF4-FFF2-40B4-BE49-F238E27FC236}">
+                  <a16:creationId xmlns:a16="http://schemas.microsoft.com/office/drawing/2014/main" id="{C876C3F2-512B-4E77-BBF9-F08FBC48039F}"/>
+                </a:ext>
+              </a:extLst>
+            </p:cNvPr>
+            <p:cNvSpPr txBox="1"/>
+            <p:nvPr/>
+          </p:nvSpPr>
+          <p:spPr>
+            <a:xfrm>
+              <a:off x="4648200" y="5229999"/>
+              <a:ext cx="3733800" cy="369332"/>
+            </a:xfrm>
+            <a:prstGeom prst="rect">
+              <a:avLst/>
+            </a:prstGeom>
+            <a:noFill/>
+          </p:spPr>
+          <p:txBody>
+            <a:bodyPr wrap="square" rtlCol="0">
+              <a:spAutoFit/>
+            </a:bodyPr>
+            <a:lstStyle/>
+            <a:p>
+              <a:r>
+                <a:rPr lang="en-US" dirty="0"/>
+                <a:t>Extract the coefficients for all models</a:t>
+              </a:r>
+            </a:p>
+          </p:txBody>
+        </p:sp>
+      </p:grpSp>
+    </p:spTree>
+    <p:extLst>
+      <p:ext uri="{BB962C8B-B14F-4D97-AF65-F5344CB8AC3E}">
+        <p14:creationId xmlns:p14="http://schemas.microsoft.com/office/powerpoint/2010/main" val="2532436893"/>
+      </p:ext>
+    </p:extLst>
+  </p:cSld>
+  <p:clrMapOvr>
+    <a:masterClrMapping/>
+  </p:clrMapOvr>
+  <p:timing>
+    <p:tnLst>
+      <p:par>
+        <p:cTn id="1" dur="indefinite" restart="never" nodeType="tmRoot">
+          <p:childTnLst>
+            <p:seq concurrent="1" nextAc="seek">
+              <p:cTn id="2" dur="indefinite" nodeType="mainSeq">
+                <p:childTnLst>
+                  <p:par>
+                    <p:cTn id="3" fill="hold">
+                      <p:stCondLst>
+                        <p:cond delay="indefinite"/>
+                      </p:stCondLst>
+                      <p:childTnLst>
+                        <p:par>
+                          <p:cTn id="4" fill="hold">
+                            <p:stCondLst>
+                              <p:cond delay="0"/>
+                            </p:stCondLst>
+                            <p:childTnLst>
+                              <p:par>
+                                <p:cTn id="5" presetID="1" presetClass="entr" presetSubtype="0" fill="hold" nodeType="clickEffect">
+                                  <p:stCondLst>
+                                    <p:cond delay="0"/>
+                                  </p:stCondLst>
+                                  <p:childTnLst>
+                                    <p:set>
+                                      <p:cBhvr>
+                                        <p:cTn id="6" dur="1" fill="hold">
+                                          <p:stCondLst>
+                                            <p:cond delay="0"/>
+                                          </p:stCondLst>
+                                        </p:cTn>
+                                        <p:tgtEl>
+                                          <p:spTgt spid="11"/>
+                                        </p:tgtEl>
+                                        <p:attrNameLst>
+                                          <p:attrName>style.visibility</p:attrName>
+                                        </p:attrNameLst>
+                                      </p:cBhvr>
+                                      <p:to>
+                                        <p:strVal val="visible"/>
+                                      </p:to>
+                                    </p:set>
+                                  </p:childTnLst>
+                                </p:cTn>
+                              </p:par>
+                            </p:childTnLst>
+                          </p:cTn>
+                        </p:par>
+                      </p:childTnLst>
+                    </p:cTn>
+                  </p:par>
+                  <p:par>
+                    <p:cTn id="7" fill="hold">
+                      <p:stCondLst>
+                        <p:cond delay="indefinite"/>
+                      </p:stCondLst>
+                      <p:childTnLst>
+                        <p:par>
+                          <p:cTn id="8" fill="hold">
+                            <p:stCondLst>
+                              <p:cond delay="0"/>
+                            </p:stCondLst>
+                            <p:childTnLst>
+                              <p:par>
+                                <p:cTn id="9" presetID="1" presetClass="entr" presetSubtype="0" fill="hold" nodeType="clickEffect">
+                                  <p:stCondLst>
+                                    <p:cond delay="0"/>
+                                  </p:stCondLst>
+                                  <p:childTnLst>
+                                    <p:set>
+                                      <p:cBhvr>
+                                        <p:cTn id="10" dur="1" fill="hold">
+                                          <p:stCondLst>
+                                            <p:cond delay="0"/>
+                                          </p:stCondLst>
+                                        </p:cTn>
+                                        <p:tgtEl>
+                                          <p:spTgt spid="12"/>
+                                        </p:tgtEl>
+                                        <p:attrNameLst>
+                                          <p:attrName>style.visibility</p:attrName>
+                                        </p:attrNameLst>
+                                      </p:cBhvr>
+                                      <p:to>
+                                        <p:strVal val="visible"/>
+                                      </p:to>
+                                    </p:set>
+                                  </p:childTnLst>
+                                </p:cTn>
+                              </p:par>
+                            </p:childTnLst>
+                          </p:cTn>
+                        </p:par>
+                      </p:childTnLst>
+                    </p:cTn>
+                  </p:par>
+                </p:childTnLst>
+              </p:cTn>
+              <p:prevCondLst>
+                <p:cond evt="onPrev" delay="0">
+                  <p:tgtEl>
+                    <p:sldTgt/>
+                  </p:tgtEl>
+                </p:cond>
+              </p:prevCondLst>
+              <p:nextCondLst>
+                <p:cond evt="onNext" delay="0">
+                  <p:tgtEl>
+                    <p:sldTgt/>
+                  </p:tgtEl>
+                </p:cond>
+              </p:nextCondLst>
+            </p:seq>
+          </p:childTnLst>
+        </p:cTn>
+      </p:par>
+    </p:tnLst>
+  </p:timing>
+</p:sld>
+</file>
+
+<file path=ppt/slides/slide21.xml><?xml version="1.0" encoding="utf-8"?>
+<p:sld xmlns:a="http://schemas.openxmlformats.org/drawingml/2006/main" xmlns:r="http://schemas.openxmlformats.org/officeDocument/2006/relationships" xmlns:p="http://schemas.openxmlformats.org/presentationml/2006/main">
+  <p:cSld>
+    <p:spTree>
+      <p:nvGrpSpPr>
+        <p:cNvPr id="1" name=""/>
+        <p:cNvGrpSpPr/>
+        <p:nvPr/>
+      </p:nvGrpSpPr>
+      <p:grpSpPr>
+        <a:xfrm>
+          <a:off x="0" y="0"/>
+          <a:ext cx="0" cy="0"/>
+          <a:chOff x="0" y="0"/>
+          <a:chExt cx="0" cy="0"/>
+        </a:xfrm>
+      </p:grpSpPr>
+      <p:sp>
+        <p:nvSpPr>
+          <p:cNvPr id="2" name="Title 1">
+            <a:extLst>
+              <a:ext uri="{FF2B5EF4-FFF2-40B4-BE49-F238E27FC236}">
+                <a16:creationId xmlns:a16="http://schemas.microsoft.com/office/drawing/2014/main" id="{44E792FA-7A2F-4CD7-B9D6-C08F6FDE616B}"/>
+              </a:ext>
+            </a:extLst>
+          </p:cNvPr>
+          <p:cNvSpPr>
+            <a:spLocks noGrp="1"/>
+          </p:cNvSpPr>
+          <p:nvPr>
+            <p:ph type="title"/>
+          </p:nvPr>
+        </p:nvSpPr>
+        <p:spPr/>
+        <p:txBody>
+          <a:bodyPr>
+            <a:normAutofit fontScale="90000"/>
+          </a:bodyPr>
+          <a:lstStyle/>
+          <a:p>
+            <a:r>
+              <a:rPr lang="en-US" dirty="0"/>
+              <a:t>Bootstrapped coefficients</a:t>
+            </a:r>
+          </a:p>
+        </p:txBody>
+      </p:sp>
+      <p:sp>
+        <p:nvSpPr>
+          <p:cNvPr id="3" name="Slide Number Placeholder 2">
+            <a:extLst>
+              <a:ext uri="{FF2B5EF4-FFF2-40B4-BE49-F238E27FC236}">
+                <a16:creationId xmlns:a16="http://schemas.microsoft.com/office/drawing/2014/main" id="{E2AC2775-F45D-4D56-962E-27367CB63994}"/>
+              </a:ext>
+            </a:extLst>
+          </p:cNvPr>
+          <p:cNvSpPr>
+            <a:spLocks noGrp="1"/>
+          </p:cNvSpPr>
+          <p:nvPr>
+            <p:ph type="sldNum" sz="quarter" idx="12"/>
+          </p:nvPr>
+        </p:nvSpPr>
+        <p:spPr/>
+        <p:txBody>
+          <a:bodyPr/>
+          <a:lstStyle/>
+          <a:p>
+            <a:fld id="{621225AB-15B9-4C79-A121-04D1DC7E2307}" type="slidenum">
+              <a:rPr lang="en-US" smtClean="0"/>
+              <a:t>21</a:t>
+            </a:fld>
+            <a:endParaRPr lang="en-US"/>
+          </a:p>
+        </p:txBody>
+      </p:sp>
+      <p:sp>
+        <p:nvSpPr>
+          <p:cNvPr id="4" name="TextBox 3">
+            <a:extLst>
+              <a:ext uri="{FF2B5EF4-FFF2-40B4-BE49-F238E27FC236}">
+                <a16:creationId xmlns:a16="http://schemas.microsoft.com/office/drawing/2014/main" id="{A67D50C1-A8B4-41F1-9B72-3B9D6FB575A0}"/>
+              </a:ext>
+            </a:extLst>
+          </p:cNvPr>
+          <p:cNvSpPr txBox="1"/>
+          <p:nvPr/>
+        </p:nvSpPr>
+        <p:spPr>
+          <a:xfrm>
+            <a:off x="457200" y="1733108"/>
+            <a:ext cx="8229600" cy="2862322"/>
+          </a:xfrm>
+          <a:prstGeom prst="rect">
+            <a:avLst/>
+          </a:prstGeom>
+          <a:solidFill>
+            <a:schemeClr val="accent6">
+              <a:lumMod val="20000"/>
+              <a:lumOff val="80000"/>
+              <a:alpha val="50000"/>
+            </a:schemeClr>
+          </a:solidFill>
+        </p:spPr>
+        <p:txBody>
+          <a:bodyPr wrap="square" rtlCol="0">
+            <a:spAutoFit/>
+          </a:bodyPr>
+          <a:lstStyle/>
+          <a:p>
+            <a:r>
+              <a:rPr lang="en-US" sz="1200" dirty="0">
+                <a:latin typeface="Consolas" panose="020B0609020204030204" pitchFamily="49" charset="0"/>
+                <a:cs typeface="Consolas" panose="020B0609020204030204" pitchFamily="49" charset="0"/>
+              </a:rPr>
+              <a:t>&gt; </a:t>
+            </a:r>
+            <a:r>
+              <a:rPr lang="en-US" sz="1200" dirty="0" err="1">
+                <a:latin typeface="Consolas" panose="020B0609020204030204" pitchFamily="49" charset="0"/>
+                <a:cs typeface="Consolas" panose="020B0609020204030204" pitchFamily="49" charset="0"/>
+              </a:rPr>
+              <a:t>boot_coefs</a:t>
+            </a:r>
+            <a:endParaRPr lang="en-US" sz="1200" dirty="0">
+              <a:latin typeface="Consolas" panose="020B0609020204030204" pitchFamily="49" charset="0"/>
+              <a:cs typeface="Consolas" panose="020B0609020204030204" pitchFamily="49" charset="0"/>
+            </a:endParaRPr>
+          </a:p>
+          <a:p>
+            <a:r>
+              <a:rPr lang="en-US" sz="1200" dirty="0">
+                <a:latin typeface="Consolas" panose="020B0609020204030204" pitchFamily="49" charset="0"/>
+                <a:cs typeface="Consolas" panose="020B0609020204030204" pitchFamily="49" charset="0"/>
+              </a:rPr>
+              <a:t># A </a:t>
+            </a:r>
+            <a:r>
+              <a:rPr lang="en-US" sz="1200" dirty="0" err="1">
+                <a:latin typeface="Consolas" panose="020B0609020204030204" pitchFamily="49" charset="0"/>
+                <a:cs typeface="Consolas" panose="020B0609020204030204" pitchFamily="49" charset="0"/>
+              </a:rPr>
+              <a:t>tibble</a:t>
+            </a:r>
+            <a:r>
+              <a:rPr lang="en-US" sz="1200" dirty="0">
+                <a:latin typeface="Consolas" panose="020B0609020204030204" pitchFamily="49" charset="0"/>
+                <a:cs typeface="Consolas" panose="020B0609020204030204" pitchFamily="49" charset="0"/>
+              </a:rPr>
+              <a:t>: 1,000 x 8</a:t>
+            </a:r>
+          </a:p>
+          <a:p>
+            <a:r>
+              <a:rPr lang="en-US" sz="1200" dirty="0">
+                <a:latin typeface="Consolas" panose="020B0609020204030204" pitchFamily="49" charset="0"/>
+                <a:cs typeface="Consolas" panose="020B0609020204030204" pitchFamily="49" charset="0"/>
+              </a:rPr>
+              <a:t>   splits          id           model  term  estimate </a:t>
+            </a:r>
+            <a:r>
+              <a:rPr lang="en-US" sz="1200" dirty="0" err="1">
+                <a:latin typeface="Consolas" panose="020B0609020204030204" pitchFamily="49" charset="0"/>
+                <a:cs typeface="Consolas" panose="020B0609020204030204" pitchFamily="49" charset="0"/>
+              </a:rPr>
+              <a:t>std.error</a:t>
+            </a:r>
+            <a:r>
+              <a:rPr lang="en-US" sz="1200" dirty="0">
+                <a:latin typeface="Consolas" panose="020B0609020204030204" pitchFamily="49" charset="0"/>
+                <a:cs typeface="Consolas" panose="020B0609020204030204" pitchFamily="49" charset="0"/>
+              </a:rPr>
+              <a:t> statistic  </a:t>
+            </a:r>
+            <a:r>
+              <a:rPr lang="en-US" sz="1200" dirty="0" err="1">
+                <a:latin typeface="Consolas" panose="020B0609020204030204" pitchFamily="49" charset="0"/>
+                <a:cs typeface="Consolas" panose="020B0609020204030204" pitchFamily="49" charset="0"/>
+              </a:rPr>
+              <a:t>p.value</a:t>
+            </a:r>
+            <a:endParaRPr lang="en-US" sz="1200" dirty="0">
+              <a:latin typeface="Consolas" panose="020B0609020204030204" pitchFamily="49" charset="0"/>
+              <a:cs typeface="Consolas" panose="020B0609020204030204" pitchFamily="49" charset="0"/>
+            </a:endParaRPr>
+          </a:p>
+          <a:p>
+            <a:r>
+              <a:rPr lang="en-US" sz="1200" dirty="0">
+                <a:latin typeface="Consolas" panose="020B0609020204030204" pitchFamily="49" charset="0"/>
+                <a:cs typeface="Consolas" panose="020B0609020204030204" pitchFamily="49" charset="0"/>
+              </a:rPr>
+              <a:t>   &lt;list&gt;          &lt;</a:t>
+            </a:r>
+            <a:r>
+              <a:rPr lang="en-US" sz="1200" dirty="0" err="1">
+                <a:latin typeface="Consolas" panose="020B0609020204030204" pitchFamily="49" charset="0"/>
+                <a:cs typeface="Consolas" panose="020B0609020204030204" pitchFamily="49" charset="0"/>
+              </a:rPr>
+              <a:t>chr</a:t>
+            </a:r>
+            <a:r>
+              <a:rPr lang="en-US" sz="1200" dirty="0">
+                <a:latin typeface="Consolas" panose="020B0609020204030204" pitchFamily="49" charset="0"/>
+                <a:cs typeface="Consolas" panose="020B0609020204030204" pitchFamily="49" charset="0"/>
+              </a:rPr>
+              <a:t>&gt;        &lt;list&gt; &lt;</a:t>
+            </a:r>
+            <a:r>
+              <a:rPr lang="en-US" sz="1200" dirty="0" err="1">
+                <a:latin typeface="Consolas" panose="020B0609020204030204" pitchFamily="49" charset="0"/>
+                <a:cs typeface="Consolas" panose="020B0609020204030204" pitchFamily="49" charset="0"/>
+              </a:rPr>
+              <a:t>chr</a:t>
+            </a:r>
+            <a:r>
+              <a:rPr lang="en-US" sz="1200" dirty="0">
+                <a:latin typeface="Consolas" panose="020B0609020204030204" pitchFamily="49" charset="0"/>
+                <a:cs typeface="Consolas" panose="020B0609020204030204" pitchFamily="49" charset="0"/>
+              </a:rPr>
+              <a:t>&gt;    &lt;</a:t>
+            </a:r>
+            <a:r>
+              <a:rPr lang="en-US" sz="1200" dirty="0" err="1">
+                <a:latin typeface="Consolas" panose="020B0609020204030204" pitchFamily="49" charset="0"/>
+                <a:cs typeface="Consolas" panose="020B0609020204030204" pitchFamily="49" charset="0"/>
+              </a:rPr>
+              <a:t>dbl</a:t>
+            </a:r>
+            <a:r>
+              <a:rPr lang="en-US" sz="1200" dirty="0">
+                <a:latin typeface="Consolas" panose="020B0609020204030204" pitchFamily="49" charset="0"/>
+                <a:cs typeface="Consolas" panose="020B0609020204030204" pitchFamily="49" charset="0"/>
+              </a:rPr>
+              <a:t>&gt;     &lt;</a:t>
+            </a:r>
+            <a:r>
+              <a:rPr lang="en-US" sz="1200" dirty="0" err="1">
+                <a:latin typeface="Consolas" panose="020B0609020204030204" pitchFamily="49" charset="0"/>
+                <a:cs typeface="Consolas" panose="020B0609020204030204" pitchFamily="49" charset="0"/>
+              </a:rPr>
+              <a:t>dbl</a:t>
+            </a:r>
+            <a:r>
+              <a:rPr lang="en-US" sz="1200" dirty="0">
+                <a:latin typeface="Consolas" panose="020B0609020204030204" pitchFamily="49" charset="0"/>
+                <a:cs typeface="Consolas" panose="020B0609020204030204" pitchFamily="49" charset="0"/>
+              </a:rPr>
+              <a:t>&gt;     &lt;</a:t>
+            </a:r>
+            <a:r>
+              <a:rPr lang="en-US" sz="1200" dirty="0" err="1">
+                <a:latin typeface="Consolas" panose="020B0609020204030204" pitchFamily="49" charset="0"/>
+                <a:cs typeface="Consolas" panose="020B0609020204030204" pitchFamily="49" charset="0"/>
+              </a:rPr>
+              <a:t>dbl</a:t>
+            </a:r>
+            <a:r>
+              <a:rPr lang="en-US" sz="1200" dirty="0">
+                <a:latin typeface="Consolas" panose="020B0609020204030204" pitchFamily="49" charset="0"/>
+                <a:cs typeface="Consolas" panose="020B0609020204030204" pitchFamily="49" charset="0"/>
+              </a:rPr>
+              <a:t>&gt;    &lt;</a:t>
+            </a:r>
+            <a:r>
+              <a:rPr lang="en-US" sz="1200" dirty="0" err="1">
+                <a:latin typeface="Consolas" panose="020B0609020204030204" pitchFamily="49" charset="0"/>
+                <a:cs typeface="Consolas" panose="020B0609020204030204" pitchFamily="49" charset="0"/>
+              </a:rPr>
+              <a:t>dbl</a:t>
+            </a:r>
+            <a:r>
+              <a:rPr lang="en-US" sz="1200" dirty="0">
+                <a:latin typeface="Consolas" panose="020B0609020204030204" pitchFamily="49" charset="0"/>
+                <a:cs typeface="Consolas" panose="020B0609020204030204" pitchFamily="49" charset="0"/>
+              </a:rPr>
+              <a:t>&gt;</a:t>
+            </a:r>
+          </a:p>
+          <a:p>
+            <a:r>
+              <a:rPr lang="en-US" sz="1200" dirty="0">
+                <a:latin typeface="Consolas" panose="020B0609020204030204" pitchFamily="49" charset="0"/>
+                <a:cs typeface="Consolas" panose="020B0609020204030204" pitchFamily="49" charset="0"/>
+              </a:rPr>
+              <a:t> 1 &lt;split [32/10]&gt; Bootstrap001 &lt;</a:t>
+            </a:r>
+            <a:r>
+              <a:rPr lang="en-US" sz="1200" dirty="0" err="1">
+                <a:latin typeface="Consolas" panose="020B0609020204030204" pitchFamily="49" charset="0"/>
+                <a:cs typeface="Consolas" panose="020B0609020204030204" pitchFamily="49" charset="0"/>
+              </a:rPr>
+              <a:t>nls</a:t>
+            </a:r>
+            <a:r>
+              <a:rPr lang="en-US" sz="1200" dirty="0">
+                <a:latin typeface="Consolas" panose="020B0609020204030204" pitchFamily="49" charset="0"/>
+                <a:cs typeface="Consolas" panose="020B0609020204030204" pitchFamily="49" charset="0"/>
+              </a:rPr>
+              <a:t>&gt;  k        47.1       3.49    13.5   2.74e-14</a:t>
+            </a:r>
+          </a:p>
+          <a:p>
+            <a:r>
+              <a:rPr lang="en-US" sz="1200" dirty="0">
+                <a:latin typeface="Consolas" panose="020B0609020204030204" pitchFamily="49" charset="0"/>
+                <a:cs typeface="Consolas" panose="020B0609020204030204" pitchFamily="49" charset="0"/>
+              </a:rPr>
+              <a:t> 2 &lt;split [32/10]&gt; Bootstrap001 &lt;</a:t>
+            </a:r>
+            <a:r>
+              <a:rPr lang="en-US" sz="1200" dirty="0" err="1">
+                <a:latin typeface="Consolas" panose="020B0609020204030204" pitchFamily="49" charset="0"/>
+                <a:cs typeface="Consolas" panose="020B0609020204030204" pitchFamily="49" charset="0"/>
+              </a:rPr>
+              <a:t>nls</a:t>
+            </a:r>
+            <a:r>
+              <a:rPr lang="en-US" sz="1200" dirty="0">
+                <a:latin typeface="Consolas" panose="020B0609020204030204" pitchFamily="49" charset="0"/>
+                <a:cs typeface="Consolas" panose="020B0609020204030204" pitchFamily="49" charset="0"/>
+              </a:rPr>
+              <a:t>&gt;  b         3.60      1.23     2.92  6.62e- 3</a:t>
+            </a:r>
+          </a:p>
+          <a:p>
+            <a:r>
+              <a:rPr lang="en-US" sz="1200" dirty="0">
+                <a:latin typeface="Consolas" panose="020B0609020204030204" pitchFamily="49" charset="0"/>
+                <a:cs typeface="Consolas" panose="020B0609020204030204" pitchFamily="49" charset="0"/>
+              </a:rPr>
+              <a:t> 3 &lt;split [32/12]&gt; Bootstrap002 &lt;</a:t>
+            </a:r>
+            <a:r>
+              <a:rPr lang="en-US" sz="1200" dirty="0" err="1">
+                <a:latin typeface="Consolas" panose="020B0609020204030204" pitchFamily="49" charset="0"/>
+                <a:cs typeface="Consolas" panose="020B0609020204030204" pitchFamily="49" charset="0"/>
+              </a:rPr>
+              <a:t>nls</a:t>
+            </a:r>
+            <a:r>
+              <a:rPr lang="en-US" sz="1200" dirty="0">
+                <a:latin typeface="Consolas" panose="020B0609020204030204" pitchFamily="49" charset="0"/>
+                <a:cs typeface="Consolas" panose="020B0609020204030204" pitchFamily="49" charset="0"/>
+              </a:rPr>
+              <a:t>&gt;  k        50.0       5.64     8.87  6.95e-10</a:t>
+            </a:r>
+          </a:p>
+          <a:p>
+            <a:r>
+              <a:rPr lang="en-US" sz="1200" dirty="0">
+                <a:latin typeface="Consolas" panose="020B0609020204030204" pitchFamily="49" charset="0"/>
+                <a:cs typeface="Consolas" panose="020B0609020204030204" pitchFamily="49" charset="0"/>
+              </a:rPr>
+              <a:t> 4 &lt;split [32/12]&gt; Bootstrap002 &lt;</a:t>
+            </a:r>
+            <a:r>
+              <a:rPr lang="en-US" sz="1200" dirty="0" err="1">
+                <a:latin typeface="Consolas" panose="020B0609020204030204" pitchFamily="49" charset="0"/>
+                <a:cs typeface="Consolas" panose="020B0609020204030204" pitchFamily="49" charset="0"/>
+              </a:rPr>
+              <a:t>nls</a:t>
+            </a:r>
+            <a:r>
+              <a:rPr lang="en-US" sz="1200" dirty="0">
+                <a:latin typeface="Consolas" panose="020B0609020204030204" pitchFamily="49" charset="0"/>
+                <a:cs typeface="Consolas" panose="020B0609020204030204" pitchFamily="49" charset="0"/>
+              </a:rPr>
+              <a:t>&gt;  b         3.29      2.09     1.57  1.26e- 1</a:t>
+            </a:r>
+          </a:p>
+          <a:p>
+            <a:r>
+              <a:rPr lang="en-US" sz="1200" dirty="0">
+                <a:latin typeface="Consolas" panose="020B0609020204030204" pitchFamily="49" charset="0"/>
+                <a:cs typeface="Consolas" panose="020B0609020204030204" pitchFamily="49" charset="0"/>
+              </a:rPr>
+              <a:t> 5 &lt;split [32/10]&gt; Bootstrap003 &lt;</a:t>
+            </a:r>
+            <a:r>
+              <a:rPr lang="en-US" sz="1200" dirty="0" err="1">
+                <a:latin typeface="Consolas" panose="020B0609020204030204" pitchFamily="49" charset="0"/>
+                <a:cs typeface="Consolas" panose="020B0609020204030204" pitchFamily="49" charset="0"/>
+              </a:rPr>
+              <a:t>nls</a:t>
+            </a:r>
+            <a:r>
+              <a:rPr lang="en-US" sz="1200" dirty="0">
+                <a:latin typeface="Consolas" panose="020B0609020204030204" pitchFamily="49" charset="0"/>
+                <a:cs typeface="Consolas" panose="020B0609020204030204" pitchFamily="49" charset="0"/>
+              </a:rPr>
+              <a:t>&gt;  k        42.0       4.38     9.59  1.20e-10</a:t>
+            </a:r>
+          </a:p>
+          <a:p>
+            <a:r>
+              <a:rPr lang="en-US" sz="1200" dirty="0">
+                <a:latin typeface="Consolas" panose="020B0609020204030204" pitchFamily="49" charset="0"/>
+                <a:cs typeface="Consolas" panose="020B0609020204030204" pitchFamily="49" charset="0"/>
+              </a:rPr>
+              <a:t> 6 &lt;split [32/10]&gt; Bootstrap003 &lt;</a:t>
+            </a:r>
+            <a:r>
+              <a:rPr lang="en-US" sz="1200" dirty="0" err="1">
+                <a:latin typeface="Consolas" panose="020B0609020204030204" pitchFamily="49" charset="0"/>
+                <a:cs typeface="Consolas" panose="020B0609020204030204" pitchFamily="49" charset="0"/>
+              </a:rPr>
+              <a:t>nls</a:t>
+            </a:r>
+            <a:r>
+              <a:rPr lang="en-US" sz="1200" dirty="0">
+                <a:latin typeface="Consolas" panose="020B0609020204030204" pitchFamily="49" charset="0"/>
+                <a:cs typeface="Consolas" panose="020B0609020204030204" pitchFamily="49" charset="0"/>
+              </a:rPr>
+              <a:t>&gt;  b         5.89      1.51     3.89  5.20e- 4</a:t>
+            </a:r>
+          </a:p>
+          <a:p>
+            <a:r>
+              <a:rPr lang="en-US" sz="1200" dirty="0">
+                <a:latin typeface="Consolas" panose="020B0609020204030204" pitchFamily="49" charset="0"/>
+                <a:cs typeface="Consolas" panose="020B0609020204030204" pitchFamily="49" charset="0"/>
+              </a:rPr>
+              <a:t> 7 &lt;split [32/10]&gt; Bootstrap004 &lt;</a:t>
+            </a:r>
+            <a:r>
+              <a:rPr lang="en-US" sz="1200" dirty="0" err="1">
+                <a:latin typeface="Consolas" panose="020B0609020204030204" pitchFamily="49" charset="0"/>
+                <a:cs typeface="Consolas" panose="020B0609020204030204" pitchFamily="49" charset="0"/>
+              </a:rPr>
+              <a:t>nls</a:t>
+            </a:r>
+            <a:r>
+              <a:rPr lang="en-US" sz="1200" dirty="0">
+                <a:latin typeface="Consolas" panose="020B0609020204030204" pitchFamily="49" charset="0"/>
+                <a:cs typeface="Consolas" panose="020B0609020204030204" pitchFamily="49" charset="0"/>
+              </a:rPr>
+              <a:t>&gt;  k        56.7       5.01    11.3   2.36e-12</a:t>
+            </a:r>
+          </a:p>
+          <a:p>
+            <a:r>
+              <a:rPr lang="en-US" sz="1200" dirty="0">
+                <a:latin typeface="Consolas" panose="020B0609020204030204" pitchFamily="49" charset="0"/>
+                <a:cs typeface="Consolas" panose="020B0609020204030204" pitchFamily="49" charset="0"/>
+              </a:rPr>
+              <a:t> 8 &lt;split [32/10]&gt; Bootstrap004 &lt;</a:t>
+            </a:r>
+            <a:r>
+              <a:rPr lang="en-US" sz="1200" dirty="0" err="1">
+                <a:latin typeface="Consolas" panose="020B0609020204030204" pitchFamily="49" charset="0"/>
+                <a:cs typeface="Consolas" panose="020B0609020204030204" pitchFamily="49" charset="0"/>
+              </a:rPr>
+              <a:t>nls</a:t>
+            </a:r>
+            <a:r>
+              <a:rPr lang="en-US" sz="1200" dirty="0">
+                <a:latin typeface="Consolas" panose="020B0609020204030204" pitchFamily="49" charset="0"/>
+                <a:cs typeface="Consolas" panose="020B0609020204030204" pitchFamily="49" charset="0"/>
+              </a:rPr>
+              <a:t>&gt;  b         1.49      1.75     0.852 4.01e- 1</a:t>
+            </a:r>
+          </a:p>
+          <a:p>
+            <a:r>
+              <a:rPr lang="en-US" sz="1200" dirty="0">
+                <a:latin typeface="Consolas" panose="020B0609020204030204" pitchFamily="49" charset="0"/>
+                <a:cs typeface="Consolas" panose="020B0609020204030204" pitchFamily="49" charset="0"/>
+              </a:rPr>
+              <a:t> 9 &lt;split [32/11]&gt; Bootstrap005 &lt;</a:t>
+            </a:r>
+            <a:r>
+              <a:rPr lang="en-US" sz="1200" dirty="0" err="1">
+                <a:latin typeface="Consolas" panose="020B0609020204030204" pitchFamily="49" charset="0"/>
+                <a:cs typeface="Consolas" panose="020B0609020204030204" pitchFamily="49" charset="0"/>
+              </a:rPr>
+              <a:t>nls</a:t>
+            </a:r>
+            <a:r>
+              <a:rPr lang="en-US" sz="1200" dirty="0">
+                <a:latin typeface="Consolas" panose="020B0609020204030204" pitchFamily="49" charset="0"/>
+                <a:cs typeface="Consolas" panose="020B0609020204030204" pitchFamily="49" charset="0"/>
+              </a:rPr>
+              <a:t>&gt;  k        48.6       3.22    15.1   1.48e-15</a:t>
+            </a:r>
+          </a:p>
+          <a:p>
+            <a:r>
+              <a:rPr lang="en-US" sz="1200" dirty="0">
+                <a:latin typeface="Consolas" panose="020B0609020204030204" pitchFamily="49" charset="0"/>
+                <a:cs typeface="Consolas" panose="020B0609020204030204" pitchFamily="49" charset="0"/>
+              </a:rPr>
+              <a:t>10 &lt;split [32/11]&gt; Bootstrap005 &lt;</a:t>
+            </a:r>
+            <a:r>
+              <a:rPr lang="en-US" sz="1200" dirty="0" err="1">
+                <a:latin typeface="Consolas" panose="020B0609020204030204" pitchFamily="49" charset="0"/>
+                <a:cs typeface="Consolas" panose="020B0609020204030204" pitchFamily="49" charset="0"/>
+              </a:rPr>
+              <a:t>nls</a:t>
+            </a:r>
+            <a:r>
+              <a:rPr lang="en-US" sz="1200" dirty="0">
+                <a:latin typeface="Consolas" panose="020B0609020204030204" pitchFamily="49" charset="0"/>
+                <a:cs typeface="Consolas" panose="020B0609020204030204" pitchFamily="49" charset="0"/>
+              </a:rPr>
+              <a:t>&gt;  b         3.01      1.22     2.46  1.98e- 2</a:t>
+            </a:r>
+          </a:p>
+          <a:p>
+            <a:r>
+              <a:rPr lang="en-US" sz="1200" dirty="0">
+                <a:latin typeface="Consolas" panose="020B0609020204030204" pitchFamily="49" charset="0"/>
+                <a:cs typeface="Consolas" panose="020B0609020204030204" pitchFamily="49" charset="0"/>
+              </a:rPr>
+              <a:t># ... with 990 more rows</a:t>
+            </a:r>
+          </a:p>
+        </p:txBody>
+      </p:sp>
+      <p:sp>
+        <p:nvSpPr>
+          <p:cNvPr id="5" name="TextBox 4">
+            <a:extLst>
+              <a:ext uri="{FF2B5EF4-FFF2-40B4-BE49-F238E27FC236}">
+                <a16:creationId xmlns:a16="http://schemas.microsoft.com/office/drawing/2014/main" id="{A1A545FD-AD7E-4EB4-A359-996EDD1B9BFB}"/>
+              </a:ext>
+            </a:extLst>
+          </p:cNvPr>
+          <p:cNvSpPr txBox="1"/>
+          <p:nvPr/>
+        </p:nvSpPr>
+        <p:spPr>
+          <a:xfrm>
+            <a:off x="457200" y="1219200"/>
+            <a:ext cx="8229600" cy="381000"/>
+          </a:xfrm>
+          <a:prstGeom prst="rect">
+            <a:avLst/>
+          </a:prstGeom>
+          <a:noFill/>
+        </p:spPr>
+        <p:txBody>
+          <a:bodyPr wrap="square" rtlCol="0">
+            <a:spAutoFit/>
+          </a:bodyPr>
+          <a:lstStyle/>
+          <a:p>
+            <a:r>
+              <a:rPr lang="en-US" dirty="0"/>
+              <a:t>The result is a nested data frame of coefficient statistics for each bootstrap sample</a:t>
+            </a:r>
+          </a:p>
+        </p:txBody>
+      </p:sp>
+      <p:sp>
+        <p:nvSpPr>
+          <p:cNvPr id="6" name="TextBox 5">
+            <a:extLst>
+              <a:ext uri="{FF2B5EF4-FFF2-40B4-BE49-F238E27FC236}">
+                <a16:creationId xmlns:a16="http://schemas.microsoft.com/office/drawing/2014/main" id="{F93CD022-60CA-4ACC-B170-FCE3CD096B4E}"/>
+              </a:ext>
+            </a:extLst>
+          </p:cNvPr>
+          <p:cNvSpPr txBox="1"/>
+          <p:nvPr/>
+        </p:nvSpPr>
+        <p:spPr>
+          <a:xfrm>
+            <a:off x="457200" y="4744997"/>
+            <a:ext cx="8001000" cy="369332"/>
+          </a:xfrm>
+          <a:prstGeom prst="rect">
+            <a:avLst/>
+          </a:prstGeom>
+          <a:noFill/>
+        </p:spPr>
+        <p:txBody>
+          <a:bodyPr wrap="square" rtlCol="0">
+            <a:spAutoFit/>
+          </a:bodyPr>
+          <a:lstStyle/>
+          <a:p>
+            <a:r>
+              <a:rPr lang="en-US" dirty="0"/>
+              <a:t>From this we can find confidence intervals (&amp; test hypotheses)</a:t>
+            </a:r>
+          </a:p>
+        </p:txBody>
+      </p:sp>
+      <p:sp>
+        <p:nvSpPr>
+          <p:cNvPr id="7" name="TextBox 6">
+            <a:extLst>
+              <a:ext uri="{FF2B5EF4-FFF2-40B4-BE49-F238E27FC236}">
+                <a16:creationId xmlns:a16="http://schemas.microsoft.com/office/drawing/2014/main" id="{DF94145A-3A3C-4335-B86D-5BB8EDBF3270}"/>
+              </a:ext>
+            </a:extLst>
+          </p:cNvPr>
+          <p:cNvSpPr txBox="1"/>
+          <p:nvPr/>
+        </p:nvSpPr>
+        <p:spPr>
+          <a:xfrm>
+            <a:off x="533400" y="5252477"/>
+            <a:ext cx="5029200" cy="1384995"/>
+          </a:xfrm>
+          <a:prstGeom prst="rect">
+            <a:avLst/>
+          </a:prstGeom>
+          <a:solidFill>
+            <a:schemeClr val="accent6">
+              <a:lumMod val="20000"/>
+              <a:lumOff val="80000"/>
+              <a:alpha val="50000"/>
+            </a:schemeClr>
+          </a:solidFill>
+        </p:spPr>
+        <p:txBody>
+          <a:bodyPr wrap="square" rtlCol="0">
+            <a:spAutoFit/>
+          </a:bodyPr>
+          <a:lstStyle/>
+          <a:p>
+            <a:r>
+              <a:rPr lang="en-US" sz="1400" dirty="0">
+                <a:latin typeface="Consolas" panose="020B0609020204030204" pitchFamily="49" charset="0"/>
+                <a:cs typeface="Consolas" panose="020B0609020204030204" pitchFamily="49" charset="0"/>
+              </a:rPr>
+              <a:t>&gt; </a:t>
+            </a:r>
+            <a:r>
+              <a:rPr lang="en-US" sz="1400" dirty="0" err="1">
+                <a:latin typeface="Consolas" panose="020B0609020204030204" pitchFamily="49" charset="0"/>
+                <a:cs typeface="Consolas" panose="020B0609020204030204" pitchFamily="49" charset="0"/>
+              </a:rPr>
+              <a:t>int_pctl</a:t>
+            </a:r>
+            <a:r>
+              <a:rPr lang="en-US" sz="1400" dirty="0">
+                <a:latin typeface="Consolas" panose="020B0609020204030204" pitchFamily="49" charset="0"/>
+                <a:cs typeface="Consolas" panose="020B0609020204030204" pitchFamily="49" charset="0"/>
+              </a:rPr>
+              <a:t>(</a:t>
+            </a:r>
+            <a:r>
+              <a:rPr lang="en-US" sz="1400" dirty="0" err="1">
+                <a:latin typeface="Consolas" panose="020B0609020204030204" pitchFamily="49" charset="0"/>
+                <a:cs typeface="Consolas" panose="020B0609020204030204" pitchFamily="49" charset="0"/>
+              </a:rPr>
+              <a:t>boot_models</a:t>
+            </a:r>
+            <a:r>
+              <a:rPr lang="en-US" sz="1400" dirty="0">
+                <a:latin typeface="Consolas" panose="020B0609020204030204" pitchFamily="49" charset="0"/>
+                <a:cs typeface="Consolas" panose="020B0609020204030204" pitchFamily="49" charset="0"/>
+              </a:rPr>
+              <a:t>, </a:t>
+            </a:r>
+            <a:r>
+              <a:rPr lang="en-US" sz="1400" dirty="0" err="1">
+                <a:latin typeface="Consolas" panose="020B0609020204030204" pitchFamily="49" charset="0"/>
+                <a:cs typeface="Consolas" panose="020B0609020204030204" pitchFamily="49" charset="0"/>
+              </a:rPr>
+              <a:t>coef_info</a:t>
+            </a:r>
+            <a:r>
+              <a:rPr lang="en-US" sz="1400" dirty="0">
+                <a:latin typeface="Consolas" panose="020B0609020204030204" pitchFamily="49" charset="0"/>
+                <a:cs typeface="Consolas" panose="020B0609020204030204" pitchFamily="49" charset="0"/>
+              </a:rPr>
+              <a:t>)</a:t>
+            </a:r>
+          </a:p>
+          <a:p>
+            <a:r>
+              <a:rPr lang="en-US" sz="1400" dirty="0">
+                <a:latin typeface="Consolas" panose="020B0609020204030204" pitchFamily="49" charset="0"/>
+                <a:cs typeface="Consolas" panose="020B0609020204030204" pitchFamily="49" charset="0"/>
+              </a:rPr>
+              <a:t># A </a:t>
+            </a:r>
+            <a:r>
+              <a:rPr lang="en-US" sz="1400" dirty="0" err="1">
+                <a:latin typeface="Consolas" panose="020B0609020204030204" pitchFamily="49" charset="0"/>
+                <a:cs typeface="Consolas" panose="020B0609020204030204" pitchFamily="49" charset="0"/>
+              </a:rPr>
+              <a:t>tibble</a:t>
+            </a:r>
+            <a:r>
+              <a:rPr lang="en-US" sz="1400" dirty="0">
+                <a:latin typeface="Consolas" panose="020B0609020204030204" pitchFamily="49" charset="0"/>
+                <a:cs typeface="Consolas" panose="020B0609020204030204" pitchFamily="49" charset="0"/>
+              </a:rPr>
+              <a:t>: 2 x 6</a:t>
+            </a:r>
+          </a:p>
+          <a:p>
+            <a:r>
+              <a:rPr lang="en-US" sz="1400" dirty="0">
+                <a:latin typeface="Consolas" panose="020B0609020204030204" pitchFamily="49" charset="0"/>
+                <a:cs typeface="Consolas" panose="020B0609020204030204" pitchFamily="49" charset="0"/>
+              </a:rPr>
+              <a:t>  term  .lower .estimate .upper .alpha .method   </a:t>
+            </a:r>
+          </a:p>
+          <a:p>
+            <a:r>
+              <a:rPr lang="en-US" sz="1400" dirty="0">
+                <a:latin typeface="Consolas" panose="020B0609020204030204" pitchFamily="49" charset="0"/>
+                <a:cs typeface="Consolas" panose="020B0609020204030204" pitchFamily="49" charset="0"/>
+              </a:rPr>
+              <a:t>  &lt;</a:t>
+            </a:r>
+            <a:r>
+              <a:rPr lang="en-US" sz="1400" dirty="0" err="1">
+                <a:latin typeface="Consolas" panose="020B0609020204030204" pitchFamily="49" charset="0"/>
+                <a:cs typeface="Consolas" panose="020B0609020204030204" pitchFamily="49" charset="0"/>
+              </a:rPr>
+              <a:t>chr</a:t>
+            </a:r>
+            <a:r>
+              <a:rPr lang="en-US" sz="1400" dirty="0">
+                <a:latin typeface="Consolas" panose="020B0609020204030204" pitchFamily="49" charset="0"/>
+                <a:cs typeface="Consolas" panose="020B0609020204030204" pitchFamily="49" charset="0"/>
+              </a:rPr>
+              <a:t>&gt;  &lt;</a:t>
+            </a:r>
+            <a:r>
+              <a:rPr lang="en-US" sz="1400" dirty="0" err="1">
+                <a:latin typeface="Consolas" panose="020B0609020204030204" pitchFamily="49" charset="0"/>
+                <a:cs typeface="Consolas" panose="020B0609020204030204" pitchFamily="49" charset="0"/>
+              </a:rPr>
+              <a:t>dbl</a:t>
+            </a:r>
+            <a:r>
+              <a:rPr lang="en-US" sz="1400" dirty="0">
+                <a:latin typeface="Consolas" panose="020B0609020204030204" pitchFamily="49" charset="0"/>
+                <a:cs typeface="Consolas" panose="020B0609020204030204" pitchFamily="49" charset="0"/>
+              </a:rPr>
+              <a:t>&gt;     &lt;</a:t>
+            </a:r>
+            <a:r>
+              <a:rPr lang="en-US" sz="1400" dirty="0" err="1">
+                <a:latin typeface="Consolas" panose="020B0609020204030204" pitchFamily="49" charset="0"/>
+                <a:cs typeface="Consolas" panose="020B0609020204030204" pitchFamily="49" charset="0"/>
+              </a:rPr>
+              <a:t>dbl</a:t>
+            </a:r>
+            <a:r>
+              <a:rPr lang="en-US" sz="1400" dirty="0">
+                <a:latin typeface="Consolas" panose="020B0609020204030204" pitchFamily="49" charset="0"/>
+                <a:cs typeface="Consolas" panose="020B0609020204030204" pitchFamily="49" charset="0"/>
+              </a:rPr>
+              <a:t>&gt;  &lt;</a:t>
+            </a:r>
+            <a:r>
+              <a:rPr lang="en-US" sz="1400" dirty="0" err="1">
+                <a:latin typeface="Consolas" panose="020B0609020204030204" pitchFamily="49" charset="0"/>
+                <a:cs typeface="Consolas" panose="020B0609020204030204" pitchFamily="49" charset="0"/>
+              </a:rPr>
+              <a:t>dbl</a:t>
+            </a:r>
+            <a:r>
+              <a:rPr lang="en-US" sz="1400" dirty="0">
+                <a:latin typeface="Consolas" panose="020B0609020204030204" pitchFamily="49" charset="0"/>
+                <a:cs typeface="Consolas" panose="020B0609020204030204" pitchFamily="49" charset="0"/>
+              </a:rPr>
+              <a:t>&gt;  &lt;</a:t>
+            </a:r>
+            <a:r>
+              <a:rPr lang="en-US" sz="1400" dirty="0" err="1">
+                <a:latin typeface="Consolas" panose="020B0609020204030204" pitchFamily="49" charset="0"/>
+                <a:cs typeface="Consolas" panose="020B0609020204030204" pitchFamily="49" charset="0"/>
+              </a:rPr>
+              <a:t>dbl</a:t>
+            </a:r>
+            <a:r>
+              <a:rPr lang="en-US" sz="1400" dirty="0">
+                <a:latin typeface="Consolas" panose="020B0609020204030204" pitchFamily="49" charset="0"/>
+                <a:cs typeface="Consolas" panose="020B0609020204030204" pitchFamily="49" charset="0"/>
+              </a:rPr>
+              <a:t>&gt; &lt;</a:t>
+            </a:r>
+            <a:r>
+              <a:rPr lang="en-US" sz="1400" dirty="0" err="1">
+                <a:latin typeface="Consolas" panose="020B0609020204030204" pitchFamily="49" charset="0"/>
+                <a:cs typeface="Consolas" panose="020B0609020204030204" pitchFamily="49" charset="0"/>
+              </a:rPr>
+              <a:t>chr</a:t>
+            </a:r>
+            <a:r>
+              <a:rPr lang="en-US" sz="1400" dirty="0">
+                <a:latin typeface="Consolas" panose="020B0609020204030204" pitchFamily="49" charset="0"/>
+                <a:cs typeface="Consolas" panose="020B0609020204030204" pitchFamily="49" charset="0"/>
+              </a:rPr>
+              <a:t>&gt;     </a:t>
+            </a:r>
+          </a:p>
+          <a:p>
+            <a:r>
+              <a:rPr lang="en-US" sz="1400" dirty="0">
+                <a:latin typeface="Consolas" panose="020B0609020204030204" pitchFamily="49" charset="0"/>
+                <a:cs typeface="Consolas" panose="020B0609020204030204" pitchFamily="49" charset="0"/>
+              </a:rPr>
+              <a:t>1 b      0.312      4.20   7.04   0.05 percentile</a:t>
+            </a:r>
+          </a:p>
+          <a:p>
+            <a:r>
+              <a:rPr lang="en-US" sz="1400" dirty="0">
+                <a:latin typeface="Consolas" panose="020B0609020204030204" pitchFamily="49" charset="0"/>
+                <a:cs typeface="Consolas" panose="020B0609020204030204" pitchFamily="49" charset="0"/>
+              </a:rPr>
+              <a:t>2 k     38.0       46.4   59.0    0.05 percentile</a:t>
+            </a:r>
+          </a:p>
+        </p:txBody>
+      </p:sp>
+      <p:sp>
+        <p:nvSpPr>
+          <p:cNvPr id="9" name="TextBox 8">
+            <a:extLst>
+              <a:ext uri="{FF2B5EF4-FFF2-40B4-BE49-F238E27FC236}">
+                <a16:creationId xmlns:a16="http://schemas.microsoft.com/office/drawing/2014/main" id="{54B97AB6-9B05-432B-A732-1112519C6501}"/>
+              </a:ext>
+            </a:extLst>
+          </p:cNvPr>
+          <p:cNvSpPr txBox="1"/>
+          <p:nvPr/>
+        </p:nvSpPr>
+        <p:spPr>
+          <a:xfrm>
+            <a:off x="5943600" y="5257800"/>
+            <a:ext cx="2732567" cy="923330"/>
+          </a:xfrm>
+          <a:prstGeom prst="rect">
+            <a:avLst/>
+          </a:prstGeom>
+          <a:noFill/>
+        </p:spPr>
+        <p:txBody>
+          <a:bodyPr wrap="square" rtlCol="0">
+            <a:spAutoFit/>
+          </a:bodyPr>
+          <a:lstStyle/>
+          <a:p>
+            <a:r>
+              <a:rPr lang="en-US" dirty="0"/>
+              <a:t>Percentile intervals use the (.025, .975) quantiles, but require &gt;1000 samples</a:t>
+            </a:r>
+          </a:p>
+        </p:txBody>
+      </p:sp>
+    </p:spTree>
+    <p:extLst>
+      <p:ext uri="{BB962C8B-B14F-4D97-AF65-F5344CB8AC3E}">
+        <p14:creationId xmlns:p14="http://schemas.microsoft.com/office/powerpoint/2010/main" val="1278373525"/>
+      </p:ext>
+    </p:extLst>
+  </p:cSld>
+  <p:clrMapOvr>
+    <a:masterClrMapping/>
+  </p:clrMapOvr>
+</p:sld>
+</file>
+
+<file path=ppt/slides/slide22.xml><?xml version="1.0" encoding="utf-8"?>
+<p:sld xmlns:a="http://schemas.openxmlformats.org/drawingml/2006/main" xmlns:r="http://schemas.openxmlformats.org/officeDocument/2006/relationships" xmlns:p="http://schemas.openxmlformats.org/presentationml/2006/main">
+  <p:cSld>
+    <p:spTree>
+      <p:nvGrpSpPr>
+        <p:cNvPr id="1" name=""/>
+        <p:cNvGrpSpPr/>
+        <p:nvPr/>
+      </p:nvGrpSpPr>
+      <p:grpSpPr>
+        <a:xfrm>
+          <a:off x="0" y="0"/>
+          <a:ext cx="0" cy="0"/>
+          <a:chOff x="0" y="0"/>
+          <a:chExt cx="0" cy="0"/>
+        </a:xfrm>
+      </p:grpSpPr>
+      <p:sp>
+        <p:nvSpPr>
+          <p:cNvPr id="2" name="Title 1">
+            <a:extLst>
+              <a:ext uri="{FF2B5EF4-FFF2-40B4-BE49-F238E27FC236}">
                 <a16:creationId xmlns:a16="http://schemas.microsoft.com/office/drawing/2014/main" id="{27EF46A9-620C-4B10-BDED-767BD6BF3880}"/>
               </a:ext>
             </a:extLst>
@@ -11282,7 +13148,7 @@
           <a:p>
             <a:fld id="{621225AB-15B9-4C79-A121-04D1DC7E2307}" type="slidenum">
               <a:rPr lang="en-US" smtClean="0"/>
-              <a:t>20</a:t>
+              <a:t>22</a:t>
             </a:fld>
             <a:endParaRPr lang="en-US"/>
           </a:p>
@@ -11531,7 +13397,7 @@
 </p:sld>
 </file>
 
-<file path=ppt/slides/slide21.xml><?xml version="1.0" encoding="utf-8"?>
+<file path=ppt/slides/slide23.xml><?xml version="1.0" encoding="utf-8"?>
 <p:sld xmlns:a="http://schemas.openxmlformats.org/drawingml/2006/main" xmlns:r="http://schemas.openxmlformats.org/officeDocument/2006/relationships" xmlns:p="http://schemas.openxmlformats.org/presentationml/2006/main">
   <p:cSld>
     <p:spTree>
@@ -11601,7 +13467,7 @@
           <a:p>
             <a:fld id="{621225AB-15B9-4C79-A121-04D1DC7E2307}" type="slidenum">
               <a:rPr lang="en-US" smtClean="0"/>
-              <a:t>21</a:t>
+              <a:t>23</a:t>
             </a:fld>
             <a:endParaRPr lang="en-US"/>
           </a:p>
@@ -12101,7 +13967,7 @@
 </p:sld>
 </file>
 
-<file path=ppt/slides/slide22.xml><?xml version="1.0" encoding="utf-8"?>
+<file path=ppt/slides/slide24.xml><?xml version="1.0" encoding="utf-8"?>
 <p:sld xmlns:a="http://schemas.openxmlformats.org/drawingml/2006/main" xmlns:r="http://schemas.openxmlformats.org/officeDocument/2006/relationships" xmlns:p="http://schemas.openxmlformats.org/presentationml/2006/main">
   <p:cSld>
     <p:spTree>
@@ -12141,7 +14007,7 @@
           <a:p>
             <a:fld id="{621225AB-15B9-4C79-A121-04D1DC7E2307}" type="slidenum">
               <a:rPr lang="en-US" smtClean="0"/>
-              <a:t>22</a:t>
+              <a:t>24</a:t>
             </a:fld>
             <a:endParaRPr lang="en-US"/>
           </a:p>
@@ -12311,7 +14177,7 @@
                 <a:latin typeface="Consolas" panose="020B0609020204030204" pitchFamily="49" charset="0"/>
                 <a:cs typeface="Consolas" panose="020B0609020204030204" pitchFamily="49" charset="0"/>
               </a:rPr>
-              <a:t>=estimate) </a:t>
+              <a:t> = estimate) </a:t>
             </a:r>
           </a:p>
         </p:txBody>
@@ -13243,7 +15109,7 @@
 </p:sld>
 </file>
 
-<file path=ppt/slides/slide23.xml><?xml version="1.0" encoding="utf-8"?>
+<file path=ppt/slides/slide25.xml><?xml version="1.0" encoding="utf-8"?>
 <p:sld xmlns:a="http://schemas.openxmlformats.org/drawingml/2006/main" xmlns:r="http://schemas.openxmlformats.org/officeDocument/2006/relationships" xmlns:p="http://schemas.openxmlformats.org/presentationml/2006/main">
   <p:cSld>
     <p:spTree>
@@ -13283,7 +15149,7 @@
           <a:p>
             <a:fld id="{621225AB-15B9-4C79-A121-04D1DC7E2307}" type="slidenum">
               <a:rPr lang="en-US" smtClean="0"/>
-              <a:t>23</a:t>
+              <a:t>25</a:t>
             </a:fld>
             <a:endParaRPr lang="en-US"/>
           </a:p>
@@ -14132,7 +15998,7 @@
 </p:sld>
 </file>
 
-<file path=ppt/slides/slide24.xml><?xml version="1.0" encoding="utf-8"?>
+<file path=ppt/slides/slide26.xml><?xml version="1.0" encoding="utf-8"?>
 <p:sld xmlns:a="http://schemas.openxmlformats.org/drawingml/2006/main" xmlns:r="http://schemas.openxmlformats.org/officeDocument/2006/relationships" xmlns:p="http://schemas.openxmlformats.org/presentationml/2006/main">
   <p:cSld>
     <p:spTree>
@@ -14238,7 +16104,7 @@
           <a:p>
             <a:fld id="{621225AB-15B9-4C79-A121-04D1DC7E2307}" type="slidenum">
               <a:rPr lang="en-US" smtClean="0"/>
-              <a:t>24</a:t>
+              <a:t>26</a:t>
             </a:fld>
             <a:endParaRPr lang="en-US"/>
           </a:p>
@@ -15991,6 +17857,323 @@
           <p:cNvPr id="2" name="Title 1">
             <a:extLst>
               <a:ext uri="{FF2B5EF4-FFF2-40B4-BE49-F238E27FC236}">
+                <a16:creationId xmlns:a16="http://schemas.microsoft.com/office/drawing/2014/main" id="{EE8AFC9D-2F36-ABE6-78DA-675BE9AF8C23}"/>
+              </a:ext>
+            </a:extLst>
+          </p:cNvPr>
+          <p:cNvSpPr>
+            <a:spLocks noGrp="1"/>
+          </p:cNvSpPr>
+          <p:nvPr>
+            <p:ph type="title"/>
+          </p:nvPr>
+        </p:nvSpPr>
+        <p:spPr/>
+        <p:txBody>
+          <a:bodyPr>
+            <a:normAutofit fontScale="90000"/>
+          </a:bodyPr>
+          <a:lstStyle/>
+          <a:p>
+            <a:r>
+              <a:rPr lang="en-CA" dirty="0"/>
+              <a:t>R Packages</a:t>
+            </a:r>
+          </a:p>
+        </p:txBody>
+      </p:sp>
+      <p:sp>
+        <p:nvSpPr>
+          <p:cNvPr id="4" name="Text Placeholder 3">
+            <a:extLst>
+              <a:ext uri="{FF2B5EF4-FFF2-40B4-BE49-F238E27FC236}">
+                <a16:creationId xmlns:a16="http://schemas.microsoft.com/office/drawing/2014/main" id="{9EB44718-3C16-C438-DEF1-4801C98A652C}"/>
+              </a:ext>
+            </a:extLst>
+          </p:cNvPr>
+          <p:cNvSpPr>
+            <a:spLocks noGrp="1"/>
+          </p:cNvSpPr>
+          <p:nvPr>
+            <p:ph type="body" idx="1"/>
+          </p:nvPr>
+        </p:nvSpPr>
+        <p:spPr>
+          <a:solidFill>
+            <a:schemeClr val="tx2">
+              <a:lumMod val="20000"/>
+              <a:lumOff val="80000"/>
+            </a:schemeClr>
+          </a:solidFill>
+        </p:spPr>
+        <p:txBody>
+          <a:bodyPr>
+            <a:normAutofit fontScale="92500" lnSpcReduction="20000"/>
+          </a:bodyPr>
+          <a:lstStyle/>
+          <a:p>
+            <a:r>
+              <a:rPr lang="en-CA" dirty="0" err="1">
+                <a:hlinkClick r:id="rId2"/>
+              </a:rPr>
+              <a:t>ungevis</a:t>
+            </a:r>
+            <a:r>
+              <a:rPr lang="en-CA" dirty="0"/>
+              <a:t> Tools for visualizing uncertainty with ggplot2</a:t>
+            </a:r>
+          </a:p>
+        </p:txBody>
+      </p:sp>
+      <p:sp>
+        <p:nvSpPr>
+          <p:cNvPr id="5" name="Content Placeholder 4">
+            <a:extLst>
+              <a:ext uri="{FF2B5EF4-FFF2-40B4-BE49-F238E27FC236}">
+                <a16:creationId xmlns:a16="http://schemas.microsoft.com/office/drawing/2014/main" id="{E81467F1-DF6A-47C4-BE94-BEF93AA307E1}"/>
+              </a:ext>
+            </a:extLst>
+          </p:cNvPr>
+          <p:cNvSpPr>
+            <a:spLocks noGrp="1"/>
+          </p:cNvSpPr>
+          <p:nvPr>
+            <p:ph sz="half" idx="2"/>
+          </p:nvPr>
+        </p:nvSpPr>
+        <p:spPr>
+          <a:solidFill>
+            <a:schemeClr val="tx2">
+              <a:lumMod val="20000"/>
+              <a:lumOff val="80000"/>
+              <a:alpha val="50000"/>
+            </a:schemeClr>
+          </a:solidFill>
+        </p:spPr>
+        <p:txBody>
+          <a:bodyPr/>
+          <a:lstStyle/>
+          <a:p>
+            <a:endParaRPr lang="en-CA" dirty="0"/>
+          </a:p>
+          <a:p>
+            <a:r>
+              <a:rPr lang="en-CA" dirty="0"/>
+              <a:t>bootstrapper()</a:t>
+            </a:r>
+          </a:p>
+          <a:p>
+            <a:r>
+              <a:rPr lang="en-CA" dirty="0" err="1"/>
+              <a:t>stat_smooth_draws</a:t>
+            </a:r>
+            <a:r>
+              <a:rPr lang="en-CA" dirty="0"/>
+              <a:t>()</a:t>
+            </a:r>
+          </a:p>
+          <a:p>
+            <a:r>
+              <a:rPr lang="en-CA" dirty="0"/>
+              <a:t>Animations over bootstrap samples</a:t>
+            </a:r>
+          </a:p>
+        </p:txBody>
+      </p:sp>
+      <p:sp>
+        <p:nvSpPr>
+          <p:cNvPr id="6" name="Text Placeholder 5">
+            <a:extLst>
+              <a:ext uri="{FF2B5EF4-FFF2-40B4-BE49-F238E27FC236}">
+                <a16:creationId xmlns:a16="http://schemas.microsoft.com/office/drawing/2014/main" id="{B6DC6860-795B-7A1E-8D3C-12BD9C391A50}"/>
+              </a:ext>
+            </a:extLst>
+          </p:cNvPr>
+          <p:cNvSpPr>
+            <a:spLocks noGrp="1"/>
+          </p:cNvSpPr>
+          <p:nvPr>
+            <p:ph type="body" sz="quarter" idx="3"/>
+          </p:nvPr>
+        </p:nvSpPr>
+        <p:spPr>
+          <a:solidFill>
+            <a:schemeClr val="tx2">
+              <a:lumMod val="20000"/>
+              <a:lumOff val="80000"/>
+            </a:schemeClr>
+          </a:solidFill>
+        </p:spPr>
+        <p:txBody>
+          <a:bodyPr>
+            <a:normAutofit fontScale="92500" lnSpcReduction="20000"/>
+          </a:bodyPr>
+          <a:lstStyle/>
+          <a:p>
+            <a:r>
+              <a:rPr lang="en-CA" dirty="0" err="1">
+                <a:hlinkClick r:id="rId3"/>
+              </a:rPr>
+              <a:t>rsample</a:t>
+            </a:r>
+            <a:r>
+              <a:rPr lang="en-CA" dirty="0"/>
+              <a:t> Tidy resampling methods</a:t>
+            </a:r>
+          </a:p>
+        </p:txBody>
+      </p:sp>
+      <p:sp>
+        <p:nvSpPr>
+          <p:cNvPr id="7" name="Content Placeholder 6">
+            <a:extLst>
+              <a:ext uri="{FF2B5EF4-FFF2-40B4-BE49-F238E27FC236}">
+                <a16:creationId xmlns:a16="http://schemas.microsoft.com/office/drawing/2014/main" id="{EDEF2497-14CB-07E0-8E48-0744CB93DD60}"/>
+              </a:ext>
+            </a:extLst>
+          </p:cNvPr>
+          <p:cNvSpPr>
+            <a:spLocks noGrp="1"/>
+          </p:cNvSpPr>
+          <p:nvPr>
+            <p:ph sz="quarter" idx="4"/>
+          </p:nvPr>
+        </p:nvSpPr>
+        <p:spPr>
+          <a:solidFill>
+            <a:schemeClr val="tx2">
+              <a:lumMod val="20000"/>
+              <a:lumOff val="80000"/>
+              <a:alpha val="50000"/>
+            </a:schemeClr>
+          </a:solidFill>
+        </p:spPr>
+        <p:txBody>
+          <a:bodyPr/>
+          <a:lstStyle/>
+          <a:p>
+            <a:endParaRPr lang="en-CA" dirty="0"/>
+          </a:p>
+          <a:p>
+            <a:r>
+              <a:rPr lang="en-CA" dirty="0"/>
+              <a:t>Random, stratified, grouped resampling</a:t>
+            </a:r>
+          </a:p>
+          <a:p>
+            <a:r>
+              <a:rPr lang="en-CA" dirty="0"/>
+              <a:t>Cross validation (train, test)</a:t>
+            </a:r>
+          </a:p>
+          <a:p>
+            <a:r>
+              <a:rPr lang="en-CA" dirty="0"/>
+              <a:t>Bootstrapping</a:t>
+            </a:r>
+          </a:p>
+          <a:p>
+            <a:pPr lvl="1"/>
+            <a:r>
+              <a:rPr lang="en-CA" dirty="0"/>
+              <a:t>bootstraps()</a:t>
+            </a:r>
+          </a:p>
+          <a:p>
+            <a:pPr lvl="1"/>
+            <a:r>
+              <a:rPr lang="en-CA" dirty="0"/>
+              <a:t>purr::map() over samples</a:t>
+            </a:r>
+          </a:p>
+          <a:p>
+            <a:pPr lvl="1"/>
+            <a:r>
+              <a:rPr lang="en-CA" dirty="0"/>
+              <a:t>CI methods </a:t>
+            </a:r>
+          </a:p>
+          <a:p>
+            <a:pPr lvl="1"/>
+            <a:r>
+              <a:rPr lang="en-CA" dirty="0"/>
+              <a:t>plots</a:t>
+            </a:r>
+          </a:p>
+          <a:p>
+            <a:pPr lvl="1"/>
+            <a:endParaRPr lang="en-CA" dirty="0"/>
+          </a:p>
+          <a:p>
+            <a:pPr lvl="1"/>
+            <a:endParaRPr lang="en-CA" dirty="0"/>
+          </a:p>
+        </p:txBody>
+      </p:sp>
+      <p:sp>
+        <p:nvSpPr>
+          <p:cNvPr id="3" name="Slide Number Placeholder 2">
+            <a:extLst>
+              <a:ext uri="{FF2B5EF4-FFF2-40B4-BE49-F238E27FC236}">
+                <a16:creationId xmlns:a16="http://schemas.microsoft.com/office/drawing/2014/main" id="{61603543-957F-2F6D-8756-B608DC6634FD}"/>
+              </a:ext>
+            </a:extLst>
+          </p:cNvPr>
+          <p:cNvSpPr>
+            <a:spLocks noGrp="1"/>
+          </p:cNvSpPr>
+          <p:nvPr>
+            <p:ph type="sldNum" sz="quarter" idx="12"/>
+          </p:nvPr>
+        </p:nvSpPr>
+        <p:spPr/>
+        <p:txBody>
+          <a:bodyPr/>
+          <a:lstStyle/>
+          <a:p>
+            <a:fld id="{621225AB-15B9-4C79-A121-04D1DC7E2307}" type="slidenum">
+              <a:rPr lang="en-US" smtClean="0"/>
+              <a:t>7</a:t>
+            </a:fld>
+            <a:endParaRPr lang="en-US"/>
+          </a:p>
+        </p:txBody>
+      </p:sp>
+    </p:spTree>
+    <p:extLst>
+      <p:ext uri="{BB962C8B-B14F-4D97-AF65-F5344CB8AC3E}">
+        <p14:creationId xmlns:p14="http://schemas.microsoft.com/office/powerpoint/2010/main" val="3280372804"/>
+      </p:ext>
+    </p:extLst>
+  </p:cSld>
+  <p:clrMapOvr>
+    <a:masterClrMapping/>
+  </p:clrMapOvr>
+</p:sld>
+</file>
+
+<file path=ppt/slides/slide8.xml><?xml version="1.0" encoding="utf-8"?>
+<p:sld xmlns:a="http://schemas.openxmlformats.org/drawingml/2006/main" xmlns:r="http://schemas.openxmlformats.org/officeDocument/2006/relationships" xmlns:p="http://schemas.openxmlformats.org/presentationml/2006/main">
+  <p:cSld>
+    <p:spTree>
+      <p:nvGrpSpPr>
+        <p:cNvPr id="1" name=""/>
+        <p:cNvGrpSpPr/>
+        <p:nvPr/>
+      </p:nvGrpSpPr>
+      <p:grpSpPr>
+        <a:xfrm>
+          <a:off x="0" y="0"/>
+          <a:ext cx="0" cy="0"/>
+          <a:chOff x="0" y="0"/>
+          <a:chExt cx="0" cy="0"/>
+        </a:xfrm>
+      </p:grpSpPr>
+      <p:sp>
+        <p:nvSpPr>
+          <p:cNvPr id="2" name="Title 1">
+            <a:extLst>
+              <a:ext uri="{FF2B5EF4-FFF2-40B4-BE49-F238E27FC236}">
                 <a16:creationId xmlns:a16="http://schemas.microsoft.com/office/drawing/2014/main" id="{EA2F5B09-2CC2-4AD9-AE98-97AF82E4F4C2}"/>
               </a:ext>
             </a:extLst>
@@ -16039,7 +18222,7 @@
           <a:p>
             <a:fld id="{621225AB-15B9-4C79-A121-04D1DC7E2307}" type="slidenum">
               <a:rPr lang="en-US" smtClean="0"/>
-              <a:t>7</a:t>
+              <a:t>8</a:t>
             </a:fld>
             <a:endParaRPr lang="en-US"/>
           </a:p>
@@ -16059,7 +18242,7 @@
         </p:nvSpPr>
         <p:spPr>
           <a:xfrm>
-            <a:off x="533400" y="1447800"/>
+            <a:off x="533400" y="1295400"/>
             <a:ext cx="4800600" cy="1200329"/>
           </a:xfrm>
           <a:prstGeom prst="rect">
@@ -16226,13 +18409,18 @@
         </p:nvSpPr>
         <p:spPr>
           <a:xfrm>
-            <a:off x="533400" y="2828330"/>
-            <a:ext cx="5867400" cy="3539430"/>
+            <a:off x="533400" y="2667000"/>
+            <a:ext cx="5562600" cy="3539430"/>
           </a:xfrm>
           <a:prstGeom prst="rect">
             <a:avLst/>
           </a:prstGeom>
-          <a:noFill/>
+          <a:solidFill>
+            <a:schemeClr val="bg2">
+              <a:lumMod val="90000"/>
+              <a:alpha val="20000"/>
+            </a:schemeClr>
+          </a:solidFill>
         </p:spPr>
         <p:txBody>
           <a:bodyPr wrap="square" rtlCol="0">
@@ -16277,21 +18465,7 @@
                 <a:latin typeface="Courier New" panose="02070309020205020404" pitchFamily="49" charset="0"/>
                 <a:cs typeface="Courier New" panose="02070309020205020404" pitchFamily="49" charset="0"/>
               </a:rPr>
-              <a:t>   .draw   .id .</a:t>
-            </a:r>
-            <a:r>
-              <a:rPr lang="en-CA" sz="1400" dirty="0" err="1">
-                <a:latin typeface="Courier New" panose="02070309020205020404" pitchFamily="49" charset="0"/>
-                <a:cs typeface="Courier New" panose="02070309020205020404" pitchFamily="49" charset="0"/>
-              </a:rPr>
-              <a:t>original_id</a:t>
-            </a:r>
-            <a:r>
-              <a:rPr lang="en-CA" sz="1400" dirty="0">
-                <a:latin typeface="Courier New" panose="02070309020205020404" pitchFamily="49" charset="0"/>
-                <a:cs typeface="Courier New" panose="02070309020205020404" pitchFamily="49" charset="0"/>
-              </a:rPr>
-              <a:t> </a:t>
+              <a:t>   </a:t>
             </a:r>
             <a:r>
               <a:rPr lang="en-CA" sz="1400" dirty="0">
@@ -16301,22 +18475,53 @@
                 <a:latin typeface="Courier New" panose="02070309020205020404" pitchFamily="49" charset="0"/>
                 <a:cs typeface="Courier New" panose="02070309020205020404" pitchFamily="49" charset="0"/>
               </a:rPr>
-              <a:t>letter</a:t>
+              <a:t>.draw   </a:t>
             </a:r>
             <a:r>
               <a:rPr lang="en-CA" sz="1400" dirty="0">
                 <a:latin typeface="Courier New" panose="02070309020205020404" pitchFamily="49" charset="0"/>
                 <a:cs typeface="Courier New" panose="02070309020205020404" pitchFamily="49" charset="0"/>
               </a:rPr>
-              <a:t> .copies  .row</a:t>
-            </a:r>
-          </a:p>
-          <a:p>
+              <a:t>.id .</a:t>
+            </a:r>
+            <a:r>
+              <a:rPr lang="en-CA" sz="1400" dirty="0" err="1">
+                <a:latin typeface="Courier New" panose="02070309020205020404" pitchFamily="49" charset="0"/>
+                <a:cs typeface="Courier New" panose="02070309020205020404" pitchFamily="49" charset="0"/>
+              </a:rPr>
+              <a:t>original_id</a:t>
+            </a:r>
             <a:r>
               <a:rPr lang="en-CA" sz="1400" dirty="0">
                 <a:latin typeface="Courier New" panose="02070309020205020404" pitchFamily="49" charset="0"/>
                 <a:cs typeface="Courier New" panose="02070309020205020404" pitchFamily="49" charset="0"/>
               </a:rPr>
+              <a:t> </a:t>
+            </a:r>
+            <a:r>
+              <a:rPr lang="en-CA" sz="1400" dirty="0">
+                <a:highlight>
+                  <a:srgbClr val="FFFF00"/>
+                </a:highlight>
+                <a:latin typeface="Courier New" panose="02070309020205020404" pitchFamily="49" charset="0"/>
+                <a:cs typeface="Courier New" panose="02070309020205020404" pitchFamily="49" charset="0"/>
+              </a:rPr>
+              <a:t>letter</a:t>
+            </a:r>
+            <a:r>
+              <a:rPr lang="en-CA" sz="1400" dirty="0">
+                <a:latin typeface="Courier New" panose="02070309020205020404" pitchFamily="49" charset="0"/>
+                <a:cs typeface="Courier New" panose="02070309020205020404" pitchFamily="49" charset="0"/>
+              </a:rPr>
+              <a:t> .copies  .row</a:t>
+            </a:r>
+          </a:p>
+          <a:p>
+            <a:r>
+              <a:rPr lang="en-CA" sz="1400" dirty="0">
+                <a:latin typeface="Courier New" panose="02070309020205020404" pitchFamily="49" charset="0"/>
+                <a:cs typeface="Courier New" panose="02070309020205020404" pitchFamily="49" charset="0"/>
+              </a:rPr>
               <a:t>   &lt;int&gt; &lt;int&gt;        &lt;int&gt; &lt;</a:t>
             </a:r>
             <a:r>
@@ -16458,80 +18663,101 @@
           </a:p>
         </p:txBody>
       </p:sp>
-      <p:cxnSp>
-        <p:nvCxnSpPr>
-          <p:cNvPr id="12" name="Straight Connector 11">
+      <p:grpSp>
+        <p:nvGrpSpPr>
+          <p:cNvPr id="6" name="Group 5">
             <a:extLst>
               <a:ext uri="{FF2B5EF4-FFF2-40B4-BE49-F238E27FC236}">
-                <a16:creationId xmlns:a16="http://schemas.microsoft.com/office/drawing/2014/main" id="{B4E0B156-027D-4235-84AB-732EBCDD38FD}"/>
+                <a16:creationId xmlns:a16="http://schemas.microsoft.com/office/drawing/2014/main" id="{81B7C613-3A13-5275-FB1D-B50503AEAA35}"/>
               </a:ext>
             </a:extLst>
           </p:cNvPr>
-          <p:cNvCxnSpPr>
-            <a:cxnSpLocks/>
-          </p:cNvCxnSpPr>
+          <p:cNvGrpSpPr/>
           <p:nvPr/>
-        </p:nvCxnSpPr>
-        <p:spPr>
+        </p:nvGrpSpPr>
+        <p:grpSpPr>
           <a:xfrm>
-            <a:off x="1066800" y="4572000"/>
-            <a:ext cx="4724400" cy="0"/>
+            <a:off x="1066800" y="4610100"/>
+            <a:ext cx="4724400" cy="855784"/>
+            <a:chOff x="1066800" y="4572000"/>
+            <a:chExt cx="4724400" cy="855784"/>
           </a:xfrm>
-          <a:prstGeom prst="line">
-            <a:avLst/>
-          </a:prstGeom>
-        </p:spPr>
-        <p:style>
-          <a:lnRef idx="1">
-            <a:schemeClr val="accent1"/>
-          </a:lnRef>
-          <a:fillRef idx="0">
-            <a:schemeClr val="accent1"/>
-          </a:fillRef>
-          <a:effectRef idx="0">
-            <a:schemeClr val="accent1"/>
-          </a:effectRef>
-          <a:fontRef idx="minor">
-            <a:schemeClr val="tx1"/>
-          </a:fontRef>
-        </p:style>
-      </p:cxnSp>
-      <p:cxnSp>
-        <p:nvCxnSpPr>
-          <p:cNvPr id="13" name="Straight Connector 12">
-            <a:extLst>
-              <a:ext uri="{FF2B5EF4-FFF2-40B4-BE49-F238E27FC236}">
-                <a16:creationId xmlns:a16="http://schemas.microsoft.com/office/drawing/2014/main" id="{60ADAFAA-E7FD-4100-9C3E-664BF089FA05}"/>
-              </a:ext>
-            </a:extLst>
-          </p:cNvPr>
-          <p:cNvCxnSpPr/>
-          <p:nvPr/>
-        </p:nvCxnSpPr>
-        <p:spPr>
-          <a:xfrm>
-            <a:off x="1066800" y="5427784"/>
-            <a:ext cx="4724400" cy="0"/>
-          </a:xfrm>
-          <a:prstGeom prst="line">
-            <a:avLst/>
-          </a:prstGeom>
-        </p:spPr>
-        <p:style>
-          <a:lnRef idx="1">
-            <a:schemeClr val="accent1"/>
-          </a:lnRef>
-          <a:fillRef idx="0">
-            <a:schemeClr val="accent1"/>
-          </a:fillRef>
-          <a:effectRef idx="0">
-            <a:schemeClr val="accent1"/>
-          </a:effectRef>
-          <a:fontRef idx="minor">
-            <a:schemeClr val="tx1"/>
-          </a:fontRef>
-        </p:style>
-      </p:cxnSp>
+        </p:grpSpPr>
+        <p:cxnSp>
+          <p:nvCxnSpPr>
+            <p:cNvPr id="12" name="Straight Connector 11">
+              <a:extLst>
+                <a:ext uri="{FF2B5EF4-FFF2-40B4-BE49-F238E27FC236}">
+                  <a16:creationId xmlns:a16="http://schemas.microsoft.com/office/drawing/2014/main" id="{B4E0B156-027D-4235-84AB-732EBCDD38FD}"/>
+                </a:ext>
+              </a:extLst>
+            </p:cNvPr>
+            <p:cNvCxnSpPr>
+              <a:cxnSpLocks/>
+            </p:cNvCxnSpPr>
+            <p:nvPr/>
+          </p:nvCxnSpPr>
+          <p:spPr>
+            <a:xfrm>
+              <a:off x="1066800" y="4572000"/>
+              <a:ext cx="4724400" cy="0"/>
+            </a:xfrm>
+            <a:prstGeom prst="line">
+              <a:avLst/>
+            </a:prstGeom>
+          </p:spPr>
+          <p:style>
+            <a:lnRef idx="1">
+              <a:schemeClr val="accent1"/>
+            </a:lnRef>
+            <a:fillRef idx="0">
+              <a:schemeClr val="accent1"/>
+            </a:fillRef>
+            <a:effectRef idx="0">
+              <a:schemeClr val="accent1"/>
+            </a:effectRef>
+            <a:fontRef idx="minor">
+              <a:schemeClr val="tx1"/>
+            </a:fontRef>
+          </p:style>
+        </p:cxnSp>
+        <p:cxnSp>
+          <p:nvCxnSpPr>
+            <p:cNvPr id="13" name="Straight Connector 12">
+              <a:extLst>
+                <a:ext uri="{FF2B5EF4-FFF2-40B4-BE49-F238E27FC236}">
+                  <a16:creationId xmlns:a16="http://schemas.microsoft.com/office/drawing/2014/main" id="{60ADAFAA-E7FD-4100-9C3E-664BF089FA05}"/>
+                </a:ext>
+              </a:extLst>
+            </p:cNvPr>
+            <p:cNvCxnSpPr/>
+            <p:nvPr/>
+          </p:nvCxnSpPr>
+          <p:spPr>
+            <a:xfrm>
+              <a:off x="1066800" y="5427784"/>
+              <a:ext cx="4724400" cy="0"/>
+            </a:xfrm>
+            <a:prstGeom prst="line">
+              <a:avLst/>
+            </a:prstGeom>
+          </p:spPr>
+          <p:style>
+            <a:lnRef idx="1">
+              <a:schemeClr val="accent1"/>
+            </a:lnRef>
+            <a:fillRef idx="0">
+              <a:schemeClr val="accent1"/>
+            </a:fillRef>
+            <a:effectRef idx="0">
+              <a:schemeClr val="accent1"/>
+            </a:effectRef>
+            <a:fontRef idx="minor">
+              <a:schemeClr val="tx1"/>
+            </a:fontRef>
+          </p:style>
+        </p:cxnSp>
+      </p:grpSp>
       <p:sp>
         <p:nvSpPr>
           <p:cNvPr id="8" name="TextBox 7">
@@ -16546,7 +18772,7 @@
         </p:nvSpPr>
         <p:spPr>
           <a:xfrm>
-            <a:off x="5943600" y="1509251"/>
+            <a:off x="5943600" y="1371600"/>
             <a:ext cx="2743200" cy="1200329"/>
           </a:xfrm>
           <a:prstGeom prst="rect">
@@ -16599,8 +18825,8 @@
         </p:nvSpPr>
         <p:spPr>
           <a:xfrm>
-            <a:off x="6324600" y="4237156"/>
-            <a:ext cx="2362200" cy="1477328"/>
+            <a:off x="6324600" y="3657600"/>
+            <a:ext cx="2362200" cy="1754326"/>
           </a:xfrm>
           <a:prstGeom prst="rect">
             <a:avLst/>
@@ -16614,8 +18840,14 @@
           <a:lstStyle/>
           <a:p>
             <a:r>
+              <a:rPr lang="en-US" dirty="0">
+                <a:latin typeface="Consolas" panose="020B0609020204030204" pitchFamily="49" charset="0"/>
+              </a:rPr>
+              <a:t>letter</a:t>
+            </a:r>
+            <a:r>
               <a:rPr lang="en-US" dirty="0"/>
-              <a:t>letter is the data value.</a:t>
+              <a:t> is the data value.</a:t>
             </a:r>
           </a:p>
           <a:p>
@@ -16625,6 +18857,51 @@
             <a:r>
               <a:rPr lang="en-US" dirty="0"/>
               <a:t>Other variables identify all aspects of the bootstrap</a:t>
+            </a:r>
+          </a:p>
+        </p:txBody>
+      </p:sp>
+      <p:sp>
+        <p:nvSpPr>
+          <p:cNvPr id="7" name="TextBox 6">
+            <a:extLst>
+              <a:ext uri="{FF2B5EF4-FFF2-40B4-BE49-F238E27FC236}">
+                <a16:creationId xmlns:a16="http://schemas.microsoft.com/office/drawing/2014/main" id="{DA5A3C8B-127C-4645-A68D-FCD0B65AE9B3}"/>
+              </a:ext>
+            </a:extLst>
+          </p:cNvPr>
+          <p:cNvSpPr txBox="1"/>
+          <p:nvPr/>
+        </p:nvSpPr>
+        <p:spPr>
+          <a:xfrm>
+            <a:off x="457200" y="6324600"/>
+            <a:ext cx="7620000" cy="307777"/>
+          </a:xfrm>
+          <a:prstGeom prst="rect">
+            <a:avLst/>
+          </a:prstGeom>
+          <a:noFill/>
+        </p:spPr>
+        <p:txBody>
+          <a:bodyPr wrap="square" rtlCol="0">
+            <a:spAutoFit/>
+          </a:bodyPr>
+          <a:lstStyle/>
+          <a:p>
+            <a:r>
+              <a:rPr lang="en-CA" sz="1400" dirty="0"/>
+              <a:t>Code: </a:t>
+            </a:r>
+            <a:r>
+              <a:rPr lang="en-CA" sz="1400" dirty="0">
+                <a:hlinkClick r:id="rId2"/>
+              </a:rPr>
+              <a:t>https://raw.githubusercontent.com/friendly/6135/refs/heads/master/R/bootstrap-demo.R</a:t>
+            </a:r>
+            <a:r>
+              <a:rPr lang="en-CA" sz="1400" dirty="0"/>
+              <a:t> </a:t>
             </a:r>
           </a:p>
         </p:txBody>
@@ -16642,7 +18919,7 @@
 </p:sld>
 </file>
 
-<file path=ppt/slides/slide8.xml><?xml version="1.0" encoding="utf-8"?>
+<file path=ppt/slides/slide9.xml><?xml version="1.0" encoding="utf-8"?>
 <p:sld xmlns:a="http://schemas.openxmlformats.org/drawingml/2006/main" xmlns:r="http://schemas.openxmlformats.org/officeDocument/2006/relationships" xmlns:p="http://schemas.openxmlformats.org/presentationml/2006/main">
   <p:cSld>
     <p:spTree>
@@ -16748,7 +19025,7 @@
           <a:p>
             <a:fld id="{621225AB-15B9-4C79-A121-04D1DC7E2307}" type="slidenum">
               <a:rPr lang="en-US" smtClean="0"/>
-              <a:t>8</a:t>
+              <a:t>9</a:t>
             </a:fld>
             <a:endParaRPr lang="en-US"/>
           </a:p>
@@ -16964,7 +19241,7 @@
         </p:nvSpPr>
         <p:spPr>
           <a:xfrm>
-            <a:off x="5257800" y="2615401"/>
+            <a:off x="5257800" y="2286000"/>
             <a:ext cx="3429000" cy="338554"/>
           </a:xfrm>
           <a:prstGeom prst="rect">
@@ -16981,6 +19258,61 @@
             <a:r>
               <a:rPr lang="en-US" sz="1600" dirty="0"/>
               <a:t>The same for 5 draws of LETTERS[1:5]</a:t>
+            </a:r>
+          </a:p>
+        </p:txBody>
+      </p:sp>
+      <p:sp>
+        <p:nvSpPr>
+          <p:cNvPr id="7" name="TextBox 6">
+            <a:extLst>
+              <a:ext uri="{FF2B5EF4-FFF2-40B4-BE49-F238E27FC236}">
+                <a16:creationId xmlns:a16="http://schemas.microsoft.com/office/drawing/2014/main" id="{69B23797-F005-27E7-4AE0-B0DB10081990}"/>
+              </a:ext>
+            </a:extLst>
+          </p:cNvPr>
+          <p:cNvSpPr txBox="1"/>
+          <p:nvPr/>
+        </p:nvSpPr>
+        <p:spPr>
+          <a:xfrm>
+            <a:off x="5334000" y="2624554"/>
+            <a:ext cx="3350351" cy="461665"/>
+          </a:xfrm>
+          <a:prstGeom prst="rect">
+            <a:avLst/>
+          </a:prstGeom>
+          <a:solidFill>
+            <a:schemeClr val="accent6">
+              <a:lumMod val="20000"/>
+              <a:lumOff val="80000"/>
+              <a:alpha val="50000"/>
+            </a:schemeClr>
+          </a:solidFill>
+        </p:spPr>
+        <p:txBody>
+          <a:bodyPr wrap="square" rtlCol="0">
+            <a:spAutoFit/>
+          </a:bodyPr>
+          <a:lstStyle/>
+          <a:p>
+            <a:r>
+              <a:rPr lang="en-CA" sz="1200" dirty="0"/>
+              <a:t>bs2 &lt;- bootstrapper(5)</a:t>
+            </a:r>
+          </a:p>
+          <a:p>
+            <a:r>
+              <a:rPr lang="en-CA" sz="1200" dirty="0"/>
+              <a:t>draws2 &lt;- bs2(</a:t>
+            </a:r>
+            <a:r>
+              <a:rPr lang="en-CA" sz="1200" dirty="0" err="1"/>
+              <a:t>data.frame</a:t>
+            </a:r>
+            <a:r>
+              <a:rPr lang="en-CA" sz="1200" dirty="0"/>
+              <a:t>(letter = LETTERS[1:5]))</a:t>
             </a:r>
           </a:p>
         </p:txBody>
@@ -17100,499 +19432,6 @@
       <p:bldP spid="9" grpId="0"/>
     </p:bldLst>
   </p:timing>
-</p:sld>
-</file>
-
-<file path=ppt/slides/slide9.xml><?xml version="1.0" encoding="utf-8"?>
-<p:sld xmlns:a="http://schemas.openxmlformats.org/drawingml/2006/main" xmlns:r="http://schemas.openxmlformats.org/officeDocument/2006/relationships" xmlns:p="http://schemas.openxmlformats.org/presentationml/2006/main">
-  <p:cSld>
-    <p:spTree>
-      <p:nvGrpSpPr>
-        <p:cNvPr id="1" name=""/>
-        <p:cNvGrpSpPr/>
-        <p:nvPr/>
-      </p:nvGrpSpPr>
-      <p:grpSpPr>
-        <a:xfrm>
-          <a:off x="0" y="0"/>
-          <a:ext cx="0" cy="0"/>
-          <a:chOff x="0" y="0"/>
-          <a:chExt cx="0" cy="0"/>
-        </a:xfrm>
-      </p:grpSpPr>
-      <p:sp>
-        <p:nvSpPr>
-          <p:cNvPr id="2" name="Title 1">
-            <a:extLst>
-              <a:ext uri="{FF2B5EF4-FFF2-40B4-BE49-F238E27FC236}">
-                <a16:creationId xmlns:a16="http://schemas.microsoft.com/office/drawing/2014/main" id="{EB0509C2-399D-4413-9175-C633662CA722}"/>
-              </a:ext>
-            </a:extLst>
-          </p:cNvPr>
-          <p:cNvSpPr>
-            <a:spLocks noGrp="1"/>
-          </p:cNvSpPr>
-          <p:nvPr>
-            <p:ph type="title"/>
-          </p:nvPr>
-        </p:nvSpPr>
-        <p:spPr/>
-        <p:txBody>
-          <a:bodyPr>
-            <a:normAutofit fontScale="90000"/>
-          </a:bodyPr>
-          <a:lstStyle/>
-          <a:p>
-            <a:r>
-              <a:rPr lang="en-US" dirty="0"/>
-              <a:t>Regression illustration</a:t>
-            </a:r>
-          </a:p>
-        </p:txBody>
-      </p:sp>
-      <p:sp>
-        <p:nvSpPr>
-          <p:cNvPr id="3" name="Slide Number Placeholder 2">
-            <a:extLst>
-              <a:ext uri="{FF2B5EF4-FFF2-40B4-BE49-F238E27FC236}">
-                <a16:creationId xmlns:a16="http://schemas.microsoft.com/office/drawing/2014/main" id="{C3EAEC86-62F4-4D34-9D30-2DBB508335EB}"/>
-              </a:ext>
-            </a:extLst>
-          </p:cNvPr>
-          <p:cNvSpPr>
-            <a:spLocks noGrp="1"/>
-          </p:cNvSpPr>
-          <p:nvPr>
-            <p:ph type="sldNum" sz="quarter" idx="12"/>
-          </p:nvPr>
-        </p:nvSpPr>
-        <p:spPr/>
-        <p:txBody>
-          <a:bodyPr/>
-          <a:lstStyle/>
-          <a:p>
-            <a:fld id="{621225AB-15B9-4C79-A121-04D1DC7E2307}" type="slidenum">
-              <a:rPr lang="en-US" smtClean="0"/>
-              <a:t>9</a:t>
-            </a:fld>
-            <a:endParaRPr lang="en-US"/>
-          </a:p>
-        </p:txBody>
-      </p:sp>
-      <p:pic>
-        <p:nvPicPr>
-          <p:cNvPr id="5" name="Picture 4" descr="Chart, scatter chart&#10;&#10;Description automatically generated">
-            <a:extLst>
-              <a:ext uri="{FF2B5EF4-FFF2-40B4-BE49-F238E27FC236}">
-                <a16:creationId xmlns:a16="http://schemas.microsoft.com/office/drawing/2014/main" id="{F9A54C61-C10C-4BD1-9AD7-8FAB973DB79A}"/>
-              </a:ext>
-            </a:extLst>
-          </p:cNvPr>
-          <p:cNvPicPr>
-            <a:picLocks noChangeAspect="1"/>
-          </p:cNvPicPr>
-          <p:nvPr/>
-        </p:nvPicPr>
-        <p:blipFill>
-          <a:blip r:embed="rId2">
-            <a:extLst>
-              <a:ext uri="{28A0092B-C50C-407E-A947-70E740481C1C}">
-                <a14:useLocalDpi xmlns:a14="http://schemas.microsoft.com/office/drawing/2010/main" val="0"/>
-              </a:ext>
-            </a:extLst>
-          </a:blip>
-          <a:stretch>
-            <a:fillRect/>
-          </a:stretch>
-        </p:blipFill>
-        <p:spPr>
-          <a:xfrm>
-            <a:off x="4627264" y="1752600"/>
-            <a:ext cx="4125759" cy="4125759"/>
-          </a:xfrm>
-          <a:prstGeom prst="rect">
-            <a:avLst/>
-          </a:prstGeom>
-        </p:spPr>
-      </p:pic>
-      <p:sp>
-        <p:nvSpPr>
-          <p:cNvPr id="6" name="TextBox 5">
-            <a:extLst>
-              <a:ext uri="{FF2B5EF4-FFF2-40B4-BE49-F238E27FC236}">
-                <a16:creationId xmlns:a16="http://schemas.microsoft.com/office/drawing/2014/main" id="{F2D5496C-E6E2-45E5-A2FF-4C1D508B7F88}"/>
-              </a:ext>
-            </a:extLst>
-          </p:cNvPr>
-          <p:cNvSpPr txBox="1"/>
-          <p:nvPr/>
-        </p:nvSpPr>
-        <p:spPr>
-          <a:xfrm>
-            <a:off x="459658" y="1463070"/>
-            <a:ext cx="3962400" cy="1815882"/>
-          </a:xfrm>
-          <a:prstGeom prst="rect">
-            <a:avLst/>
-          </a:prstGeom>
-          <a:solidFill>
-            <a:schemeClr val="accent6">
-              <a:lumMod val="20000"/>
-              <a:lumOff val="80000"/>
-              <a:alpha val="60000"/>
-            </a:schemeClr>
-          </a:solidFill>
-        </p:spPr>
-        <p:txBody>
-          <a:bodyPr wrap="square" rtlCol="0">
-            <a:spAutoFit/>
-          </a:bodyPr>
-          <a:lstStyle/>
-          <a:p>
-            <a:r>
-              <a:rPr lang="en-US" sz="1600" dirty="0">
-                <a:solidFill>
-                  <a:srgbClr val="00B050"/>
-                </a:solidFill>
-              </a:rPr>
-              <a:t># randomly generate dataset</a:t>
-            </a:r>
-          </a:p>
-          <a:p>
-            <a:r>
-              <a:rPr lang="en-US" sz="1600" dirty="0" err="1"/>
-              <a:t>set.seed</a:t>
-            </a:r>
-            <a:r>
-              <a:rPr lang="en-US" sz="1600" dirty="0"/>
-              <a:t>(12345)</a:t>
-            </a:r>
-          </a:p>
-          <a:p>
-            <a:r>
-              <a:rPr lang="en-US" sz="1600" dirty="0"/>
-              <a:t>x &lt;- </a:t>
-            </a:r>
-            <a:r>
-              <a:rPr lang="en-US" sz="1600" dirty="0" err="1"/>
-              <a:t>rnorm</a:t>
-            </a:r>
-            <a:r>
-              <a:rPr lang="en-US" sz="1600" dirty="0"/>
-              <a:t>(15)</a:t>
-            </a:r>
-          </a:p>
-          <a:p>
-            <a:r>
-              <a:rPr lang="en-US" sz="1600" dirty="0"/>
-              <a:t>df &lt;- </a:t>
-            </a:r>
-            <a:r>
-              <a:rPr lang="en-US" sz="1600" dirty="0" err="1"/>
-              <a:t>data.frame</a:t>
-            </a:r>
-            <a:r>
-              <a:rPr lang="en-US" sz="1600" dirty="0"/>
-              <a:t>(x, </a:t>
-            </a:r>
-          </a:p>
-          <a:p>
-            <a:r>
-              <a:rPr lang="en-US" sz="1600" dirty="0"/>
-              <a:t>                              y = x + 0.5*</a:t>
-            </a:r>
-            <a:r>
-              <a:rPr lang="en-US" sz="1600" dirty="0" err="1"/>
-              <a:t>rnorm</a:t>
-            </a:r>
-            <a:r>
-              <a:rPr lang="en-US" sz="1600" dirty="0"/>
-              <a:t>(15))</a:t>
-            </a:r>
-          </a:p>
-          <a:p>
-            <a:r>
-              <a:rPr lang="en-US" sz="1600" dirty="0">
-                <a:solidFill>
-                  <a:srgbClr val="00B050"/>
-                </a:solidFill>
-              </a:rPr>
-              <a:t># bootstrapper object</a:t>
-            </a:r>
-          </a:p>
-          <a:p>
-            <a:r>
-              <a:rPr lang="en-US" sz="1600" dirty="0" err="1"/>
-              <a:t>bsr</a:t>
-            </a:r>
-            <a:r>
-              <a:rPr lang="en-US" sz="1600" dirty="0"/>
-              <a:t> &lt;- bootstrapper(10)</a:t>
-            </a:r>
-          </a:p>
-        </p:txBody>
-      </p:sp>
-      <p:sp>
-        <p:nvSpPr>
-          <p:cNvPr id="7" name="TextBox 6">
-            <a:extLst>
-              <a:ext uri="{FF2B5EF4-FFF2-40B4-BE49-F238E27FC236}">
-                <a16:creationId xmlns:a16="http://schemas.microsoft.com/office/drawing/2014/main" id="{8BDB3AFD-CA42-4293-B358-5042A0A8F79A}"/>
-              </a:ext>
-            </a:extLst>
-          </p:cNvPr>
-          <p:cNvSpPr txBox="1"/>
-          <p:nvPr/>
-        </p:nvSpPr>
-        <p:spPr>
-          <a:xfrm>
-            <a:off x="418016" y="4043515"/>
-            <a:ext cx="4125759" cy="2062103"/>
-          </a:xfrm>
-          <a:prstGeom prst="rect">
-            <a:avLst/>
-          </a:prstGeom>
-          <a:solidFill>
-            <a:schemeClr val="accent6">
-              <a:lumMod val="20000"/>
-              <a:lumOff val="80000"/>
-              <a:alpha val="60000"/>
-            </a:schemeClr>
-          </a:solidFill>
-        </p:spPr>
-        <p:txBody>
-          <a:bodyPr wrap="square" rtlCol="0">
-            <a:spAutoFit/>
-          </a:bodyPr>
-          <a:lstStyle/>
-          <a:p>
-            <a:r>
-              <a:rPr lang="en-US" sz="1600" dirty="0" err="1"/>
-              <a:t>ggplot</a:t>
-            </a:r>
-            <a:r>
-              <a:rPr lang="en-US" sz="1600" dirty="0"/>
-              <a:t>(df, </a:t>
-            </a:r>
-            <a:r>
-              <a:rPr lang="en-US" sz="1600" dirty="0" err="1"/>
-              <a:t>aes</a:t>
-            </a:r>
-            <a:r>
-              <a:rPr lang="en-US" sz="1600" dirty="0"/>
-              <a:t>(</a:t>
-            </a:r>
-            <a:r>
-              <a:rPr lang="en-US" sz="1600" dirty="0" err="1"/>
-              <a:t>x,y</a:t>
-            </a:r>
-            <a:r>
-              <a:rPr lang="en-US" sz="1600" dirty="0"/>
-              <a:t>) +</a:t>
-            </a:r>
-          </a:p>
-          <a:p>
-            <a:r>
-              <a:rPr lang="en-US" sz="1600" dirty="0"/>
-              <a:t>  </a:t>
-            </a:r>
-            <a:r>
-              <a:rPr lang="en-US" sz="1600" dirty="0" err="1"/>
-              <a:t>geom_point</a:t>
-            </a:r>
-            <a:r>
-              <a:rPr lang="en-US" sz="1600" dirty="0"/>
-              <a:t>(data=</a:t>
-            </a:r>
-            <a:r>
-              <a:rPr lang="en-US" sz="1600" dirty="0" err="1"/>
-              <a:t>bsr</a:t>
-            </a:r>
-            <a:r>
-              <a:rPr lang="en-US" sz="1600" dirty="0"/>
-              <a:t>, </a:t>
-            </a:r>
-            <a:r>
-              <a:rPr lang="en-US" sz="1600" dirty="0" err="1"/>
-              <a:t>aes</a:t>
-            </a:r>
-            <a:r>
-              <a:rPr lang="en-US" sz="1600" dirty="0"/>
-              <a:t>(group= .row) +</a:t>
-            </a:r>
-          </a:p>
-          <a:p>
-            <a:r>
-              <a:rPr lang="en-US" sz="1600" dirty="0"/>
-              <a:t>  </a:t>
-            </a:r>
-            <a:r>
-              <a:rPr lang="en-US" sz="1600" dirty="0" err="1"/>
-              <a:t>geom_text</a:t>
-            </a:r>
-            <a:r>
-              <a:rPr lang="en-US" sz="1600" dirty="0"/>
-              <a:t>(data = </a:t>
-            </a:r>
-            <a:r>
-              <a:rPr lang="en-US" sz="1600" dirty="0" err="1"/>
-              <a:t>bsr</a:t>
-            </a:r>
-            <a:r>
-              <a:rPr lang="en-US" sz="1600" dirty="0"/>
-              <a:t>, </a:t>
-            </a:r>
-            <a:r>
-              <a:rPr lang="en-US" sz="1600" dirty="0" err="1"/>
-              <a:t>aes</a:t>
-            </a:r>
-            <a:r>
-              <a:rPr lang="en-US" sz="1600" dirty="0"/>
-              <a:t>(label = .copies) +</a:t>
-            </a:r>
-          </a:p>
-          <a:p>
-            <a:r>
-              <a:rPr lang="en-US" sz="1600" dirty="0"/>
-              <a:t>  </a:t>
-            </a:r>
-            <a:r>
-              <a:rPr lang="en-US" sz="1600" dirty="0" err="1"/>
-              <a:t>geom_smooth</a:t>
-            </a:r>
-            <a:r>
-              <a:rPr lang="en-US" sz="1600" dirty="0"/>
-              <a:t>(data = </a:t>
-            </a:r>
-            <a:r>
-              <a:rPr lang="en-US" sz="1600" dirty="0" err="1"/>
-              <a:t>bsr</a:t>
-            </a:r>
-            <a:r>
-              <a:rPr lang="en-US" sz="1600" dirty="0"/>
-              <a:t>, </a:t>
-            </a:r>
-            <a:r>
-              <a:rPr lang="en-US" sz="1600" dirty="0" err="1"/>
-              <a:t>aes</a:t>
-            </a:r>
-            <a:r>
-              <a:rPr lang="en-US" sz="1600" dirty="0"/>
-              <a:t>(group = .draw),</a:t>
-            </a:r>
-          </a:p>
-          <a:p>
-            <a:r>
-              <a:rPr lang="en-US" sz="1600" dirty="0"/>
-              <a:t>                             method = "</a:t>
-            </a:r>
-            <a:r>
-              <a:rPr lang="en-US" sz="1600" dirty="0" err="1"/>
-              <a:t>lm</a:t>
-            </a:r>
-            <a:r>
-              <a:rPr lang="en-US" sz="1600" dirty="0"/>
-              <a:t>“) +</a:t>
-            </a:r>
-          </a:p>
-          <a:p>
-            <a:r>
-              <a:rPr lang="en-US" sz="1600" dirty="0"/>
-              <a:t>  </a:t>
-            </a:r>
-            <a:r>
-              <a:rPr lang="en-US" sz="1600" dirty="0">
-                <a:solidFill>
-                  <a:srgbClr val="00B050"/>
-                </a:solidFill>
-              </a:rPr>
-              <a:t># animation</a:t>
-            </a:r>
-          </a:p>
-          <a:p>
-            <a:r>
-              <a:rPr lang="sv-SE" sz="1600" dirty="0"/>
-              <a:t>  transition_states(</a:t>
-            </a:r>
-            <a:r>
-              <a:rPr lang="sv-SE" sz="1600" dirty="0">
-                <a:highlight>
-                  <a:srgbClr val="FFFF00"/>
-                </a:highlight>
-              </a:rPr>
-              <a:t>.draw</a:t>
-            </a:r>
-            <a:r>
-              <a:rPr lang="sv-SE" sz="1600" dirty="0"/>
-              <a:t>, 1, 2) +</a:t>
-            </a:r>
-          </a:p>
-          <a:p>
-            <a:r>
-              <a:rPr lang="sv-SE" sz="1600" dirty="0"/>
-              <a:t>  enter_fade() + exit_fade()</a:t>
-            </a:r>
-            <a:endParaRPr lang="en-US" sz="1600" dirty="0"/>
-          </a:p>
-        </p:txBody>
-      </p:sp>
-      <p:sp>
-        <p:nvSpPr>
-          <p:cNvPr id="4" name="TextBox 3">
-            <a:extLst>
-              <a:ext uri="{FF2B5EF4-FFF2-40B4-BE49-F238E27FC236}">
-                <a16:creationId xmlns:a16="http://schemas.microsoft.com/office/drawing/2014/main" id="{BFA73E54-D3DC-4F66-977F-79A9712E666D}"/>
-              </a:ext>
-            </a:extLst>
-          </p:cNvPr>
-          <p:cNvSpPr txBox="1"/>
-          <p:nvPr/>
-        </p:nvSpPr>
-        <p:spPr>
-          <a:xfrm>
-            <a:off x="418016" y="3490138"/>
-            <a:ext cx="3363759" cy="369332"/>
-          </a:xfrm>
-          <a:prstGeom prst="rect">
-            <a:avLst/>
-          </a:prstGeom>
-          <a:noFill/>
-        </p:spPr>
-        <p:txBody>
-          <a:bodyPr wrap="square" rtlCol="0">
-            <a:spAutoFit/>
-          </a:bodyPr>
-          <a:lstStyle/>
-          <a:p>
-            <a:r>
-              <a:rPr lang="en-US" dirty="0"/>
-              <a:t>Animated plot, by </a:t>
-            </a:r>
-            <a:r>
-              <a:rPr lang="en-US" dirty="0">
-                <a:highlight>
-                  <a:srgbClr val="FFFF00"/>
-                </a:highlight>
-              </a:rPr>
-              <a:t>.draw</a:t>
-            </a:r>
-            <a:r>
-              <a:rPr lang="en-US" dirty="0"/>
-              <a:t>:</a:t>
-            </a:r>
-          </a:p>
-        </p:txBody>
-      </p:sp>
-    </p:spTree>
-    <p:extLst>
-      <p:ext uri="{BB962C8B-B14F-4D97-AF65-F5344CB8AC3E}">
-        <p14:creationId xmlns:p14="http://schemas.microsoft.com/office/powerpoint/2010/main" val="2421676678"/>
-      </p:ext>
-    </p:extLst>
-  </p:cSld>
-  <p:clrMapOvr>
-    <a:masterClrMapping/>
-  </p:clrMapOvr>
 </p:sld>
 </file>
 
